--- a/San_Charcha_30th_Sept.pptx
+++ b/San_Charcha_30th_Sept.pptx
@@ -1928,8 +1928,8 @@
             <a:defRPr cap="all"/>
           </a:pPr>
           <a:r>
-            <a:rPr lang="en-US"/>
-            <a:t>Fix issues with the code.</a:t>
+            <a:rPr lang="en-US" dirty="0"/>
+            <a:t>Fix issues IN the code.</a:t>
           </a:r>
         </a:p>
       </dgm:t>
@@ -2809,8 +2809,8 @@
             <a:defRPr cap="all"/>
           </a:pPr>
           <a:r>
-            <a:rPr lang="en-US" sz="2300" kern="1200"/>
-            <a:t>Fix issues with the code.</a:t>
+            <a:rPr lang="en-US" sz="2300" kern="1200" dirty="0"/>
+            <a:t>Fix issues IN the code.</a:t>
           </a:r>
         </a:p>
       </dsp:txBody>
@@ -8716,10 +8716,49 @@
       </p:grpSpPr>
       <p:sp>
         <p:nvSpPr>
-          <p:cNvPr id="72" name="Rectangle 71">
+          <p:cNvPr id="2" name="Title 1">
             <a:extLst>
               <a:ext uri="{FF2B5EF4-FFF2-40B4-BE49-F238E27FC236}">
-                <a16:creationId xmlns:a16="http://schemas.microsoft.com/office/drawing/2014/main" id="{1707FC24-6981-43D9-B525-C7832BA22463}"/>
+                <a16:creationId xmlns:a16="http://schemas.microsoft.com/office/drawing/2014/main" id="{D9F6C71E-36C6-5945-A7B8-AB97D635EC57}"/>
+              </a:ext>
+            </a:extLst>
+          </p:cNvPr>
+          <p:cNvSpPr>
+            <a:spLocks noGrp="1"/>
+          </p:cNvSpPr>
+          <p:nvPr>
+            <p:ph type="title"/>
+          </p:nvPr>
+        </p:nvSpPr>
+        <p:spPr>
+          <a:xfrm>
+            <a:off x="838200" y="2340430"/>
+            <a:ext cx="4245429" cy="2206364"/>
+          </a:xfrm>
+        </p:spPr>
+        <p:txBody>
+          <a:bodyPr>
+            <a:normAutofit/>
+          </a:bodyPr>
+          <a:lstStyle/>
+          <a:p>
+            <a:r>
+              <a:rPr lang="en-US"/>
+              <a:t>FABRIC </a:t>
+            </a:r>
+            <a:r>
+              <a:rPr lang="en-US" dirty="0"/>
+              <a:t>TOPOLOGY GENERATOR</a:t>
+            </a:r>
+          </a:p>
+        </p:txBody>
+      </p:sp>
+      <p:sp>
+        <p:nvSpPr>
+          <p:cNvPr id="135" name="Freeform 5">
+            <a:extLst>
+              <a:ext uri="{FF2B5EF4-FFF2-40B4-BE49-F238E27FC236}">
+                <a16:creationId xmlns:a16="http://schemas.microsoft.com/office/drawing/2014/main" id="{AF1E5E62-9EB9-408E-AE53-A04A4C8110DE}"/>
               </a:ext>
               <a:ext uri="{C183D7F6-B498-43B3-948B-1728B52AA6E4}">
                 <adec:decorative xmlns:adec="http://schemas.microsoft.com/office/drawing/2017/decorative" val="1"/>
@@ -8737,21 +8776,78 @@
             </p:extLst>
           </p:nvPr>
         </p:nvSpPr>
-        <p:spPr bwMode="ltGray">
+        <p:spPr>
           <a:xfrm>
-            <a:off x="336884" y="311449"/>
-            <a:ext cx="4332307" cy="6179552"/>
+            <a:off x="0" y="1"/>
+            <a:ext cx="5920619" cy="2130951"/>
           </a:xfrm>
-          <a:prstGeom prst="rect">
+          <a:custGeom>
             <a:avLst/>
-          </a:prstGeom>
+            <a:gdLst>
+              <a:gd name="connsiteX0" fmla="*/ 0 w 5920619"/>
+              <a:gd name="connsiteY0" fmla="*/ 0 h 2130951"/>
+              <a:gd name="connsiteX1" fmla="*/ 3191370 w 5920619"/>
+              <a:gd name="connsiteY1" fmla="*/ 0 h 2130951"/>
+              <a:gd name="connsiteX2" fmla="*/ 3346315 w 5920619"/>
+              <a:gd name="connsiteY2" fmla="*/ 0 h 2130951"/>
+              <a:gd name="connsiteX3" fmla="*/ 5920619 w 5920619"/>
+              <a:gd name="connsiteY3" fmla="*/ 0 h 2130951"/>
+              <a:gd name="connsiteX4" fmla="*/ 4936971 w 5920619"/>
+              <a:gd name="connsiteY4" fmla="*/ 2130951 h 2130951"/>
+              <a:gd name="connsiteX5" fmla="*/ 0 w 5920619"/>
+              <a:gd name="connsiteY5" fmla="*/ 2130951 h 2130951"/>
+            </a:gdLst>
+            <a:ahLst/>
+            <a:cxnLst>
+              <a:cxn ang="0">
+                <a:pos x="connsiteX0" y="connsiteY0"/>
+              </a:cxn>
+              <a:cxn ang="0">
+                <a:pos x="connsiteX1" y="connsiteY1"/>
+              </a:cxn>
+              <a:cxn ang="0">
+                <a:pos x="connsiteX2" y="connsiteY2"/>
+              </a:cxn>
+              <a:cxn ang="0">
+                <a:pos x="connsiteX3" y="connsiteY3"/>
+              </a:cxn>
+              <a:cxn ang="0">
+                <a:pos x="connsiteX4" y="connsiteY4"/>
+              </a:cxn>
+              <a:cxn ang="0">
+                <a:pos x="connsiteX5" y="connsiteY5"/>
+              </a:cxn>
+            </a:cxnLst>
+            <a:rect l="l" t="t" r="r" b="b"/>
+            <a:pathLst>
+              <a:path w="5920619" h="2130951">
+                <a:moveTo>
+                  <a:pt x="0" y="0"/>
+                </a:moveTo>
+                <a:lnTo>
+                  <a:pt x="3191370" y="0"/>
+                </a:lnTo>
+                <a:lnTo>
+                  <a:pt x="3346315" y="0"/>
+                </a:lnTo>
+                <a:lnTo>
+                  <a:pt x="5920619" y="0"/>
+                </a:lnTo>
+                <a:lnTo>
+                  <a:pt x="4936971" y="2130951"/>
+                </a:lnTo>
+                <a:lnTo>
+                  <a:pt x="0" y="2130951"/>
+                </a:lnTo>
+                <a:close/>
+              </a:path>
+            </a:pathLst>
+          </a:custGeom>
           <a:solidFill>
-            <a:srgbClr val="404040"/>
+            <a:srgbClr val="595959"/>
           </a:solidFill>
-          <a:ln w="127000" cap="sq" cmpd="thinThick">
-            <a:solidFill>
-              <a:srgbClr val="404040"/>
-            </a:solidFill>
+          <a:ln>
+            <a:noFill/>
           </a:ln>
         </p:spPr>
         <p:style>
@@ -8771,51 +8867,13 @@
           </a:fontRef>
         </p:style>
         <p:txBody>
-          <a:bodyPr rtlCol="0" anchor="ctr"/>
+          <a:bodyPr wrap="square" rtlCol="0" anchor="ctr">
+            <a:noAutofit/>
+          </a:bodyPr>
           <a:lstStyle/>
           <a:p>
             <a:pPr algn="ctr"/>
             <a:endParaRPr lang="en-US"/>
-          </a:p>
-        </p:txBody>
-      </p:sp>
-      <p:sp>
-        <p:nvSpPr>
-          <p:cNvPr id="2" name="Title 1">
-            <a:extLst>
-              <a:ext uri="{FF2B5EF4-FFF2-40B4-BE49-F238E27FC236}">
-                <a16:creationId xmlns:a16="http://schemas.microsoft.com/office/drawing/2014/main" id="{D9F6C71E-36C6-5945-A7B8-AB97D635EC57}"/>
-              </a:ext>
-            </a:extLst>
-          </p:cNvPr>
-          <p:cNvSpPr>
-            <a:spLocks noGrp="1"/>
-          </p:cNvSpPr>
-          <p:nvPr>
-            <p:ph type="title"/>
-          </p:nvPr>
-        </p:nvSpPr>
-        <p:spPr>
-          <a:xfrm>
-            <a:off x="742950" y="742951"/>
-            <a:ext cx="3476625" cy="4962524"/>
-          </a:xfrm>
-        </p:spPr>
-        <p:txBody>
-          <a:bodyPr>
-            <a:normAutofit/>
-          </a:bodyPr>
-          <a:lstStyle/>
-          <a:p>
-            <a:pPr algn="ctr"/>
-            <a:r>
-              <a:rPr lang="en-US" sz="4800" dirty="0">
-                <a:solidFill>
-                  <a:srgbClr val="FFFFFF"/>
-                </a:solidFill>
-              </a:rPr>
-              <a:t>NETWORK TOPOLOGY GENERATOR</a:t>
-            </a:r>
           </a:p>
         </p:txBody>
       </p:sp>
@@ -8847,8 +8905,8 @@
         </p:blipFill>
         <p:spPr bwMode="auto">
           <a:xfrm>
-            <a:off x="5354938" y="492573"/>
-            <a:ext cx="6151312" cy="5880796"/>
+            <a:off x="7035153" y="633124"/>
+            <a:ext cx="3566729" cy="3409875"/>
           </a:xfrm>
           <a:prstGeom prst="rect">
             <a:avLst/>
@@ -8865,6 +8923,244 @@
           </a:extLst>
         </p:spPr>
       </p:pic>
+      <p:sp>
+        <p:nvSpPr>
+          <p:cNvPr id="137" name="Freeform 7">
+            <a:extLst>
+              <a:ext uri="{FF2B5EF4-FFF2-40B4-BE49-F238E27FC236}">
+                <a16:creationId xmlns:a16="http://schemas.microsoft.com/office/drawing/2014/main" id="{9C5704B2-7C5B-4738-AF0D-4A2756A69FA1}"/>
+              </a:ext>
+              <a:ext uri="{C183D7F6-B498-43B3-948B-1728B52AA6E4}">
+                <adec:decorative xmlns:adec="http://schemas.microsoft.com/office/drawing/2017/decorative" val="1"/>
+              </a:ext>
+            </a:extLst>
+          </p:cNvPr>
+          <p:cNvSpPr>
+            <a:spLocks noGrp="1" noRot="1" noChangeAspect="1" noMove="1" noResize="1" noEditPoints="1" noAdjustHandles="1" noChangeArrowheads="1" noChangeShapeType="1" noTextEdit="1"/>
+          </p:cNvSpPr>
+          <p:nvPr>
+            <p:extLst>
+              <p:ext uri="{386F3935-93C4-4BCD-93E2-E3B085C9AB24}">
+                <p16:designElem xmlns:p16="http://schemas.microsoft.com/office/powerpoint/2015/main" val="1"/>
+              </p:ext>
+            </p:extLst>
+          </p:nvPr>
+        </p:nvSpPr>
+        <p:spPr>
+          <a:xfrm>
+            <a:off x="6266810" y="4683319"/>
+            <a:ext cx="5925190" cy="2174681"/>
+          </a:xfrm>
+          <a:custGeom>
+            <a:avLst/>
+            <a:gdLst>
+              <a:gd name="connsiteX0" fmla="*/ 1007162 w 5925190"/>
+              <a:gd name="connsiteY0" fmla="*/ 0 h 2174681"/>
+              <a:gd name="connsiteX1" fmla="*/ 5925190 w 5925190"/>
+              <a:gd name="connsiteY1" fmla="*/ 0 h 2174681"/>
+              <a:gd name="connsiteX2" fmla="*/ 5925190 w 5925190"/>
+              <a:gd name="connsiteY2" fmla="*/ 2174681 h 2174681"/>
+              <a:gd name="connsiteX3" fmla="*/ 0 w 5925190"/>
+              <a:gd name="connsiteY3" fmla="*/ 2174681 h 2174681"/>
+            </a:gdLst>
+            <a:ahLst/>
+            <a:cxnLst>
+              <a:cxn ang="0">
+                <a:pos x="connsiteX0" y="connsiteY0"/>
+              </a:cxn>
+              <a:cxn ang="0">
+                <a:pos x="connsiteX1" y="connsiteY1"/>
+              </a:cxn>
+              <a:cxn ang="0">
+                <a:pos x="connsiteX2" y="connsiteY2"/>
+              </a:cxn>
+              <a:cxn ang="0">
+                <a:pos x="connsiteX3" y="connsiteY3"/>
+              </a:cxn>
+            </a:cxnLst>
+            <a:rect l="l" t="t" r="r" b="b"/>
+            <a:pathLst>
+              <a:path w="5925190" h="2174681">
+                <a:moveTo>
+                  <a:pt x="1007162" y="0"/>
+                </a:moveTo>
+                <a:lnTo>
+                  <a:pt x="5925190" y="0"/>
+                </a:lnTo>
+                <a:lnTo>
+                  <a:pt x="5925190" y="2174681"/>
+                </a:lnTo>
+                <a:lnTo>
+                  <a:pt x="0" y="2174681"/>
+                </a:lnTo>
+                <a:close/>
+              </a:path>
+            </a:pathLst>
+          </a:custGeom>
+          <a:solidFill>
+            <a:schemeClr val="accent4"/>
+          </a:solidFill>
+          <a:ln>
+            <a:noFill/>
+          </a:ln>
+        </p:spPr>
+        <p:style>
+          <a:lnRef idx="2">
+            <a:schemeClr val="accent1">
+              <a:shade val="50000"/>
+            </a:schemeClr>
+          </a:lnRef>
+          <a:fillRef idx="1">
+            <a:schemeClr val="accent1"/>
+          </a:fillRef>
+          <a:effectRef idx="0">
+            <a:schemeClr val="accent1"/>
+          </a:effectRef>
+          <a:fontRef idx="minor">
+            <a:schemeClr val="lt1"/>
+          </a:fontRef>
+        </p:style>
+        <p:txBody>
+          <a:bodyPr wrap="square" rtlCol="0" anchor="ctr">
+            <a:noAutofit/>
+          </a:bodyPr>
+          <a:lstStyle/>
+          <a:p>
+            <a:pPr algn="ctr"/>
+            <a:endParaRPr lang="en-US"/>
+          </a:p>
+        </p:txBody>
+      </p:sp>
+      <p:sp>
+        <p:nvSpPr>
+          <p:cNvPr id="139" name="Freeform 6">
+            <a:extLst>
+              <a:ext uri="{FF2B5EF4-FFF2-40B4-BE49-F238E27FC236}">
+                <a16:creationId xmlns:a16="http://schemas.microsoft.com/office/drawing/2014/main" id="{DFB36DC4-A410-4DF1-8453-1D85743F5E07}"/>
+              </a:ext>
+              <a:ext uri="{C183D7F6-B498-43B3-948B-1728B52AA6E4}">
+                <adec:decorative xmlns:adec="http://schemas.microsoft.com/office/drawing/2017/decorative" val="1"/>
+              </a:ext>
+            </a:extLst>
+          </p:cNvPr>
+          <p:cNvSpPr>
+            <a:spLocks noGrp="1" noRot="1" noChangeAspect="1" noMove="1" noResize="1" noEditPoints="1" noAdjustHandles="1" noChangeArrowheads="1" noChangeShapeType="1" noTextEdit="1"/>
+          </p:cNvSpPr>
+          <p:nvPr>
+            <p:extLst>
+              <p:ext uri="{386F3935-93C4-4BCD-93E2-E3B085C9AB24}">
+                <p16:designElem xmlns:p16="http://schemas.microsoft.com/office/powerpoint/2015/main" val="1"/>
+              </p:ext>
+            </p:extLst>
+          </p:nvPr>
+        </p:nvSpPr>
+        <p:spPr>
+          <a:xfrm>
+            <a:off x="1" y="4683319"/>
+            <a:ext cx="7092887" cy="2174681"/>
+          </a:xfrm>
+          <a:custGeom>
+            <a:avLst/>
+            <a:gdLst>
+              <a:gd name="connsiteX0" fmla="*/ 0 w 7092887"/>
+              <a:gd name="connsiteY0" fmla="*/ 0 h 2174681"/>
+              <a:gd name="connsiteX1" fmla="*/ 7092887 w 7092887"/>
+              <a:gd name="connsiteY1" fmla="*/ 0 h 2174681"/>
+              <a:gd name="connsiteX2" fmla="*/ 6085725 w 7092887"/>
+              <a:gd name="connsiteY2" fmla="*/ 2174681 h 2174681"/>
+              <a:gd name="connsiteX3" fmla="*/ 1524000 w 7092887"/>
+              <a:gd name="connsiteY3" fmla="*/ 2174681 h 2174681"/>
+              <a:gd name="connsiteX4" fmla="*/ 1200418 w 7092887"/>
+              <a:gd name="connsiteY4" fmla="*/ 2174681 h 2174681"/>
+              <a:gd name="connsiteX5" fmla="*/ 0 w 7092887"/>
+              <a:gd name="connsiteY5" fmla="*/ 2174681 h 2174681"/>
+            </a:gdLst>
+            <a:ahLst/>
+            <a:cxnLst>
+              <a:cxn ang="0">
+                <a:pos x="connsiteX0" y="connsiteY0"/>
+              </a:cxn>
+              <a:cxn ang="0">
+                <a:pos x="connsiteX1" y="connsiteY1"/>
+              </a:cxn>
+              <a:cxn ang="0">
+                <a:pos x="connsiteX2" y="connsiteY2"/>
+              </a:cxn>
+              <a:cxn ang="0">
+                <a:pos x="connsiteX3" y="connsiteY3"/>
+              </a:cxn>
+              <a:cxn ang="0">
+                <a:pos x="connsiteX4" y="connsiteY4"/>
+              </a:cxn>
+              <a:cxn ang="0">
+                <a:pos x="connsiteX5" y="connsiteY5"/>
+              </a:cxn>
+            </a:cxnLst>
+            <a:rect l="l" t="t" r="r" b="b"/>
+            <a:pathLst>
+              <a:path w="7092887" h="2174681">
+                <a:moveTo>
+                  <a:pt x="0" y="0"/>
+                </a:moveTo>
+                <a:lnTo>
+                  <a:pt x="7092887" y="0"/>
+                </a:lnTo>
+                <a:lnTo>
+                  <a:pt x="6085725" y="2174681"/>
+                </a:lnTo>
+                <a:lnTo>
+                  <a:pt x="1524000" y="2174681"/>
+                </a:lnTo>
+                <a:lnTo>
+                  <a:pt x="1200418" y="2174681"/>
+                </a:lnTo>
+                <a:lnTo>
+                  <a:pt x="0" y="2174681"/>
+                </a:lnTo>
+                <a:close/>
+              </a:path>
+            </a:pathLst>
+          </a:custGeom>
+          <a:solidFill>
+            <a:srgbClr val="B2B2B2">
+              <a:alpha val="70000"/>
+            </a:srgbClr>
+          </a:solidFill>
+          <a:ln>
+            <a:noFill/>
+          </a:ln>
+        </p:spPr>
+        <p:style>
+          <a:lnRef idx="2">
+            <a:schemeClr val="accent1">
+              <a:shade val="50000"/>
+            </a:schemeClr>
+          </a:lnRef>
+          <a:fillRef idx="1">
+            <a:schemeClr val="accent1"/>
+          </a:fillRef>
+          <a:effectRef idx="0">
+            <a:schemeClr val="accent1"/>
+          </a:effectRef>
+          <a:fontRef idx="minor">
+            <a:schemeClr val="lt1"/>
+          </a:fontRef>
+        </p:style>
+        <p:txBody>
+          <a:bodyPr wrap="square" rtlCol="0" anchor="ctr">
+            <a:noAutofit/>
+          </a:bodyPr>
+          <a:lstStyle/>
+          <a:p>
+            <a:pPr algn="ctr"/>
+            <a:endParaRPr lang="en-US">
+              <a:solidFill>
+                <a:srgbClr val="B2B2B2"/>
+              </a:solidFill>
+            </a:endParaRPr>
+          </a:p>
+        </p:txBody>
+      </p:sp>
     </p:spTree>
     <p:extLst>
       <p:ext uri="{BB962C8B-B14F-4D97-AF65-F5344CB8AC3E}">
@@ -9141,7 +9437,7 @@
           <a:p>
             <a:r>
               <a:rPr lang="en-US" sz="5400" dirty="0"/>
-              <a:t>TECHNOLOGY USED</a:t>
+              <a:t>TECH STACK USED</a:t>
             </a:r>
           </a:p>
         </p:txBody>
@@ -10254,7 +10550,15 @@
             </a:r>
             <a:r>
               <a:rPr lang="en-US" sz="2000" dirty="0"/>
-              <a:t> create –name &lt;name&gt; python</a:t>
+              <a:t> </a:t>
+            </a:r>
+            <a:r>
+              <a:rPr lang="en-US" sz="2000"/>
+              <a:t>create --name </a:t>
+            </a:r>
+            <a:r>
+              <a:rPr lang="en-US" sz="2000" dirty="0"/>
+              <a:t>&lt;name&gt; python</a:t>
             </a:r>
           </a:p>
           <a:p>
@@ -10986,7 +11290,7 @@
             <p:ph idx="1"/>
             <p:extLst>
               <p:ext uri="{D42A27DB-BD31-4B8C-83A1-F6EECF244321}">
-                <p14:modId xmlns:p14="http://schemas.microsoft.com/office/powerpoint/2010/main" val="87012558"/>
+                <p14:modId xmlns:p14="http://schemas.microsoft.com/office/powerpoint/2010/main" val="2014491149"/>
               </p:ext>
             </p:extLst>
           </p:nvPr>

--- a/San_Charcha_30th_Sept.pptx
+++ b/San_Charcha_30th_Sept.pptx
@@ -5,15 +5,14 @@
     <p:sldMasterId id="2147483648" r:id="rId1"/>
   </p:sldMasterIdLst>
   <p:sldIdLst>
-    <p:sldId id="259" r:id="rId2"/>
-    <p:sldId id="258" r:id="rId3"/>
-    <p:sldId id="260" r:id="rId4"/>
-    <p:sldId id="262" r:id="rId5"/>
-    <p:sldId id="261" r:id="rId6"/>
-    <p:sldId id="263" r:id="rId7"/>
-    <p:sldId id="264" r:id="rId8"/>
-    <p:sldId id="265" r:id="rId9"/>
-    <p:sldId id="266" r:id="rId10"/>
+    <p:sldId id="270" r:id="rId2"/>
+    <p:sldId id="269" r:id="rId3"/>
+    <p:sldId id="268" r:id="rId4"/>
+    <p:sldId id="263" r:id="rId5"/>
+    <p:sldId id="271" r:id="rId6"/>
+    <p:sldId id="264" r:id="rId7"/>
+    <p:sldId id="265" r:id="rId8"/>
+    <p:sldId id="266" r:id="rId9"/>
   </p:sldIdLst>
   <p:sldSz cx="12192000" cy="6858000"/>
   <p:notesSz cx="6858000" cy="9144000"/>
@@ -121,6 +120,1709 @@
 </file>
 
 <file path=ppt/diagrams/colors1.xml><?xml version="1.0" encoding="utf-8"?>
+<dgm:colorsDef xmlns:dgm="http://schemas.openxmlformats.org/drawingml/2006/diagram" xmlns:a="http://schemas.openxmlformats.org/drawingml/2006/main" uniqueId="urn:microsoft.com/office/officeart/2018/5/colors/Iconchunking_neutralbg_colorful5">
+  <dgm:title val=""/>
+  <dgm:desc val=""/>
+  <dgm:catLst>
+    <dgm:cat type="colorful" pri="10500"/>
+  </dgm:catLst>
+  <dgm:styleLbl name="node0">
+    <dgm:fillClrLst meth="repeat">
+      <a:schemeClr val="accent4"/>
+    </dgm:fillClrLst>
+    <dgm:linClrLst meth="repeat">
+      <a:schemeClr val="lt1"/>
+    </dgm:linClrLst>
+    <dgm:effectClrLst/>
+    <dgm:txLinClrLst/>
+    <dgm:txFillClrLst/>
+    <dgm:txEffectClrLst/>
+  </dgm:styleLbl>
+  <dgm:styleLbl name="node1">
+    <dgm:fillClrLst>
+      <a:schemeClr val="accent5"/>
+      <a:schemeClr val="accent6"/>
+    </dgm:fillClrLst>
+    <dgm:linClrLst meth="repeat">
+      <a:schemeClr val="lt1">
+        <a:alpha val="0"/>
+      </a:schemeClr>
+    </dgm:linClrLst>
+    <dgm:effectClrLst/>
+    <dgm:txLinClrLst/>
+    <dgm:txFillClrLst/>
+    <dgm:txEffectClrLst/>
+  </dgm:styleLbl>
+  <dgm:styleLbl name="alignNode1">
+    <dgm:fillClrLst>
+      <a:schemeClr val="accent5"/>
+      <a:schemeClr val="accent6"/>
+    </dgm:fillClrLst>
+    <dgm:linClrLst>
+      <a:schemeClr val="accent5"/>
+      <a:schemeClr val="accent6"/>
+    </dgm:linClrLst>
+    <dgm:effectClrLst/>
+    <dgm:txLinClrLst/>
+    <dgm:txFillClrLst/>
+    <dgm:txEffectClrLst/>
+  </dgm:styleLbl>
+  <dgm:styleLbl name="lnNode1">
+    <dgm:fillClrLst>
+      <a:schemeClr val="accent5"/>
+      <a:schemeClr val="accent6"/>
+    </dgm:fillClrLst>
+    <dgm:linClrLst meth="repeat">
+      <a:schemeClr val="lt1"/>
+    </dgm:linClrLst>
+    <dgm:effectClrLst/>
+    <dgm:txLinClrLst/>
+    <dgm:txFillClrLst/>
+    <dgm:txEffectClrLst/>
+  </dgm:styleLbl>
+  <dgm:styleLbl name="vennNode1">
+    <dgm:fillClrLst>
+      <a:schemeClr val="accent5">
+        <a:alpha val="50000"/>
+      </a:schemeClr>
+      <a:schemeClr val="accent6">
+        <a:alpha val="50000"/>
+      </a:schemeClr>
+    </dgm:fillClrLst>
+    <dgm:linClrLst meth="repeat">
+      <a:schemeClr val="lt1"/>
+    </dgm:linClrLst>
+    <dgm:effectClrLst/>
+    <dgm:txLinClrLst/>
+    <dgm:txFillClrLst/>
+    <dgm:txEffectClrLst/>
+  </dgm:styleLbl>
+  <dgm:styleLbl name="node2">
+    <dgm:fillClrLst>
+      <a:schemeClr val="accent6"/>
+    </dgm:fillClrLst>
+    <dgm:linClrLst meth="repeat">
+      <a:schemeClr val="lt1"/>
+    </dgm:linClrLst>
+    <dgm:effectClrLst/>
+    <dgm:txLinClrLst/>
+    <dgm:txFillClrLst/>
+    <dgm:txEffectClrLst/>
+  </dgm:styleLbl>
+  <dgm:styleLbl name="node3">
+    <dgm:fillClrLst>
+      <a:schemeClr val="accent1"/>
+    </dgm:fillClrLst>
+    <dgm:linClrLst meth="repeat">
+      <a:schemeClr val="lt1"/>
+    </dgm:linClrLst>
+    <dgm:effectClrLst/>
+    <dgm:txLinClrLst/>
+    <dgm:txFillClrLst/>
+    <dgm:txEffectClrLst/>
+  </dgm:styleLbl>
+  <dgm:styleLbl name="node4">
+    <dgm:fillClrLst>
+      <a:schemeClr val="accent2"/>
+    </dgm:fillClrLst>
+    <dgm:linClrLst meth="repeat">
+      <a:schemeClr val="lt1"/>
+    </dgm:linClrLst>
+    <dgm:effectClrLst/>
+    <dgm:txLinClrLst/>
+    <dgm:txFillClrLst/>
+    <dgm:txEffectClrLst/>
+  </dgm:styleLbl>
+  <dgm:styleLbl name="fgImgPlace1">
+    <dgm:fillClrLst>
+      <a:schemeClr val="accent5">
+        <a:tint val="50000"/>
+      </a:schemeClr>
+      <a:schemeClr val="accent6">
+        <a:tint val="50000"/>
+      </a:schemeClr>
+    </dgm:fillClrLst>
+    <dgm:linClrLst meth="repeat">
+      <a:schemeClr val="lt1"/>
+    </dgm:linClrLst>
+    <dgm:effectClrLst/>
+    <dgm:txLinClrLst/>
+    <dgm:txFillClrLst meth="repeat">
+      <a:schemeClr val="lt1"/>
+    </dgm:txFillClrLst>
+    <dgm:txEffectClrLst/>
+  </dgm:styleLbl>
+  <dgm:styleLbl name="alignImgPlace1">
+    <dgm:fillClrLst>
+      <a:schemeClr val="accent5">
+        <a:tint val="50000"/>
+      </a:schemeClr>
+      <a:schemeClr val="accent6">
+        <a:tint val="20000"/>
+      </a:schemeClr>
+    </dgm:fillClrLst>
+    <dgm:linClrLst meth="repeat">
+      <a:schemeClr val="lt1"/>
+    </dgm:linClrLst>
+    <dgm:effectClrLst/>
+    <dgm:txLinClrLst/>
+    <dgm:txFillClrLst meth="repeat">
+      <a:schemeClr val="lt1"/>
+    </dgm:txFillClrLst>
+    <dgm:txEffectClrLst/>
+  </dgm:styleLbl>
+  <dgm:styleLbl name="bgImgPlace1">
+    <dgm:fillClrLst>
+      <a:schemeClr val="accent5">
+        <a:tint val="50000"/>
+      </a:schemeClr>
+      <a:schemeClr val="accent6">
+        <a:tint val="20000"/>
+      </a:schemeClr>
+    </dgm:fillClrLst>
+    <dgm:linClrLst meth="repeat">
+      <a:schemeClr val="lt1"/>
+    </dgm:linClrLst>
+    <dgm:effectClrLst/>
+    <dgm:txLinClrLst/>
+    <dgm:txFillClrLst meth="repeat">
+      <a:schemeClr val="lt1"/>
+    </dgm:txFillClrLst>
+    <dgm:txEffectClrLst/>
+  </dgm:styleLbl>
+  <dgm:styleLbl name="sibTrans2D1">
+    <dgm:fillClrLst>
+      <a:schemeClr val="accent5"/>
+      <a:schemeClr val="accent6"/>
+    </dgm:fillClrLst>
+    <dgm:linClrLst meth="repeat">
+      <a:schemeClr val="lt1"/>
+    </dgm:linClrLst>
+    <dgm:effectClrLst/>
+    <dgm:txLinClrLst/>
+    <dgm:txFillClrLst/>
+    <dgm:txEffectClrLst/>
+  </dgm:styleLbl>
+  <dgm:styleLbl name="fgSibTrans2D1">
+    <dgm:fillClrLst>
+      <a:schemeClr val="accent5"/>
+      <a:schemeClr val="accent6"/>
+    </dgm:fillClrLst>
+    <dgm:linClrLst meth="repeat">
+      <a:schemeClr val="lt1"/>
+    </dgm:linClrLst>
+    <dgm:effectClrLst/>
+    <dgm:txLinClrLst/>
+    <dgm:txFillClrLst meth="repeat">
+      <a:schemeClr val="lt1"/>
+    </dgm:txFillClrLst>
+    <dgm:txEffectClrLst/>
+  </dgm:styleLbl>
+  <dgm:styleLbl name="bgSibTrans2D1">
+    <dgm:fillClrLst>
+      <a:schemeClr val="accent5"/>
+      <a:schemeClr val="accent6"/>
+    </dgm:fillClrLst>
+    <dgm:linClrLst meth="repeat">
+      <a:schemeClr val="lt1"/>
+    </dgm:linClrLst>
+    <dgm:effectClrLst/>
+    <dgm:txLinClrLst/>
+    <dgm:txFillClrLst meth="repeat">
+      <a:schemeClr val="lt1"/>
+    </dgm:txFillClrLst>
+    <dgm:txEffectClrLst/>
+  </dgm:styleLbl>
+  <dgm:styleLbl name="sibTrans1D1">
+    <dgm:fillClrLst/>
+    <dgm:linClrLst>
+      <a:schemeClr val="accent5"/>
+      <a:schemeClr val="accent6"/>
+    </dgm:linClrLst>
+    <dgm:effectClrLst/>
+    <dgm:txLinClrLst/>
+    <dgm:txFillClrLst meth="repeat">
+      <a:schemeClr val="tx1"/>
+    </dgm:txFillClrLst>
+    <dgm:txEffectClrLst/>
+  </dgm:styleLbl>
+  <dgm:styleLbl name="callout">
+    <dgm:fillClrLst meth="repeat">
+      <a:schemeClr val="accent5"/>
+    </dgm:fillClrLst>
+    <dgm:linClrLst meth="repeat">
+      <a:schemeClr val="accent5">
+        <a:tint val="50000"/>
+      </a:schemeClr>
+    </dgm:linClrLst>
+    <dgm:effectClrLst/>
+    <dgm:txLinClrLst/>
+    <dgm:txFillClrLst meth="repeat">
+      <a:schemeClr val="tx1"/>
+    </dgm:txFillClrLst>
+    <dgm:txEffectClrLst/>
+  </dgm:styleLbl>
+  <dgm:styleLbl name="asst0">
+    <dgm:fillClrLst meth="repeat">
+      <a:schemeClr val="accent5"/>
+    </dgm:fillClrLst>
+    <dgm:linClrLst meth="repeat">
+      <a:schemeClr val="lt1">
+        <a:shade val="80000"/>
+      </a:schemeClr>
+    </dgm:linClrLst>
+    <dgm:effectClrLst/>
+    <dgm:txLinClrLst/>
+    <dgm:txFillClrLst/>
+    <dgm:txEffectClrLst/>
+  </dgm:styleLbl>
+  <dgm:styleLbl name="asst1">
+    <dgm:fillClrLst meth="repeat">
+      <a:schemeClr val="accent6"/>
+    </dgm:fillClrLst>
+    <dgm:linClrLst meth="repeat">
+      <a:schemeClr val="lt1">
+        <a:shade val="80000"/>
+      </a:schemeClr>
+    </dgm:linClrLst>
+    <dgm:effectClrLst/>
+    <dgm:txLinClrLst/>
+    <dgm:txFillClrLst/>
+    <dgm:txEffectClrLst/>
+  </dgm:styleLbl>
+  <dgm:styleLbl name="asst2">
+    <dgm:fillClrLst>
+      <a:schemeClr val="accent1"/>
+    </dgm:fillClrLst>
+    <dgm:linClrLst meth="repeat">
+      <a:schemeClr val="lt1"/>
+    </dgm:linClrLst>
+    <dgm:effectClrLst/>
+    <dgm:txLinClrLst/>
+    <dgm:txFillClrLst/>
+    <dgm:txEffectClrLst/>
+  </dgm:styleLbl>
+  <dgm:styleLbl name="asst3">
+    <dgm:fillClrLst>
+      <a:schemeClr val="accent2"/>
+    </dgm:fillClrLst>
+    <dgm:linClrLst meth="repeat">
+      <a:schemeClr val="lt1"/>
+    </dgm:linClrLst>
+    <dgm:effectClrLst/>
+    <dgm:txLinClrLst/>
+    <dgm:txFillClrLst/>
+    <dgm:txEffectClrLst/>
+  </dgm:styleLbl>
+  <dgm:styleLbl name="asst4">
+    <dgm:fillClrLst>
+      <a:schemeClr val="accent3"/>
+    </dgm:fillClrLst>
+    <dgm:linClrLst meth="repeat">
+      <a:schemeClr val="lt1"/>
+    </dgm:linClrLst>
+    <dgm:effectClrLst/>
+    <dgm:txLinClrLst/>
+    <dgm:txFillClrLst/>
+    <dgm:txEffectClrLst/>
+  </dgm:styleLbl>
+  <dgm:styleLbl name="parChTrans2D1">
+    <dgm:fillClrLst meth="repeat">
+      <a:schemeClr val="accent5"/>
+    </dgm:fillClrLst>
+    <dgm:linClrLst meth="repeat">
+      <a:schemeClr val="lt1"/>
+    </dgm:linClrLst>
+    <dgm:effectClrLst/>
+    <dgm:txLinClrLst/>
+    <dgm:txFillClrLst meth="repeat">
+      <a:schemeClr val="lt1"/>
+    </dgm:txFillClrLst>
+    <dgm:txEffectClrLst/>
+  </dgm:styleLbl>
+  <dgm:styleLbl name="parChTrans2D2">
+    <dgm:fillClrLst meth="repeat">
+      <a:schemeClr val="accent6"/>
+    </dgm:fillClrLst>
+    <dgm:linClrLst meth="repeat">
+      <a:schemeClr val="lt1"/>
+    </dgm:linClrLst>
+    <dgm:effectClrLst/>
+    <dgm:txLinClrLst/>
+    <dgm:txFillClrLst/>
+    <dgm:txEffectClrLst/>
+  </dgm:styleLbl>
+  <dgm:styleLbl name="parChTrans2D3">
+    <dgm:fillClrLst meth="repeat">
+      <a:schemeClr val="accent6"/>
+    </dgm:fillClrLst>
+    <dgm:linClrLst meth="repeat">
+      <a:schemeClr val="lt1"/>
+    </dgm:linClrLst>
+    <dgm:effectClrLst/>
+    <dgm:txLinClrLst/>
+    <dgm:txFillClrLst/>
+    <dgm:txEffectClrLst/>
+  </dgm:styleLbl>
+  <dgm:styleLbl name="parChTrans2D4">
+    <dgm:fillClrLst meth="repeat">
+      <a:schemeClr val="accent1"/>
+    </dgm:fillClrLst>
+    <dgm:linClrLst meth="repeat">
+      <a:schemeClr val="lt1"/>
+    </dgm:linClrLst>
+    <dgm:effectClrLst/>
+    <dgm:txLinClrLst/>
+    <dgm:txFillClrLst meth="repeat">
+      <a:schemeClr val="lt1"/>
+    </dgm:txFillClrLst>
+    <dgm:txEffectClrLst/>
+  </dgm:styleLbl>
+  <dgm:styleLbl name="parChTrans1D1">
+    <dgm:fillClrLst meth="repeat">
+      <a:schemeClr val="accent5"/>
+    </dgm:fillClrLst>
+    <dgm:linClrLst meth="repeat">
+      <a:schemeClr val="accent5"/>
+    </dgm:linClrLst>
+    <dgm:effectClrLst/>
+    <dgm:txLinClrLst/>
+    <dgm:txFillClrLst meth="repeat">
+      <a:schemeClr val="tx1"/>
+    </dgm:txFillClrLst>
+    <dgm:txEffectClrLst/>
+  </dgm:styleLbl>
+  <dgm:styleLbl name="parChTrans1D2">
+    <dgm:fillClrLst meth="repeat">
+      <a:schemeClr val="accent6">
+        <a:tint val="90000"/>
+      </a:schemeClr>
+    </dgm:fillClrLst>
+    <dgm:linClrLst meth="repeat">
+      <a:schemeClr val="accent6"/>
+    </dgm:linClrLst>
+    <dgm:effectClrLst/>
+    <dgm:txLinClrLst/>
+    <dgm:txFillClrLst meth="repeat">
+      <a:schemeClr val="tx1"/>
+    </dgm:txFillClrLst>
+    <dgm:txEffectClrLst/>
+  </dgm:styleLbl>
+  <dgm:styleLbl name="parChTrans1D3">
+    <dgm:fillClrLst meth="repeat">
+      <a:schemeClr val="accent6">
+        <a:tint val="70000"/>
+      </a:schemeClr>
+    </dgm:fillClrLst>
+    <dgm:linClrLst meth="repeat">
+      <a:schemeClr val="accent1"/>
+    </dgm:linClrLst>
+    <dgm:effectClrLst/>
+    <dgm:txLinClrLst/>
+    <dgm:txFillClrLst meth="repeat">
+      <a:schemeClr val="tx1"/>
+    </dgm:txFillClrLst>
+    <dgm:txEffectClrLst/>
+  </dgm:styleLbl>
+  <dgm:styleLbl name="parChTrans1D4">
+    <dgm:fillClrLst meth="repeat">
+      <a:schemeClr val="accent6">
+        <a:tint val="50000"/>
+      </a:schemeClr>
+    </dgm:fillClrLst>
+    <dgm:linClrLst meth="repeat">
+      <a:schemeClr val="accent2"/>
+    </dgm:linClrLst>
+    <dgm:effectClrLst/>
+    <dgm:txLinClrLst/>
+    <dgm:txFillClrLst meth="repeat">
+      <a:schemeClr val="tx1"/>
+    </dgm:txFillClrLst>
+    <dgm:txEffectClrLst/>
+  </dgm:styleLbl>
+  <dgm:styleLbl name="fgAcc1">
+    <dgm:fillClrLst meth="repeat">
+      <a:schemeClr val="lt1">
+        <a:alpha val="90000"/>
+      </a:schemeClr>
+    </dgm:fillClrLst>
+    <dgm:linClrLst>
+      <a:schemeClr val="accent5"/>
+      <a:schemeClr val="accent6"/>
+    </dgm:linClrLst>
+    <dgm:effectClrLst/>
+    <dgm:txLinClrLst/>
+    <dgm:txFillClrLst meth="repeat">
+      <a:schemeClr val="dk1"/>
+    </dgm:txFillClrLst>
+    <dgm:txEffectClrLst/>
+  </dgm:styleLbl>
+  <dgm:styleLbl name="conFgAcc1">
+    <dgm:fillClrLst meth="repeat">
+      <a:schemeClr val="lt1">
+        <a:alpha val="90000"/>
+      </a:schemeClr>
+    </dgm:fillClrLst>
+    <dgm:linClrLst>
+      <a:schemeClr val="accent5"/>
+      <a:schemeClr val="accent6"/>
+    </dgm:linClrLst>
+    <dgm:effectClrLst/>
+    <dgm:txLinClrLst/>
+    <dgm:txFillClrLst meth="repeat">
+      <a:schemeClr val="dk1"/>
+    </dgm:txFillClrLst>
+    <dgm:txEffectClrLst/>
+  </dgm:styleLbl>
+  <dgm:styleLbl name="alignAcc1">
+    <dgm:fillClrLst meth="repeat">
+      <a:schemeClr val="lt1">
+        <a:alpha val="90000"/>
+      </a:schemeClr>
+    </dgm:fillClrLst>
+    <dgm:linClrLst>
+      <a:schemeClr val="accent5"/>
+      <a:schemeClr val="accent6"/>
+    </dgm:linClrLst>
+    <dgm:effectClrLst/>
+    <dgm:txLinClrLst/>
+    <dgm:txFillClrLst meth="repeat">
+      <a:schemeClr val="dk1"/>
+    </dgm:txFillClrLst>
+    <dgm:txEffectClrLst/>
+  </dgm:styleLbl>
+  <dgm:styleLbl name="trAlignAcc1">
+    <dgm:fillClrLst meth="repeat">
+      <a:schemeClr val="lt1">
+        <a:alpha val="40000"/>
+      </a:schemeClr>
+    </dgm:fillClrLst>
+    <dgm:linClrLst meth="repeat">
+      <a:schemeClr val="accent5"/>
+    </dgm:linClrLst>
+    <dgm:effectClrLst/>
+    <dgm:txLinClrLst/>
+    <dgm:txFillClrLst meth="repeat">
+      <a:schemeClr val="dk1"/>
+    </dgm:txFillClrLst>
+    <dgm:txEffectClrLst/>
+  </dgm:styleLbl>
+  <dgm:styleLbl name="bgAcc1">
+    <dgm:fillClrLst meth="repeat">
+      <a:schemeClr val="lt1">
+        <a:alpha val="90000"/>
+      </a:schemeClr>
+    </dgm:fillClrLst>
+    <dgm:linClrLst>
+      <a:schemeClr val="accent5"/>
+      <a:schemeClr val="accent6"/>
+    </dgm:linClrLst>
+    <dgm:effectClrLst/>
+    <dgm:txLinClrLst/>
+    <dgm:txFillClrLst meth="repeat">
+      <a:schemeClr val="dk1"/>
+    </dgm:txFillClrLst>
+    <dgm:txEffectClrLst/>
+  </dgm:styleLbl>
+  <dgm:styleLbl name="solidFgAcc1">
+    <dgm:fillClrLst meth="repeat">
+      <a:schemeClr val="lt1"/>
+    </dgm:fillClrLst>
+    <dgm:linClrLst>
+      <a:schemeClr val="accent5"/>
+      <a:schemeClr val="accent6"/>
+    </dgm:linClrLst>
+    <dgm:effectClrLst/>
+    <dgm:txLinClrLst/>
+    <dgm:txFillClrLst meth="repeat">
+      <a:schemeClr val="dk1"/>
+    </dgm:txFillClrLst>
+    <dgm:txEffectClrLst/>
+  </dgm:styleLbl>
+  <dgm:styleLbl name="solidAlignAcc1">
+    <dgm:fillClrLst meth="repeat">
+      <a:schemeClr val="lt1"/>
+    </dgm:fillClrLst>
+    <dgm:linClrLst>
+      <a:schemeClr val="accent5"/>
+      <a:schemeClr val="accent6"/>
+    </dgm:linClrLst>
+    <dgm:effectClrLst/>
+    <dgm:txLinClrLst/>
+    <dgm:txFillClrLst meth="repeat">
+      <a:schemeClr val="dk1"/>
+    </dgm:txFillClrLst>
+    <dgm:txEffectClrLst/>
+  </dgm:styleLbl>
+  <dgm:styleLbl name="solidBgAcc1">
+    <dgm:fillClrLst meth="repeat">
+      <a:schemeClr val="lt1"/>
+    </dgm:fillClrLst>
+    <dgm:linClrLst>
+      <a:schemeClr val="accent5"/>
+      <a:schemeClr val="accent6"/>
+    </dgm:linClrLst>
+    <dgm:effectClrLst/>
+    <dgm:txLinClrLst/>
+    <dgm:txFillClrLst meth="repeat">
+      <a:schemeClr val="dk1"/>
+    </dgm:txFillClrLst>
+    <dgm:txEffectClrLst/>
+  </dgm:styleLbl>
+  <dgm:styleLbl name="fgAccFollowNode1">
+    <dgm:fillClrLst>
+      <a:schemeClr val="accent5">
+        <a:tint val="40000"/>
+        <a:alpha val="90000"/>
+      </a:schemeClr>
+      <a:schemeClr val="accent6">
+        <a:tint val="40000"/>
+        <a:alpha val="90000"/>
+      </a:schemeClr>
+    </dgm:fillClrLst>
+    <dgm:linClrLst>
+      <a:schemeClr val="accent5">
+        <a:tint val="40000"/>
+        <a:alpha val="90000"/>
+      </a:schemeClr>
+      <a:schemeClr val="accent5">
+        <a:tint val="40000"/>
+        <a:alpha val="90000"/>
+      </a:schemeClr>
+    </dgm:linClrLst>
+    <dgm:effectClrLst/>
+    <dgm:txLinClrLst/>
+    <dgm:txFillClrLst meth="repeat">
+      <a:schemeClr val="dk1"/>
+    </dgm:txFillClrLst>
+    <dgm:txEffectClrLst/>
+  </dgm:styleLbl>
+  <dgm:styleLbl name="alignAccFollowNode1">
+    <dgm:fillClrLst>
+      <a:schemeClr val="accent5">
+        <a:tint val="40000"/>
+        <a:alpha val="90000"/>
+      </a:schemeClr>
+      <a:schemeClr val="accent6">
+        <a:tint val="40000"/>
+        <a:alpha val="90000"/>
+      </a:schemeClr>
+    </dgm:fillClrLst>
+    <dgm:linClrLst>
+      <a:schemeClr val="accent5">
+        <a:tint val="40000"/>
+        <a:alpha val="90000"/>
+      </a:schemeClr>
+      <a:schemeClr val="accent6">
+        <a:tint val="40000"/>
+        <a:alpha val="90000"/>
+      </a:schemeClr>
+    </dgm:linClrLst>
+    <dgm:effectClrLst/>
+    <dgm:txLinClrLst/>
+    <dgm:txFillClrLst meth="repeat">
+      <a:schemeClr val="dk1"/>
+    </dgm:txFillClrLst>
+    <dgm:txEffectClrLst/>
+  </dgm:styleLbl>
+  <dgm:styleLbl name="bgAccFollowNode1">
+    <dgm:fillClrLst>
+      <a:schemeClr val="accent5">
+        <a:tint val="40000"/>
+        <a:alpha val="90000"/>
+      </a:schemeClr>
+      <a:schemeClr val="accent6">
+        <a:tint val="40000"/>
+        <a:alpha val="90000"/>
+      </a:schemeClr>
+    </dgm:fillClrLst>
+    <dgm:linClrLst>
+      <a:schemeClr val="accent5">
+        <a:tint val="40000"/>
+        <a:alpha val="90000"/>
+      </a:schemeClr>
+      <a:schemeClr val="accent6">
+        <a:tint val="40000"/>
+        <a:alpha val="90000"/>
+      </a:schemeClr>
+    </dgm:linClrLst>
+    <dgm:effectClrLst/>
+    <dgm:txLinClrLst/>
+    <dgm:txFillClrLst meth="repeat">
+      <a:schemeClr val="dk1"/>
+    </dgm:txFillClrLst>
+    <dgm:txEffectClrLst/>
+  </dgm:styleLbl>
+  <dgm:styleLbl name="fgAcc0">
+    <dgm:fillClrLst meth="repeat">
+      <a:schemeClr val="lt1">
+        <a:alpha val="90000"/>
+      </a:schemeClr>
+    </dgm:fillClrLst>
+    <dgm:linClrLst>
+      <a:schemeClr val="accent4"/>
+    </dgm:linClrLst>
+    <dgm:effectClrLst/>
+    <dgm:txLinClrLst/>
+    <dgm:txFillClrLst meth="repeat">
+      <a:schemeClr val="dk1"/>
+    </dgm:txFillClrLst>
+    <dgm:txEffectClrLst/>
+  </dgm:styleLbl>
+  <dgm:styleLbl name="fgAcc2">
+    <dgm:fillClrLst meth="repeat">
+      <a:schemeClr val="lt1">
+        <a:alpha val="90000"/>
+      </a:schemeClr>
+    </dgm:fillClrLst>
+    <dgm:linClrLst>
+      <a:schemeClr val="accent6"/>
+    </dgm:linClrLst>
+    <dgm:effectClrLst/>
+    <dgm:txLinClrLst/>
+    <dgm:txFillClrLst meth="repeat">
+      <a:schemeClr val="dk1"/>
+    </dgm:txFillClrLst>
+    <dgm:txEffectClrLst/>
+  </dgm:styleLbl>
+  <dgm:styleLbl name="fgAcc3">
+    <dgm:fillClrLst meth="repeat">
+      <a:schemeClr val="lt1">
+        <a:alpha val="90000"/>
+      </a:schemeClr>
+    </dgm:fillClrLst>
+    <dgm:linClrLst>
+      <a:schemeClr val="accent1"/>
+    </dgm:linClrLst>
+    <dgm:effectClrLst/>
+    <dgm:txLinClrLst/>
+    <dgm:txFillClrLst meth="repeat">
+      <a:schemeClr val="dk1"/>
+    </dgm:txFillClrLst>
+    <dgm:txEffectClrLst/>
+  </dgm:styleLbl>
+  <dgm:styleLbl name="fgAcc4">
+    <dgm:fillClrLst meth="repeat">
+      <a:schemeClr val="lt1">
+        <a:alpha val="90000"/>
+      </a:schemeClr>
+    </dgm:fillClrLst>
+    <dgm:linClrLst>
+      <a:schemeClr val="accent2"/>
+    </dgm:linClrLst>
+    <dgm:effectClrLst/>
+    <dgm:txLinClrLst/>
+    <dgm:txFillClrLst meth="repeat">
+      <a:schemeClr val="dk1"/>
+    </dgm:txFillClrLst>
+    <dgm:txEffectClrLst/>
+  </dgm:styleLbl>
+  <dgm:styleLbl name="bgShp">
+    <dgm:fillClrLst meth="repeat">
+      <a:schemeClr val="bg1">
+        <a:lumMod val="95000"/>
+      </a:schemeClr>
+    </dgm:fillClrLst>
+    <dgm:linClrLst meth="repeat">
+      <a:schemeClr val="dk1"/>
+    </dgm:linClrLst>
+    <dgm:effectClrLst/>
+    <dgm:txLinClrLst/>
+    <dgm:txFillClrLst meth="repeat">
+      <a:schemeClr val="dk1"/>
+    </dgm:txFillClrLst>
+    <dgm:txEffectClrLst/>
+  </dgm:styleLbl>
+  <dgm:styleLbl name="dkBgShp">
+    <dgm:fillClrLst meth="repeat">
+      <a:schemeClr val="accent5">
+        <a:shade val="90000"/>
+      </a:schemeClr>
+    </dgm:fillClrLst>
+    <dgm:linClrLst meth="repeat">
+      <a:schemeClr val="dk1"/>
+    </dgm:linClrLst>
+    <dgm:effectClrLst/>
+    <dgm:txLinClrLst/>
+    <dgm:txFillClrLst meth="repeat">
+      <a:schemeClr val="lt1"/>
+    </dgm:txFillClrLst>
+    <dgm:txEffectClrLst/>
+  </dgm:styleLbl>
+  <dgm:styleLbl name="trBgShp">
+    <dgm:fillClrLst meth="repeat">
+      <a:schemeClr val="accent5">
+        <a:tint val="50000"/>
+        <a:alpha val="40000"/>
+      </a:schemeClr>
+    </dgm:fillClrLst>
+    <dgm:linClrLst meth="repeat">
+      <a:schemeClr val="accent5"/>
+    </dgm:linClrLst>
+    <dgm:effectClrLst/>
+    <dgm:txLinClrLst/>
+    <dgm:txFillClrLst meth="repeat">
+      <a:schemeClr val="lt1"/>
+    </dgm:txFillClrLst>
+    <dgm:txEffectClrLst/>
+  </dgm:styleLbl>
+  <dgm:styleLbl name="fgShp">
+    <dgm:fillClrLst meth="repeat">
+      <a:schemeClr val="accent5">
+        <a:tint val="40000"/>
+      </a:schemeClr>
+    </dgm:fillClrLst>
+    <dgm:linClrLst meth="repeat">
+      <a:schemeClr val="lt1"/>
+    </dgm:linClrLst>
+    <dgm:effectClrLst/>
+    <dgm:txLinClrLst/>
+    <dgm:txFillClrLst meth="repeat">
+      <a:schemeClr val="dk1"/>
+    </dgm:txFillClrLst>
+    <dgm:txEffectClrLst/>
+  </dgm:styleLbl>
+  <dgm:styleLbl name="revTx">
+    <dgm:fillClrLst meth="repeat">
+      <a:schemeClr val="lt1">
+        <a:alpha val="0"/>
+      </a:schemeClr>
+    </dgm:fillClrLst>
+    <dgm:linClrLst meth="repeat">
+      <a:schemeClr val="dk1">
+        <a:alpha val="0"/>
+      </a:schemeClr>
+    </dgm:linClrLst>
+    <dgm:effectClrLst/>
+    <dgm:txLinClrLst/>
+    <dgm:txFillClrLst meth="repeat">
+      <a:schemeClr val="tx1"/>
+    </dgm:txFillClrLst>
+    <dgm:txEffectClrLst/>
+  </dgm:styleLbl>
+</dgm:colorsDef>
+</file>
+
+<file path=ppt/diagrams/colors2.xml><?xml version="1.0" encoding="utf-8"?>
+<dgm:colorsDef xmlns:dgm="http://schemas.openxmlformats.org/drawingml/2006/diagram" xmlns:a="http://schemas.openxmlformats.org/drawingml/2006/main" uniqueId="urn:microsoft.com/office/officeart/2005/8/colors/colorful1">
+  <dgm:title val=""/>
+  <dgm:desc val=""/>
+  <dgm:catLst>
+    <dgm:cat type="colorful" pri="10100"/>
+  </dgm:catLst>
+  <dgm:styleLbl name="node0">
+    <dgm:fillClrLst meth="repeat">
+      <a:schemeClr val="accent1"/>
+    </dgm:fillClrLst>
+    <dgm:linClrLst meth="repeat">
+      <a:schemeClr val="lt1"/>
+    </dgm:linClrLst>
+    <dgm:effectClrLst/>
+    <dgm:txLinClrLst/>
+    <dgm:txFillClrLst/>
+    <dgm:txEffectClrLst/>
+  </dgm:styleLbl>
+  <dgm:styleLbl name="node1">
+    <dgm:fillClrLst meth="repeat">
+      <a:schemeClr val="accent2"/>
+      <a:schemeClr val="accent3"/>
+      <a:schemeClr val="accent4"/>
+      <a:schemeClr val="accent5"/>
+      <a:schemeClr val="accent6"/>
+    </dgm:fillClrLst>
+    <dgm:linClrLst meth="repeat">
+      <a:schemeClr val="lt1"/>
+    </dgm:linClrLst>
+    <dgm:effectClrLst/>
+    <dgm:txLinClrLst/>
+    <dgm:txFillClrLst/>
+    <dgm:txEffectClrLst/>
+  </dgm:styleLbl>
+  <dgm:styleLbl name="alignNode1">
+    <dgm:fillClrLst meth="repeat">
+      <a:schemeClr val="accent2"/>
+      <a:schemeClr val="accent3"/>
+      <a:schemeClr val="accent4"/>
+      <a:schemeClr val="accent5"/>
+      <a:schemeClr val="accent6"/>
+    </dgm:fillClrLst>
+    <dgm:linClrLst meth="repeat">
+      <a:schemeClr val="accent2"/>
+      <a:schemeClr val="accent3"/>
+      <a:schemeClr val="accent4"/>
+      <a:schemeClr val="accent5"/>
+      <a:schemeClr val="accent6"/>
+    </dgm:linClrLst>
+    <dgm:effectClrLst/>
+    <dgm:txLinClrLst/>
+    <dgm:txFillClrLst/>
+    <dgm:txEffectClrLst/>
+  </dgm:styleLbl>
+  <dgm:styleLbl name="lnNode1">
+    <dgm:fillClrLst meth="repeat">
+      <a:schemeClr val="accent2"/>
+      <a:schemeClr val="accent3"/>
+      <a:schemeClr val="accent4"/>
+      <a:schemeClr val="accent5"/>
+      <a:schemeClr val="accent6"/>
+    </dgm:fillClrLst>
+    <dgm:linClrLst meth="repeat">
+      <a:schemeClr val="lt1"/>
+    </dgm:linClrLst>
+    <dgm:effectClrLst/>
+    <dgm:txLinClrLst/>
+    <dgm:txFillClrLst/>
+    <dgm:txEffectClrLst/>
+  </dgm:styleLbl>
+  <dgm:styleLbl name="vennNode1">
+    <dgm:fillClrLst meth="repeat">
+      <a:schemeClr val="accent2">
+        <a:alpha val="50000"/>
+      </a:schemeClr>
+      <a:schemeClr val="accent3">
+        <a:alpha val="50000"/>
+      </a:schemeClr>
+      <a:schemeClr val="accent4">
+        <a:alpha val="50000"/>
+      </a:schemeClr>
+      <a:schemeClr val="accent5">
+        <a:alpha val="50000"/>
+      </a:schemeClr>
+      <a:schemeClr val="accent6">
+        <a:alpha val="50000"/>
+      </a:schemeClr>
+    </dgm:fillClrLst>
+    <dgm:linClrLst meth="repeat">
+      <a:schemeClr val="lt1"/>
+    </dgm:linClrLst>
+    <dgm:effectClrLst/>
+    <dgm:txLinClrLst/>
+    <dgm:txFillClrLst/>
+    <dgm:txEffectClrLst/>
+  </dgm:styleLbl>
+  <dgm:styleLbl name="node2">
+    <dgm:fillClrLst>
+      <a:schemeClr val="accent2"/>
+    </dgm:fillClrLst>
+    <dgm:linClrLst meth="repeat">
+      <a:schemeClr val="lt1"/>
+    </dgm:linClrLst>
+    <dgm:effectClrLst/>
+    <dgm:txLinClrLst/>
+    <dgm:txFillClrLst/>
+    <dgm:txEffectClrLst/>
+  </dgm:styleLbl>
+  <dgm:styleLbl name="node3">
+    <dgm:fillClrLst>
+      <a:schemeClr val="accent3"/>
+    </dgm:fillClrLst>
+    <dgm:linClrLst meth="repeat">
+      <a:schemeClr val="lt1"/>
+    </dgm:linClrLst>
+    <dgm:effectClrLst/>
+    <dgm:txLinClrLst/>
+    <dgm:txFillClrLst/>
+    <dgm:txEffectClrLst/>
+  </dgm:styleLbl>
+  <dgm:styleLbl name="node4">
+    <dgm:fillClrLst>
+      <a:schemeClr val="accent4"/>
+    </dgm:fillClrLst>
+    <dgm:linClrLst meth="repeat">
+      <a:schemeClr val="lt1"/>
+    </dgm:linClrLst>
+    <dgm:effectClrLst/>
+    <dgm:txLinClrLst/>
+    <dgm:txFillClrLst/>
+    <dgm:txEffectClrLst/>
+  </dgm:styleLbl>
+  <dgm:styleLbl name="fgImgPlace1">
+    <dgm:fillClrLst meth="repeat">
+      <a:schemeClr val="accent2">
+        <a:tint val="50000"/>
+      </a:schemeClr>
+      <a:schemeClr val="accent3">
+        <a:tint val="50000"/>
+      </a:schemeClr>
+      <a:schemeClr val="accent4">
+        <a:tint val="50000"/>
+      </a:schemeClr>
+      <a:schemeClr val="accent5">
+        <a:tint val="50000"/>
+      </a:schemeClr>
+      <a:schemeClr val="accent6">
+        <a:tint val="50000"/>
+      </a:schemeClr>
+    </dgm:fillClrLst>
+    <dgm:linClrLst meth="repeat">
+      <a:schemeClr val="lt1"/>
+    </dgm:linClrLst>
+    <dgm:effectClrLst/>
+    <dgm:txLinClrLst/>
+    <dgm:txFillClrLst meth="repeat">
+      <a:schemeClr val="lt1"/>
+    </dgm:txFillClrLst>
+    <dgm:txEffectClrLst/>
+  </dgm:styleLbl>
+  <dgm:styleLbl name="alignImgPlace1">
+    <dgm:fillClrLst>
+      <a:schemeClr val="accent1">
+        <a:tint val="50000"/>
+      </a:schemeClr>
+      <a:schemeClr val="accent2">
+        <a:tint val="20000"/>
+      </a:schemeClr>
+    </dgm:fillClrLst>
+    <dgm:linClrLst meth="repeat">
+      <a:schemeClr val="lt1"/>
+    </dgm:linClrLst>
+    <dgm:effectClrLst/>
+    <dgm:txLinClrLst/>
+    <dgm:txFillClrLst meth="repeat">
+      <a:schemeClr val="lt1"/>
+    </dgm:txFillClrLst>
+    <dgm:txEffectClrLst/>
+  </dgm:styleLbl>
+  <dgm:styleLbl name="bgImgPlace1">
+    <dgm:fillClrLst>
+      <a:schemeClr val="accent1">
+        <a:tint val="50000"/>
+      </a:schemeClr>
+      <a:schemeClr val="accent2">
+        <a:tint val="20000"/>
+      </a:schemeClr>
+    </dgm:fillClrLst>
+    <dgm:linClrLst meth="repeat">
+      <a:schemeClr val="lt1"/>
+    </dgm:linClrLst>
+    <dgm:effectClrLst/>
+    <dgm:txLinClrLst/>
+    <dgm:txFillClrLst meth="repeat">
+      <a:schemeClr val="lt1"/>
+    </dgm:txFillClrLst>
+    <dgm:txEffectClrLst/>
+  </dgm:styleLbl>
+  <dgm:styleLbl name="sibTrans2D1">
+    <dgm:fillClrLst meth="repeat">
+      <a:schemeClr val="accent2"/>
+      <a:schemeClr val="accent3"/>
+      <a:schemeClr val="accent4"/>
+      <a:schemeClr val="accent5"/>
+      <a:schemeClr val="accent6"/>
+    </dgm:fillClrLst>
+    <dgm:linClrLst meth="cycle">
+      <a:schemeClr val="lt1"/>
+    </dgm:linClrLst>
+    <dgm:effectClrLst/>
+    <dgm:txLinClrLst/>
+    <dgm:txFillClrLst/>
+    <dgm:txEffectClrLst/>
+  </dgm:styleLbl>
+  <dgm:styleLbl name="fgSibTrans2D1">
+    <dgm:fillClrLst meth="repeat">
+      <a:schemeClr val="accent2"/>
+      <a:schemeClr val="accent3"/>
+      <a:schemeClr val="accent4"/>
+      <a:schemeClr val="accent5"/>
+      <a:schemeClr val="accent6"/>
+    </dgm:fillClrLst>
+    <dgm:linClrLst meth="cycle">
+      <a:schemeClr val="lt1"/>
+    </dgm:linClrLst>
+    <dgm:effectClrLst/>
+    <dgm:txLinClrLst/>
+    <dgm:txFillClrLst meth="repeat">
+      <a:schemeClr val="lt1"/>
+    </dgm:txFillClrLst>
+    <dgm:txEffectClrLst/>
+  </dgm:styleLbl>
+  <dgm:styleLbl name="bgSibTrans2D1">
+    <dgm:fillClrLst meth="repeat">
+      <a:schemeClr val="accent2"/>
+      <a:schemeClr val="accent3"/>
+      <a:schemeClr val="accent4"/>
+      <a:schemeClr val="accent5"/>
+      <a:schemeClr val="accent6"/>
+    </dgm:fillClrLst>
+    <dgm:linClrLst meth="cycle">
+      <a:schemeClr val="lt1"/>
+    </dgm:linClrLst>
+    <dgm:effectClrLst/>
+    <dgm:txLinClrLst/>
+    <dgm:txFillClrLst meth="repeat">
+      <a:schemeClr val="lt1"/>
+    </dgm:txFillClrLst>
+    <dgm:txEffectClrLst/>
+  </dgm:styleLbl>
+  <dgm:styleLbl name="sibTrans1D1">
+    <dgm:fillClrLst meth="repeat">
+      <a:schemeClr val="accent2"/>
+      <a:schemeClr val="accent3"/>
+      <a:schemeClr val="accent4"/>
+      <a:schemeClr val="accent5"/>
+      <a:schemeClr val="accent6"/>
+    </dgm:fillClrLst>
+    <dgm:linClrLst meth="repeat">
+      <a:schemeClr val="accent2"/>
+      <a:schemeClr val="accent3"/>
+      <a:schemeClr val="accent4"/>
+      <a:schemeClr val="accent5"/>
+      <a:schemeClr val="accent6"/>
+    </dgm:linClrLst>
+    <dgm:effectClrLst/>
+    <dgm:txLinClrLst/>
+    <dgm:txFillClrLst meth="repeat">
+      <a:schemeClr val="tx1"/>
+    </dgm:txFillClrLst>
+    <dgm:txEffectClrLst/>
+  </dgm:styleLbl>
+  <dgm:styleLbl name="callout">
+    <dgm:fillClrLst meth="repeat">
+      <a:schemeClr val="accent2"/>
+    </dgm:fillClrLst>
+    <dgm:linClrLst meth="repeat">
+      <a:schemeClr val="accent2">
+        <a:tint val="50000"/>
+      </a:schemeClr>
+    </dgm:linClrLst>
+    <dgm:effectClrLst/>
+    <dgm:txLinClrLst/>
+    <dgm:txFillClrLst meth="repeat">
+      <a:schemeClr val="tx1"/>
+    </dgm:txFillClrLst>
+    <dgm:txEffectClrLst/>
+  </dgm:styleLbl>
+  <dgm:styleLbl name="asst0">
+    <dgm:fillClrLst meth="repeat">
+      <a:schemeClr val="accent1"/>
+    </dgm:fillClrLst>
+    <dgm:linClrLst meth="repeat">
+      <a:schemeClr val="lt1"/>
+    </dgm:linClrLst>
+    <dgm:effectClrLst/>
+    <dgm:txLinClrLst/>
+    <dgm:txFillClrLst/>
+    <dgm:txEffectClrLst/>
+  </dgm:styleLbl>
+  <dgm:styleLbl name="asst1">
+    <dgm:fillClrLst meth="repeat">
+      <a:schemeClr val="accent2"/>
+    </dgm:fillClrLst>
+    <dgm:linClrLst meth="repeat">
+      <a:schemeClr val="lt1"/>
+    </dgm:linClrLst>
+    <dgm:effectClrLst/>
+    <dgm:txLinClrLst/>
+    <dgm:txFillClrLst/>
+    <dgm:txEffectClrLst/>
+  </dgm:styleLbl>
+  <dgm:styleLbl name="asst2">
+    <dgm:fillClrLst>
+      <a:schemeClr val="accent3"/>
+    </dgm:fillClrLst>
+    <dgm:linClrLst meth="repeat">
+      <a:schemeClr val="lt1"/>
+    </dgm:linClrLst>
+    <dgm:effectClrLst/>
+    <dgm:txLinClrLst/>
+    <dgm:txFillClrLst/>
+    <dgm:txEffectClrLst/>
+  </dgm:styleLbl>
+  <dgm:styleLbl name="asst3">
+    <dgm:fillClrLst>
+      <a:schemeClr val="accent4"/>
+    </dgm:fillClrLst>
+    <dgm:linClrLst meth="repeat">
+      <a:schemeClr val="lt1"/>
+    </dgm:linClrLst>
+    <dgm:effectClrLst/>
+    <dgm:txLinClrLst/>
+    <dgm:txFillClrLst/>
+    <dgm:txEffectClrLst/>
+  </dgm:styleLbl>
+  <dgm:styleLbl name="asst4">
+    <dgm:fillClrLst>
+      <a:schemeClr val="accent5"/>
+    </dgm:fillClrLst>
+    <dgm:linClrLst meth="repeat">
+      <a:schemeClr val="lt1"/>
+    </dgm:linClrLst>
+    <dgm:effectClrLst/>
+    <dgm:txLinClrLst/>
+    <dgm:txFillClrLst/>
+    <dgm:txEffectClrLst/>
+  </dgm:styleLbl>
+  <dgm:styleLbl name="parChTrans2D1">
+    <dgm:fillClrLst meth="repeat">
+      <a:schemeClr val="accent2"/>
+    </dgm:fillClrLst>
+    <dgm:linClrLst meth="repeat">
+      <a:schemeClr val="lt1"/>
+    </dgm:linClrLst>
+    <dgm:effectClrLst/>
+    <dgm:txLinClrLst/>
+    <dgm:txFillClrLst meth="repeat">
+      <a:schemeClr val="lt1"/>
+    </dgm:txFillClrLst>
+    <dgm:txEffectClrLst/>
+  </dgm:styleLbl>
+  <dgm:styleLbl name="parChTrans2D2">
+    <dgm:fillClrLst meth="repeat">
+      <a:schemeClr val="accent3"/>
+    </dgm:fillClrLst>
+    <dgm:linClrLst meth="repeat">
+      <a:schemeClr val="lt1"/>
+    </dgm:linClrLst>
+    <dgm:effectClrLst/>
+    <dgm:txLinClrLst/>
+    <dgm:txFillClrLst/>
+    <dgm:txEffectClrLst/>
+  </dgm:styleLbl>
+  <dgm:styleLbl name="parChTrans2D3">
+    <dgm:fillClrLst meth="repeat">
+      <a:schemeClr val="accent4"/>
+    </dgm:fillClrLst>
+    <dgm:linClrLst meth="repeat">
+      <a:schemeClr val="lt1"/>
+    </dgm:linClrLst>
+    <dgm:effectClrLst/>
+    <dgm:txLinClrLst/>
+    <dgm:txFillClrLst/>
+    <dgm:txEffectClrLst/>
+  </dgm:styleLbl>
+  <dgm:styleLbl name="parChTrans2D4">
+    <dgm:fillClrLst meth="repeat">
+      <a:schemeClr val="accent5"/>
+    </dgm:fillClrLst>
+    <dgm:linClrLst meth="repeat">
+      <a:schemeClr val="lt1"/>
+    </dgm:linClrLst>
+    <dgm:effectClrLst/>
+    <dgm:txLinClrLst/>
+    <dgm:txFillClrLst meth="repeat">
+      <a:schemeClr val="lt1"/>
+    </dgm:txFillClrLst>
+    <dgm:txEffectClrLst/>
+  </dgm:styleLbl>
+  <dgm:styleLbl name="parChTrans1D1">
+    <dgm:fillClrLst meth="repeat">
+      <a:schemeClr val="accent2"/>
+    </dgm:fillClrLst>
+    <dgm:linClrLst meth="repeat">
+      <a:schemeClr val="accent1"/>
+    </dgm:linClrLst>
+    <dgm:effectClrLst/>
+    <dgm:txLinClrLst/>
+    <dgm:txFillClrLst meth="repeat">
+      <a:schemeClr val="tx1"/>
+    </dgm:txFillClrLst>
+    <dgm:txEffectClrLst/>
+  </dgm:styleLbl>
+  <dgm:styleLbl name="parChTrans1D2">
+    <dgm:fillClrLst meth="repeat">
+      <a:schemeClr val="accent3">
+        <a:tint val="90000"/>
+      </a:schemeClr>
+    </dgm:fillClrLst>
+    <dgm:linClrLst meth="repeat">
+      <a:schemeClr val="accent2"/>
+    </dgm:linClrLst>
+    <dgm:effectClrLst/>
+    <dgm:txLinClrLst/>
+    <dgm:txFillClrLst meth="repeat">
+      <a:schemeClr val="tx1"/>
+    </dgm:txFillClrLst>
+    <dgm:txEffectClrLst/>
+  </dgm:styleLbl>
+  <dgm:styleLbl name="parChTrans1D3">
+    <dgm:fillClrLst meth="repeat">
+      <a:schemeClr val="accent4">
+        <a:tint val="70000"/>
+      </a:schemeClr>
+    </dgm:fillClrLst>
+    <dgm:linClrLst meth="repeat">
+      <a:schemeClr val="accent3"/>
+    </dgm:linClrLst>
+    <dgm:effectClrLst/>
+    <dgm:txLinClrLst/>
+    <dgm:txFillClrLst meth="repeat">
+      <a:schemeClr val="tx1"/>
+    </dgm:txFillClrLst>
+    <dgm:txEffectClrLst/>
+  </dgm:styleLbl>
+  <dgm:styleLbl name="parChTrans1D4">
+    <dgm:fillClrLst meth="repeat">
+      <a:schemeClr val="accent5">
+        <a:tint val="50000"/>
+      </a:schemeClr>
+    </dgm:fillClrLst>
+    <dgm:linClrLst meth="repeat">
+      <a:schemeClr val="accent4"/>
+    </dgm:linClrLst>
+    <dgm:effectClrLst/>
+    <dgm:txLinClrLst/>
+    <dgm:txFillClrLst meth="repeat">
+      <a:schemeClr val="tx1"/>
+    </dgm:txFillClrLst>
+    <dgm:txEffectClrLst/>
+  </dgm:styleLbl>
+  <dgm:styleLbl name="fgAcc1">
+    <dgm:fillClrLst meth="repeat">
+      <a:schemeClr val="lt1">
+        <a:alpha val="90000"/>
+      </a:schemeClr>
+    </dgm:fillClrLst>
+    <dgm:linClrLst meth="repeat">
+      <a:schemeClr val="accent2"/>
+      <a:schemeClr val="accent3"/>
+      <a:schemeClr val="accent4"/>
+      <a:schemeClr val="accent5"/>
+      <a:schemeClr val="accent6"/>
+    </dgm:linClrLst>
+    <dgm:effectClrLst/>
+    <dgm:txLinClrLst/>
+    <dgm:txFillClrLst meth="repeat">
+      <a:schemeClr val="dk1"/>
+    </dgm:txFillClrLst>
+    <dgm:txEffectClrLst/>
+  </dgm:styleLbl>
+  <dgm:styleLbl name="conFgAcc1">
+    <dgm:fillClrLst meth="repeat">
+      <a:schemeClr val="lt1">
+        <a:alpha val="90000"/>
+      </a:schemeClr>
+    </dgm:fillClrLst>
+    <dgm:linClrLst meth="repeat">
+      <a:schemeClr val="accent2"/>
+      <a:schemeClr val="accent3"/>
+      <a:schemeClr val="accent4"/>
+      <a:schemeClr val="accent5"/>
+      <a:schemeClr val="accent6"/>
+    </dgm:linClrLst>
+    <dgm:effectClrLst/>
+    <dgm:txLinClrLst/>
+    <dgm:txFillClrLst meth="repeat">
+      <a:schemeClr val="dk1"/>
+    </dgm:txFillClrLst>
+    <dgm:txEffectClrLst/>
+  </dgm:styleLbl>
+  <dgm:styleLbl name="alignAcc1">
+    <dgm:fillClrLst meth="repeat">
+      <a:schemeClr val="lt1">
+        <a:alpha val="90000"/>
+      </a:schemeClr>
+    </dgm:fillClrLst>
+    <dgm:linClrLst meth="repeat">
+      <a:schemeClr val="accent2"/>
+      <a:schemeClr val="accent3"/>
+      <a:schemeClr val="accent4"/>
+      <a:schemeClr val="accent5"/>
+      <a:schemeClr val="accent6"/>
+    </dgm:linClrLst>
+    <dgm:effectClrLst/>
+    <dgm:txLinClrLst/>
+    <dgm:txFillClrLst meth="repeat">
+      <a:schemeClr val="dk1"/>
+    </dgm:txFillClrLst>
+    <dgm:txEffectClrLst/>
+  </dgm:styleLbl>
+  <dgm:styleLbl name="trAlignAcc1">
+    <dgm:fillClrLst meth="repeat">
+      <a:schemeClr val="lt1">
+        <a:alpha val="40000"/>
+      </a:schemeClr>
+    </dgm:fillClrLst>
+    <dgm:linClrLst meth="repeat">
+      <a:schemeClr val="accent1"/>
+    </dgm:linClrLst>
+    <dgm:effectClrLst/>
+    <dgm:txLinClrLst/>
+    <dgm:txFillClrLst meth="repeat">
+      <a:schemeClr val="dk1"/>
+    </dgm:txFillClrLst>
+    <dgm:txEffectClrLst/>
+  </dgm:styleLbl>
+  <dgm:styleLbl name="bgAcc1">
+    <dgm:fillClrLst meth="repeat">
+      <a:schemeClr val="lt1">
+        <a:alpha val="90000"/>
+      </a:schemeClr>
+    </dgm:fillClrLst>
+    <dgm:linClrLst meth="repeat">
+      <a:schemeClr val="accent2"/>
+      <a:schemeClr val="accent3"/>
+      <a:schemeClr val="accent4"/>
+      <a:schemeClr val="accent5"/>
+      <a:schemeClr val="accent6"/>
+    </dgm:linClrLst>
+    <dgm:effectClrLst/>
+    <dgm:txLinClrLst/>
+    <dgm:txFillClrLst meth="repeat">
+      <a:schemeClr val="dk1"/>
+    </dgm:txFillClrLst>
+    <dgm:txEffectClrLst/>
+  </dgm:styleLbl>
+  <dgm:styleLbl name="solidFgAcc1">
+    <dgm:fillClrLst meth="repeat">
+      <a:schemeClr val="lt1"/>
+    </dgm:fillClrLst>
+    <dgm:linClrLst meth="repeat">
+      <a:schemeClr val="accent2"/>
+      <a:schemeClr val="accent3"/>
+      <a:schemeClr val="accent4"/>
+      <a:schemeClr val="accent5"/>
+      <a:schemeClr val="accent6"/>
+    </dgm:linClrLst>
+    <dgm:effectClrLst/>
+    <dgm:txLinClrLst/>
+    <dgm:txFillClrLst meth="repeat">
+      <a:schemeClr val="dk1"/>
+    </dgm:txFillClrLst>
+    <dgm:txEffectClrLst/>
+  </dgm:styleLbl>
+  <dgm:styleLbl name="solidAlignAcc1">
+    <dgm:fillClrLst meth="repeat">
+      <a:schemeClr val="lt1"/>
+    </dgm:fillClrLst>
+    <dgm:linClrLst meth="repeat">
+      <a:schemeClr val="accent2"/>
+      <a:schemeClr val="accent3"/>
+      <a:schemeClr val="accent4"/>
+      <a:schemeClr val="accent5"/>
+      <a:schemeClr val="accent6"/>
+    </dgm:linClrLst>
+    <dgm:effectClrLst/>
+    <dgm:txLinClrLst/>
+    <dgm:txFillClrLst meth="repeat">
+      <a:schemeClr val="dk1"/>
+    </dgm:txFillClrLst>
+    <dgm:txEffectClrLst/>
+  </dgm:styleLbl>
+  <dgm:styleLbl name="solidBgAcc1">
+    <dgm:fillClrLst meth="repeat">
+      <a:schemeClr val="lt1"/>
+    </dgm:fillClrLst>
+    <dgm:linClrLst meth="repeat">
+      <a:schemeClr val="accent2"/>
+      <a:schemeClr val="accent3"/>
+      <a:schemeClr val="accent4"/>
+      <a:schemeClr val="accent5"/>
+      <a:schemeClr val="accent6"/>
+    </dgm:linClrLst>
+    <dgm:effectClrLst/>
+    <dgm:txLinClrLst/>
+    <dgm:txFillClrLst meth="repeat">
+      <a:schemeClr val="dk1"/>
+    </dgm:txFillClrLst>
+    <dgm:txEffectClrLst/>
+  </dgm:styleLbl>
+  <dgm:styleLbl name="fgAccFollowNode1">
+    <dgm:fillClrLst meth="repeat">
+      <a:schemeClr val="accent2">
+        <a:tint val="40000"/>
+        <a:alpha val="90000"/>
+      </a:schemeClr>
+      <a:schemeClr val="accent3">
+        <a:tint val="40000"/>
+        <a:alpha val="90000"/>
+      </a:schemeClr>
+      <a:schemeClr val="accent4">
+        <a:tint val="40000"/>
+        <a:alpha val="90000"/>
+      </a:schemeClr>
+      <a:schemeClr val="accent5">
+        <a:tint val="40000"/>
+        <a:alpha val="90000"/>
+      </a:schemeClr>
+      <a:schemeClr val="accent6">
+        <a:tint val="40000"/>
+        <a:alpha val="90000"/>
+      </a:schemeClr>
+    </dgm:fillClrLst>
+    <dgm:linClrLst meth="repeat">
+      <a:schemeClr val="accent2">
+        <a:tint val="40000"/>
+        <a:alpha val="90000"/>
+      </a:schemeClr>
+      <a:schemeClr val="accent3">
+        <a:tint val="40000"/>
+        <a:alpha val="90000"/>
+      </a:schemeClr>
+      <a:schemeClr val="accent4">
+        <a:tint val="40000"/>
+        <a:alpha val="90000"/>
+      </a:schemeClr>
+      <a:schemeClr val="accent5">
+        <a:tint val="40000"/>
+        <a:alpha val="90000"/>
+      </a:schemeClr>
+      <a:schemeClr val="accent6">
+        <a:tint val="40000"/>
+        <a:alpha val="90000"/>
+      </a:schemeClr>
+    </dgm:linClrLst>
+    <dgm:effectClrLst/>
+    <dgm:txLinClrLst/>
+    <dgm:txFillClrLst meth="repeat">
+      <a:schemeClr val="dk1"/>
+    </dgm:txFillClrLst>
+    <dgm:txEffectClrLst/>
+  </dgm:styleLbl>
+  <dgm:styleLbl name="alignAccFollowNode1">
+    <dgm:fillClrLst meth="repeat">
+      <a:schemeClr val="accent2">
+        <a:tint val="40000"/>
+        <a:alpha val="90000"/>
+      </a:schemeClr>
+      <a:schemeClr val="accent3">
+        <a:tint val="40000"/>
+        <a:alpha val="90000"/>
+      </a:schemeClr>
+      <a:schemeClr val="accent4">
+        <a:tint val="40000"/>
+        <a:alpha val="90000"/>
+      </a:schemeClr>
+      <a:schemeClr val="accent5">
+        <a:tint val="40000"/>
+        <a:alpha val="90000"/>
+      </a:schemeClr>
+      <a:schemeClr val="accent6">
+        <a:tint val="40000"/>
+        <a:alpha val="90000"/>
+      </a:schemeClr>
+    </dgm:fillClrLst>
+    <dgm:linClrLst meth="repeat">
+      <a:schemeClr val="accent2">
+        <a:tint val="40000"/>
+        <a:alpha val="90000"/>
+      </a:schemeClr>
+      <a:schemeClr val="accent3">
+        <a:tint val="40000"/>
+        <a:alpha val="90000"/>
+      </a:schemeClr>
+      <a:schemeClr val="accent4">
+        <a:tint val="40000"/>
+        <a:alpha val="90000"/>
+      </a:schemeClr>
+      <a:schemeClr val="accent5">
+        <a:tint val="40000"/>
+        <a:alpha val="90000"/>
+      </a:schemeClr>
+      <a:schemeClr val="accent6">
+        <a:tint val="40000"/>
+        <a:alpha val="90000"/>
+      </a:schemeClr>
+    </dgm:linClrLst>
+    <dgm:effectClrLst/>
+    <dgm:txLinClrLst/>
+    <dgm:txFillClrLst meth="repeat">
+      <a:schemeClr val="dk1"/>
+    </dgm:txFillClrLst>
+    <dgm:txEffectClrLst/>
+  </dgm:styleLbl>
+  <dgm:styleLbl name="bgAccFollowNode1">
+    <dgm:fillClrLst meth="repeat">
+      <a:schemeClr val="accent2">
+        <a:tint val="40000"/>
+        <a:alpha val="90000"/>
+      </a:schemeClr>
+      <a:schemeClr val="accent3">
+        <a:tint val="40000"/>
+        <a:alpha val="90000"/>
+      </a:schemeClr>
+      <a:schemeClr val="accent4">
+        <a:tint val="40000"/>
+        <a:alpha val="90000"/>
+      </a:schemeClr>
+      <a:schemeClr val="accent5">
+        <a:tint val="40000"/>
+        <a:alpha val="90000"/>
+      </a:schemeClr>
+      <a:schemeClr val="accent6">
+        <a:tint val="40000"/>
+        <a:alpha val="90000"/>
+      </a:schemeClr>
+    </dgm:fillClrLst>
+    <dgm:linClrLst meth="repeat">
+      <a:schemeClr val="accent2">
+        <a:tint val="40000"/>
+        <a:alpha val="90000"/>
+      </a:schemeClr>
+      <a:schemeClr val="accent3">
+        <a:tint val="40000"/>
+        <a:alpha val="90000"/>
+      </a:schemeClr>
+      <a:schemeClr val="accent4">
+        <a:tint val="40000"/>
+        <a:alpha val="90000"/>
+      </a:schemeClr>
+      <a:schemeClr val="accent5">
+        <a:tint val="40000"/>
+        <a:alpha val="90000"/>
+      </a:schemeClr>
+      <a:schemeClr val="accent6">
+        <a:tint val="40000"/>
+        <a:alpha val="90000"/>
+      </a:schemeClr>
+    </dgm:linClrLst>
+    <dgm:effectClrLst/>
+    <dgm:txLinClrLst/>
+    <dgm:txFillClrLst meth="repeat">
+      <a:schemeClr val="dk1"/>
+    </dgm:txFillClrLst>
+    <dgm:txEffectClrLst/>
+  </dgm:styleLbl>
+  <dgm:styleLbl name="fgAcc0">
+    <dgm:fillClrLst meth="repeat">
+      <a:schemeClr val="lt1">
+        <a:alpha val="90000"/>
+      </a:schemeClr>
+    </dgm:fillClrLst>
+    <dgm:linClrLst>
+      <a:schemeClr val="accent1"/>
+    </dgm:linClrLst>
+    <dgm:effectClrLst/>
+    <dgm:txLinClrLst/>
+    <dgm:txFillClrLst meth="repeat">
+      <a:schemeClr val="dk1"/>
+    </dgm:txFillClrLst>
+    <dgm:txEffectClrLst/>
+  </dgm:styleLbl>
+  <dgm:styleLbl name="fgAcc2">
+    <dgm:fillClrLst meth="repeat">
+      <a:schemeClr val="lt1">
+        <a:alpha val="90000"/>
+      </a:schemeClr>
+    </dgm:fillClrLst>
+    <dgm:linClrLst>
+      <a:schemeClr val="accent2"/>
+    </dgm:linClrLst>
+    <dgm:effectClrLst/>
+    <dgm:txLinClrLst/>
+    <dgm:txFillClrLst meth="repeat">
+      <a:schemeClr val="dk1"/>
+    </dgm:txFillClrLst>
+    <dgm:txEffectClrLst/>
+  </dgm:styleLbl>
+  <dgm:styleLbl name="fgAcc3">
+    <dgm:fillClrLst meth="repeat">
+      <a:schemeClr val="lt1">
+        <a:alpha val="90000"/>
+      </a:schemeClr>
+    </dgm:fillClrLst>
+    <dgm:linClrLst>
+      <a:schemeClr val="accent3"/>
+    </dgm:linClrLst>
+    <dgm:effectClrLst/>
+    <dgm:txLinClrLst/>
+    <dgm:txFillClrLst meth="repeat">
+      <a:schemeClr val="dk1"/>
+    </dgm:txFillClrLst>
+    <dgm:txEffectClrLst/>
+  </dgm:styleLbl>
+  <dgm:styleLbl name="fgAcc4">
+    <dgm:fillClrLst meth="repeat">
+      <a:schemeClr val="lt1">
+        <a:alpha val="90000"/>
+      </a:schemeClr>
+    </dgm:fillClrLst>
+    <dgm:linClrLst>
+      <a:schemeClr val="accent4"/>
+    </dgm:linClrLst>
+    <dgm:effectClrLst/>
+    <dgm:txLinClrLst/>
+    <dgm:txFillClrLst meth="repeat">
+      <a:schemeClr val="dk1"/>
+    </dgm:txFillClrLst>
+    <dgm:txEffectClrLst/>
+  </dgm:styleLbl>
+  <dgm:styleLbl name="bgShp">
+    <dgm:fillClrLst meth="repeat">
+      <a:schemeClr val="accent2">
+        <a:tint val="40000"/>
+      </a:schemeClr>
+    </dgm:fillClrLst>
+    <dgm:linClrLst meth="repeat">
+      <a:schemeClr val="dk1"/>
+    </dgm:linClrLst>
+    <dgm:effectClrLst/>
+    <dgm:txLinClrLst/>
+    <dgm:txFillClrLst meth="repeat">
+      <a:schemeClr val="dk1"/>
+    </dgm:txFillClrLst>
+    <dgm:txEffectClrLst/>
+  </dgm:styleLbl>
+  <dgm:styleLbl name="dkBgShp">
+    <dgm:fillClrLst meth="repeat">
+      <a:schemeClr val="accent2">
+        <a:shade val="90000"/>
+      </a:schemeClr>
+    </dgm:fillClrLst>
+    <dgm:linClrLst meth="repeat">
+      <a:schemeClr val="dk1"/>
+    </dgm:linClrLst>
+    <dgm:effectClrLst/>
+    <dgm:txLinClrLst/>
+    <dgm:txFillClrLst meth="repeat">
+      <a:schemeClr val="lt1"/>
+    </dgm:txFillClrLst>
+    <dgm:txEffectClrLst/>
+  </dgm:styleLbl>
+  <dgm:styleLbl name="trBgShp">
+    <dgm:fillClrLst meth="repeat">
+      <a:schemeClr val="accent1">
+        <a:tint val="50000"/>
+        <a:alpha val="40000"/>
+      </a:schemeClr>
+    </dgm:fillClrLst>
+    <dgm:linClrLst meth="repeat">
+      <a:schemeClr val="accent2"/>
+    </dgm:linClrLst>
+    <dgm:effectClrLst/>
+    <dgm:txLinClrLst/>
+    <dgm:txFillClrLst meth="repeat">
+      <a:schemeClr val="lt1"/>
+    </dgm:txFillClrLst>
+    <dgm:txEffectClrLst/>
+  </dgm:styleLbl>
+  <dgm:styleLbl name="fgShp">
+    <dgm:fillClrLst meth="repeat">
+      <a:schemeClr val="accent2">
+        <a:tint val="40000"/>
+      </a:schemeClr>
+    </dgm:fillClrLst>
+    <dgm:linClrLst meth="repeat">
+      <a:schemeClr val="lt1"/>
+    </dgm:linClrLst>
+    <dgm:effectClrLst/>
+    <dgm:txLinClrLst/>
+    <dgm:txFillClrLst meth="repeat">
+      <a:schemeClr val="dk1"/>
+    </dgm:txFillClrLst>
+    <dgm:txEffectClrLst/>
+  </dgm:styleLbl>
+  <dgm:styleLbl name="revTx">
+    <dgm:fillClrLst meth="repeat">
+      <a:schemeClr val="lt1">
+        <a:alpha val="0"/>
+      </a:schemeClr>
+    </dgm:fillClrLst>
+    <dgm:linClrLst meth="repeat">
+      <a:schemeClr val="dk1">
+        <a:alpha val="0"/>
+      </a:schemeClr>
+    </dgm:linClrLst>
+    <dgm:effectClrLst/>
+    <dgm:txLinClrLst/>
+    <dgm:txFillClrLst meth="repeat">
+      <a:schemeClr val="tx1"/>
+    </dgm:txFillClrLst>
+    <dgm:txEffectClrLst/>
+  </dgm:styleLbl>
+</dgm:colorsDef>
+</file>
+
+<file path=ppt/diagrams/colors3.xml><?xml version="1.0" encoding="utf-8"?>
 <dgm:colorsDef xmlns:dgm="http://schemas.openxmlformats.org/drawingml/2006/diagram" xmlns:a="http://schemas.openxmlformats.org/drawingml/2006/main" uniqueId="urn:microsoft.com/office/officeart/2018/5/colors/Iconchunking_neutralicon_accent0_3">
   <dgm:title val=""/>
   <dgm:desc val=""/>
@@ -873,764 +2575,11 @@
 </dgm:colorsDef>
 </file>
 
-<file path=ppt/diagrams/colors2.xml><?xml version="1.0" encoding="utf-8"?>
-<dgm:colorsDef xmlns:dgm="http://schemas.openxmlformats.org/drawingml/2006/diagram" xmlns:a="http://schemas.openxmlformats.org/drawingml/2006/main" uniqueId="urn:microsoft.com/office/officeart/2018/5/colors/Iconchunking_neutralicon_accent0_3">
-  <dgm:title val=""/>
-  <dgm:desc val=""/>
-  <dgm:catLst>
-    <dgm:cat type="mainScheme" pri="10300"/>
-  </dgm:catLst>
-  <dgm:styleLbl name="node0">
-    <dgm:fillClrLst meth="repeat">
-      <a:schemeClr val="dk2"/>
-    </dgm:fillClrLst>
-    <dgm:linClrLst meth="repeat">
-      <a:schemeClr val="lt2"/>
-    </dgm:linClrLst>
-    <dgm:effectClrLst/>
-    <dgm:txLinClrLst/>
-    <dgm:txFillClrLst/>
-    <dgm:txEffectClrLst/>
-  </dgm:styleLbl>
-  <dgm:styleLbl name="alignNode1">
-    <dgm:fillClrLst meth="repeat">
-      <a:schemeClr val="dk2"/>
-    </dgm:fillClrLst>
-    <dgm:linClrLst meth="repeat">
-      <a:schemeClr val="dk2"/>
-    </dgm:linClrLst>
-    <dgm:effectClrLst/>
-    <dgm:txLinClrLst/>
-    <dgm:txFillClrLst/>
-    <dgm:txEffectClrLst/>
-  </dgm:styleLbl>
-  <dgm:styleLbl name="node1">
-    <dgm:fillClrLst meth="repeat">
-      <a:schemeClr val="bg1"/>
-    </dgm:fillClrLst>
-    <dgm:linClrLst meth="repeat">
-      <a:schemeClr val="lt2">
-        <a:alpha val="0"/>
-      </a:schemeClr>
-    </dgm:linClrLst>
-    <dgm:effectClrLst/>
-    <dgm:txLinClrLst/>
-    <dgm:txFillClrLst meth="repeat">
-      <a:schemeClr val="dk1"/>
-    </dgm:txFillClrLst>
-    <dgm:txEffectClrLst/>
-  </dgm:styleLbl>
-  <dgm:styleLbl name="lnNode1">
-    <dgm:fillClrLst meth="repeat">
-      <a:schemeClr val="dk2"/>
-    </dgm:fillClrLst>
-    <dgm:linClrLst meth="repeat">
-      <a:schemeClr val="lt2"/>
-    </dgm:linClrLst>
-    <dgm:effectClrLst/>
-    <dgm:txLinClrLst/>
-    <dgm:txFillClrLst/>
-    <dgm:txEffectClrLst/>
-  </dgm:styleLbl>
-  <dgm:styleLbl name="vennNode1">
-    <dgm:fillClrLst meth="repeat">
-      <a:schemeClr val="dk2">
-        <a:alpha val="50000"/>
-      </a:schemeClr>
-    </dgm:fillClrLst>
-    <dgm:linClrLst meth="repeat">
-      <a:schemeClr val="lt2"/>
-    </dgm:linClrLst>
-    <dgm:effectClrLst/>
-    <dgm:txLinClrLst/>
-    <dgm:txFillClrLst/>
-    <dgm:txEffectClrLst/>
-  </dgm:styleLbl>
-  <dgm:styleLbl name="node2">
-    <dgm:fillClrLst meth="repeat">
-      <a:schemeClr val="dk2"/>
-    </dgm:fillClrLst>
-    <dgm:linClrLst meth="repeat">
-      <a:schemeClr val="lt2"/>
-    </dgm:linClrLst>
-    <dgm:effectClrLst/>
-    <dgm:txLinClrLst/>
-    <dgm:txFillClrLst/>
-    <dgm:txEffectClrLst/>
-  </dgm:styleLbl>
-  <dgm:styleLbl name="node3">
-    <dgm:fillClrLst meth="repeat">
-      <a:schemeClr val="dk2"/>
-    </dgm:fillClrLst>
-    <dgm:linClrLst meth="repeat">
-      <a:schemeClr val="lt2"/>
-    </dgm:linClrLst>
-    <dgm:effectClrLst/>
-    <dgm:txLinClrLst/>
-    <dgm:txFillClrLst/>
-    <dgm:txEffectClrLst/>
-  </dgm:styleLbl>
-  <dgm:styleLbl name="node4">
-    <dgm:fillClrLst meth="repeat">
-      <a:schemeClr val="dk2"/>
-    </dgm:fillClrLst>
-    <dgm:linClrLst meth="repeat">
-      <a:schemeClr val="lt2"/>
-    </dgm:linClrLst>
-    <dgm:effectClrLst/>
-    <dgm:txLinClrLst/>
-    <dgm:txFillClrLst/>
-    <dgm:txEffectClrLst/>
-  </dgm:styleLbl>
-  <dgm:styleLbl name="fgImgPlace1">
-    <dgm:fillClrLst meth="repeat">
-      <a:schemeClr val="dk2">
-        <a:tint val="50000"/>
-      </a:schemeClr>
-    </dgm:fillClrLst>
-    <dgm:linClrLst meth="repeat">
-      <a:schemeClr val="lt2"/>
-    </dgm:linClrLst>
-    <dgm:effectClrLst/>
-    <dgm:txLinClrLst/>
-    <dgm:txFillClrLst meth="repeat">
-      <a:schemeClr val="lt2"/>
-    </dgm:txFillClrLst>
-    <dgm:txEffectClrLst/>
-  </dgm:styleLbl>
-  <dgm:styleLbl name="alignImgPlace1">
-    <dgm:fillClrLst meth="repeat">
-      <a:schemeClr val="dk2">
-        <a:tint val="50000"/>
-      </a:schemeClr>
-    </dgm:fillClrLst>
-    <dgm:linClrLst meth="repeat">
-      <a:schemeClr val="dk2">
-        <a:shade val="80000"/>
-      </a:schemeClr>
-    </dgm:linClrLst>
-    <dgm:effectClrLst/>
-    <dgm:txLinClrLst/>
-    <dgm:txFillClrLst meth="repeat">
-      <a:schemeClr val="lt2"/>
-    </dgm:txFillClrLst>
-    <dgm:txEffectClrLst/>
-  </dgm:styleLbl>
-  <dgm:styleLbl name="bgImgPlace1">
-    <dgm:fillClrLst meth="repeat">
-      <a:schemeClr val="dk2">
-        <a:tint val="50000"/>
-      </a:schemeClr>
-    </dgm:fillClrLst>
-    <dgm:linClrLst meth="repeat">
-      <a:schemeClr val="dk2">
-        <a:shade val="80000"/>
-      </a:schemeClr>
-    </dgm:linClrLst>
-    <dgm:effectClrLst/>
-    <dgm:txLinClrLst/>
-    <dgm:txFillClrLst meth="repeat">
-      <a:schemeClr val="lt2"/>
-    </dgm:txFillClrLst>
-    <dgm:txEffectClrLst/>
-  </dgm:styleLbl>
-  <dgm:styleLbl name="sibTrans2D1">
-    <dgm:fillClrLst meth="repeat">
-      <a:schemeClr val="dk2">
-        <a:tint val="60000"/>
-      </a:schemeClr>
-    </dgm:fillClrLst>
-    <dgm:linClrLst meth="repeat">
-      <a:schemeClr val="dk2">
-        <a:tint val="60000"/>
-      </a:schemeClr>
-    </dgm:linClrLst>
-    <dgm:effectClrLst/>
-    <dgm:txLinClrLst/>
-    <dgm:txFillClrLst/>
-    <dgm:txEffectClrLst/>
-  </dgm:styleLbl>
-  <dgm:styleLbl name="fgSibTrans2D1">
-    <dgm:fillClrLst meth="repeat">
-      <a:schemeClr val="dk2">
-        <a:tint val="60000"/>
-      </a:schemeClr>
-    </dgm:fillClrLst>
-    <dgm:linClrLst meth="repeat">
-      <a:schemeClr val="dk2">
-        <a:tint val="60000"/>
-      </a:schemeClr>
-    </dgm:linClrLst>
-    <dgm:effectClrLst/>
-    <dgm:txLinClrLst/>
-    <dgm:txFillClrLst/>
-    <dgm:txEffectClrLst/>
-  </dgm:styleLbl>
-  <dgm:styleLbl name="bgSibTrans2D1">
-    <dgm:fillClrLst meth="repeat">
-      <a:schemeClr val="dk2">
-        <a:tint val="60000"/>
-      </a:schemeClr>
-    </dgm:fillClrLst>
-    <dgm:linClrLst meth="repeat">
-      <a:schemeClr val="dk2">
-        <a:tint val="60000"/>
-      </a:schemeClr>
-    </dgm:linClrLst>
-    <dgm:effectClrLst/>
-    <dgm:txLinClrLst/>
-    <dgm:txFillClrLst/>
-    <dgm:txEffectClrLst/>
-  </dgm:styleLbl>
-  <dgm:styleLbl name="sibTrans1D1">
-    <dgm:fillClrLst meth="repeat">
-      <a:schemeClr val="dk2"/>
-    </dgm:fillClrLst>
-    <dgm:linClrLst meth="repeat">
-      <a:schemeClr val="dk2"/>
-    </dgm:linClrLst>
-    <dgm:effectClrLst/>
-    <dgm:txLinClrLst/>
-    <dgm:txFillClrLst meth="repeat">
-      <a:schemeClr val="lt2"/>
-    </dgm:txFillClrLst>
-    <dgm:txEffectClrLst/>
-  </dgm:styleLbl>
-  <dgm:styleLbl name="callout">
-    <dgm:fillClrLst meth="repeat">
-      <a:schemeClr val="dk2"/>
-    </dgm:fillClrLst>
-    <dgm:linClrLst meth="repeat">
-      <a:schemeClr val="dk2">
-        <a:tint val="50000"/>
-      </a:schemeClr>
-    </dgm:linClrLst>
-    <dgm:effectClrLst/>
-    <dgm:txLinClrLst/>
-    <dgm:txFillClrLst meth="repeat">
-      <a:schemeClr val="lt2"/>
-    </dgm:txFillClrLst>
-    <dgm:txEffectClrLst/>
-  </dgm:styleLbl>
-  <dgm:styleLbl name="asst0">
-    <dgm:fillClrLst meth="repeat">
-      <a:schemeClr val="dk2"/>
-    </dgm:fillClrLst>
-    <dgm:linClrLst meth="repeat">
-      <a:schemeClr val="lt2"/>
-    </dgm:linClrLst>
-    <dgm:effectClrLst/>
-    <dgm:txLinClrLst/>
-    <dgm:txFillClrLst/>
-    <dgm:txEffectClrLst/>
-  </dgm:styleLbl>
-  <dgm:styleLbl name="asst1">
-    <dgm:fillClrLst meth="repeat">
-      <a:schemeClr val="dk2"/>
-    </dgm:fillClrLst>
-    <dgm:linClrLst meth="repeat">
-      <a:schemeClr val="lt2"/>
-    </dgm:linClrLst>
-    <dgm:effectClrLst/>
-    <dgm:txLinClrLst/>
-    <dgm:txFillClrLst/>
-    <dgm:txEffectClrLst/>
-  </dgm:styleLbl>
-  <dgm:styleLbl name="asst2">
-    <dgm:fillClrLst meth="repeat">
-      <a:schemeClr val="dk2"/>
-    </dgm:fillClrLst>
-    <dgm:linClrLst meth="repeat">
-      <a:schemeClr val="lt2"/>
-    </dgm:linClrLst>
-    <dgm:effectClrLst/>
-    <dgm:txLinClrLst/>
-    <dgm:txFillClrLst/>
-    <dgm:txEffectClrLst/>
-  </dgm:styleLbl>
-  <dgm:styleLbl name="asst3">
-    <dgm:fillClrLst meth="repeat">
-      <a:schemeClr val="dk2"/>
-    </dgm:fillClrLst>
-    <dgm:linClrLst meth="repeat">
-      <a:schemeClr val="lt2"/>
-    </dgm:linClrLst>
-    <dgm:effectClrLst/>
-    <dgm:txLinClrLst/>
-    <dgm:txFillClrLst/>
-    <dgm:txEffectClrLst/>
-  </dgm:styleLbl>
-  <dgm:styleLbl name="asst4">
-    <dgm:fillClrLst meth="repeat">
-      <a:schemeClr val="dk2"/>
-    </dgm:fillClrLst>
-    <dgm:linClrLst meth="repeat">
-      <a:schemeClr val="lt2"/>
-    </dgm:linClrLst>
-    <dgm:effectClrLst/>
-    <dgm:txLinClrLst/>
-    <dgm:txFillClrLst/>
-    <dgm:txEffectClrLst/>
-  </dgm:styleLbl>
-  <dgm:styleLbl name="parChTrans2D1">
-    <dgm:fillClrLst meth="repeat">
-      <a:schemeClr val="dk2">
-        <a:tint val="60000"/>
-      </a:schemeClr>
-    </dgm:fillClrLst>
-    <dgm:linClrLst meth="repeat">
-      <a:schemeClr val="dk2">
-        <a:tint val="60000"/>
-      </a:schemeClr>
-    </dgm:linClrLst>
-    <dgm:effectClrLst/>
-    <dgm:txLinClrLst/>
-    <dgm:txFillClrLst meth="repeat">
-      <a:schemeClr val="lt2"/>
-    </dgm:txFillClrLst>
-    <dgm:txEffectClrLst/>
-  </dgm:styleLbl>
-  <dgm:styleLbl name="parChTrans2D2">
-    <dgm:fillClrLst meth="repeat">
-      <a:schemeClr val="dk2"/>
-    </dgm:fillClrLst>
-    <dgm:linClrLst meth="repeat">
-      <a:schemeClr val="dk2"/>
-    </dgm:linClrLst>
-    <dgm:effectClrLst/>
-    <dgm:txLinClrLst/>
-    <dgm:txFillClrLst meth="repeat">
-      <a:schemeClr val="lt2"/>
-    </dgm:txFillClrLst>
-    <dgm:txEffectClrLst/>
-  </dgm:styleLbl>
-  <dgm:styleLbl name="parChTrans2D3">
-    <dgm:fillClrLst meth="repeat">
-      <a:schemeClr val="dk2"/>
-    </dgm:fillClrLst>
-    <dgm:linClrLst meth="repeat">
-      <a:schemeClr val="dk2"/>
-    </dgm:linClrLst>
-    <dgm:effectClrLst/>
-    <dgm:txLinClrLst/>
-    <dgm:txFillClrLst meth="repeat">
-      <a:schemeClr val="lt2"/>
-    </dgm:txFillClrLst>
-    <dgm:txEffectClrLst/>
-  </dgm:styleLbl>
-  <dgm:styleLbl name="parChTrans2D4">
-    <dgm:fillClrLst meth="repeat">
-      <a:schemeClr val="dk2"/>
-    </dgm:fillClrLst>
-    <dgm:linClrLst meth="repeat">
-      <a:schemeClr val="dk2"/>
-    </dgm:linClrLst>
-    <dgm:effectClrLst/>
-    <dgm:txLinClrLst/>
-    <dgm:txFillClrLst meth="repeat">
-      <a:schemeClr val="lt2"/>
-    </dgm:txFillClrLst>
-    <dgm:txEffectClrLst/>
-  </dgm:styleLbl>
-  <dgm:styleLbl name="parChTrans1D1">
-    <dgm:fillClrLst meth="repeat">
-      <a:schemeClr val="dk2"/>
-    </dgm:fillClrLst>
-    <dgm:linClrLst meth="repeat">
-      <a:schemeClr val="dk2">
-        <a:shade val="60000"/>
-      </a:schemeClr>
-    </dgm:linClrLst>
-    <dgm:effectClrLst/>
-    <dgm:txLinClrLst/>
-    <dgm:txFillClrLst meth="repeat">
-      <a:schemeClr val="tx1"/>
-    </dgm:txFillClrLst>
-    <dgm:txEffectClrLst/>
-  </dgm:styleLbl>
-  <dgm:styleLbl name="parChTrans1D2">
-    <dgm:fillClrLst meth="repeat">
-      <a:schemeClr val="dk2"/>
-    </dgm:fillClrLst>
-    <dgm:linClrLst meth="repeat">
-      <a:schemeClr val="dk2">
-        <a:shade val="60000"/>
-      </a:schemeClr>
-    </dgm:linClrLst>
-    <dgm:effectClrLst/>
-    <dgm:txLinClrLst/>
-    <dgm:txFillClrLst meth="repeat">
-      <a:schemeClr val="tx1"/>
-    </dgm:txFillClrLst>
-    <dgm:txEffectClrLst/>
-  </dgm:styleLbl>
-  <dgm:styleLbl name="parChTrans1D3">
-    <dgm:fillClrLst meth="repeat">
-      <a:schemeClr val="dk2"/>
-    </dgm:fillClrLst>
-    <dgm:linClrLst meth="repeat">
-      <a:schemeClr val="dk2">
-        <a:shade val="80000"/>
-      </a:schemeClr>
-    </dgm:linClrLst>
-    <dgm:effectClrLst/>
-    <dgm:txLinClrLst/>
-    <dgm:txFillClrLst meth="repeat">
-      <a:schemeClr val="tx1"/>
-    </dgm:txFillClrLst>
-    <dgm:txEffectClrLst/>
-  </dgm:styleLbl>
-  <dgm:styleLbl name="parChTrans1D4">
-    <dgm:fillClrLst meth="repeat">
-      <a:schemeClr val="dk2"/>
-    </dgm:fillClrLst>
-    <dgm:linClrLst meth="repeat">
-      <a:schemeClr val="dk2">
-        <a:shade val="80000"/>
-      </a:schemeClr>
-    </dgm:linClrLst>
-    <dgm:effectClrLst/>
-    <dgm:txLinClrLst/>
-    <dgm:txFillClrLst meth="repeat">
-      <a:schemeClr val="tx1"/>
-    </dgm:txFillClrLst>
-    <dgm:txEffectClrLst/>
-  </dgm:styleLbl>
-  <dgm:styleLbl name="fgAcc1">
-    <dgm:fillClrLst meth="repeat">
-      <a:schemeClr val="lt2">
-        <a:alpha val="90000"/>
-      </a:schemeClr>
-    </dgm:fillClrLst>
-    <dgm:linClrLst meth="repeat">
-      <a:schemeClr val="dk2"/>
-    </dgm:linClrLst>
-    <dgm:effectClrLst/>
-    <dgm:txLinClrLst/>
-    <dgm:txFillClrLst meth="repeat">
-      <a:schemeClr val="dk1"/>
-    </dgm:txFillClrLst>
-    <dgm:txEffectClrLst/>
-  </dgm:styleLbl>
-  <dgm:styleLbl name="conFgAcc1">
-    <dgm:fillClrLst meth="repeat">
-      <a:schemeClr val="lt2">
-        <a:alpha val="90000"/>
-      </a:schemeClr>
-    </dgm:fillClrLst>
-    <dgm:linClrLst meth="repeat">
-      <a:schemeClr val="dk2"/>
-    </dgm:linClrLst>
-    <dgm:effectClrLst/>
-    <dgm:txLinClrLst/>
-    <dgm:txFillClrLst meth="repeat">
-      <a:schemeClr val="dk1"/>
-    </dgm:txFillClrLst>
-    <dgm:txEffectClrLst/>
-  </dgm:styleLbl>
-  <dgm:styleLbl name="alignAcc1">
-    <dgm:fillClrLst meth="repeat">
-      <a:schemeClr val="lt2">
-        <a:alpha val="90000"/>
-      </a:schemeClr>
-    </dgm:fillClrLst>
-    <dgm:linClrLst meth="repeat">
-      <a:schemeClr val="dk2"/>
-    </dgm:linClrLst>
-    <dgm:effectClrLst/>
-    <dgm:txLinClrLst/>
-    <dgm:txFillClrLst meth="repeat">
-      <a:schemeClr val="dk1"/>
-    </dgm:txFillClrLst>
-    <dgm:txEffectClrLst/>
-  </dgm:styleLbl>
-  <dgm:styleLbl name="trAlignAcc1">
-    <dgm:fillClrLst meth="repeat">
-      <a:schemeClr val="lt2">
-        <a:alpha val="40000"/>
-      </a:schemeClr>
-    </dgm:fillClrLst>
-    <dgm:linClrLst meth="repeat">
-      <a:schemeClr val="dk2"/>
-    </dgm:linClrLst>
-    <dgm:effectClrLst/>
-    <dgm:txLinClrLst/>
-    <dgm:txFillClrLst meth="repeat">
-      <a:schemeClr val="dk1"/>
-    </dgm:txFillClrLst>
-    <dgm:txEffectClrLst/>
-  </dgm:styleLbl>
-  <dgm:styleLbl name="bgAcc1">
-    <dgm:fillClrLst meth="repeat">
-      <a:schemeClr val="lt2">
-        <a:alpha val="90000"/>
-      </a:schemeClr>
-    </dgm:fillClrLst>
-    <dgm:linClrLst meth="repeat">
-      <a:schemeClr val="dk2"/>
-    </dgm:linClrLst>
-    <dgm:effectClrLst/>
-    <dgm:txLinClrLst/>
-    <dgm:txFillClrLst meth="repeat">
-      <a:schemeClr val="dk1"/>
-    </dgm:txFillClrLst>
-    <dgm:txEffectClrLst/>
-  </dgm:styleLbl>
-  <dgm:styleLbl name="solidFgAcc1">
-    <dgm:fillClrLst meth="repeat">
-      <a:schemeClr val="lt2"/>
-    </dgm:fillClrLst>
-    <dgm:linClrLst meth="repeat">
-      <a:schemeClr val="dk2"/>
-    </dgm:linClrLst>
-    <dgm:effectClrLst/>
-    <dgm:txLinClrLst/>
-    <dgm:txFillClrLst meth="repeat">
-      <a:schemeClr val="dk1"/>
-    </dgm:txFillClrLst>
-    <dgm:txEffectClrLst/>
-  </dgm:styleLbl>
-  <dgm:styleLbl name="solidAlignAcc1">
-    <dgm:fillClrLst meth="repeat">
-      <a:schemeClr val="lt2"/>
-    </dgm:fillClrLst>
-    <dgm:linClrLst meth="repeat">
-      <a:schemeClr val="dk2"/>
-    </dgm:linClrLst>
-    <dgm:effectClrLst/>
-    <dgm:txLinClrLst/>
-    <dgm:txFillClrLst meth="repeat">
-      <a:schemeClr val="dk1"/>
-    </dgm:txFillClrLst>
-    <dgm:txEffectClrLst/>
-  </dgm:styleLbl>
-  <dgm:styleLbl name="solidBgAcc1">
-    <dgm:fillClrLst meth="repeat">
-      <a:schemeClr val="lt2"/>
-    </dgm:fillClrLst>
-    <dgm:linClrLst meth="repeat">
-      <a:schemeClr val="dk2"/>
-    </dgm:linClrLst>
-    <dgm:effectClrLst/>
-    <dgm:txLinClrLst/>
-    <dgm:txFillClrLst meth="repeat">
-      <a:schemeClr val="dk1"/>
-    </dgm:txFillClrLst>
-    <dgm:txEffectClrLst/>
-  </dgm:styleLbl>
-  <dgm:styleLbl name="fgAccFollowNode1">
-    <dgm:fillClrLst meth="repeat">
-      <a:schemeClr val="dk2">
-        <a:alpha val="90000"/>
-        <a:tint val="40000"/>
-      </a:schemeClr>
-    </dgm:fillClrLst>
-    <dgm:linClrLst meth="repeat">
-      <a:schemeClr val="dk2">
-        <a:alpha val="90000"/>
-        <a:tint val="40000"/>
-      </a:schemeClr>
-    </dgm:linClrLst>
-    <dgm:effectClrLst/>
-    <dgm:txLinClrLst/>
-    <dgm:txFillClrLst meth="repeat">
-      <a:schemeClr val="dk1"/>
-    </dgm:txFillClrLst>
-    <dgm:txEffectClrLst/>
-  </dgm:styleLbl>
-  <dgm:styleLbl name="alignAccFollowNode1">
-    <dgm:fillClrLst meth="repeat">
-      <a:schemeClr val="dk2">
-        <a:alpha val="90000"/>
-        <a:tint val="40000"/>
-      </a:schemeClr>
-    </dgm:fillClrLst>
-    <dgm:linClrLst meth="repeat">
-      <a:schemeClr val="dk2">
-        <a:alpha val="90000"/>
-        <a:tint val="40000"/>
-      </a:schemeClr>
-    </dgm:linClrLst>
-    <dgm:effectClrLst/>
-    <dgm:txLinClrLst/>
-    <dgm:txFillClrLst meth="repeat">
-      <a:schemeClr val="dk1"/>
-    </dgm:txFillClrLst>
-    <dgm:txEffectClrLst/>
-  </dgm:styleLbl>
-  <dgm:styleLbl name="bgAccFollowNode1">
-    <dgm:fillClrLst meth="repeat">
-      <a:schemeClr val="dk2">
-        <a:alpha val="90000"/>
-        <a:tint val="40000"/>
-      </a:schemeClr>
-    </dgm:fillClrLst>
-    <dgm:linClrLst meth="repeat">
-      <a:schemeClr val="dk2">
-        <a:alpha val="90000"/>
-        <a:tint val="40000"/>
-      </a:schemeClr>
-    </dgm:linClrLst>
-    <dgm:effectClrLst/>
-    <dgm:txLinClrLst/>
-    <dgm:txFillClrLst meth="repeat">
-      <a:schemeClr val="dk1"/>
-    </dgm:txFillClrLst>
-    <dgm:txEffectClrLst/>
-  </dgm:styleLbl>
-  <dgm:styleLbl name="fgAcc0">
-    <dgm:fillClrLst meth="repeat">
-      <a:schemeClr val="lt2">
-        <a:alpha val="90000"/>
-      </a:schemeClr>
-    </dgm:fillClrLst>
-    <dgm:linClrLst meth="repeat">
-      <a:schemeClr val="dk2"/>
-    </dgm:linClrLst>
-    <dgm:effectClrLst/>
-    <dgm:txLinClrLst/>
-    <dgm:txFillClrLst meth="repeat">
-      <a:schemeClr val="dk1"/>
-    </dgm:txFillClrLst>
-    <dgm:txEffectClrLst/>
-  </dgm:styleLbl>
-  <dgm:styleLbl name="fgAcc2">
-    <dgm:fillClrLst meth="repeat">
-      <a:schemeClr val="lt2">
-        <a:alpha val="90000"/>
-      </a:schemeClr>
-    </dgm:fillClrLst>
-    <dgm:linClrLst meth="repeat">
-      <a:schemeClr val="dk2"/>
-    </dgm:linClrLst>
-    <dgm:effectClrLst/>
-    <dgm:txLinClrLst/>
-    <dgm:txFillClrLst meth="repeat">
-      <a:schemeClr val="dk1"/>
-    </dgm:txFillClrLst>
-    <dgm:txEffectClrLst/>
-  </dgm:styleLbl>
-  <dgm:styleLbl name="fgAcc3">
-    <dgm:fillClrLst meth="repeat">
-      <a:schemeClr val="lt2">
-        <a:alpha val="90000"/>
-      </a:schemeClr>
-    </dgm:fillClrLst>
-    <dgm:linClrLst meth="repeat">
-      <a:schemeClr val="dk2"/>
-    </dgm:linClrLst>
-    <dgm:effectClrLst/>
-    <dgm:txLinClrLst/>
-    <dgm:txFillClrLst meth="repeat">
-      <a:schemeClr val="dk1"/>
-    </dgm:txFillClrLst>
-    <dgm:txEffectClrLst/>
-  </dgm:styleLbl>
-  <dgm:styleLbl name="fgAcc4">
-    <dgm:fillClrLst meth="repeat">
-      <a:schemeClr val="lt2">
-        <a:alpha val="90000"/>
-      </a:schemeClr>
-    </dgm:fillClrLst>
-    <dgm:linClrLst meth="repeat">
-      <a:schemeClr val="dk2"/>
-    </dgm:linClrLst>
-    <dgm:effectClrLst/>
-    <dgm:txLinClrLst/>
-    <dgm:txFillClrLst meth="repeat">
-      <a:schemeClr val="dk1"/>
-    </dgm:txFillClrLst>
-    <dgm:txEffectClrLst/>
-  </dgm:styleLbl>
-  <dgm:styleLbl name="bgShp">
-    <dgm:fillClrLst meth="repeat">
-      <a:schemeClr val="dk2"/>
-    </dgm:fillClrLst>
-    <dgm:linClrLst meth="repeat">
-      <a:schemeClr val="lt2">
-        <a:alpha val="0"/>
-      </a:schemeClr>
-    </dgm:linClrLst>
-    <dgm:effectClrLst/>
-    <dgm:txLinClrLst/>
-    <dgm:txFillClrLst/>
-    <dgm:txEffectClrLst/>
-  </dgm:styleLbl>
-  <dgm:styleLbl name="dkBgShp">
-    <dgm:fillClrLst meth="repeat">
-      <a:schemeClr val="dk2">
-        <a:shade val="80000"/>
-      </a:schemeClr>
-    </dgm:fillClrLst>
-    <dgm:linClrLst meth="repeat">
-      <a:schemeClr val="dk2"/>
-    </dgm:linClrLst>
-    <dgm:effectClrLst/>
-    <dgm:txLinClrLst/>
-    <dgm:txFillClrLst meth="repeat">
-      <a:schemeClr val="lt1"/>
-    </dgm:txFillClrLst>
-    <dgm:txEffectClrLst/>
-  </dgm:styleLbl>
-  <dgm:styleLbl name="trBgShp">
-    <dgm:fillClrLst meth="repeat">
-      <a:schemeClr val="dk2">
-        <a:tint val="50000"/>
-        <a:alpha val="40000"/>
-      </a:schemeClr>
-    </dgm:fillClrLst>
-    <dgm:linClrLst meth="repeat">
-      <a:schemeClr val="dk2"/>
-    </dgm:linClrLst>
-    <dgm:effectClrLst/>
-    <dgm:txLinClrLst/>
-    <dgm:txFillClrLst meth="repeat">
-      <a:schemeClr val="lt1"/>
-    </dgm:txFillClrLst>
-    <dgm:txEffectClrLst/>
-  </dgm:styleLbl>
-  <dgm:styleLbl name="fgShp">
-    <dgm:fillClrLst meth="repeat">
-      <a:schemeClr val="dk2">
-        <a:tint val="60000"/>
-      </a:schemeClr>
-    </dgm:fillClrLst>
-    <dgm:linClrLst meth="repeat">
-      <a:schemeClr val="lt2"/>
-    </dgm:linClrLst>
-    <dgm:effectClrLst/>
-    <dgm:txLinClrLst/>
-    <dgm:txFillClrLst meth="repeat">
-      <a:schemeClr val="dk1"/>
-    </dgm:txFillClrLst>
-    <dgm:txEffectClrLst/>
-  </dgm:styleLbl>
-  <dgm:styleLbl name="revTx">
-    <dgm:fillClrLst meth="repeat">
-      <a:schemeClr val="lt2">
-        <a:alpha val="0"/>
-      </a:schemeClr>
-    </dgm:fillClrLst>
-    <dgm:linClrLst meth="repeat">
-      <a:schemeClr val="dk1">
-        <a:alpha val="0"/>
-      </a:schemeClr>
-    </dgm:linClrLst>
-    <dgm:effectClrLst/>
-    <dgm:txLinClrLst/>
-    <dgm:txFillClrLst meth="repeat">
-      <a:schemeClr val="tx1"/>
-    </dgm:txFillClrLst>
-    <dgm:txEffectClrLst/>
-  </dgm:styleLbl>
-</dgm:colorsDef>
-</file>
-
 <file path=ppt/diagrams/data1.xml><?xml version="1.0" encoding="utf-8"?>
 <dgm:dataModel xmlns:dgm="http://schemas.openxmlformats.org/drawingml/2006/diagram" xmlns:a="http://schemas.openxmlformats.org/drawingml/2006/main">
   <dgm:ptLst>
-    <dgm:pt modelId="{3509F5E0-A41E-4FB0-BCA3-0A2F05539E79}" type="doc">
-      <dgm:prSet loTypeId="urn:microsoft.com/office/officeart/2018/5/layout/IconCircleLabelList" loCatId="icon" qsTypeId="urn:microsoft.com/office/officeart/2005/8/quickstyle/simple1" qsCatId="simple" csTypeId="urn:microsoft.com/office/officeart/2018/5/colors/Iconchunking_neutralicon_accent0_3" csCatId="mainScheme" phldr="1"/>
+    <dgm:pt modelId="{34EE32CB-BE24-4EEE-9CF0-33D53343E1CF}" type="doc">
+      <dgm:prSet loTypeId="urn:microsoft.com/office/officeart/2018/2/layout/IconLabelList" loCatId="icon" qsTypeId="urn:microsoft.com/office/officeart/2005/8/quickstyle/simple1" qsCatId="simple" csTypeId="urn:microsoft.com/office/officeart/2018/5/colors/Iconchunking_neutralbg_colorful5" csCatId="colorful" phldr="1"/>
       <dgm:spPr/>
       <dgm:t>
         <a:bodyPr/>
@@ -1640,24 +2589,21 @@
         </a:p>
       </dgm:t>
     </dgm:pt>
-    <dgm:pt modelId="{6CE4C06D-64A6-4CF0-8EE6-6D195353C8B0}">
+    <dgm:pt modelId="{86183089-70E0-4BDE-90E2-02CE93D24936}">
       <dgm:prSet/>
       <dgm:spPr/>
       <dgm:t>
         <a:bodyPr/>
         <a:lstStyle/>
         <a:p>
-          <a:pPr>
-            <a:defRPr cap="all"/>
-          </a:pPr>
           <a:r>
             <a:rPr lang="en-US"/>
-            <a:t>Github</a:t>
+            <a:t>Prepare a quick Topology Diagram of your testbed to use in emails or chats.</a:t>
           </a:r>
         </a:p>
       </dgm:t>
     </dgm:pt>
-    <dgm:pt modelId="{5303FD27-03CA-4997-9A6E-B8915C2AB618}" type="parTrans" cxnId="{54ACDEE7-C535-4D51-A672-B0EE91BC2C58}">
+    <dgm:pt modelId="{464D3821-B587-4C65-BE0F-08BEA9EFC050}" type="parTrans" cxnId="{AD0E88AE-E755-488B-8AE9-BEAC0FD1E5DB}">
       <dgm:prSet/>
       <dgm:spPr/>
       <dgm:t>
@@ -1668,7 +2614,7 @@
         </a:p>
       </dgm:t>
     </dgm:pt>
-    <dgm:pt modelId="{EF5F9532-A73E-4C95-9186-72FBEFB0C3BF}" type="sibTrans" cxnId="{54ACDEE7-C535-4D51-A672-B0EE91BC2C58}">
+    <dgm:pt modelId="{A970847C-762D-4C94-A25C-017C5D8EC8DF}" type="sibTrans" cxnId="{AD0E88AE-E755-488B-8AE9-BEAC0FD1E5DB}">
       <dgm:prSet/>
       <dgm:spPr/>
       <dgm:t>
@@ -1679,24 +2625,21 @@
         </a:p>
       </dgm:t>
     </dgm:pt>
-    <dgm:pt modelId="{13ACCF2A-6E70-46B5-AA13-666B4C007DC1}">
+    <dgm:pt modelId="{08201C52-505F-4843-8928-EE08555E4A40}">
       <dgm:prSet/>
       <dgm:spPr/>
       <dgm:t>
         <a:bodyPr/>
         <a:lstStyle/>
         <a:p>
-          <a:pPr>
-            <a:defRPr cap="all"/>
-          </a:pPr>
           <a:r>
             <a:rPr lang="en-US"/>
-            <a:t>Python</a:t>
+            <a:t>Share your Topology with your team while sharing setups.</a:t>
           </a:r>
         </a:p>
       </dgm:t>
     </dgm:pt>
-    <dgm:pt modelId="{A7BD7953-20D7-4898-978D-4CE6052A2136}" type="parTrans" cxnId="{D773E22D-A4CF-4104-9A93-48B6736B96A2}">
+    <dgm:pt modelId="{1A918DA1-C70B-48E8-B9F3-1500B1DD5426}" type="parTrans" cxnId="{CC9CA83B-1A0E-4A75-AE2B-547C80D30C79}">
       <dgm:prSet/>
       <dgm:spPr/>
       <dgm:t>
@@ -1707,7 +2650,7 @@
         </a:p>
       </dgm:t>
     </dgm:pt>
-    <dgm:pt modelId="{A0171141-9A8F-469D-A813-6499A24E2006}" type="sibTrans" cxnId="{D773E22D-A4CF-4104-9A93-48B6736B96A2}">
+    <dgm:pt modelId="{5985E2F2-5459-4DC4-8B69-52C3B5040560}" type="sibTrans" cxnId="{CC9CA83B-1A0E-4A75-AE2B-547C80D30C79}">
       <dgm:prSet/>
       <dgm:spPr/>
       <dgm:t>
@@ -1718,8 +2661,44 @@
         </a:p>
       </dgm:t>
     </dgm:pt>
-    <dgm:pt modelId="{4DA54936-08B6-43E7-93C4-3D98A411E7BC}" type="pres">
-      <dgm:prSet presAssocID="{3509F5E0-A41E-4FB0-BCA3-0A2F05539E79}" presName="root" presStyleCnt="0">
+    <dgm:pt modelId="{D1E30BCB-0084-4999-8C04-AB6157A6CA37}">
+      <dgm:prSet/>
+      <dgm:spPr/>
+      <dgm:t>
+        <a:bodyPr/>
+        <a:lstStyle/>
+        <a:p>
+          <a:r>
+            <a:rPr lang="en-US"/>
+            <a:t>Attaching the Topology Diagrams in Bug Description for easy understanding of the Testbed.</a:t>
+          </a:r>
+        </a:p>
+      </dgm:t>
+    </dgm:pt>
+    <dgm:pt modelId="{B8F13FA9-B350-460A-8F48-7FB3D67AD0C2}" type="parTrans" cxnId="{2498CFF9-5697-4AA5-A0E4-8B34C6F9DB38}">
+      <dgm:prSet/>
+      <dgm:spPr/>
+      <dgm:t>
+        <a:bodyPr/>
+        <a:lstStyle/>
+        <a:p>
+          <a:endParaRPr lang="en-US"/>
+        </a:p>
+      </dgm:t>
+    </dgm:pt>
+    <dgm:pt modelId="{1945126E-27FD-477E-9EFF-CFA17D212139}" type="sibTrans" cxnId="{2498CFF9-5697-4AA5-A0E4-8B34C6F9DB38}">
+      <dgm:prSet/>
+      <dgm:spPr/>
+      <dgm:t>
+        <a:bodyPr/>
+        <a:lstStyle/>
+        <a:p>
+          <a:endParaRPr lang="en-US"/>
+        </a:p>
+      </dgm:t>
+    </dgm:pt>
+    <dgm:pt modelId="{EEDA65F8-8258-4ECA-A22C-F490DA01A6F3}" type="pres">
+      <dgm:prSet presAssocID="{34EE32CB-BE24-4EEE-9CF0-33D53343E1CF}" presName="root" presStyleCnt="0">
         <dgm:presLayoutVars>
           <dgm:dir/>
           <dgm:resizeHandles val="exact"/>
@@ -1727,16 +2706,12 @@
       </dgm:prSet>
       <dgm:spPr/>
     </dgm:pt>
-    <dgm:pt modelId="{2B198AA8-7D42-4F3B-B2E4-EF9C66240F6D}" type="pres">
-      <dgm:prSet presAssocID="{6CE4C06D-64A6-4CF0-8EE6-6D195353C8B0}" presName="compNode" presStyleCnt="0"/>
+    <dgm:pt modelId="{AABC4E5C-10A4-48B3-90B4-CBAB59594C8F}" type="pres">
+      <dgm:prSet presAssocID="{86183089-70E0-4BDE-90E2-02CE93D24936}" presName="compNode" presStyleCnt="0"/>
       <dgm:spPr/>
     </dgm:pt>
-    <dgm:pt modelId="{19AEB261-0264-424A-A408-48BE3AED848B}" type="pres">
-      <dgm:prSet presAssocID="{6CE4C06D-64A6-4CF0-8EE6-6D195353C8B0}" presName="iconBgRect" presStyleLbl="bgShp" presStyleIdx="0" presStyleCnt="2"/>
-      <dgm:spPr/>
-    </dgm:pt>
-    <dgm:pt modelId="{71B475FC-1133-4AAD-BA86-344283EBAA52}" type="pres">
-      <dgm:prSet presAssocID="{6CE4C06D-64A6-4CF0-8EE6-6D195353C8B0}" presName="iconRect" presStyleLbl="node1" presStyleIdx="0" presStyleCnt="2"/>
+    <dgm:pt modelId="{BE737D62-8488-40D7-A7F6-1A5B89BDF760}" type="pres">
+      <dgm:prSet presAssocID="{86183089-70E0-4BDE-90E2-02CE93D24936}" presName="iconRect" presStyleLbl="node1" presStyleIdx="0" presStyleCnt="3"/>
       <dgm:spPr>
         <a:blipFill>
           <a:blip xmlns:r="http://schemas.openxmlformats.org/officeDocument/2006/relationships" r:embed="rId1">
@@ -1759,16 +2734,16 @@
       </dgm:spPr>
       <dgm:extLst>
         <a:ext uri="{E40237B7-FDA0-4F09-8148-C483321AD2D9}">
-          <dgm14:cNvPr xmlns:dgm14="http://schemas.microsoft.com/office/drawing/2010/diagram" id="0" name="" descr="Management"/>
+          <dgm14:cNvPr xmlns:dgm14="http://schemas.microsoft.com/office/drawing/2010/diagram" id="0" name="" descr="Email"/>
         </a:ext>
       </dgm:extLst>
     </dgm:pt>
-    <dgm:pt modelId="{0901EECD-2976-44ED-ABF4-5891C9D76535}" type="pres">
-      <dgm:prSet presAssocID="{6CE4C06D-64A6-4CF0-8EE6-6D195353C8B0}" presName="spaceRect" presStyleCnt="0"/>
+    <dgm:pt modelId="{4D4E64E5-DC06-4D41-9D9C-C09983441812}" type="pres">
+      <dgm:prSet presAssocID="{86183089-70E0-4BDE-90E2-02CE93D24936}" presName="spaceRect" presStyleCnt="0"/>
       <dgm:spPr/>
     </dgm:pt>
-    <dgm:pt modelId="{8EC80FDC-2E48-4574-8E60-DAF9298E3EA2}" type="pres">
-      <dgm:prSet presAssocID="{6CE4C06D-64A6-4CF0-8EE6-6D195353C8B0}" presName="textRect" presStyleLbl="revTx" presStyleIdx="0" presStyleCnt="2">
+    <dgm:pt modelId="{79DB0C5E-9976-4D4C-B6EE-2B1EFE2B9344}" type="pres">
+      <dgm:prSet presAssocID="{86183089-70E0-4BDE-90E2-02CE93D24936}" presName="textRect" presStyleLbl="revTx" presStyleIdx="0" presStyleCnt="3">
         <dgm:presLayoutVars>
           <dgm:chMax val="1"/>
           <dgm:chPref val="1"/>
@@ -1776,20 +2751,16 @@
       </dgm:prSet>
       <dgm:spPr/>
     </dgm:pt>
-    <dgm:pt modelId="{E196ACC9-EB77-4CB0-9568-CB3049DBFFA9}" type="pres">
-      <dgm:prSet presAssocID="{EF5F9532-A73E-4C95-9186-72FBEFB0C3BF}" presName="sibTrans" presStyleCnt="0"/>
+    <dgm:pt modelId="{35F78085-642A-4CEF-9A27-2A67C6144616}" type="pres">
+      <dgm:prSet presAssocID="{A970847C-762D-4C94-A25C-017C5D8EC8DF}" presName="sibTrans" presStyleCnt="0"/>
       <dgm:spPr/>
     </dgm:pt>
-    <dgm:pt modelId="{6C88E8E3-F66D-415C-9DC5-EDF8736474B7}" type="pres">
-      <dgm:prSet presAssocID="{13ACCF2A-6E70-46B5-AA13-666B4C007DC1}" presName="compNode" presStyleCnt="0"/>
+    <dgm:pt modelId="{54B31F96-790F-4D3F-9B56-8F605F59A3EF}" type="pres">
+      <dgm:prSet presAssocID="{08201C52-505F-4843-8928-EE08555E4A40}" presName="compNode" presStyleCnt="0"/>
       <dgm:spPr/>
     </dgm:pt>
-    <dgm:pt modelId="{C1A1C228-604D-4340-9D17-983B4028A5D4}" type="pres">
-      <dgm:prSet presAssocID="{13ACCF2A-6E70-46B5-AA13-666B4C007DC1}" presName="iconBgRect" presStyleLbl="bgShp" presStyleIdx="1" presStyleCnt="2"/>
-      <dgm:spPr/>
-    </dgm:pt>
-    <dgm:pt modelId="{4FB4E33E-4FC4-43B9-B854-3C1733C50198}" type="pres">
-      <dgm:prSet presAssocID="{13ACCF2A-6E70-46B5-AA13-666B4C007DC1}" presName="iconRect" presStyleLbl="node1" presStyleIdx="1" presStyleCnt="2"/>
+    <dgm:pt modelId="{820431A0-19A1-4048-A9F2-EED0A4295647}" type="pres">
+      <dgm:prSet presAssocID="{08201C52-505F-4843-8928-EE08555E4A40}" presName="iconRect" presStyleLbl="node1" presStyleIdx="1" presStyleCnt="3"/>
       <dgm:spPr>
         <a:blipFill>
           <a:blip xmlns:r="http://schemas.openxmlformats.org/officeDocument/2006/relationships" r:embed="rId3">
@@ -1812,16 +2783,65 @@
       </dgm:spPr>
       <dgm:extLst>
         <a:ext uri="{E40237B7-FDA0-4F09-8148-C483321AD2D9}">
-          <dgm14:cNvPr xmlns:dgm14="http://schemas.microsoft.com/office/drawing/2010/diagram" id="0" name="" descr="Programmer"/>
+          <dgm14:cNvPr xmlns:dgm14="http://schemas.microsoft.com/office/drawing/2010/diagram" id="0" name="" descr="Share With Person"/>
         </a:ext>
       </dgm:extLst>
     </dgm:pt>
-    <dgm:pt modelId="{70128A99-AFA5-4D0B-BF6A-6D02D82EAFE4}" type="pres">
-      <dgm:prSet presAssocID="{13ACCF2A-6E70-46B5-AA13-666B4C007DC1}" presName="spaceRect" presStyleCnt="0"/>
+    <dgm:pt modelId="{8782D190-258D-45CC-9EA3-DAD763F63282}" type="pres">
+      <dgm:prSet presAssocID="{08201C52-505F-4843-8928-EE08555E4A40}" presName="spaceRect" presStyleCnt="0"/>
       <dgm:spPr/>
     </dgm:pt>
-    <dgm:pt modelId="{11DD5DF5-52CE-46BB-8063-CD34E6F43405}" type="pres">
-      <dgm:prSet presAssocID="{13ACCF2A-6E70-46B5-AA13-666B4C007DC1}" presName="textRect" presStyleLbl="revTx" presStyleIdx="1" presStyleCnt="2">
+    <dgm:pt modelId="{DB812EDE-152F-451A-813B-94B67A1ADF77}" type="pres">
+      <dgm:prSet presAssocID="{08201C52-505F-4843-8928-EE08555E4A40}" presName="textRect" presStyleLbl="revTx" presStyleIdx="1" presStyleCnt="3">
+        <dgm:presLayoutVars>
+          <dgm:chMax val="1"/>
+          <dgm:chPref val="1"/>
+        </dgm:presLayoutVars>
+      </dgm:prSet>
+      <dgm:spPr/>
+    </dgm:pt>
+    <dgm:pt modelId="{D4FC75AF-5C09-449A-A5EE-BC753B3AD90B}" type="pres">
+      <dgm:prSet presAssocID="{5985E2F2-5459-4DC4-8B69-52C3B5040560}" presName="sibTrans" presStyleCnt="0"/>
+      <dgm:spPr/>
+    </dgm:pt>
+    <dgm:pt modelId="{CDA719D2-349E-4214-9649-84289BDBAF2D}" type="pres">
+      <dgm:prSet presAssocID="{D1E30BCB-0084-4999-8C04-AB6157A6CA37}" presName="compNode" presStyleCnt="0"/>
+      <dgm:spPr/>
+    </dgm:pt>
+    <dgm:pt modelId="{DC967FD8-9DBC-454C-9979-6249336EF449}" type="pres">
+      <dgm:prSet presAssocID="{D1E30BCB-0084-4999-8C04-AB6157A6CA37}" presName="iconRect" presStyleLbl="node1" presStyleIdx="2" presStyleCnt="3"/>
+      <dgm:spPr>
+        <a:blipFill>
+          <a:blip xmlns:r="http://schemas.openxmlformats.org/officeDocument/2006/relationships" r:embed="rId5">
+            <a:extLst>
+              <a:ext uri="{28A0092B-C50C-407E-A947-70E740481C1C}">
+                <a14:useLocalDpi xmlns:a14="http://schemas.microsoft.com/office/drawing/2010/main" val="0"/>
+              </a:ext>
+              <a:ext uri="{96DAC541-7B7A-43D3-8B79-37D633B846F1}">
+                <asvg:svgBlip xmlns:asvg="http://schemas.microsoft.com/office/drawing/2016/SVG/main" r:embed="rId6"/>
+              </a:ext>
+            </a:extLst>
+          </a:blip>
+          <a:stretch>
+            <a:fillRect/>
+          </a:stretch>
+        </a:blipFill>
+        <a:ln>
+          <a:noFill/>
+        </a:ln>
+      </dgm:spPr>
+      <dgm:extLst>
+        <a:ext uri="{E40237B7-FDA0-4F09-8148-C483321AD2D9}">
+          <dgm14:cNvPr xmlns:dgm14="http://schemas.microsoft.com/office/drawing/2010/diagram" id="0" name="" descr="Bug"/>
+        </a:ext>
+      </dgm:extLst>
+    </dgm:pt>
+    <dgm:pt modelId="{BF1773EF-57D8-418D-9166-A89A14E18C50}" type="pres">
+      <dgm:prSet presAssocID="{D1E30BCB-0084-4999-8C04-AB6157A6CA37}" presName="spaceRect" presStyleCnt="0"/>
+      <dgm:spPr/>
+    </dgm:pt>
+    <dgm:pt modelId="{9D587C7C-610E-40E5-B592-6290538FB408}" type="pres">
+      <dgm:prSet presAssocID="{D1E30BCB-0084-4999-8C04-AB6157A6CA37}" presName="textRect" presStyleLbl="revTx" presStyleIdx="2" presStyleCnt="3">
         <dgm:presLayoutVars>
           <dgm:chMax val="1"/>
           <dgm:chPref val="1"/>
@@ -1831,22 +2851,27 @@
     </dgm:pt>
   </dgm:ptLst>
   <dgm:cxnLst>
-    <dgm:cxn modelId="{1406980B-20DA-4F0A-8FB1-CE37ED6D11A1}" type="presOf" srcId="{13ACCF2A-6E70-46B5-AA13-666B4C007DC1}" destId="{11DD5DF5-52CE-46BB-8063-CD34E6F43405}" srcOrd="0" destOrd="0" presId="urn:microsoft.com/office/officeart/2018/5/layout/IconCircleLabelList"/>
-    <dgm:cxn modelId="{D773E22D-A4CF-4104-9A93-48B6736B96A2}" srcId="{3509F5E0-A41E-4FB0-BCA3-0A2F05539E79}" destId="{13ACCF2A-6E70-46B5-AA13-666B4C007DC1}" srcOrd="1" destOrd="0" parTransId="{A7BD7953-20D7-4898-978D-4CE6052A2136}" sibTransId="{A0171141-9A8F-469D-A813-6499A24E2006}"/>
-    <dgm:cxn modelId="{8728DD90-F0F3-429A-ADE2-7E6515C6B46B}" type="presOf" srcId="{6CE4C06D-64A6-4CF0-8EE6-6D195353C8B0}" destId="{8EC80FDC-2E48-4574-8E60-DAF9298E3EA2}" srcOrd="0" destOrd="0" presId="urn:microsoft.com/office/officeart/2018/5/layout/IconCircleLabelList"/>
-    <dgm:cxn modelId="{54ACDEE7-C535-4D51-A672-B0EE91BC2C58}" srcId="{3509F5E0-A41E-4FB0-BCA3-0A2F05539E79}" destId="{6CE4C06D-64A6-4CF0-8EE6-6D195353C8B0}" srcOrd="0" destOrd="0" parTransId="{5303FD27-03CA-4997-9A6E-B8915C2AB618}" sibTransId="{EF5F9532-A73E-4C95-9186-72FBEFB0C3BF}"/>
-    <dgm:cxn modelId="{27BD09FF-5414-4D13-9B33-19B4AA8C98F9}" type="presOf" srcId="{3509F5E0-A41E-4FB0-BCA3-0A2F05539E79}" destId="{4DA54936-08B6-43E7-93C4-3D98A411E7BC}" srcOrd="0" destOrd="0" presId="urn:microsoft.com/office/officeart/2018/5/layout/IconCircleLabelList"/>
-    <dgm:cxn modelId="{D7E54687-9CCF-4EB1-9599-9A6EC11B5CD6}" type="presParOf" srcId="{4DA54936-08B6-43E7-93C4-3D98A411E7BC}" destId="{2B198AA8-7D42-4F3B-B2E4-EF9C66240F6D}" srcOrd="0" destOrd="0" presId="urn:microsoft.com/office/officeart/2018/5/layout/IconCircleLabelList"/>
-    <dgm:cxn modelId="{9BC83E54-6609-489C-8BAA-6437317BA6B6}" type="presParOf" srcId="{2B198AA8-7D42-4F3B-B2E4-EF9C66240F6D}" destId="{19AEB261-0264-424A-A408-48BE3AED848B}" srcOrd="0" destOrd="0" presId="urn:microsoft.com/office/officeart/2018/5/layout/IconCircleLabelList"/>
-    <dgm:cxn modelId="{80C8B16A-96F2-41DE-B657-AC31EB52B398}" type="presParOf" srcId="{2B198AA8-7D42-4F3B-B2E4-EF9C66240F6D}" destId="{71B475FC-1133-4AAD-BA86-344283EBAA52}" srcOrd="1" destOrd="0" presId="urn:microsoft.com/office/officeart/2018/5/layout/IconCircleLabelList"/>
-    <dgm:cxn modelId="{A306DE29-02DA-40DD-AA2B-C1F621336054}" type="presParOf" srcId="{2B198AA8-7D42-4F3B-B2E4-EF9C66240F6D}" destId="{0901EECD-2976-44ED-ABF4-5891C9D76535}" srcOrd="2" destOrd="0" presId="urn:microsoft.com/office/officeart/2018/5/layout/IconCircleLabelList"/>
-    <dgm:cxn modelId="{EE088FBB-6F2C-4DDA-8621-2FE4511E6FD2}" type="presParOf" srcId="{2B198AA8-7D42-4F3B-B2E4-EF9C66240F6D}" destId="{8EC80FDC-2E48-4574-8E60-DAF9298E3EA2}" srcOrd="3" destOrd="0" presId="urn:microsoft.com/office/officeart/2018/5/layout/IconCircleLabelList"/>
-    <dgm:cxn modelId="{3BF8C233-28E0-4315-B970-BE2D4FFD7EB3}" type="presParOf" srcId="{4DA54936-08B6-43E7-93C4-3D98A411E7BC}" destId="{E196ACC9-EB77-4CB0-9568-CB3049DBFFA9}" srcOrd="1" destOrd="0" presId="urn:microsoft.com/office/officeart/2018/5/layout/IconCircleLabelList"/>
-    <dgm:cxn modelId="{34662810-C6E6-4FCB-9739-5886FC22AB91}" type="presParOf" srcId="{4DA54936-08B6-43E7-93C4-3D98A411E7BC}" destId="{6C88E8E3-F66D-415C-9DC5-EDF8736474B7}" srcOrd="2" destOrd="0" presId="urn:microsoft.com/office/officeart/2018/5/layout/IconCircleLabelList"/>
-    <dgm:cxn modelId="{DABEB908-2370-4AA4-85AC-4EBC29AD77A5}" type="presParOf" srcId="{6C88E8E3-F66D-415C-9DC5-EDF8736474B7}" destId="{C1A1C228-604D-4340-9D17-983B4028A5D4}" srcOrd="0" destOrd="0" presId="urn:microsoft.com/office/officeart/2018/5/layout/IconCircleLabelList"/>
-    <dgm:cxn modelId="{2AB9DB4F-ADB9-4E88-9666-B97E2ED804B7}" type="presParOf" srcId="{6C88E8E3-F66D-415C-9DC5-EDF8736474B7}" destId="{4FB4E33E-4FC4-43B9-B854-3C1733C50198}" srcOrd="1" destOrd="0" presId="urn:microsoft.com/office/officeart/2018/5/layout/IconCircleLabelList"/>
-    <dgm:cxn modelId="{63B27AF3-9C23-4106-9E16-C299B571A3D0}" type="presParOf" srcId="{6C88E8E3-F66D-415C-9DC5-EDF8736474B7}" destId="{70128A99-AFA5-4D0B-BF6A-6D02D82EAFE4}" srcOrd="2" destOrd="0" presId="urn:microsoft.com/office/officeart/2018/5/layout/IconCircleLabelList"/>
-    <dgm:cxn modelId="{A6206428-1971-4CD9-80D6-8AF32B373E7C}" type="presParOf" srcId="{6C88E8E3-F66D-415C-9DC5-EDF8736474B7}" destId="{11DD5DF5-52CE-46BB-8063-CD34E6F43405}" srcOrd="3" destOrd="0" presId="urn:microsoft.com/office/officeart/2018/5/layout/IconCircleLabelList"/>
+    <dgm:cxn modelId="{FF77360A-C052-48C9-89E7-62E09093D9EF}" type="presOf" srcId="{34EE32CB-BE24-4EEE-9CF0-33D53343E1CF}" destId="{EEDA65F8-8258-4ECA-A22C-F490DA01A6F3}" srcOrd="0" destOrd="0" presId="urn:microsoft.com/office/officeart/2018/2/layout/IconLabelList"/>
+    <dgm:cxn modelId="{CC9CA83B-1A0E-4A75-AE2B-547C80D30C79}" srcId="{34EE32CB-BE24-4EEE-9CF0-33D53343E1CF}" destId="{08201C52-505F-4843-8928-EE08555E4A40}" srcOrd="1" destOrd="0" parTransId="{1A918DA1-C70B-48E8-B9F3-1500B1DD5426}" sibTransId="{5985E2F2-5459-4DC4-8B69-52C3B5040560}"/>
+    <dgm:cxn modelId="{A327EAAB-4222-47DA-AFAE-B105F9590126}" type="presOf" srcId="{D1E30BCB-0084-4999-8C04-AB6157A6CA37}" destId="{9D587C7C-610E-40E5-B592-6290538FB408}" srcOrd="0" destOrd="0" presId="urn:microsoft.com/office/officeart/2018/2/layout/IconLabelList"/>
+    <dgm:cxn modelId="{6DA44CAD-6909-4C49-8743-EEE0D339B1F0}" type="presOf" srcId="{08201C52-505F-4843-8928-EE08555E4A40}" destId="{DB812EDE-152F-451A-813B-94B67A1ADF77}" srcOrd="0" destOrd="0" presId="urn:microsoft.com/office/officeart/2018/2/layout/IconLabelList"/>
+    <dgm:cxn modelId="{AD0E88AE-E755-488B-8AE9-BEAC0FD1E5DB}" srcId="{34EE32CB-BE24-4EEE-9CF0-33D53343E1CF}" destId="{86183089-70E0-4BDE-90E2-02CE93D24936}" srcOrd="0" destOrd="0" parTransId="{464D3821-B587-4C65-BE0F-08BEA9EFC050}" sibTransId="{A970847C-762D-4C94-A25C-017C5D8EC8DF}"/>
+    <dgm:cxn modelId="{BD7618B4-1054-460F-97C7-B560E80BF91B}" type="presOf" srcId="{86183089-70E0-4BDE-90E2-02CE93D24936}" destId="{79DB0C5E-9976-4D4C-B6EE-2B1EFE2B9344}" srcOrd="0" destOrd="0" presId="urn:microsoft.com/office/officeart/2018/2/layout/IconLabelList"/>
+    <dgm:cxn modelId="{2498CFF9-5697-4AA5-A0E4-8B34C6F9DB38}" srcId="{34EE32CB-BE24-4EEE-9CF0-33D53343E1CF}" destId="{D1E30BCB-0084-4999-8C04-AB6157A6CA37}" srcOrd="2" destOrd="0" parTransId="{B8F13FA9-B350-460A-8F48-7FB3D67AD0C2}" sibTransId="{1945126E-27FD-477E-9EFF-CFA17D212139}"/>
+    <dgm:cxn modelId="{C1DB539E-3F6C-452E-8F08-1EE5E998E5D7}" type="presParOf" srcId="{EEDA65F8-8258-4ECA-A22C-F490DA01A6F3}" destId="{AABC4E5C-10A4-48B3-90B4-CBAB59594C8F}" srcOrd="0" destOrd="0" presId="urn:microsoft.com/office/officeart/2018/2/layout/IconLabelList"/>
+    <dgm:cxn modelId="{73C60B1A-8763-4A63-8451-325959FBB387}" type="presParOf" srcId="{AABC4E5C-10A4-48B3-90B4-CBAB59594C8F}" destId="{BE737D62-8488-40D7-A7F6-1A5B89BDF760}" srcOrd="0" destOrd="0" presId="urn:microsoft.com/office/officeart/2018/2/layout/IconLabelList"/>
+    <dgm:cxn modelId="{2B2A7340-FF52-4FC6-B809-BB0B5E0C90E0}" type="presParOf" srcId="{AABC4E5C-10A4-48B3-90B4-CBAB59594C8F}" destId="{4D4E64E5-DC06-4D41-9D9C-C09983441812}" srcOrd="1" destOrd="0" presId="urn:microsoft.com/office/officeart/2018/2/layout/IconLabelList"/>
+    <dgm:cxn modelId="{1AF9086C-F191-46F6-B149-DB694FB98319}" type="presParOf" srcId="{AABC4E5C-10A4-48B3-90B4-CBAB59594C8F}" destId="{79DB0C5E-9976-4D4C-B6EE-2B1EFE2B9344}" srcOrd="2" destOrd="0" presId="urn:microsoft.com/office/officeart/2018/2/layout/IconLabelList"/>
+    <dgm:cxn modelId="{5F03FD52-9397-4B2A-A70D-E1979A1C7F70}" type="presParOf" srcId="{EEDA65F8-8258-4ECA-A22C-F490DA01A6F3}" destId="{35F78085-642A-4CEF-9A27-2A67C6144616}" srcOrd="1" destOrd="0" presId="urn:microsoft.com/office/officeart/2018/2/layout/IconLabelList"/>
+    <dgm:cxn modelId="{00B9103A-6D42-4AF0-8C2D-79F8E5AA18B1}" type="presParOf" srcId="{EEDA65F8-8258-4ECA-A22C-F490DA01A6F3}" destId="{54B31F96-790F-4D3F-9B56-8F605F59A3EF}" srcOrd="2" destOrd="0" presId="urn:microsoft.com/office/officeart/2018/2/layout/IconLabelList"/>
+    <dgm:cxn modelId="{1110D0A0-9560-49F7-A3CD-728B111F634B}" type="presParOf" srcId="{54B31F96-790F-4D3F-9B56-8F605F59A3EF}" destId="{820431A0-19A1-4048-A9F2-EED0A4295647}" srcOrd="0" destOrd="0" presId="urn:microsoft.com/office/officeart/2018/2/layout/IconLabelList"/>
+    <dgm:cxn modelId="{30DB36A5-D8E6-4D2E-BDA7-4806F4AFD31C}" type="presParOf" srcId="{54B31F96-790F-4D3F-9B56-8F605F59A3EF}" destId="{8782D190-258D-45CC-9EA3-DAD763F63282}" srcOrd="1" destOrd="0" presId="urn:microsoft.com/office/officeart/2018/2/layout/IconLabelList"/>
+    <dgm:cxn modelId="{06279182-70ED-4DB0-8B7F-1CA5076D14FC}" type="presParOf" srcId="{54B31F96-790F-4D3F-9B56-8F605F59A3EF}" destId="{DB812EDE-152F-451A-813B-94B67A1ADF77}" srcOrd="2" destOrd="0" presId="urn:microsoft.com/office/officeart/2018/2/layout/IconLabelList"/>
+    <dgm:cxn modelId="{7442FC83-E784-49A9-9B00-0F703A18B2A4}" type="presParOf" srcId="{EEDA65F8-8258-4ECA-A22C-F490DA01A6F3}" destId="{D4FC75AF-5C09-449A-A5EE-BC753B3AD90B}" srcOrd="3" destOrd="0" presId="urn:microsoft.com/office/officeart/2018/2/layout/IconLabelList"/>
+    <dgm:cxn modelId="{1EECBADA-0739-4E4A-91A5-6CAFC52B25F1}" type="presParOf" srcId="{EEDA65F8-8258-4ECA-A22C-F490DA01A6F3}" destId="{CDA719D2-349E-4214-9649-84289BDBAF2D}" srcOrd="4" destOrd="0" presId="urn:microsoft.com/office/officeart/2018/2/layout/IconLabelList"/>
+    <dgm:cxn modelId="{45131661-D80D-4C4D-98F5-CE2D03779B78}" type="presParOf" srcId="{CDA719D2-349E-4214-9649-84289BDBAF2D}" destId="{DC967FD8-9DBC-454C-9979-6249336EF449}" srcOrd="0" destOrd="0" presId="urn:microsoft.com/office/officeart/2018/2/layout/IconLabelList"/>
+    <dgm:cxn modelId="{1C4854B0-FEF7-461E-9978-7683AEAE13E3}" type="presParOf" srcId="{CDA719D2-349E-4214-9649-84289BDBAF2D}" destId="{BF1773EF-57D8-418D-9166-A89A14E18C50}" srcOrd="1" destOrd="0" presId="urn:microsoft.com/office/officeart/2018/2/layout/IconLabelList"/>
+    <dgm:cxn modelId="{6934991B-619A-432C-8699-B8C7095E8863}" type="presParOf" srcId="{CDA719D2-349E-4214-9649-84289BDBAF2D}" destId="{9D587C7C-610E-40E5-B592-6290538FB408}" srcOrd="2" destOrd="0" presId="urn:microsoft.com/office/officeart/2018/2/layout/IconLabelList"/>
   </dgm:cxnLst>
   <dgm:bg/>
   <dgm:whole/>
@@ -1859,6 +2884,218 @@
 </file>
 
 <file path=ppt/diagrams/data2.xml><?xml version="1.0" encoding="utf-8"?>
+<dgm:dataModel xmlns:dgm="http://schemas.openxmlformats.org/drawingml/2006/diagram" xmlns:a="http://schemas.openxmlformats.org/drawingml/2006/main">
+  <dgm:ptLst>
+    <dgm:pt modelId="{8A69B34D-4331-46C3-B6BF-2B9FC68273E2}" type="doc">
+      <dgm:prSet loTypeId="urn:microsoft.com/office/officeart/2008/layout/LinedList" loCatId="list" qsTypeId="urn:microsoft.com/office/officeart/2005/8/quickstyle/simple1" qsCatId="simple" csTypeId="urn:microsoft.com/office/officeart/2005/8/colors/colorful1" csCatId="colorful" phldr="1"/>
+      <dgm:spPr/>
+      <dgm:t>
+        <a:bodyPr/>
+        <a:lstStyle/>
+        <a:p>
+          <a:endParaRPr lang="en-US"/>
+        </a:p>
+      </dgm:t>
+    </dgm:pt>
+    <dgm:pt modelId="{63079A3F-F4EF-4EF2-A713-50D9E9F9FD3A}">
+      <dgm:prSet/>
+      <dgm:spPr/>
+      <dgm:t>
+        <a:bodyPr/>
+        <a:lstStyle/>
+        <a:p>
+          <a:r>
+            <a:rPr lang="en-US"/>
+            <a:t>GITHUB</a:t>
+          </a:r>
+        </a:p>
+      </dgm:t>
+    </dgm:pt>
+    <dgm:pt modelId="{5325B772-AC5E-403A-B520-C84E83A34239}" type="parTrans" cxnId="{A6223035-A66D-4949-96C8-FB3654CB8268}">
+      <dgm:prSet/>
+      <dgm:spPr/>
+      <dgm:t>
+        <a:bodyPr/>
+        <a:lstStyle/>
+        <a:p>
+          <a:endParaRPr lang="en-US"/>
+        </a:p>
+      </dgm:t>
+    </dgm:pt>
+    <dgm:pt modelId="{5A5B5732-9875-4BF9-BAEC-8BD4FEF63C1F}" type="sibTrans" cxnId="{A6223035-A66D-4949-96C8-FB3654CB8268}">
+      <dgm:prSet/>
+      <dgm:spPr/>
+      <dgm:t>
+        <a:bodyPr/>
+        <a:lstStyle/>
+        <a:p>
+          <a:endParaRPr lang="en-US"/>
+        </a:p>
+      </dgm:t>
+    </dgm:pt>
+    <dgm:pt modelId="{10ED3420-C4D5-4826-B589-F3FBF620A4B2}">
+      <dgm:prSet/>
+      <dgm:spPr/>
+      <dgm:t>
+        <a:bodyPr/>
+        <a:lstStyle/>
+        <a:p>
+          <a:r>
+            <a:rPr lang="en-US" dirty="0"/>
+            <a:t>ANACONDA</a:t>
+          </a:r>
+        </a:p>
+      </dgm:t>
+    </dgm:pt>
+    <dgm:pt modelId="{7E9C8593-C7A8-40C8-B7CA-31C693AC38C8}" type="parTrans" cxnId="{31FDA2C7-AFCA-49F7-8457-9BB501B92C99}">
+      <dgm:prSet/>
+      <dgm:spPr/>
+      <dgm:t>
+        <a:bodyPr/>
+        <a:lstStyle/>
+        <a:p>
+          <a:endParaRPr lang="en-US"/>
+        </a:p>
+      </dgm:t>
+    </dgm:pt>
+    <dgm:pt modelId="{0F088F0F-6F0B-49BC-9D45-8FC46815FAC9}" type="sibTrans" cxnId="{31FDA2C7-AFCA-49F7-8457-9BB501B92C99}">
+      <dgm:prSet/>
+      <dgm:spPr/>
+      <dgm:t>
+        <a:bodyPr/>
+        <a:lstStyle/>
+        <a:p>
+          <a:endParaRPr lang="en-US"/>
+        </a:p>
+      </dgm:t>
+    </dgm:pt>
+    <dgm:pt modelId="{468B07B8-28B4-4E29-91E6-0FF555B1D0C6}">
+      <dgm:prSet/>
+      <dgm:spPr/>
+      <dgm:t>
+        <a:bodyPr/>
+        <a:lstStyle/>
+        <a:p>
+          <a:r>
+            <a:rPr lang="en-US" dirty="0"/>
+            <a:t>PYTHON</a:t>
+          </a:r>
+        </a:p>
+      </dgm:t>
+    </dgm:pt>
+    <dgm:pt modelId="{F92039B4-E181-466B-BBE7-56394199EF99}" type="parTrans" cxnId="{D3D5C2BD-359D-424B-9238-D0ADA9E463F3}">
+      <dgm:prSet/>
+      <dgm:spPr/>
+      <dgm:t>
+        <a:bodyPr/>
+        <a:lstStyle/>
+        <a:p>
+          <a:endParaRPr lang="en-US"/>
+        </a:p>
+      </dgm:t>
+    </dgm:pt>
+    <dgm:pt modelId="{F0322EF3-46F3-401B-92CA-469F438E0C2E}" type="sibTrans" cxnId="{D3D5C2BD-359D-424B-9238-D0ADA9E463F3}">
+      <dgm:prSet/>
+      <dgm:spPr/>
+      <dgm:t>
+        <a:bodyPr/>
+        <a:lstStyle/>
+        <a:p>
+          <a:endParaRPr lang="en-US"/>
+        </a:p>
+      </dgm:t>
+    </dgm:pt>
+    <dgm:pt modelId="{8B71346F-112A-D94A-B7D1-AF6B70197811}" type="pres">
+      <dgm:prSet presAssocID="{8A69B34D-4331-46C3-B6BF-2B9FC68273E2}" presName="vert0" presStyleCnt="0">
+        <dgm:presLayoutVars>
+          <dgm:dir/>
+          <dgm:animOne val="branch"/>
+          <dgm:animLvl val="lvl"/>
+        </dgm:presLayoutVars>
+      </dgm:prSet>
+      <dgm:spPr/>
+    </dgm:pt>
+    <dgm:pt modelId="{434B54C7-9A91-2D4C-86D7-C33AFC4FE434}" type="pres">
+      <dgm:prSet presAssocID="{10ED3420-C4D5-4826-B589-F3FBF620A4B2}" presName="thickLine" presStyleLbl="alignNode1" presStyleIdx="0" presStyleCnt="3"/>
+      <dgm:spPr/>
+    </dgm:pt>
+    <dgm:pt modelId="{7B8BA63E-7CE6-0145-BEA9-E5F408A04C45}" type="pres">
+      <dgm:prSet presAssocID="{10ED3420-C4D5-4826-B589-F3FBF620A4B2}" presName="horz1" presStyleCnt="0"/>
+      <dgm:spPr/>
+    </dgm:pt>
+    <dgm:pt modelId="{E64D56BE-3A77-5046-AF0B-3CAE3CD9C804}" type="pres">
+      <dgm:prSet presAssocID="{10ED3420-C4D5-4826-B589-F3FBF620A4B2}" presName="tx1" presStyleLbl="revTx" presStyleIdx="0" presStyleCnt="3"/>
+      <dgm:spPr/>
+    </dgm:pt>
+    <dgm:pt modelId="{A6209EA0-1B00-7144-AD18-DC8E27BE6946}" type="pres">
+      <dgm:prSet presAssocID="{10ED3420-C4D5-4826-B589-F3FBF620A4B2}" presName="vert1" presStyleCnt="0"/>
+      <dgm:spPr/>
+    </dgm:pt>
+    <dgm:pt modelId="{3DE9E9AE-6C59-7D4F-A9A3-1463D944AE51}" type="pres">
+      <dgm:prSet presAssocID="{63079A3F-F4EF-4EF2-A713-50D9E9F9FD3A}" presName="thickLine" presStyleLbl="alignNode1" presStyleIdx="1" presStyleCnt="3"/>
+      <dgm:spPr/>
+    </dgm:pt>
+    <dgm:pt modelId="{0455F000-7786-3443-BE8A-43D5A15C1FBC}" type="pres">
+      <dgm:prSet presAssocID="{63079A3F-F4EF-4EF2-A713-50D9E9F9FD3A}" presName="horz1" presStyleCnt="0"/>
+      <dgm:spPr/>
+    </dgm:pt>
+    <dgm:pt modelId="{D58A8605-4BF6-F64B-A07C-613D2D8F14B0}" type="pres">
+      <dgm:prSet presAssocID="{63079A3F-F4EF-4EF2-A713-50D9E9F9FD3A}" presName="tx1" presStyleLbl="revTx" presStyleIdx="1" presStyleCnt="3"/>
+      <dgm:spPr/>
+    </dgm:pt>
+    <dgm:pt modelId="{22D6AF0D-074E-F94B-ADB3-C9B69ED6172F}" type="pres">
+      <dgm:prSet presAssocID="{63079A3F-F4EF-4EF2-A713-50D9E9F9FD3A}" presName="vert1" presStyleCnt="0"/>
+      <dgm:spPr/>
+    </dgm:pt>
+    <dgm:pt modelId="{63298FBF-7AC5-0B40-9626-C64C60FA2C82}" type="pres">
+      <dgm:prSet presAssocID="{468B07B8-28B4-4E29-91E6-0FF555B1D0C6}" presName="thickLine" presStyleLbl="alignNode1" presStyleIdx="2" presStyleCnt="3"/>
+      <dgm:spPr/>
+    </dgm:pt>
+    <dgm:pt modelId="{DC45A796-42C1-3645-A482-0E9BE7B0D49F}" type="pres">
+      <dgm:prSet presAssocID="{468B07B8-28B4-4E29-91E6-0FF555B1D0C6}" presName="horz1" presStyleCnt="0"/>
+      <dgm:spPr/>
+    </dgm:pt>
+    <dgm:pt modelId="{07F03A5F-7AF9-D644-8B7D-E0D52893DCDF}" type="pres">
+      <dgm:prSet presAssocID="{468B07B8-28B4-4E29-91E6-0FF555B1D0C6}" presName="tx1" presStyleLbl="revTx" presStyleIdx="2" presStyleCnt="3"/>
+      <dgm:spPr/>
+    </dgm:pt>
+    <dgm:pt modelId="{494D9599-76D2-574A-A54C-0CD9384E7587}" type="pres">
+      <dgm:prSet presAssocID="{468B07B8-28B4-4E29-91E6-0FF555B1D0C6}" presName="vert1" presStyleCnt="0"/>
+      <dgm:spPr/>
+    </dgm:pt>
+  </dgm:ptLst>
+  <dgm:cxnLst>
+    <dgm:cxn modelId="{B39EE521-954D-3A40-8D18-000C676F2110}" type="presOf" srcId="{468B07B8-28B4-4E29-91E6-0FF555B1D0C6}" destId="{07F03A5F-7AF9-D644-8B7D-E0D52893DCDF}" srcOrd="0" destOrd="0" presId="urn:microsoft.com/office/officeart/2008/layout/LinedList"/>
+    <dgm:cxn modelId="{A6223035-A66D-4949-96C8-FB3654CB8268}" srcId="{8A69B34D-4331-46C3-B6BF-2B9FC68273E2}" destId="{63079A3F-F4EF-4EF2-A713-50D9E9F9FD3A}" srcOrd="1" destOrd="0" parTransId="{5325B772-AC5E-403A-B520-C84E83A34239}" sibTransId="{5A5B5732-9875-4BF9-BAEC-8BD4FEF63C1F}"/>
+    <dgm:cxn modelId="{A8D5BABB-978B-E149-BF64-09255766298B}" type="presOf" srcId="{10ED3420-C4D5-4826-B589-F3FBF620A4B2}" destId="{E64D56BE-3A77-5046-AF0B-3CAE3CD9C804}" srcOrd="0" destOrd="0" presId="urn:microsoft.com/office/officeart/2008/layout/LinedList"/>
+    <dgm:cxn modelId="{03C39BBD-DEF2-1649-8A42-751903044C91}" type="presOf" srcId="{8A69B34D-4331-46C3-B6BF-2B9FC68273E2}" destId="{8B71346F-112A-D94A-B7D1-AF6B70197811}" srcOrd="0" destOrd="0" presId="urn:microsoft.com/office/officeart/2008/layout/LinedList"/>
+    <dgm:cxn modelId="{D3D5C2BD-359D-424B-9238-D0ADA9E463F3}" srcId="{8A69B34D-4331-46C3-B6BF-2B9FC68273E2}" destId="{468B07B8-28B4-4E29-91E6-0FF555B1D0C6}" srcOrd="2" destOrd="0" parTransId="{F92039B4-E181-466B-BBE7-56394199EF99}" sibTransId="{F0322EF3-46F3-401B-92CA-469F438E0C2E}"/>
+    <dgm:cxn modelId="{31FDA2C7-AFCA-49F7-8457-9BB501B92C99}" srcId="{8A69B34D-4331-46C3-B6BF-2B9FC68273E2}" destId="{10ED3420-C4D5-4826-B589-F3FBF620A4B2}" srcOrd="0" destOrd="0" parTransId="{7E9C8593-C7A8-40C8-B7CA-31C693AC38C8}" sibTransId="{0F088F0F-6F0B-49BC-9D45-8FC46815FAC9}"/>
+    <dgm:cxn modelId="{05F762ED-86E9-6542-B71C-77BD015DB6E4}" type="presOf" srcId="{63079A3F-F4EF-4EF2-A713-50D9E9F9FD3A}" destId="{D58A8605-4BF6-F64B-A07C-613D2D8F14B0}" srcOrd="0" destOrd="0" presId="urn:microsoft.com/office/officeart/2008/layout/LinedList"/>
+    <dgm:cxn modelId="{E1081320-C0B3-1E47-95DE-7430085F2A23}" type="presParOf" srcId="{8B71346F-112A-D94A-B7D1-AF6B70197811}" destId="{434B54C7-9A91-2D4C-86D7-C33AFC4FE434}" srcOrd="0" destOrd="0" presId="urn:microsoft.com/office/officeart/2008/layout/LinedList"/>
+    <dgm:cxn modelId="{5A778784-FE35-A24A-9085-92C893BADEBC}" type="presParOf" srcId="{8B71346F-112A-D94A-B7D1-AF6B70197811}" destId="{7B8BA63E-7CE6-0145-BEA9-E5F408A04C45}" srcOrd="1" destOrd="0" presId="urn:microsoft.com/office/officeart/2008/layout/LinedList"/>
+    <dgm:cxn modelId="{5C35B1A2-6D83-9244-AB15-10C1AC85A8ED}" type="presParOf" srcId="{7B8BA63E-7CE6-0145-BEA9-E5F408A04C45}" destId="{E64D56BE-3A77-5046-AF0B-3CAE3CD9C804}" srcOrd="0" destOrd="0" presId="urn:microsoft.com/office/officeart/2008/layout/LinedList"/>
+    <dgm:cxn modelId="{D554952A-B1CF-0D4F-A09C-1D45ADA39CB4}" type="presParOf" srcId="{7B8BA63E-7CE6-0145-BEA9-E5F408A04C45}" destId="{A6209EA0-1B00-7144-AD18-DC8E27BE6946}" srcOrd="1" destOrd="0" presId="urn:microsoft.com/office/officeart/2008/layout/LinedList"/>
+    <dgm:cxn modelId="{D83B18E2-B49B-CA4C-AC22-5E9D7EB77856}" type="presParOf" srcId="{8B71346F-112A-D94A-B7D1-AF6B70197811}" destId="{3DE9E9AE-6C59-7D4F-A9A3-1463D944AE51}" srcOrd="2" destOrd="0" presId="urn:microsoft.com/office/officeart/2008/layout/LinedList"/>
+    <dgm:cxn modelId="{44EDB752-CE64-FA4C-AF99-9A8E8DC2851F}" type="presParOf" srcId="{8B71346F-112A-D94A-B7D1-AF6B70197811}" destId="{0455F000-7786-3443-BE8A-43D5A15C1FBC}" srcOrd="3" destOrd="0" presId="urn:microsoft.com/office/officeart/2008/layout/LinedList"/>
+    <dgm:cxn modelId="{4DD1D5D0-A826-8E41-A3C4-8EF771395547}" type="presParOf" srcId="{0455F000-7786-3443-BE8A-43D5A15C1FBC}" destId="{D58A8605-4BF6-F64B-A07C-613D2D8F14B0}" srcOrd="0" destOrd="0" presId="urn:microsoft.com/office/officeart/2008/layout/LinedList"/>
+    <dgm:cxn modelId="{446FEB7F-CF54-A040-8DA1-8BB5186E080E}" type="presParOf" srcId="{0455F000-7786-3443-BE8A-43D5A15C1FBC}" destId="{22D6AF0D-074E-F94B-ADB3-C9B69ED6172F}" srcOrd="1" destOrd="0" presId="urn:microsoft.com/office/officeart/2008/layout/LinedList"/>
+    <dgm:cxn modelId="{482F34E2-D60B-3645-8C11-E9976BAA8B39}" type="presParOf" srcId="{8B71346F-112A-D94A-B7D1-AF6B70197811}" destId="{63298FBF-7AC5-0B40-9626-C64C60FA2C82}" srcOrd="4" destOrd="0" presId="urn:microsoft.com/office/officeart/2008/layout/LinedList"/>
+    <dgm:cxn modelId="{4553B1D7-17C1-AE43-A42F-4945BF72A6F9}" type="presParOf" srcId="{8B71346F-112A-D94A-B7D1-AF6B70197811}" destId="{DC45A796-42C1-3645-A482-0E9BE7B0D49F}" srcOrd="5" destOrd="0" presId="urn:microsoft.com/office/officeart/2008/layout/LinedList"/>
+    <dgm:cxn modelId="{5FFE72D5-9D91-3947-BA50-E9D1745FFD75}" type="presParOf" srcId="{DC45A796-42C1-3645-A482-0E9BE7B0D49F}" destId="{07F03A5F-7AF9-D644-8B7D-E0D52893DCDF}" srcOrd="0" destOrd="0" presId="urn:microsoft.com/office/officeart/2008/layout/LinedList"/>
+    <dgm:cxn modelId="{2A417313-302F-0440-8945-91A0B8142D9A}" type="presParOf" srcId="{DC45A796-42C1-3645-A482-0E9BE7B0D49F}" destId="{494D9599-76D2-574A-A54C-0CD9384E7587}" srcOrd="1" destOrd="0" presId="urn:microsoft.com/office/officeart/2008/layout/LinedList"/>
+  </dgm:cxnLst>
+  <dgm:bg/>
+  <dgm:whole/>
+  <dgm:extLst>
+    <a:ext uri="http://schemas.microsoft.com/office/drawing/2008/diagram">
+      <dsp:dataModelExt xmlns:dsp="http://schemas.microsoft.com/office/drawing/2008/diagram" relId="rId6" minVer="http://schemas.openxmlformats.org/drawingml/2006/diagram"/>
+    </a:ext>
+  </dgm:extLst>
+</dgm:dataModel>
+</file>
+
+<file path=ppt/diagrams/data3.xml><?xml version="1.0" encoding="utf-8"?>
 <dgm:dataModel xmlns:dgm="http://schemas.openxmlformats.org/drawingml/2006/diagram" xmlns:a="http://schemas.openxmlformats.org/drawingml/2006/main">
   <dgm:ptLst>
     <dgm:pt modelId="{B63D709F-E761-4B2E-A4FE-400C5130D97B}" type="doc">
@@ -2207,54 +3444,15 @@
       <dsp:cNvGrpSpPr/>
     </dsp:nvGrpSpPr>
     <dsp:grpSpPr/>
-    <dsp:sp modelId="{19AEB261-0264-424A-A408-48BE3AED848B}">
+    <dsp:sp modelId="{BE737D62-8488-40D7-A7F6-1A5B89BDF760}">
       <dsp:nvSpPr>
         <dsp:cNvPr id="0" name=""/>
         <dsp:cNvSpPr/>
       </dsp:nvSpPr>
       <dsp:spPr>
         <a:xfrm>
-          <a:off x="2490743" y="375668"/>
-          <a:ext cx="2196000" cy="2196000"/>
-        </a:xfrm>
-        <a:prstGeom prst="ellipse">
-          <a:avLst/>
-        </a:prstGeom>
-        <a:solidFill>
-          <a:schemeClr val="dk2">
-            <a:hueOff val="0"/>
-            <a:satOff val="0"/>
-            <a:lumOff val="0"/>
-            <a:alphaOff val="0"/>
-          </a:schemeClr>
-        </a:solidFill>
-        <a:ln>
-          <a:noFill/>
-        </a:ln>
-        <a:effectLst/>
-      </dsp:spPr>
-      <dsp:style>
-        <a:lnRef idx="0">
-          <a:scrgbClr r="0" g="0" b="0"/>
-        </a:lnRef>
-        <a:fillRef idx="1">
-          <a:scrgbClr r="0" g="0" b="0"/>
-        </a:fillRef>
-        <a:effectRef idx="0">
-          <a:scrgbClr r="0" g="0" b="0"/>
-        </a:effectRef>
-        <a:fontRef idx="minor"/>
-      </dsp:style>
-    </dsp:sp>
-    <dsp:sp modelId="{71B475FC-1133-4AAD-BA86-344283EBAA52}">
-      <dsp:nvSpPr>
-        <dsp:cNvPr id="0" name=""/>
-        <dsp:cNvSpPr/>
-      </dsp:nvSpPr>
-      <dsp:spPr>
-        <a:xfrm>
-          <a:off x="2958743" y="843669"/>
-          <a:ext cx="1260000" cy="1260000"/>
+          <a:off x="1082105" y="878242"/>
+          <a:ext cx="1485526" cy="1485526"/>
         </a:xfrm>
         <a:prstGeom prst="rect">
           <a:avLst/>
@@ -2296,15 +3494,15 @@
         </a:fontRef>
       </dsp:style>
     </dsp:sp>
-    <dsp:sp modelId="{8EC80FDC-2E48-4574-8E60-DAF9298E3EA2}">
+    <dsp:sp modelId="{79DB0C5E-9976-4D4C-B6EE-2B1EFE2B9344}">
       <dsp:nvSpPr>
         <dsp:cNvPr id="0" name=""/>
         <dsp:cNvSpPr/>
       </dsp:nvSpPr>
       <dsp:spPr>
         <a:xfrm>
-          <a:off x="1788743" y="3255669"/>
-          <a:ext cx="3600000" cy="720000"/>
+          <a:off x="174284" y="2753095"/>
+          <a:ext cx="3301169" cy="720000"/>
         </a:xfrm>
         <a:prstGeom prst="rect">
           <a:avLst/>
@@ -2333,7 +3531,7 @@
         </a:bodyPr>
         <a:lstStyle/>
         <a:p>
-          <a:pPr marL="0" lvl="0" indent="0" algn="ctr" defTabSz="1955800">
+          <a:pPr marL="0" lvl="0" indent="0" algn="ctr" defTabSz="755650">
             <a:lnSpc>
               <a:spcPct val="90000"/>
             </a:lnSpc>
@@ -2344,67 +3542,27 @@
               <a:spcPct val="35000"/>
             </a:spcAft>
             <a:buNone/>
-            <a:defRPr cap="all"/>
           </a:pPr>
           <a:r>
-            <a:rPr lang="en-US" sz="4400" kern="1200"/>
-            <a:t>Github</a:t>
+            <a:rPr lang="en-US" sz="1700" kern="1200"/>
+            <a:t>Prepare a quick Topology Diagram of your testbed to use in emails or chats.</a:t>
           </a:r>
         </a:p>
       </dsp:txBody>
       <dsp:txXfrm>
-        <a:off x="1788743" y="3255669"/>
-        <a:ext cx="3600000" cy="720000"/>
+        <a:off x="174284" y="2753095"/>
+        <a:ext cx="3301169" cy="720000"/>
       </dsp:txXfrm>
     </dsp:sp>
-    <dsp:sp modelId="{C1A1C228-604D-4340-9D17-983B4028A5D4}">
+    <dsp:sp modelId="{820431A0-19A1-4048-A9F2-EED0A4295647}">
       <dsp:nvSpPr>
         <dsp:cNvPr id="0" name=""/>
         <dsp:cNvSpPr/>
       </dsp:nvSpPr>
       <dsp:spPr>
         <a:xfrm>
-          <a:off x="6720743" y="375668"/>
-          <a:ext cx="2196000" cy="2196000"/>
-        </a:xfrm>
-        <a:prstGeom prst="ellipse">
-          <a:avLst/>
-        </a:prstGeom>
-        <a:solidFill>
-          <a:schemeClr val="dk2">
-            <a:hueOff val="0"/>
-            <a:satOff val="0"/>
-            <a:lumOff val="0"/>
-            <a:alphaOff val="0"/>
-          </a:schemeClr>
-        </a:solidFill>
-        <a:ln>
-          <a:noFill/>
-        </a:ln>
-        <a:effectLst/>
-      </dsp:spPr>
-      <dsp:style>
-        <a:lnRef idx="0">
-          <a:scrgbClr r="0" g="0" b="0"/>
-        </a:lnRef>
-        <a:fillRef idx="1">
-          <a:scrgbClr r="0" g="0" b="0"/>
-        </a:fillRef>
-        <a:effectRef idx="0">
-          <a:scrgbClr r="0" g="0" b="0"/>
-        </a:effectRef>
-        <a:fontRef idx="minor"/>
-      </dsp:style>
-    </dsp:sp>
-    <dsp:sp modelId="{4FB4E33E-4FC4-43B9-B854-3C1733C50198}">
-      <dsp:nvSpPr>
-        <dsp:cNvPr id="0" name=""/>
-        <dsp:cNvSpPr/>
-      </dsp:nvSpPr>
-      <dsp:spPr>
-        <a:xfrm>
-          <a:off x="7188743" y="843669"/>
-          <a:ext cx="1260000" cy="1260000"/>
+          <a:off x="4960980" y="878242"/>
+          <a:ext cx="1485526" cy="1485526"/>
         </a:xfrm>
         <a:prstGeom prst="rect">
           <a:avLst/>
@@ -2446,15 +3604,15 @@
         </a:fontRef>
       </dsp:style>
     </dsp:sp>
-    <dsp:sp modelId="{11DD5DF5-52CE-46BB-8063-CD34E6F43405}">
+    <dsp:sp modelId="{DB812EDE-152F-451A-813B-94B67A1ADF77}">
       <dsp:nvSpPr>
         <dsp:cNvPr id="0" name=""/>
         <dsp:cNvSpPr/>
       </dsp:nvSpPr>
       <dsp:spPr>
         <a:xfrm>
-          <a:off x="6018743" y="3255669"/>
-          <a:ext cx="3600000" cy="720000"/>
+          <a:off x="4053158" y="2753095"/>
+          <a:ext cx="3301169" cy="720000"/>
         </a:xfrm>
         <a:prstGeom prst="rect">
           <a:avLst/>
@@ -2483,7 +3641,7 @@
         </a:bodyPr>
         <a:lstStyle/>
         <a:p>
-          <a:pPr marL="0" lvl="0" indent="0" algn="ctr" defTabSz="1955800">
+          <a:pPr marL="0" lvl="0" indent="0" algn="ctr" defTabSz="755650">
             <a:lnSpc>
               <a:spcPct val="90000"/>
             </a:lnSpc>
@@ -2494,17 +3652,126 @@
               <a:spcPct val="35000"/>
             </a:spcAft>
             <a:buNone/>
-            <a:defRPr cap="all"/>
           </a:pPr>
           <a:r>
-            <a:rPr lang="en-US" sz="4400" kern="1200"/>
-            <a:t>Python</a:t>
+            <a:rPr lang="en-US" sz="1700" kern="1200"/>
+            <a:t>Share your Topology with your team while sharing setups.</a:t>
           </a:r>
         </a:p>
       </dsp:txBody>
       <dsp:txXfrm>
-        <a:off x="6018743" y="3255669"/>
-        <a:ext cx="3600000" cy="720000"/>
+        <a:off x="4053158" y="2753095"/>
+        <a:ext cx="3301169" cy="720000"/>
+      </dsp:txXfrm>
+    </dsp:sp>
+    <dsp:sp modelId="{DC967FD8-9DBC-454C-9979-6249336EF449}">
+      <dsp:nvSpPr>
+        <dsp:cNvPr id="0" name=""/>
+        <dsp:cNvSpPr/>
+      </dsp:nvSpPr>
+      <dsp:spPr>
+        <a:xfrm>
+          <a:off x="8839854" y="878242"/>
+          <a:ext cx="1485526" cy="1485526"/>
+        </a:xfrm>
+        <a:prstGeom prst="rect">
+          <a:avLst/>
+        </a:prstGeom>
+        <a:blipFill>
+          <a:blip xmlns:r="http://schemas.openxmlformats.org/officeDocument/2006/relationships" r:embed="rId5">
+            <a:extLst>
+              <a:ext uri="{28A0092B-C50C-407E-A947-70E740481C1C}">
+                <a14:useLocalDpi xmlns:a14="http://schemas.microsoft.com/office/drawing/2010/main" val="0"/>
+              </a:ext>
+              <a:ext uri="{96DAC541-7B7A-43D3-8B79-37D633B846F1}">
+                <asvg:svgBlip xmlns:asvg="http://schemas.microsoft.com/office/drawing/2016/SVG/main" r:embed="rId6"/>
+              </a:ext>
+            </a:extLst>
+          </a:blip>
+          <a:stretch>
+            <a:fillRect/>
+          </a:stretch>
+        </a:blipFill>
+        <a:ln w="12700" cap="flat" cmpd="sng" algn="ctr">
+          <a:noFill/>
+          <a:prstDash val="solid"/>
+          <a:miter lim="800000"/>
+        </a:ln>
+        <a:effectLst/>
+      </dsp:spPr>
+      <dsp:style>
+        <a:lnRef idx="2">
+          <a:scrgbClr r="0" g="0" b="0"/>
+        </a:lnRef>
+        <a:fillRef idx="1">
+          <a:scrgbClr r="0" g="0" b="0"/>
+        </a:fillRef>
+        <a:effectRef idx="0">
+          <a:scrgbClr r="0" g="0" b="0"/>
+        </a:effectRef>
+        <a:fontRef idx="minor">
+          <a:schemeClr val="lt1"/>
+        </a:fontRef>
+      </dsp:style>
+    </dsp:sp>
+    <dsp:sp modelId="{9D587C7C-610E-40E5-B592-6290538FB408}">
+      <dsp:nvSpPr>
+        <dsp:cNvPr id="0" name=""/>
+        <dsp:cNvSpPr/>
+      </dsp:nvSpPr>
+      <dsp:spPr>
+        <a:xfrm>
+          <a:off x="7932033" y="2753095"/>
+          <a:ext cx="3301169" cy="720000"/>
+        </a:xfrm>
+        <a:prstGeom prst="rect">
+          <a:avLst/>
+        </a:prstGeom>
+        <a:noFill/>
+        <a:ln>
+          <a:noFill/>
+        </a:ln>
+        <a:effectLst/>
+      </dsp:spPr>
+      <dsp:style>
+        <a:lnRef idx="0">
+          <a:scrgbClr r="0" g="0" b="0"/>
+        </a:lnRef>
+        <a:fillRef idx="0">
+          <a:scrgbClr r="0" g="0" b="0"/>
+        </a:fillRef>
+        <a:effectRef idx="0">
+          <a:scrgbClr r="0" g="0" b="0"/>
+        </a:effectRef>
+        <a:fontRef idx="minor"/>
+      </dsp:style>
+      <dsp:txBody>
+        <a:bodyPr spcFirstLastPara="0" vert="horz" wrap="square" lIns="0" tIns="0" rIns="0" bIns="0" numCol="1" spcCol="1270" anchor="t" anchorCtr="0">
+          <a:noAutofit/>
+        </a:bodyPr>
+        <a:lstStyle/>
+        <a:p>
+          <a:pPr marL="0" lvl="0" indent="0" algn="ctr" defTabSz="755650">
+            <a:lnSpc>
+              <a:spcPct val="90000"/>
+            </a:lnSpc>
+            <a:spcBef>
+              <a:spcPct val="0"/>
+            </a:spcBef>
+            <a:spcAft>
+              <a:spcPct val="35000"/>
+            </a:spcAft>
+            <a:buNone/>
+          </a:pPr>
+          <a:r>
+            <a:rPr lang="en-US" sz="1700" kern="1200"/>
+            <a:t>Attaching the Topology Diagrams in Bug Description for easy understanding of the Testbed.</a:t>
+          </a:r>
+        </a:p>
+      </dsp:txBody>
+      <dsp:txXfrm>
+        <a:off x="7932033" y="2753095"/>
+        <a:ext cx="3301169" cy="720000"/>
       </dsp:txXfrm>
     </dsp:sp>
   </dsp:spTree>
@@ -2512,6 +3779,348 @@
 </file>
 
 <file path=ppt/diagrams/drawing2.xml><?xml version="1.0" encoding="utf-8"?>
+<dsp:drawing xmlns:dgm="http://schemas.openxmlformats.org/drawingml/2006/diagram" xmlns:dsp="http://schemas.microsoft.com/office/drawing/2008/diagram" xmlns:a="http://schemas.openxmlformats.org/drawingml/2006/main">
+  <dsp:spTree>
+    <dsp:nvGrpSpPr>
+      <dsp:cNvPr id="0" name=""/>
+      <dsp:cNvGrpSpPr/>
+    </dsp:nvGrpSpPr>
+    <dsp:grpSpPr/>
+    <dsp:sp modelId="{434B54C7-9A91-2D4C-86D7-C33AFC4FE434}">
+      <dsp:nvSpPr>
+        <dsp:cNvPr id="0" name=""/>
+        <dsp:cNvSpPr/>
+      </dsp:nvSpPr>
+      <dsp:spPr>
+        <a:xfrm>
+          <a:off x="0" y="2492"/>
+          <a:ext cx="6492875" cy="0"/>
+        </a:xfrm>
+        <a:prstGeom prst="line">
+          <a:avLst/>
+        </a:prstGeom>
+        <a:solidFill>
+          <a:schemeClr val="accent2">
+            <a:hueOff val="0"/>
+            <a:satOff val="0"/>
+            <a:lumOff val="0"/>
+            <a:alphaOff val="0"/>
+          </a:schemeClr>
+        </a:solidFill>
+        <a:ln w="12700" cap="flat" cmpd="sng" algn="ctr">
+          <a:solidFill>
+            <a:schemeClr val="accent2">
+              <a:hueOff val="0"/>
+              <a:satOff val="0"/>
+              <a:lumOff val="0"/>
+              <a:alphaOff val="0"/>
+            </a:schemeClr>
+          </a:solidFill>
+          <a:prstDash val="solid"/>
+          <a:miter lim="800000"/>
+        </a:ln>
+        <a:effectLst/>
+      </dsp:spPr>
+      <dsp:style>
+        <a:lnRef idx="2">
+          <a:scrgbClr r="0" g="0" b="0"/>
+        </a:lnRef>
+        <a:fillRef idx="1">
+          <a:scrgbClr r="0" g="0" b="0"/>
+        </a:fillRef>
+        <a:effectRef idx="0">
+          <a:scrgbClr r="0" g="0" b="0"/>
+        </a:effectRef>
+        <a:fontRef idx="minor">
+          <a:schemeClr val="lt1"/>
+        </a:fontRef>
+      </dsp:style>
+    </dsp:sp>
+    <dsp:sp modelId="{E64D56BE-3A77-5046-AF0B-3CAE3CD9C804}">
+      <dsp:nvSpPr>
+        <dsp:cNvPr id="0" name=""/>
+        <dsp:cNvSpPr/>
+      </dsp:nvSpPr>
+      <dsp:spPr>
+        <a:xfrm>
+          <a:off x="0" y="2492"/>
+          <a:ext cx="6492875" cy="1700138"/>
+        </a:xfrm>
+        <a:prstGeom prst="rect">
+          <a:avLst/>
+        </a:prstGeom>
+        <a:noFill/>
+        <a:ln>
+          <a:noFill/>
+        </a:ln>
+        <a:effectLst/>
+      </dsp:spPr>
+      <dsp:style>
+        <a:lnRef idx="0">
+          <a:scrgbClr r="0" g="0" b="0"/>
+        </a:lnRef>
+        <a:fillRef idx="0">
+          <a:scrgbClr r="0" g="0" b="0"/>
+        </a:fillRef>
+        <a:effectRef idx="0">
+          <a:scrgbClr r="0" g="0" b="0"/>
+        </a:effectRef>
+        <a:fontRef idx="minor"/>
+      </dsp:style>
+      <dsp:txBody>
+        <a:bodyPr spcFirstLastPara="0" vert="horz" wrap="square" lIns="247650" tIns="247650" rIns="247650" bIns="247650" numCol="1" spcCol="1270" anchor="t" anchorCtr="0">
+          <a:noAutofit/>
+        </a:bodyPr>
+        <a:lstStyle/>
+        <a:p>
+          <a:pPr marL="0" lvl="0" indent="0" algn="l" defTabSz="2889250">
+            <a:lnSpc>
+              <a:spcPct val="90000"/>
+            </a:lnSpc>
+            <a:spcBef>
+              <a:spcPct val="0"/>
+            </a:spcBef>
+            <a:spcAft>
+              <a:spcPct val="35000"/>
+            </a:spcAft>
+            <a:buNone/>
+          </a:pPr>
+          <a:r>
+            <a:rPr lang="en-US" sz="6500" kern="1200" dirty="0"/>
+            <a:t>ANACONDA</a:t>
+          </a:r>
+        </a:p>
+      </dsp:txBody>
+      <dsp:txXfrm>
+        <a:off x="0" y="2492"/>
+        <a:ext cx="6492875" cy="1700138"/>
+      </dsp:txXfrm>
+    </dsp:sp>
+    <dsp:sp modelId="{3DE9E9AE-6C59-7D4F-A9A3-1463D944AE51}">
+      <dsp:nvSpPr>
+        <dsp:cNvPr id="0" name=""/>
+        <dsp:cNvSpPr/>
+      </dsp:nvSpPr>
+      <dsp:spPr>
+        <a:xfrm>
+          <a:off x="0" y="1702630"/>
+          <a:ext cx="6492875" cy="0"/>
+        </a:xfrm>
+        <a:prstGeom prst="line">
+          <a:avLst/>
+        </a:prstGeom>
+        <a:solidFill>
+          <a:schemeClr val="accent3">
+            <a:hueOff val="0"/>
+            <a:satOff val="0"/>
+            <a:lumOff val="0"/>
+            <a:alphaOff val="0"/>
+          </a:schemeClr>
+        </a:solidFill>
+        <a:ln w="12700" cap="flat" cmpd="sng" algn="ctr">
+          <a:solidFill>
+            <a:schemeClr val="accent3">
+              <a:hueOff val="0"/>
+              <a:satOff val="0"/>
+              <a:lumOff val="0"/>
+              <a:alphaOff val="0"/>
+            </a:schemeClr>
+          </a:solidFill>
+          <a:prstDash val="solid"/>
+          <a:miter lim="800000"/>
+        </a:ln>
+        <a:effectLst/>
+      </dsp:spPr>
+      <dsp:style>
+        <a:lnRef idx="2">
+          <a:scrgbClr r="0" g="0" b="0"/>
+        </a:lnRef>
+        <a:fillRef idx="1">
+          <a:scrgbClr r="0" g="0" b="0"/>
+        </a:fillRef>
+        <a:effectRef idx="0">
+          <a:scrgbClr r="0" g="0" b="0"/>
+        </a:effectRef>
+        <a:fontRef idx="minor">
+          <a:schemeClr val="lt1"/>
+        </a:fontRef>
+      </dsp:style>
+    </dsp:sp>
+    <dsp:sp modelId="{D58A8605-4BF6-F64B-A07C-613D2D8F14B0}">
+      <dsp:nvSpPr>
+        <dsp:cNvPr id="0" name=""/>
+        <dsp:cNvSpPr/>
+      </dsp:nvSpPr>
+      <dsp:spPr>
+        <a:xfrm>
+          <a:off x="0" y="1702630"/>
+          <a:ext cx="6492875" cy="1700138"/>
+        </a:xfrm>
+        <a:prstGeom prst="rect">
+          <a:avLst/>
+        </a:prstGeom>
+        <a:noFill/>
+        <a:ln>
+          <a:noFill/>
+        </a:ln>
+        <a:effectLst/>
+      </dsp:spPr>
+      <dsp:style>
+        <a:lnRef idx="0">
+          <a:scrgbClr r="0" g="0" b="0"/>
+        </a:lnRef>
+        <a:fillRef idx="0">
+          <a:scrgbClr r="0" g="0" b="0"/>
+        </a:fillRef>
+        <a:effectRef idx="0">
+          <a:scrgbClr r="0" g="0" b="0"/>
+        </a:effectRef>
+        <a:fontRef idx="minor"/>
+      </dsp:style>
+      <dsp:txBody>
+        <a:bodyPr spcFirstLastPara="0" vert="horz" wrap="square" lIns="247650" tIns="247650" rIns="247650" bIns="247650" numCol="1" spcCol="1270" anchor="t" anchorCtr="0">
+          <a:noAutofit/>
+        </a:bodyPr>
+        <a:lstStyle/>
+        <a:p>
+          <a:pPr marL="0" lvl="0" indent="0" algn="l" defTabSz="2889250">
+            <a:lnSpc>
+              <a:spcPct val="90000"/>
+            </a:lnSpc>
+            <a:spcBef>
+              <a:spcPct val="0"/>
+            </a:spcBef>
+            <a:spcAft>
+              <a:spcPct val="35000"/>
+            </a:spcAft>
+            <a:buNone/>
+          </a:pPr>
+          <a:r>
+            <a:rPr lang="en-US" sz="6500" kern="1200"/>
+            <a:t>GITHUB</a:t>
+          </a:r>
+        </a:p>
+      </dsp:txBody>
+      <dsp:txXfrm>
+        <a:off x="0" y="1702630"/>
+        <a:ext cx="6492875" cy="1700138"/>
+      </dsp:txXfrm>
+    </dsp:sp>
+    <dsp:sp modelId="{63298FBF-7AC5-0B40-9626-C64C60FA2C82}">
+      <dsp:nvSpPr>
+        <dsp:cNvPr id="0" name=""/>
+        <dsp:cNvSpPr/>
+      </dsp:nvSpPr>
+      <dsp:spPr>
+        <a:xfrm>
+          <a:off x="0" y="3402769"/>
+          <a:ext cx="6492875" cy="0"/>
+        </a:xfrm>
+        <a:prstGeom prst="line">
+          <a:avLst/>
+        </a:prstGeom>
+        <a:solidFill>
+          <a:schemeClr val="accent4">
+            <a:hueOff val="0"/>
+            <a:satOff val="0"/>
+            <a:lumOff val="0"/>
+            <a:alphaOff val="0"/>
+          </a:schemeClr>
+        </a:solidFill>
+        <a:ln w="12700" cap="flat" cmpd="sng" algn="ctr">
+          <a:solidFill>
+            <a:schemeClr val="accent4">
+              <a:hueOff val="0"/>
+              <a:satOff val="0"/>
+              <a:lumOff val="0"/>
+              <a:alphaOff val="0"/>
+            </a:schemeClr>
+          </a:solidFill>
+          <a:prstDash val="solid"/>
+          <a:miter lim="800000"/>
+        </a:ln>
+        <a:effectLst/>
+      </dsp:spPr>
+      <dsp:style>
+        <a:lnRef idx="2">
+          <a:scrgbClr r="0" g="0" b="0"/>
+        </a:lnRef>
+        <a:fillRef idx="1">
+          <a:scrgbClr r="0" g="0" b="0"/>
+        </a:fillRef>
+        <a:effectRef idx="0">
+          <a:scrgbClr r="0" g="0" b="0"/>
+        </a:effectRef>
+        <a:fontRef idx="minor">
+          <a:schemeClr val="lt1"/>
+        </a:fontRef>
+      </dsp:style>
+    </dsp:sp>
+    <dsp:sp modelId="{07F03A5F-7AF9-D644-8B7D-E0D52893DCDF}">
+      <dsp:nvSpPr>
+        <dsp:cNvPr id="0" name=""/>
+        <dsp:cNvSpPr/>
+      </dsp:nvSpPr>
+      <dsp:spPr>
+        <a:xfrm>
+          <a:off x="0" y="3402769"/>
+          <a:ext cx="6492875" cy="1700138"/>
+        </a:xfrm>
+        <a:prstGeom prst="rect">
+          <a:avLst/>
+        </a:prstGeom>
+        <a:noFill/>
+        <a:ln>
+          <a:noFill/>
+        </a:ln>
+        <a:effectLst/>
+      </dsp:spPr>
+      <dsp:style>
+        <a:lnRef idx="0">
+          <a:scrgbClr r="0" g="0" b="0"/>
+        </a:lnRef>
+        <a:fillRef idx="0">
+          <a:scrgbClr r="0" g="0" b="0"/>
+        </a:fillRef>
+        <a:effectRef idx="0">
+          <a:scrgbClr r="0" g="0" b="0"/>
+        </a:effectRef>
+        <a:fontRef idx="minor"/>
+      </dsp:style>
+      <dsp:txBody>
+        <a:bodyPr spcFirstLastPara="0" vert="horz" wrap="square" lIns="247650" tIns="247650" rIns="247650" bIns="247650" numCol="1" spcCol="1270" anchor="t" anchorCtr="0">
+          <a:noAutofit/>
+        </a:bodyPr>
+        <a:lstStyle/>
+        <a:p>
+          <a:pPr marL="0" lvl="0" indent="0" algn="l" defTabSz="2889250">
+            <a:lnSpc>
+              <a:spcPct val="90000"/>
+            </a:lnSpc>
+            <a:spcBef>
+              <a:spcPct val="0"/>
+            </a:spcBef>
+            <a:spcAft>
+              <a:spcPct val="35000"/>
+            </a:spcAft>
+            <a:buNone/>
+          </a:pPr>
+          <a:r>
+            <a:rPr lang="en-US" sz="6500" kern="1200" dirty="0"/>
+            <a:t>PYTHON</a:t>
+          </a:r>
+        </a:p>
+      </dsp:txBody>
+      <dsp:txXfrm>
+        <a:off x="0" y="3402769"/>
+        <a:ext cx="6492875" cy="1700138"/>
+      </dsp:txXfrm>
+    </dsp:sp>
+  </dsp:spTree>
+</dsp:drawing>
+</file>
+
+<file path=ppt/diagrams/drawing3.xml><?xml version="1.0" encoding="utf-8"?>
 <dsp:drawing xmlns:dgm="http://schemas.openxmlformats.org/drawingml/2006/diagram" xmlns:dsp="http://schemas.microsoft.com/office/drawing/2008/diagram" xmlns:a="http://schemas.openxmlformats.org/drawingml/2006/main">
   <dsp:spTree>
     <dsp:nvGrpSpPr>
@@ -2974,8 +4583,8 @@
 </file>
 
 <file path=ppt/diagrams/layout1.xml><?xml version="1.0" encoding="utf-8"?>
-<dgm:layoutDef xmlns:dgm="http://schemas.openxmlformats.org/drawingml/2006/diagram" xmlns:a="http://schemas.openxmlformats.org/drawingml/2006/main" uniqueId="urn:microsoft.com/office/officeart/2018/5/layout/IconCircleLabelList">
-  <dgm:title val="Icon Circle Label List"/>
+<dgm:layoutDef xmlns:dgm="http://schemas.openxmlformats.org/drawingml/2006/diagram" xmlns:a="http://schemas.openxmlformats.org/drawingml/2006/main" uniqueId="urn:microsoft.com/office/officeart/2018/2/layout/IconLabelList">
+  <dgm:title val="Icon Label List"/>
   <dgm:desc val="Use to show non-sequential or grouped chunks of information accompanied by a related visuals. Works best with icons or small pictures with short text captions."/>
   <dgm:catLst>
     <dgm:cat type="icon" pri="500"/>
@@ -3036,37 +4645,26 @@
       <dgm:if name="Name4" axis="ch" ptType="node" func="cnt" op="lte" val="2">
         <dgm:constrLst>
           <dgm:constr type="h" for="ch" forName="compNode" refType="h" fact="0.4"/>
-          <dgm:constr type="w" for="ch" forName="compNode" val="100"/>
+          <dgm:constr type="w" for="ch" forName="compNode" val="120"/>
           <dgm:constr type="w" for="ch" forName="sibTrans" refType="w" refFor="ch" refForName="compNode" fact="0.175"/>
           <dgm:constr type="sp" refType="w" refFor="ch" refForName="compNode" op="equ" fact="0.25"/>
-          <dgm:constr type="primFontSz" for="des" ptType="node" op="equ" val="44"/>
+          <dgm:constr type="primFontSz" for="des" ptType="node" op="equ" val="50"/>
           <dgm:constr type="h" for="des" forName="compNode" op="equ"/>
           <dgm:constr type="h" for="des" forName="textRect" op="equ"/>
         </dgm:constrLst>
       </dgm:if>
-      <dgm:if name="Name5" axis="ch" ptType="node" func="cnt" op="lte" val="3">
-        <dgm:constrLst>
-          <dgm:constr type="h" for="ch" forName="compNode" refType="h" fact="0.4"/>
-          <dgm:constr type="w" for="ch" forName="compNode" val="100"/>
-          <dgm:constr type="w" for="ch" forName="sibTrans" refType="w" refFor="ch" refForName="compNode" fact="0.175"/>
-          <dgm:constr type="sp" refType="w" refFor="ch" refForName="compNode" op="equ" fact="0.25"/>
-          <dgm:constr type="primFontSz" for="des" ptType="node" op="equ" val="40"/>
-          <dgm:constr type="h" for="des" forName="compNode" op="equ"/>
-          <dgm:constr type="h" for="des" forName="textRect" op="equ"/>
-        </dgm:constrLst>
-      </dgm:if>
-      <dgm:if name="Name6" axis="ch" ptType="node" func="cnt" op="lte" val="4">
+      <dgm:if name="Name5" axis="ch" ptType="node" func="cnt" op="lte" val="4">
         <dgm:constrLst>
           <dgm:constr type="h" for="ch" forName="compNode" refType="h" fact="0.4"/>
           <dgm:constr type="w" for="ch" forName="compNode" refType="w"/>
           <dgm:constr type="w" for="ch" forName="sibTrans" refType="w" refFor="ch" refForName="compNode" fact="0.175"/>
           <dgm:constr type="sp" refType="w" refFor="ch" refForName="compNode" op="equ" fact="0.25"/>
-          <dgm:constr type="primFontSz" for="des" ptType="node" op="equ" val="32"/>
+          <dgm:constr type="primFontSz" for="des" ptType="node" op="equ" val="36"/>
           <dgm:constr type="h" for="des" forName="compNode" op="equ"/>
           <dgm:constr type="h" for="des" forName="textRect" op="equ"/>
         </dgm:constrLst>
       </dgm:if>
-      <dgm:else name="Name7">
+      <dgm:else name="Name6">
         <dgm:constrLst>
           <dgm:constr type="h" for="ch" forName="compNode" refType="h" fact="0.4"/>
           <dgm:constr type="w" for="ch" forName="compNode" refType="w"/>
@@ -3081,7 +4679,7 @@
     <dgm:ruleLst>
       <dgm:rule type="w" for="ch" forName="compNode" val="50" fact="NaN" max="NaN"/>
     </dgm:ruleLst>
-    <dgm:forEach name="Name8" axis="ch" ptType="node">
+    <dgm:forEach name="Name7" axis="ch" ptType="node">
       <dgm:layoutNode name="compNode">
         <dgm:alg type="composite"/>
         <dgm:shape xmlns:r="http://schemas.openxmlformats.org/officeDocument/2006/relationships" r:blip="">
@@ -3089,18 +4687,14 @@
         </dgm:shape>
         <dgm:presOf axis="self"/>
         <dgm:constrLst>
-          <dgm:constr type="w" for="ch" forName="iconBgRect" refType="w" fact="0.61"/>
-          <dgm:constr type="h" for="ch" forName="iconBgRect" refType="w" refFor="ch" refForName="iconBgRect"/>
-          <dgm:constr type="t" for="ch" forName="iconBgRect"/>
-          <dgm:constr type="ctrX" for="ch" forName="iconBgRect" refType="w" fact="0.5"/>
-          <dgm:constr type="w" for="ch" forName="iconRect" refType="w" fact="0.35"/>
+          <dgm:constr type="w" for="ch" forName="iconRect" refType="w" fact="0.45"/>
           <dgm:constr type="h" for="ch" forName="iconRect" refType="w" refFor="ch" refForName="iconRect"/>
-          <dgm:constr type="ctrX" for="ch" forName="iconRect" refType="ctrX" refFor="ch" refForName="iconBgRect"/>
-          <dgm:constr type="ctrY" for="ch" forName="iconRect" refType="ctrY" refFor="ch" refForName="iconBgRect"/>
-          <dgm:constr type="h" for="ch" forName="spaceRect" refType="w" fact="0.19"/>
+          <dgm:constr type="ctrX" for="ch" forName="iconRect" refType="w" fact="0.5"/>
+          <dgm:constr type="t" for="ch" forName="iconRect"/>
+          <dgm:constr type="h" for="ch" forName="spaceRect" refType="h" fact="0.15"/>
           <dgm:constr type="w" for="ch" forName="spaceRect" refType="w"/>
           <dgm:constr type="l" for="ch" forName="spaceRect"/>
-          <dgm:constr type="t" for="ch" forName="spaceRect" refType="b" refFor="ch" refForName="iconBgRect"/>
+          <dgm:constr type="t" for="ch" forName="spaceRect" refType="b" refFor="ch" refForName="iconRect"/>
           <dgm:constr type="h" for="ch" forName="textRect" val="20"/>
           <dgm:constr type="w" for="ch" forName="textRect" refType="w"/>
           <dgm:constr type="l" for="ch" forName="textRect"/>
@@ -3109,15 +4703,6 @@
         <dgm:ruleLst>
           <dgm:rule type="h" val="INF" fact="NaN" max="NaN"/>
         </dgm:ruleLst>
-        <dgm:layoutNode name="iconBgRect" styleLbl="bgShp">
-          <dgm:alg type="sp"/>
-          <dgm:shape xmlns:r="http://schemas.openxmlformats.org/officeDocument/2006/relationships" type="ellipse" r:blip="">
-            <dgm:adjLst/>
-          </dgm:shape>
-          <dgm:presOf/>
-          <dgm:constrLst/>
-          <dgm:ruleLst/>
-        </dgm:layoutNode>
         <dgm:layoutNode name="iconRect" styleLbl="node1">
           <dgm:alg type="sp"/>
           <dgm:shape xmlns:r="http://schemas.openxmlformats.org/officeDocument/2006/relationships" type="rect" r:blip="" blipPhldr="1">
@@ -3160,7 +4745,7 @@
           </dgm:ruleLst>
         </dgm:layoutNode>
       </dgm:layoutNode>
-      <dgm:forEach name="Name9" axis="followSib" ptType="sibTrans" cnt="1">
+      <dgm:forEach name="Name8" axis="followSib" ptType="sibTrans" cnt="1">
         <dgm:layoutNode name="sibTrans">
           <dgm:alg type="sp"/>
           <dgm:shape xmlns:r="http://schemas.openxmlformats.org/officeDocument/2006/relationships" r:blip="">
@@ -3180,7 +4765,6 @@
           <a:lnSpc>
             <a:spcPct val="100000"/>
           </a:lnSpc>
-          <a:defRPr cap="all"/>
         </a:lvl1pPr>
       </dgm1612:lstStyle>
     </a:ext>
@@ -3189,6 +4773,472 @@
 </file>
 
 <file path=ppt/diagrams/layout2.xml><?xml version="1.0" encoding="utf-8"?>
+<dgm:layoutDef xmlns:dgm="http://schemas.openxmlformats.org/drawingml/2006/diagram" xmlns:a="http://schemas.openxmlformats.org/drawingml/2006/main" uniqueId="urn:microsoft.com/office/officeart/2008/layout/LinedList">
+  <dgm:title val=""/>
+  <dgm:desc val=""/>
+  <dgm:catLst>
+    <dgm:cat type="hierarchy" pri="8000"/>
+    <dgm:cat type="list" pri="2500"/>
+  </dgm:catLst>
+  <dgm:sampData>
+    <dgm:dataModel>
+      <dgm:ptLst>
+        <dgm:pt modelId="0" type="doc"/>
+        <dgm:pt modelId="1">
+          <dgm:prSet phldr="1"/>
+        </dgm:pt>
+        <dgm:pt modelId="11">
+          <dgm:prSet phldr="1"/>
+        </dgm:pt>
+        <dgm:pt modelId="12">
+          <dgm:prSet phldr="1"/>
+        </dgm:pt>
+        <dgm:pt modelId="13">
+          <dgm:prSet phldr="1"/>
+        </dgm:pt>
+      </dgm:ptLst>
+      <dgm:cxnLst>
+        <dgm:cxn modelId="2" srcId="0" destId="1" srcOrd="0" destOrd="0"/>
+        <dgm:cxn modelId="3" srcId="1" destId="11" srcOrd="0" destOrd="0"/>
+        <dgm:cxn modelId="4" srcId="1" destId="12" srcOrd="1" destOrd="0"/>
+        <dgm:cxn modelId="5" srcId="1" destId="13" srcOrd="2" destOrd="0"/>
+      </dgm:cxnLst>
+      <dgm:bg/>
+      <dgm:whole/>
+    </dgm:dataModel>
+  </dgm:sampData>
+  <dgm:styleData>
+    <dgm:dataModel>
+      <dgm:ptLst>
+        <dgm:pt modelId="0" type="doc"/>
+        <dgm:pt modelId="1">
+          <dgm:prSet phldr="1"/>
+        </dgm:pt>
+        <dgm:pt modelId="11">
+          <dgm:prSet phldr="1"/>
+        </dgm:pt>
+        <dgm:pt modelId="12">
+          <dgm:prSet phldr="1"/>
+        </dgm:pt>
+      </dgm:ptLst>
+      <dgm:cxnLst>
+        <dgm:cxn modelId="2" srcId="0" destId="1" srcOrd="0" destOrd="0"/>
+        <dgm:cxn modelId="3" srcId="1" destId="11" srcOrd="0" destOrd="0"/>
+        <dgm:cxn modelId="4" srcId="1" destId="12" srcOrd="1" destOrd="0"/>
+      </dgm:cxnLst>
+      <dgm:bg/>
+      <dgm:whole/>
+    </dgm:dataModel>
+  </dgm:styleData>
+  <dgm:clrData>
+    <dgm:dataModel>
+      <dgm:ptLst>
+        <dgm:pt modelId="0" type="doc"/>
+        <dgm:pt modelId="1">
+          <dgm:prSet phldr="1"/>
+        </dgm:pt>
+        <dgm:pt modelId="11">
+          <dgm:prSet phldr="1"/>
+        </dgm:pt>
+        <dgm:pt modelId="12">
+          <dgm:prSet phldr="1"/>
+        </dgm:pt>
+      </dgm:ptLst>
+      <dgm:cxnLst>
+        <dgm:cxn modelId="2" srcId="0" destId="1" srcOrd="0" destOrd="0"/>
+        <dgm:cxn modelId="3" srcId="1" destId="11" srcOrd="0" destOrd="0"/>
+        <dgm:cxn modelId="4" srcId="1" destId="12" srcOrd="1" destOrd="0"/>
+      </dgm:cxnLst>
+      <dgm:bg/>
+      <dgm:whole/>
+    </dgm:dataModel>
+  </dgm:clrData>
+  <dgm:layoutNode name="vert0">
+    <dgm:varLst>
+      <dgm:dir/>
+      <dgm:animOne val="branch"/>
+      <dgm:animLvl val="lvl"/>
+    </dgm:varLst>
+    <dgm:choose name="Name0">
+      <dgm:if name="Name1" func="var" arg="dir" op="equ" val="norm">
+        <dgm:alg type="lin">
+          <dgm:param type="linDir" val="fromT"/>
+          <dgm:param type="nodeHorzAlign" val="l"/>
+        </dgm:alg>
+      </dgm:if>
+      <dgm:else name="Name2">
+        <dgm:alg type="lin">
+          <dgm:param type="linDir" val="fromT"/>
+          <dgm:param type="nodeHorzAlign" val="r"/>
+        </dgm:alg>
+      </dgm:else>
+    </dgm:choose>
+    <dgm:shape xmlns:r="http://schemas.openxmlformats.org/officeDocument/2006/relationships" r:blip="">
+      <dgm:adjLst/>
+    </dgm:shape>
+    <dgm:presOf/>
+    <dgm:constrLst>
+      <dgm:constr type="w" for="ch" forName="horz1" refType="w"/>
+      <dgm:constr type="h" for="ch" forName="horz1" refType="h"/>
+      <dgm:constr type="h" for="des" forName="vert1" refType="h"/>
+      <dgm:constr type="h" for="des" forName="tx1" refType="h"/>
+      <dgm:constr type="h" for="des" forName="horz2" refType="h"/>
+      <dgm:constr type="h" for="des" forName="vert2" refType="h"/>
+      <dgm:constr type="h" for="des" forName="horz3" refType="h"/>
+      <dgm:constr type="h" for="des" forName="vert3" refType="h"/>
+      <dgm:constr type="h" for="des" forName="horz4" refType="h"/>
+      <dgm:constr type="h" for="des" ptType="node" refType="h"/>
+      <dgm:constr type="primFontSz" for="des" forName="tx1" op="equ" val="65"/>
+      <dgm:constr type="primFontSz" for="des" forName="tx2" op="equ" val="65"/>
+      <dgm:constr type="primFontSz" for="des" forName="tx3" op="equ" val="65"/>
+      <dgm:constr type="primFontSz" for="des" forName="tx4" op="equ" val="65"/>
+      <dgm:constr type="w" for="des" forName="thickLine" refType="w"/>
+      <dgm:constr type="h" for="des" forName="thickLine"/>
+      <dgm:constr type="h" for="des" forName="thinLine1"/>
+      <dgm:constr type="h" for="des" forName="thinLine2b"/>
+      <dgm:constr type="h" for="des" forName="thinLine3"/>
+      <dgm:constr type="h" for="des" forName="vertSpace2a" refType="h" fact="0.05"/>
+      <dgm:constr type="h" for="des" forName="vertSpace2b" refType="h" refFor="des" refForName="vertSpace2a"/>
+    </dgm:constrLst>
+    <dgm:forEach name="Name3" axis="ch" ptType="node">
+      <dgm:layoutNode name="thickLine" styleLbl="alignNode1">
+        <dgm:alg type="sp"/>
+        <dgm:shape xmlns:r="http://schemas.openxmlformats.org/officeDocument/2006/relationships" type="line" r:blip="">
+          <dgm:adjLst/>
+        </dgm:shape>
+        <dgm:presOf/>
+      </dgm:layoutNode>
+      <dgm:layoutNode name="horz1">
+        <dgm:choose name="Name4">
+          <dgm:if name="Name5" func="var" arg="dir" op="equ" val="norm">
+            <dgm:alg type="lin">
+              <dgm:param type="linDir" val="fromL"/>
+              <dgm:param type="nodeVertAlign" val="t"/>
+            </dgm:alg>
+          </dgm:if>
+          <dgm:else name="Name6">
+            <dgm:alg type="lin">
+              <dgm:param type="linDir" val="fromR"/>
+              <dgm:param type="nodeVertAlign" val="t"/>
+            </dgm:alg>
+          </dgm:else>
+        </dgm:choose>
+        <dgm:shape xmlns:r="http://schemas.openxmlformats.org/officeDocument/2006/relationships" r:blip="">
+          <dgm:adjLst/>
+        </dgm:shape>
+        <dgm:presOf/>
+        <dgm:choose name="Name7">
+          <dgm:if name="Name8" axis="root des" func="maxDepth" op="equ" val="1">
+            <dgm:constrLst>
+              <dgm:constr type="w" for="ch" forName="tx1" refType="w"/>
+            </dgm:constrLst>
+          </dgm:if>
+          <dgm:if name="Name9" axis="root des" func="maxDepth" op="equ" val="2">
+            <dgm:constrLst>
+              <dgm:constr type="w" for="ch" forName="tx1" refType="w" fact="0.2"/>
+              <dgm:constr type="w" for="des" forName="tx2" refType="w" fact="0.785"/>
+              <dgm:constr type="w" for="des" forName="horzSpace2" refType="w" fact="0.015"/>
+              <dgm:constr type="w" for="des" forName="thinLine2b" refType="w" fact="0.8"/>
+            </dgm:constrLst>
+          </dgm:if>
+          <dgm:if name="Name10" axis="root des" func="maxDepth" op="equ" val="3">
+            <dgm:constrLst>
+              <dgm:constr type="w" for="ch" forName="tx1" refType="w" fact="0.2"/>
+              <dgm:constr type="w" for="des" forName="tx2" refType="w" fact="0.385"/>
+              <dgm:constr type="w" for="des" forName="tx3" refType="w" fact="0.385"/>
+              <dgm:constr type="w" for="des" forName="horzSpace2" refType="w" fact="0.015"/>
+              <dgm:constr type="w" for="des" forName="horzSpace3" refType="w" fact="0.015"/>
+              <dgm:constr type="w" for="des" forName="thinLine2b" refType="w" fact="0.8"/>
+              <dgm:constr type="w" for="des" forName="thinLine3" refType="w" fact="0.385"/>
+            </dgm:constrLst>
+          </dgm:if>
+          <dgm:if name="Name11" axis="root des" func="maxDepth" op="gte" val="4">
+            <dgm:constrLst>
+              <dgm:constr type="w" for="ch" forName="tx1" refType="w" fact="0.2"/>
+              <dgm:constr type="w" for="des" forName="tx2" refType="w" fact="0.2516"/>
+              <dgm:constr type="w" for="des" forName="tx3" refType="w" fact="0.2516"/>
+              <dgm:constr type="w" for="des" forName="tx4" refType="w" fact="0.2516"/>
+              <dgm:constr type="w" for="des" forName="horzSpace2" refType="w" fact="0.015"/>
+              <dgm:constr type="w" for="des" forName="horzSpace3" refType="w" fact="0.015"/>
+              <dgm:constr type="w" for="des" forName="horzSpace4" refType="w" fact="0.015"/>
+              <dgm:constr type="w" for="des" forName="thinLine2b" refType="w" fact="0.8"/>
+              <dgm:constr type="w" for="des" forName="thinLine3" refType="w" fact="0.5332"/>
+            </dgm:constrLst>
+          </dgm:if>
+          <dgm:else name="Name12"/>
+        </dgm:choose>
+        <dgm:layoutNode name="tx1" styleLbl="revTx">
+          <dgm:alg type="tx">
+            <dgm:param type="parTxLTRAlign" val="l"/>
+            <dgm:param type="parTxRTLAlign" val="r"/>
+            <dgm:param type="txAnchorVert" val="t"/>
+          </dgm:alg>
+          <dgm:shape xmlns:r="http://schemas.openxmlformats.org/officeDocument/2006/relationships" type="rect" r:blip="">
+            <dgm:adjLst/>
+          </dgm:shape>
+          <dgm:presOf axis="self"/>
+          <dgm:constrLst>
+            <dgm:constr type="tMarg" refType="primFontSz" fact="0.3"/>
+            <dgm:constr type="bMarg" refType="primFontSz" fact="0.3"/>
+            <dgm:constr type="lMarg" refType="primFontSz" fact="0.3"/>
+            <dgm:constr type="rMarg" refType="primFontSz" fact="0.3"/>
+          </dgm:constrLst>
+          <dgm:ruleLst>
+            <dgm:rule type="primFontSz" val="5" fact="NaN" max="NaN"/>
+          </dgm:ruleLst>
+        </dgm:layoutNode>
+        <dgm:layoutNode name="vert1">
+          <dgm:choose name="Name13">
+            <dgm:if name="Name14" func="var" arg="dir" op="equ" val="norm">
+              <dgm:alg type="lin">
+                <dgm:param type="linDir" val="fromT"/>
+                <dgm:param type="nodeHorzAlign" val="l"/>
+              </dgm:alg>
+            </dgm:if>
+            <dgm:else name="Name15">
+              <dgm:alg type="lin">
+                <dgm:param type="linDir" val="fromT"/>
+                <dgm:param type="nodeHorzAlign" val="r"/>
+              </dgm:alg>
+            </dgm:else>
+          </dgm:choose>
+          <dgm:shape xmlns:r="http://schemas.openxmlformats.org/officeDocument/2006/relationships" r:blip="">
+            <dgm:adjLst/>
+          </dgm:shape>
+          <dgm:presOf/>
+          <dgm:forEach name="Name16" axis="ch" ptType="node">
+            <dgm:choose name="Name17">
+              <dgm:if name="Name18" axis="self" ptType="node" func="pos" op="equ" val="1">
+                <dgm:layoutNode name="vertSpace2a">
+                  <dgm:alg type="sp"/>
+                  <dgm:shape xmlns:r="http://schemas.openxmlformats.org/officeDocument/2006/relationships" r:blip="">
+                    <dgm:adjLst/>
+                  </dgm:shape>
+                  <dgm:presOf/>
+                </dgm:layoutNode>
+              </dgm:if>
+              <dgm:else name="Name19"/>
+            </dgm:choose>
+            <dgm:layoutNode name="horz2">
+              <dgm:choose name="Name20">
+                <dgm:if name="Name21" func="var" arg="dir" op="equ" val="norm">
+                  <dgm:alg type="lin">
+                    <dgm:param type="linDir" val="fromL"/>
+                    <dgm:param type="nodeVertAlign" val="t"/>
+                  </dgm:alg>
+                </dgm:if>
+                <dgm:else name="Name22">
+                  <dgm:alg type="lin">
+                    <dgm:param type="linDir" val="fromR"/>
+                    <dgm:param type="nodeVertAlign" val="t"/>
+                  </dgm:alg>
+                </dgm:else>
+              </dgm:choose>
+              <dgm:shape xmlns:r="http://schemas.openxmlformats.org/officeDocument/2006/relationships" r:blip="">
+                <dgm:adjLst/>
+              </dgm:shape>
+              <dgm:presOf/>
+              <dgm:layoutNode name="horzSpace2">
+                <dgm:alg type="sp"/>
+                <dgm:shape xmlns:r="http://schemas.openxmlformats.org/officeDocument/2006/relationships" r:blip="">
+                  <dgm:adjLst/>
+                </dgm:shape>
+                <dgm:presOf/>
+              </dgm:layoutNode>
+              <dgm:layoutNode name="tx2" styleLbl="revTx">
+                <dgm:alg type="tx">
+                  <dgm:param type="parTxLTRAlign" val="l"/>
+                  <dgm:param type="parTxRTLAlign" val="r"/>
+                  <dgm:param type="txAnchorVert" val="t"/>
+                </dgm:alg>
+                <dgm:shape xmlns:r="http://schemas.openxmlformats.org/officeDocument/2006/relationships" type="rect" r:blip="">
+                  <dgm:adjLst/>
+                </dgm:shape>
+                <dgm:presOf axis="self"/>
+                <dgm:constrLst>
+                  <dgm:constr type="tMarg" refType="primFontSz" fact="0.3"/>
+                  <dgm:constr type="bMarg" refType="primFontSz" fact="0.3"/>
+                  <dgm:constr type="lMarg" refType="primFontSz" fact="0.3"/>
+                  <dgm:constr type="rMarg" refType="primFontSz" fact="0.3"/>
+                </dgm:constrLst>
+                <dgm:ruleLst>
+                  <dgm:rule type="primFontSz" val="5" fact="NaN" max="NaN"/>
+                </dgm:ruleLst>
+              </dgm:layoutNode>
+              <dgm:layoutNode name="vert2">
+                <dgm:choose name="Name23">
+                  <dgm:if name="Name24" func="var" arg="dir" op="equ" val="norm">
+                    <dgm:alg type="lin">
+                      <dgm:param type="linDir" val="fromT"/>
+                      <dgm:param type="nodeHorzAlign" val="l"/>
+                    </dgm:alg>
+                  </dgm:if>
+                  <dgm:else name="Name25">
+                    <dgm:alg type="lin">
+                      <dgm:param type="linDir" val="fromT"/>
+                      <dgm:param type="nodeHorzAlign" val="r"/>
+                    </dgm:alg>
+                  </dgm:else>
+                </dgm:choose>
+                <dgm:shape xmlns:r="http://schemas.openxmlformats.org/officeDocument/2006/relationships" r:blip="">
+                  <dgm:adjLst/>
+                </dgm:shape>
+                <dgm:presOf/>
+                <dgm:forEach name="Name26" axis="ch" ptType="node">
+                  <dgm:layoutNode name="horz3">
+                    <dgm:choose name="Name27">
+                      <dgm:if name="Name28" func="var" arg="dir" op="equ" val="norm">
+                        <dgm:alg type="lin">
+                          <dgm:param type="linDir" val="fromL"/>
+                          <dgm:param type="nodeVertAlign" val="t"/>
+                        </dgm:alg>
+                      </dgm:if>
+                      <dgm:else name="Name29">
+                        <dgm:alg type="lin">
+                          <dgm:param type="linDir" val="fromR"/>
+                          <dgm:param type="nodeVertAlign" val="t"/>
+                        </dgm:alg>
+                      </dgm:else>
+                    </dgm:choose>
+                    <dgm:shape xmlns:r="http://schemas.openxmlformats.org/officeDocument/2006/relationships" r:blip="">
+                      <dgm:adjLst/>
+                    </dgm:shape>
+                    <dgm:presOf/>
+                    <dgm:layoutNode name="horzSpace3">
+                      <dgm:alg type="sp"/>
+                      <dgm:shape xmlns:r="http://schemas.openxmlformats.org/officeDocument/2006/relationships" r:blip="">
+                        <dgm:adjLst/>
+                      </dgm:shape>
+                      <dgm:presOf/>
+                    </dgm:layoutNode>
+                    <dgm:layoutNode name="tx3" styleLbl="revTx">
+                      <dgm:alg type="tx">
+                        <dgm:param type="parTxLTRAlign" val="l"/>
+                        <dgm:param type="parTxRTLAlign" val="r"/>
+                        <dgm:param type="txAnchorVert" val="t"/>
+                      </dgm:alg>
+                      <dgm:shape xmlns:r="http://schemas.openxmlformats.org/officeDocument/2006/relationships" type="rect" r:blip="">
+                        <dgm:adjLst/>
+                      </dgm:shape>
+                      <dgm:presOf axis="self"/>
+                      <dgm:constrLst>
+                        <dgm:constr type="tMarg" refType="primFontSz" fact="0.3"/>
+                        <dgm:constr type="bMarg" refType="primFontSz" fact="0.3"/>
+                        <dgm:constr type="lMarg" refType="primFontSz" fact="0.3"/>
+                        <dgm:constr type="rMarg" refType="primFontSz" fact="0.3"/>
+                      </dgm:constrLst>
+                      <dgm:ruleLst>
+                        <dgm:rule type="primFontSz" val="5" fact="NaN" max="NaN"/>
+                      </dgm:ruleLst>
+                    </dgm:layoutNode>
+                    <dgm:layoutNode name="vert3">
+                      <dgm:choose name="Name30">
+                        <dgm:if name="Name31" func="var" arg="dir" op="equ" val="norm">
+                          <dgm:alg type="lin">
+                            <dgm:param type="linDir" val="fromT"/>
+                            <dgm:param type="nodeHorzAlign" val="l"/>
+                          </dgm:alg>
+                        </dgm:if>
+                        <dgm:else name="Name32">
+                          <dgm:alg type="lin">
+                            <dgm:param type="linDir" val="fromT"/>
+                            <dgm:param type="nodeHorzAlign" val="r"/>
+                          </dgm:alg>
+                        </dgm:else>
+                      </dgm:choose>
+                      <dgm:shape xmlns:r="http://schemas.openxmlformats.org/officeDocument/2006/relationships" r:blip="">
+                        <dgm:adjLst/>
+                      </dgm:shape>
+                      <dgm:presOf/>
+                      <dgm:forEach name="Name33" axis="ch" ptType="node">
+                        <dgm:layoutNode name="horz4">
+                          <dgm:choose name="Name34">
+                            <dgm:if name="Name35" func="var" arg="dir" op="equ" val="norm">
+                              <dgm:alg type="lin">
+                                <dgm:param type="linDir" val="fromL"/>
+                                <dgm:param type="nodeVertAlign" val="t"/>
+                              </dgm:alg>
+                            </dgm:if>
+                            <dgm:else name="Name36">
+                              <dgm:alg type="lin">
+                                <dgm:param type="linDir" val="fromR"/>
+                                <dgm:param type="nodeVertAlign" val="t"/>
+                              </dgm:alg>
+                            </dgm:else>
+                          </dgm:choose>
+                          <dgm:shape xmlns:r="http://schemas.openxmlformats.org/officeDocument/2006/relationships" r:blip="">
+                            <dgm:adjLst/>
+                          </dgm:shape>
+                          <dgm:presOf/>
+                          <dgm:layoutNode name="horzSpace4">
+                            <dgm:alg type="sp"/>
+                            <dgm:shape xmlns:r="http://schemas.openxmlformats.org/officeDocument/2006/relationships" r:blip="">
+                              <dgm:adjLst/>
+                            </dgm:shape>
+                            <dgm:presOf/>
+                          </dgm:layoutNode>
+                          <dgm:layoutNode name="tx4" styleLbl="revTx">
+                            <dgm:varLst>
+                              <dgm:bulletEnabled val="1"/>
+                            </dgm:varLst>
+                            <dgm:alg type="tx">
+                              <dgm:param type="parTxLTRAlign" val="l"/>
+                              <dgm:param type="parTxRTLAlign" val="r"/>
+                              <dgm:param type="txAnchorVert" val="t"/>
+                            </dgm:alg>
+                            <dgm:shape xmlns:r="http://schemas.openxmlformats.org/officeDocument/2006/relationships" type="rect" r:blip="">
+                              <dgm:adjLst/>
+                            </dgm:shape>
+                            <dgm:presOf axis="desOrSelf" ptType="node"/>
+                            <dgm:constrLst>
+                              <dgm:constr type="tMarg" refType="primFontSz" fact="0.3"/>
+                              <dgm:constr type="bMarg" refType="primFontSz" fact="0.3"/>
+                              <dgm:constr type="lMarg" refType="primFontSz" fact="0.3"/>
+                              <dgm:constr type="rMarg" refType="primFontSz" fact="0.3"/>
+                            </dgm:constrLst>
+                            <dgm:ruleLst>
+                              <dgm:rule type="primFontSz" val="5" fact="NaN" max="NaN"/>
+                            </dgm:ruleLst>
+                          </dgm:layoutNode>
+                        </dgm:layoutNode>
+                      </dgm:forEach>
+                    </dgm:layoutNode>
+                  </dgm:layoutNode>
+                  <dgm:forEach name="Name37" axis="followSib" ptType="sibTrans" cnt="1">
+                    <dgm:layoutNode name="thinLine3" styleLbl="callout">
+                      <dgm:alg type="sp"/>
+                      <dgm:shape xmlns:r="http://schemas.openxmlformats.org/officeDocument/2006/relationships" type="line" r:blip="">
+                        <dgm:adjLst/>
+                      </dgm:shape>
+                      <dgm:presOf/>
+                    </dgm:layoutNode>
+                  </dgm:forEach>
+                </dgm:forEach>
+              </dgm:layoutNode>
+            </dgm:layoutNode>
+            <dgm:layoutNode name="thinLine2b" styleLbl="callout">
+              <dgm:alg type="sp"/>
+              <dgm:shape xmlns:r="http://schemas.openxmlformats.org/officeDocument/2006/relationships" type="line" r:blip="">
+                <dgm:adjLst/>
+              </dgm:shape>
+              <dgm:presOf/>
+            </dgm:layoutNode>
+            <dgm:layoutNode name="vertSpace2b">
+              <dgm:alg type="sp"/>
+              <dgm:shape xmlns:r="http://schemas.openxmlformats.org/officeDocument/2006/relationships" r:blip="">
+                <dgm:adjLst/>
+              </dgm:shape>
+              <dgm:presOf/>
+            </dgm:layoutNode>
+          </dgm:forEach>
+        </dgm:layoutNode>
+      </dgm:layoutNode>
+    </dgm:forEach>
+  </dgm:layoutNode>
+</dgm:layoutDef>
+</file>
+
+<file path=ppt/diagrams/layout3.xml><?xml version="1.0" encoding="utf-8"?>
 <dgm:layoutDef xmlns:dgm="http://schemas.openxmlformats.org/drawingml/2006/diagram" xmlns:a="http://schemas.openxmlformats.org/drawingml/2006/main" uniqueId="urn:microsoft.com/office/officeart/2018/5/layout/IconCircleLabelList">
   <dgm:title val="Icon Circle Label List"/>
   <dgm:desc val="Use to show non-sequential or grouped chunks of information accompanied by a related visuals. Works best with icons or small pictures with short text captions."/>
@@ -5471,6 +7521,1040 @@
 </dgm:styleDef>
 </file>
 
+<file path=ppt/diagrams/quickStyle3.xml><?xml version="1.0" encoding="utf-8"?>
+<dgm:styleDef xmlns:dgm="http://schemas.openxmlformats.org/drawingml/2006/diagram" xmlns:a="http://schemas.openxmlformats.org/drawingml/2006/main" uniqueId="urn:microsoft.com/office/officeart/2005/8/quickstyle/simple1">
+  <dgm:title val=""/>
+  <dgm:desc val=""/>
+  <dgm:catLst>
+    <dgm:cat type="simple" pri="10100"/>
+  </dgm:catLst>
+  <dgm:scene3d>
+    <a:camera prst="orthographicFront"/>
+    <a:lightRig rig="threePt" dir="t"/>
+  </dgm:scene3d>
+  <dgm:styleLbl name="node0">
+    <dgm:scene3d>
+      <a:camera prst="orthographicFront"/>
+      <a:lightRig rig="threePt" dir="t"/>
+    </dgm:scene3d>
+    <dgm:sp3d/>
+    <dgm:txPr/>
+    <dgm:style>
+      <a:lnRef idx="2">
+        <a:scrgbClr r="0" g="0" b="0"/>
+      </a:lnRef>
+      <a:fillRef idx="1">
+        <a:scrgbClr r="0" g="0" b="0"/>
+      </a:fillRef>
+      <a:effectRef idx="0">
+        <a:scrgbClr r="0" g="0" b="0"/>
+      </a:effectRef>
+      <a:fontRef idx="minor">
+        <a:schemeClr val="lt1"/>
+      </a:fontRef>
+    </dgm:style>
+  </dgm:styleLbl>
+  <dgm:styleLbl name="lnNode1">
+    <dgm:scene3d>
+      <a:camera prst="orthographicFront"/>
+      <a:lightRig rig="threePt" dir="t"/>
+    </dgm:scene3d>
+    <dgm:sp3d/>
+    <dgm:txPr/>
+    <dgm:style>
+      <a:lnRef idx="2">
+        <a:scrgbClr r="0" g="0" b="0"/>
+      </a:lnRef>
+      <a:fillRef idx="1">
+        <a:scrgbClr r="0" g="0" b="0"/>
+      </a:fillRef>
+      <a:effectRef idx="0">
+        <a:scrgbClr r="0" g="0" b="0"/>
+      </a:effectRef>
+      <a:fontRef idx="minor">
+        <a:schemeClr val="lt1"/>
+      </a:fontRef>
+    </dgm:style>
+  </dgm:styleLbl>
+  <dgm:styleLbl name="vennNode1">
+    <dgm:scene3d>
+      <a:camera prst="orthographicFront"/>
+      <a:lightRig rig="threePt" dir="t"/>
+    </dgm:scene3d>
+    <dgm:sp3d/>
+    <dgm:txPr/>
+    <dgm:style>
+      <a:lnRef idx="2">
+        <a:scrgbClr r="0" g="0" b="0"/>
+      </a:lnRef>
+      <a:fillRef idx="1">
+        <a:scrgbClr r="0" g="0" b="0"/>
+      </a:fillRef>
+      <a:effectRef idx="0">
+        <a:scrgbClr r="0" g="0" b="0"/>
+      </a:effectRef>
+      <a:fontRef idx="minor">
+        <a:schemeClr val="tx1"/>
+      </a:fontRef>
+    </dgm:style>
+  </dgm:styleLbl>
+  <dgm:styleLbl name="alignNode1">
+    <dgm:scene3d>
+      <a:camera prst="orthographicFront"/>
+      <a:lightRig rig="threePt" dir="t"/>
+    </dgm:scene3d>
+    <dgm:sp3d/>
+    <dgm:txPr/>
+    <dgm:style>
+      <a:lnRef idx="2">
+        <a:scrgbClr r="0" g="0" b="0"/>
+      </a:lnRef>
+      <a:fillRef idx="1">
+        <a:scrgbClr r="0" g="0" b="0"/>
+      </a:fillRef>
+      <a:effectRef idx="0">
+        <a:scrgbClr r="0" g="0" b="0"/>
+      </a:effectRef>
+      <a:fontRef idx="minor">
+        <a:schemeClr val="lt1"/>
+      </a:fontRef>
+    </dgm:style>
+  </dgm:styleLbl>
+  <dgm:styleLbl name="node1">
+    <dgm:scene3d>
+      <a:camera prst="orthographicFront"/>
+      <a:lightRig rig="threePt" dir="t"/>
+    </dgm:scene3d>
+    <dgm:sp3d/>
+    <dgm:txPr/>
+    <dgm:style>
+      <a:lnRef idx="2">
+        <a:scrgbClr r="0" g="0" b="0"/>
+      </a:lnRef>
+      <a:fillRef idx="1">
+        <a:scrgbClr r="0" g="0" b="0"/>
+      </a:fillRef>
+      <a:effectRef idx="0">
+        <a:scrgbClr r="0" g="0" b="0"/>
+      </a:effectRef>
+      <a:fontRef idx="minor">
+        <a:schemeClr val="lt1"/>
+      </a:fontRef>
+    </dgm:style>
+  </dgm:styleLbl>
+  <dgm:styleLbl name="node2">
+    <dgm:scene3d>
+      <a:camera prst="orthographicFront"/>
+      <a:lightRig rig="threePt" dir="t"/>
+    </dgm:scene3d>
+    <dgm:sp3d/>
+    <dgm:txPr/>
+    <dgm:style>
+      <a:lnRef idx="2">
+        <a:scrgbClr r="0" g="0" b="0"/>
+      </a:lnRef>
+      <a:fillRef idx="1">
+        <a:scrgbClr r="0" g="0" b="0"/>
+      </a:fillRef>
+      <a:effectRef idx="0">
+        <a:scrgbClr r="0" g="0" b="0"/>
+      </a:effectRef>
+      <a:fontRef idx="minor">
+        <a:schemeClr val="lt1"/>
+      </a:fontRef>
+    </dgm:style>
+  </dgm:styleLbl>
+  <dgm:styleLbl name="node3">
+    <dgm:scene3d>
+      <a:camera prst="orthographicFront"/>
+      <a:lightRig rig="threePt" dir="t"/>
+    </dgm:scene3d>
+    <dgm:sp3d/>
+    <dgm:txPr/>
+    <dgm:style>
+      <a:lnRef idx="2">
+        <a:scrgbClr r="0" g="0" b="0"/>
+      </a:lnRef>
+      <a:fillRef idx="1">
+        <a:scrgbClr r="0" g="0" b="0"/>
+      </a:fillRef>
+      <a:effectRef idx="0">
+        <a:scrgbClr r="0" g="0" b="0"/>
+      </a:effectRef>
+      <a:fontRef idx="minor">
+        <a:schemeClr val="lt1"/>
+      </a:fontRef>
+    </dgm:style>
+  </dgm:styleLbl>
+  <dgm:styleLbl name="node4">
+    <dgm:scene3d>
+      <a:camera prst="orthographicFront"/>
+      <a:lightRig rig="threePt" dir="t"/>
+    </dgm:scene3d>
+    <dgm:sp3d/>
+    <dgm:txPr/>
+    <dgm:style>
+      <a:lnRef idx="2">
+        <a:scrgbClr r="0" g="0" b="0"/>
+      </a:lnRef>
+      <a:fillRef idx="1">
+        <a:scrgbClr r="0" g="0" b="0"/>
+      </a:fillRef>
+      <a:effectRef idx="0">
+        <a:scrgbClr r="0" g="0" b="0"/>
+      </a:effectRef>
+      <a:fontRef idx="minor">
+        <a:schemeClr val="lt1"/>
+      </a:fontRef>
+    </dgm:style>
+  </dgm:styleLbl>
+  <dgm:styleLbl name="fgImgPlace1">
+    <dgm:scene3d>
+      <a:camera prst="orthographicFront"/>
+      <a:lightRig rig="threePt" dir="t"/>
+    </dgm:scene3d>
+    <dgm:sp3d/>
+    <dgm:txPr/>
+    <dgm:style>
+      <a:lnRef idx="2">
+        <a:scrgbClr r="0" g="0" b="0"/>
+      </a:lnRef>
+      <a:fillRef idx="1">
+        <a:scrgbClr r="0" g="0" b="0"/>
+      </a:fillRef>
+      <a:effectRef idx="0">
+        <a:scrgbClr r="0" g="0" b="0"/>
+      </a:effectRef>
+      <a:fontRef idx="minor"/>
+    </dgm:style>
+  </dgm:styleLbl>
+  <dgm:styleLbl name="alignImgPlace1">
+    <dgm:scene3d>
+      <a:camera prst="orthographicFront"/>
+      <a:lightRig rig="threePt" dir="t"/>
+    </dgm:scene3d>
+    <dgm:sp3d/>
+    <dgm:txPr/>
+    <dgm:style>
+      <a:lnRef idx="2">
+        <a:scrgbClr r="0" g="0" b="0"/>
+      </a:lnRef>
+      <a:fillRef idx="1">
+        <a:scrgbClr r="0" g="0" b="0"/>
+      </a:fillRef>
+      <a:effectRef idx="0">
+        <a:scrgbClr r="0" g="0" b="0"/>
+      </a:effectRef>
+      <a:fontRef idx="minor"/>
+    </dgm:style>
+  </dgm:styleLbl>
+  <dgm:styleLbl name="bgImgPlace1">
+    <dgm:scene3d>
+      <a:camera prst="orthographicFront"/>
+      <a:lightRig rig="threePt" dir="t"/>
+    </dgm:scene3d>
+    <dgm:sp3d/>
+    <dgm:txPr/>
+    <dgm:style>
+      <a:lnRef idx="2">
+        <a:scrgbClr r="0" g="0" b="0"/>
+      </a:lnRef>
+      <a:fillRef idx="1">
+        <a:scrgbClr r="0" g="0" b="0"/>
+      </a:fillRef>
+      <a:effectRef idx="0">
+        <a:scrgbClr r="0" g="0" b="0"/>
+      </a:effectRef>
+      <a:fontRef idx="minor"/>
+    </dgm:style>
+  </dgm:styleLbl>
+  <dgm:styleLbl name="sibTrans2D1">
+    <dgm:scene3d>
+      <a:camera prst="orthographicFront"/>
+      <a:lightRig rig="threePt" dir="t"/>
+    </dgm:scene3d>
+    <dgm:sp3d/>
+    <dgm:txPr/>
+    <dgm:style>
+      <a:lnRef idx="0">
+        <a:scrgbClr r="0" g="0" b="0"/>
+      </a:lnRef>
+      <a:fillRef idx="1">
+        <a:scrgbClr r="0" g="0" b="0"/>
+      </a:fillRef>
+      <a:effectRef idx="0">
+        <a:scrgbClr r="0" g="0" b="0"/>
+      </a:effectRef>
+      <a:fontRef idx="minor">
+        <a:schemeClr val="lt1"/>
+      </a:fontRef>
+    </dgm:style>
+  </dgm:styleLbl>
+  <dgm:styleLbl name="fgSibTrans2D1">
+    <dgm:scene3d>
+      <a:camera prst="orthographicFront"/>
+      <a:lightRig rig="threePt" dir="t"/>
+    </dgm:scene3d>
+    <dgm:sp3d/>
+    <dgm:txPr/>
+    <dgm:style>
+      <a:lnRef idx="0">
+        <a:scrgbClr r="0" g="0" b="0"/>
+      </a:lnRef>
+      <a:fillRef idx="1">
+        <a:scrgbClr r="0" g="0" b="0"/>
+      </a:fillRef>
+      <a:effectRef idx="0">
+        <a:scrgbClr r="0" g="0" b="0"/>
+      </a:effectRef>
+      <a:fontRef idx="minor">
+        <a:schemeClr val="lt1"/>
+      </a:fontRef>
+    </dgm:style>
+  </dgm:styleLbl>
+  <dgm:styleLbl name="bgSibTrans2D1">
+    <dgm:scene3d>
+      <a:camera prst="orthographicFront"/>
+      <a:lightRig rig="threePt" dir="t"/>
+    </dgm:scene3d>
+    <dgm:sp3d/>
+    <dgm:txPr/>
+    <dgm:style>
+      <a:lnRef idx="0">
+        <a:scrgbClr r="0" g="0" b="0"/>
+      </a:lnRef>
+      <a:fillRef idx="1">
+        <a:scrgbClr r="0" g="0" b="0"/>
+      </a:fillRef>
+      <a:effectRef idx="0">
+        <a:scrgbClr r="0" g="0" b="0"/>
+      </a:effectRef>
+      <a:fontRef idx="minor">
+        <a:schemeClr val="lt1"/>
+      </a:fontRef>
+    </dgm:style>
+  </dgm:styleLbl>
+  <dgm:styleLbl name="sibTrans1D1">
+    <dgm:scene3d>
+      <a:camera prst="orthographicFront"/>
+      <a:lightRig rig="threePt" dir="t"/>
+    </dgm:scene3d>
+    <dgm:sp3d/>
+    <dgm:txPr/>
+    <dgm:style>
+      <a:lnRef idx="1">
+        <a:scrgbClr r="0" g="0" b="0"/>
+      </a:lnRef>
+      <a:fillRef idx="0">
+        <a:scrgbClr r="0" g="0" b="0"/>
+      </a:fillRef>
+      <a:effectRef idx="0">
+        <a:scrgbClr r="0" g="0" b="0"/>
+      </a:effectRef>
+      <a:fontRef idx="minor"/>
+    </dgm:style>
+  </dgm:styleLbl>
+  <dgm:styleLbl name="callout">
+    <dgm:scene3d>
+      <a:camera prst="orthographicFront"/>
+      <a:lightRig rig="threePt" dir="t"/>
+    </dgm:scene3d>
+    <dgm:sp3d/>
+    <dgm:txPr/>
+    <dgm:style>
+      <a:lnRef idx="2">
+        <a:scrgbClr r="0" g="0" b="0"/>
+      </a:lnRef>
+      <a:fillRef idx="1">
+        <a:scrgbClr r="0" g="0" b="0"/>
+      </a:fillRef>
+      <a:effectRef idx="0">
+        <a:scrgbClr r="0" g="0" b="0"/>
+      </a:effectRef>
+      <a:fontRef idx="minor"/>
+    </dgm:style>
+  </dgm:styleLbl>
+  <dgm:styleLbl name="asst0">
+    <dgm:scene3d>
+      <a:camera prst="orthographicFront"/>
+      <a:lightRig rig="threePt" dir="t"/>
+    </dgm:scene3d>
+    <dgm:sp3d/>
+    <dgm:txPr/>
+    <dgm:style>
+      <a:lnRef idx="2">
+        <a:scrgbClr r="0" g="0" b="0"/>
+      </a:lnRef>
+      <a:fillRef idx="1">
+        <a:scrgbClr r="0" g="0" b="0"/>
+      </a:fillRef>
+      <a:effectRef idx="0">
+        <a:scrgbClr r="0" g="0" b="0"/>
+      </a:effectRef>
+      <a:fontRef idx="minor">
+        <a:schemeClr val="lt1"/>
+      </a:fontRef>
+    </dgm:style>
+  </dgm:styleLbl>
+  <dgm:styleLbl name="asst1">
+    <dgm:scene3d>
+      <a:camera prst="orthographicFront"/>
+      <a:lightRig rig="threePt" dir="t"/>
+    </dgm:scene3d>
+    <dgm:sp3d/>
+    <dgm:txPr/>
+    <dgm:style>
+      <a:lnRef idx="2">
+        <a:scrgbClr r="0" g="0" b="0"/>
+      </a:lnRef>
+      <a:fillRef idx="1">
+        <a:scrgbClr r="0" g="0" b="0"/>
+      </a:fillRef>
+      <a:effectRef idx="0">
+        <a:scrgbClr r="0" g="0" b="0"/>
+      </a:effectRef>
+      <a:fontRef idx="minor">
+        <a:schemeClr val="lt1"/>
+      </a:fontRef>
+    </dgm:style>
+  </dgm:styleLbl>
+  <dgm:styleLbl name="asst2">
+    <dgm:scene3d>
+      <a:camera prst="orthographicFront"/>
+      <a:lightRig rig="threePt" dir="t"/>
+    </dgm:scene3d>
+    <dgm:sp3d/>
+    <dgm:txPr/>
+    <dgm:style>
+      <a:lnRef idx="2">
+        <a:scrgbClr r="0" g="0" b="0"/>
+      </a:lnRef>
+      <a:fillRef idx="1">
+        <a:scrgbClr r="0" g="0" b="0"/>
+      </a:fillRef>
+      <a:effectRef idx="0">
+        <a:scrgbClr r="0" g="0" b="0"/>
+      </a:effectRef>
+      <a:fontRef idx="minor">
+        <a:schemeClr val="lt1"/>
+      </a:fontRef>
+    </dgm:style>
+  </dgm:styleLbl>
+  <dgm:styleLbl name="asst3">
+    <dgm:scene3d>
+      <a:camera prst="orthographicFront"/>
+      <a:lightRig rig="threePt" dir="t"/>
+    </dgm:scene3d>
+    <dgm:sp3d/>
+    <dgm:txPr/>
+    <dgm:style>
+      <a:lnRef idx="2">
+        <a:scrgbClr r="0" g="0" b="0"/>
+      </a:lnRef>
+      <a:fillRef idx="1">
+        <a:scrgbClr r="0" g="0" b="0"/>
+      </a:fillRef>
+      <a:effectRef idx="0">
+        <a:scrgbClr r="0" g="0" b="0"/>
+      </a:effectRef>
+      <a:fontRef idx="minor">
+        <a:schemeClr val="lt1"/>
+      </a:fontRef>
+    </dgm:style>
+  </dgm:styleLbl>
+  <dgm:styleLbl name="asst4">
+    <dgm:scene3d>
+      <a:camera prst="orthographicFront"/>
+      <a:lightRig rig="threePt" dir="t"/>
+    </dgm:scene3d>
+    <dgm:sp3d/>
+    <dgm:txPr/>
+    <dgm:style>
+      <a:lnRef idx="2">
+        <a:scrgbClr r="0" g="0" b="0"/>
+      </a:lnRef>
+      <a:fillRef idx="1">
+        <a:scrgbClr r="0" g="0" b="0"/>
+      </a:fillRef>
+      <a:effectRef idx="0">
+        <a:scrgbClr r="0" g="0" b="0"/>
+      </a:effectRef>
+      <a:fontRef idx="minor">
+        <a:schemeClr val="lt1"/>
+      </a:fontRef>
+    </dgm:style>
+  </dgm:styleLbl>
+  <dgm:styleLbl name="parChTrans2D1">
+    <dgm:scene3d>
+      <a:camera prst="orthographicFront"/>
+      <a:lightRig rig="threePt" dir="t"/>
+    </dgm:scene3d>
+    <dgm:sp3d/>
+    <dgm:txPr/>
+    <dgm:style>
+      <a:lnRef idx="2">
+        <a:scrgbClr r="0" g="0" b="0"/>
+      </a:lnRef>
+      <a:fillRef idx="1">
+        <a:scrgbClr r="0" g="0" b="0"/>
+      </a:fillRef>
+      <a:effectRef idx="0">
+        <a:scrgbClr r="0" g="0" b="0"/>
+      </a:effectRef>
+      <a:fontRef idx="minor">
+        <a:schemeClr val="lt1"/>
+      </a:fontRef>
+    </dgm:style>
+  </dgm:styleLbl>
+  <dgm:styleLbl name="parChTrans2D2">
+    <dgm:scene3d>
+      <a:camera prst="orthographicFront"/>
+      <a:lightRig rig="threePt" dir="t"/>
+    </dgm:scene3d>
+    <dgm:sp3d/>
+    <dgm:txPr/>
+    <dgm:style>
+      <a:lnRef idx="2">
+        <a:scrgbClr r="0" g="0" b="0"/>
+      </a:lnRef>
+      <a:fillRef idx="1">
+        <a:scrgbClr r="0" g="0" b="0"/>
+      </a:fillRef>
+      <a:effectRef idx="0">
+        <a:scrgbClr r="0" g="0" b="0"/>
+      </a:effectRef>
+      <a:fontRef idx="minor">
+        <a:schemeClr val="lt1"/>
+      </a:fontRef>
+    </dgm:style>
+  </dgm:styleLbl>
+  <dgm:styleLbl name="parChTrans2D3">
+    <dgm:scene3d>
+      <a:camera prst="orthographicFront"/>
+      <a:lightRig rig="threePt" dir="t"/>
+    </dgm:scene3d>
+    <dgm:sp3d/>
+    <dgm:txPr/>
+    <dgm:style>
+      <a:lnRef idx="2">
+        <a:scrgbClr r="0" g="0" b="0"/>
+      </a:lnRef>
+      <a:fillRef idx="1">
+        <a:scrgbClr r="0" g="0" b="0"/>
+      </a:fillRef>
+      <a:effectRef idx="0">
+        <a:scrgbClr r="0" g="0" b="0"/>
+      </a:effectRef>
+      <a:fontRef idx="minor">
+        <a:schemeClr val="lt1"/>
+      </a:fontRef>
+    </dgm:style>
+  </dgm:styleLbl>
+  <dgm:styleLbl name="parChTrans2D4">
+    <dgm:scene3d>
+      <a:camera prst="orthographicFront"/>
+      <a:lightRig rig="threePt" dir="t"/>
+    </dgm:scene3d>
+    <dgm:sp3d/>
+    <dgm:txPr/>
+    <dgm:style>
+      <a:lnRef idx="2">
+        <a:scrgbClr r="0" g="0" b="0"/>
+      </a:lnRef>
+      <a:fillRef idx="1">
+        <a:scrgbClr r="0" g="0" b="0"/>
+      </a:fillRef>
+      <a:effectRef idx="0">
+        <a:scrgbClr r="0" g="0" b="0"/>
+      </a:effectRef>
+      <a:fontRef idx="minor">
+        <a:schemeClr val="lt1"/>
+      </a:fontRef>
+    </dgm:style>
+  </dgm:styleLbl>
+  <dgm:styleLbl name="parChTrans1D1">
+    <dgm:scene3d>
+      <a:camera prst="orthographicFront"/>
+      <a:lightRig rig="threePt" dir="t"/>
+    </dgm:scene3d>
+    <dgm:sp3d/>
+    <dgm:txPr/>
+    <dgm:style>
+      <a:lnRef idx="2">
+        <a:scrgbClr r="0" g="0" b="0"/>
+      </a:lnRef>
+      <a:fillRef idx="0">
+        <a:scrgbClr r="0" g="0" b="0"/>
+      </a:fillRef>
+      <a:effectRef idx="0">
+        <a:scrgbClr r="0" g="0" b="0"/>
+      </a:effectRef>
+      <a:fontRef idx="minor"/>
+    </dgm:style>
+  </dgm:styleLbl>
+  <dgm:styleLbl name="parChTrans1D2">
+    <dgm:scene3d>
+      <a:camera prst="orthographicFront"/>
+      <a:lightRig rig="threePt" dir="t"/>
+    </dgm:scene3d>
+    <dgm:sp3d/>
+    <dgm:txPr/>
+    <dgm:style>
+      <a:lnRef idx="2">
+        <a:scrgbClr r="0" g="0" b="0"/>
+      </a:lnRef>
+      <a:fillRef idx="0">
+        <a:scrgbClr r="0" g="0" b="0"/>
+      </a:fillRef>
+      <a:effectRef idx="0">
+        <a:scrgbClr r="0" g="0" b="0"/>
+      </a:effectRef>
+      <a:fontRef idx="minor"/>
+    </dgm:style>
+  </dgm:styleLbl>
+  <dgm:styleLbl name="parChTrans1D3">
+    <dgm:scene3d>
+      <a:camera prst="orthographicFront"/>
+      <a:lightRig rig="threePt" dir="t"/>
+    </dgm:scene3d>
+    <dgm:sp3d/>
+    <dgm:txPr/>
+    <dgm:style>
+      <a:lnRef idx="2">
+        <a:scrgbClr r="0" g="0" b="0"/>
+      </a:lnRef>
+      <a:fillRef idx="0">
+        <a:scrgbClr r="0" g="0" b="0"/>
+      </a:fillRef>
+      <a:effectRef idx="0">
+        <a:scrgbClr r="0" g="0" b="0"/>
+      </a:effectRef>
+      <a:fontRef idx="minor"/>
+    </dgm:style>
+  </dgm:styleLbl>
+  <dgm:styleLbl name="parChTrans1D4">
+    <dgm:scene3d>
+      <a:camera prst="orthographicFront"/>
+      <a:lightRig rig="threePt" dir="t"/>
+    </dgm:scene3d>
+    <dgm:sp3d/>
+    <dgm:txPr/>
+    <dgm:style>
+      <a:lnRef idx="2">
+        <a:scrgbClr r="0" g="0" b="0"/>
+      </a:lnRef>
+      <a:fillRef idx="0">
+        <a:scrgbClr r="0" g="0" b="0"/>
+      </a:fillRef>
+      <a:effectRef idx="0">
+        <a:scrgbClr r="0" g="0" b="0"/>
+      </a:effectRef>
+      <a:fontRef idx="minor"/>
+    </dgm:style>
+  </dgm:styleLbl>
+  <dgm:styleLbl name="fgAcc1">
+    <dgm:scene3d>
+      <a:camera prst="orthographicFront"/>
+      <a:lightRig rig="threePt" dir="t"/>
+    </dgm:scene3d>
+    <dgm:sp3d/>
+    <dgm:txPr/>
+    <dgm:style>
+      <a:lnRef idx="2">
+        <a:scrgbClr r="0" g="0" b="0"/>
+      </a:lnRef>
+      <a:fillRef idx="1">
+        <a:scrgbClr r="0" g="0" b="0"/>
+      </a:fillRef>
+      <a:effectRef idx="0">
+        <a:scrgbClr r="0" g="0" b="0"/>
+      </a:effectRef>
+      <a:fontRef idx="minor"/>
+    </dgm:style>
+  </dgm:styleLbl>
+  <dgm:styleLbl name="conFgAcc1">
+    <dgm:scene3d>
+      <a:camera prst="orthographicFront"/>
+      <a:lightRig rig="threePt" dir="t"/>
+    </dgm:scene3d>
+    <dgm:sp3d/>
+    <dgm:txPr/>
+    <dgm:style>
+      <a:lnRef idx="2">
+        <a:scrgbClr r="0" g="0" b="0"/>
+      </a:lnRef>
+      <a:fillRef idx="1">
+        <a:scrgbClr r="0" g="0" b="0"/>
+      </a:fillRef>
+      <a:effectRef idx="0">
+        <a:scrgbClr r="0" g="0" b="0"/>
+      </a:effectRef>
+      <a:fontRef idx="minor"/>
+    </dgm:style>
+  </dgm:styleLbl>
+  <dgm:styleLbl name="alignAcc1">
+    <dgm:scene3d>
+      <a:camera prst="orthographicFront"/>
+      <a:lightRig rig="threePt" dir="t"/>
+    </dgm:scene3d>
+    <dgm:sp3d/>
+    <dgm:txPr/>
+    <dgm:style>
+      <a:lnRef idx="2">
+        <a:scrgbClr r="0" g="0" b="0"/>
+      </a:lnRef>
+      <a:fillRef idx="1">
+        <a:scrgbClr r="0" g="0" b="0"/>
+      </a:fillRef>
+      <a:effectRef idx="0">
+        <a:scrgbClr r="0" g="0" b="0"/>
+      </a:effectRef>
+      <a:fontRef idx="minor"/>
+    </dgm:style>
+  </dgm:styleLbl>
+  <dgm:styleLbl name="trAlignAcc1">
+    <dgm:scene3d>
+      <a:camera prst="orthographicFront"/>
+      <a:lightRig rig="threePt" dir="t"/>
+    </dgm:scene3d>
+    <dgm:sp3d/>
+    <dgm:txPr/>
+    <dgm:style>
+      <a:lnRef idx="1">
+        <a:scrgbClr r="0" g="0" b="0"/>
+      </a:lnRef>
+      <a:fillRef idx="1">
+        <a:scrgbClr r="0" g="0" b="0"/>
+      </a:fillRef>
+      <a:effectRef idx="0">
+        <a:scrgbClr r="0" g="0" b="0"/>
+      </a:effectRef>
+      <a:fontRef idx="minor"/>
+    </dgm:style>
+  </dgm:styleLbl>
+  <dgm:styleLbl name="bgAcc1">
+    <dgm:scene3d>
+      <a:camera prst="orthographicFront"/>
+      <a:lightRig rig="threePt" dir="t"/>
+    </dgm:scene3d>
+    <dgm:sp3d/>
+    <dgm:txPr/>
+    <dgm:style>
+      <a:lnRef idx="2">
+        <a:scrgbClr r="0" g="0" b="0"/>
+      </a:lnRef>
+      <a:fillRef idx="1">
+        <a:scrgbClr r="0" g="0" b="0"/>
+      </a:fillRef>
+      <a:effectRef idx="0">
+        <a:scrgbClr r="0" g="0" b="0"/>
+      </a:effectRef>
+      <a:fontRef idx="minor"/>
+    </dgm:style>
+  </dgm:styleLbl>
+  <dgm:styleLbl name="solidFgAcc1">
+    <dgm:scene3d>
+      <a:camera prst="orthographicFront"/>
+      <a:lightRig rig="threePt" dir="t"/>
+    </dgm:scene3d>
+    <dgm:sp3d/>
+    <dgm:txPr/>
+    <dgm:style>
+      <a:lnRef idx="2">
+        <a:scrgbClr r="0" g="0" b="0"/>
+      </a:lnRef>
+      <a:fillRef idx="1">
+        <a:scrgbClr r="0" g="0" b="0"/>
+      </a:fillRef>
+      <a:effectRef idx="0">
+        <a:scrgbClr r="0" g="0" b="0"/>
+      </a:effectRef>
+      <a:fontRef idx="minor"/>
+    </dgm:style>
+  </dgm:styleLbl>
+  <dgm:styleLbl name="solidAlignAcc1">
+    <dgm:scene3d>
+      <a:camera prst="orthographicFront"/>
+      <a:lightRig rig="threePt" dir="t"/>
+    </dgm:scene3d>
+    <dgm:sp3d/>
+    <dgm:txPr/>
+    <dgm:style>
+      <a:lnRef idx="2">
+        <a:scrgbClr r="0" g="0" b="0"/>
+      </a:lnRef>
+      <a:fillRef idx="1">
+        <a:scrgbClr r="0" g="0" b="0"/>
+      </a:fillRef>
+      <a:effectRef idx="0">
+        <a:scrgbClr r="0" g="0" b="0"/>
+      </a:effectRef>
+      <a:fontRef idx="minor"/>
+    </dgm:style>
+  </dgm:styleLbl>
+  <dgm:styleLbl name="solidBgAcc1">
+    <dgm:scene3d>
+      <a:camera prst="orthographicFront"/>
+      <a:lightRig rig="threePt" dir="t"/>
+    </dgm:scene3d>
+    <dgm:sp3d/>
+    <dgm:txPr/>
+    <dgm:style>
+      <a:lnRef idx="2">
+        <a:scrgbClr r="0" g="0" b="0"/>
+      </a:lnRef>
+      <a:fillRef idx="1">
+        <a:scrgbClr r="0" g="0" b="0"/>
+      </a:fillRef>
+      <a:effectRef idx="0">
+        <a:scrgbClr r="0" g="0" b="0"/>
+      </a:effectRef>
+      <a:fontRef idx="minor"/>
+    </dgm:style>
+  </dgm:styleLbl>
+  <dgm:styleLbl name="fgAccFollowNode1">
+    <dgm:scene3d>
+      <a:camera prst="orthographicFront"/>
+      <a:lightRig rig="threePt" dir="t"/>
+    </dgm:scene3d>
+    <dgm:sp3d/>
+    <dgm:txPr/>
+    <dgm:style>
+      <a:lnRef idx="2">
+        <a:scrgbClr r="0" g="0" b="0"/>
+      </a:lnRef>
+      <a:fillRef idx="1">
+        <a:scrgbClr r="0" g="0" b="0"/>
+      </a:fillRef>
+      <a:effectRef idx="0">
+        <a:scrgbClr r="0" g="0" b="0"/>
+      </a:effectRef>
+      <a:fontRef idx="minor"/>
+    </dgm:style>
+  </dgm:styleLbl>
+  <dgm:styleLbl name="alignAccFollowNode1">
+    <dgm:scene3d>
+      <a:camera prst="orthographicFront"/>
+      <a:lightRig rig="threePt" dir="t"/>
+    </dgm:scene3d>
+    <dgm:sp3d/>
+    <dgm:txPr/>
+    <dgm:style>
+      <a:lnRef idx="2">
+        <a:scrgbClr r="0" g="0" b="0"/>
+      </a:lnRef>
+      <a:fillRef idx="1">
+        <a:scrgbClr r="0" g="0" b="0"/>
+      </a:fillRef>
+      <a:effectRef idx="0">
+        <a:scrgbClr r="0" g="0" b="0"/>
+      </a:effectRef>
+      <a:fontRef idx="minor"/>
+    </dgm:style>
+  </dgm:styleLbl>
+  <dgm:styleLbl name="bgAccFollowNode1">
+    <dgm:scene3d>
+      <a:camera prst="orthographicFront"/>
+      <a:lightRig rig="threePt" dir="t"/>
+    </dgm:scene3d>
+    <dgm:sp3d/>
+    <dgm:txPr/>
+    <dgm:style>
+      <a:lnRef idx="2">
+        <a:scrgbClr r="0" g="0" b="0"/>
+      </a:lnRef>
+      <a:fillRef idx="1">
+        <a:scrgbClr r="0" g="0" b="0"/>
+      </a:fillRef>
+      <a:effectRef idx="0">
+        <a:scrgbClr r="0" g="0" b="0"/>
+      </a:effectRef>
+      <a:fontRef idx="minor"/>
+    </dgm:style>
+  </dgm:styleLbl>
+  <dgm:styleLbl name="fgAcc0">
+    <dgm:scene3d>
+      <a:camera prst="orthographicFront"/>
+      <a:lightRig rig="threePt" dir="t"/>
+    </dgm:scene3d>
+    <dgm:sp3d/>
+    <dgm:txPr/>
+    <dgm:style>
+      <a:lnRef idx="2">
+        <a:scrgbClr r="0" g="0" b="0"/>
+      </a:lnRef>
+      <a:fillRef idx="1">
+        <a:scrgbClr r="0" g="0" b="0"/>
+      </a:fillRef>
+      <a:effectRef idx="0">
+        <a:scrgbClr r="0" g="0" b="0"/>
+      </a:effectRef>
+      <a:fontRef idx="minor"/>
+    </dgm:style>
+  </dgm:styleLbl>
+  <dgm:styleLbl name="fgAcc2">
+    <dgm:scene3d>
+      <a:camera prst="orthographicFront"/>
+      <a:lightRig rig="threePt" dir="t"/>
+    </dgm:scene3d>
+    <dgm:sp3d/>
+    <dgm:txPr/>
+    <dgm:style>
+      <a:lnRef idx="2">
+        <a:scrgbClr r="0" g="0" b="0"/>
+      </a:lnRef>
+      <a:fillRef idx="1">
+        <a:scrgbClr r="0" g="0" b="0"/>
+      </a:fillRef>
+      <a:effectRef idx="0">
+        <a:scrgbClr r="0" g="0" b="0"/>
+      </a:effectRef>
+      <a:fontRef idx="minor"/>
+    </dgm:style>
+  </dgm:styleLbl>
+  <dgm:styleLbl name="fgAcc3">
+    <dgm:scene3d>
+      <a:camera prst="orthographicFront"/>
+      <a:lightRig rig="threePt" dir="t"/>
+    </dgm:scene3d>
+    <dgm:sp3d/>
+    <dgm:txPr/>
+    <dgm:style>
+      <a:lnRef idx="2">
+        <a:scrgbClr r="0" g="0" b="0"/>
+      </a:lnRef>
+      <a:fillRef idx="1">
+        <a:scrgbClr r="0" g="0" b="0"/>
+      </a:fillRef>
+      <a:effectRef idx="0">
+        <a:scrgbClr r="0" g="0" b="0"/>
+      </a:effectRef>
+      <a:fontRef idx="minor"/>
+    </dgm:style>
+  </dgm:styleLbl>
+  <dgm:styleLbl name="fgAcc4">
+    <dgm:scene3d>
+      <a:camera prst="orthographicFront"/>
+      <a:lightRig rig="threePt" dir="t"/>
+    </dgm:scene3d>
+    <dgm:sp3d/>
+    <dgm:txPr/>
+    <dgm:style>
+      <a:lnRef idx="2">
+        <a:scrgbClr r="0" g="0" b="0"/>
+      </a:lnRef>
+      <a:fillRef idx="1">
+        <a:scrgbClr r="0" g="0" b="0"/>
+      </a:fillRef>
+      <a:effectRef idx="0">
+        <a:scrgbClr r="0" g="0" b="0"/>
+      </a:effectRef>
+      <a:fontRef idx="minor"/>
+    </dgm:style>
+  </dgm:styleLbl>
+  <dgm:styleLbl name="bgShp">
+    <dgm:scene3d>
+      <a:camera prst="orthographicFront"/>
+      <a:lightRig rig="threePt" dir="t"/>
+    </dgm:scene3d>
+    <dgm:sp3d/>
+    <dgm:txPr/>
+    <dgm:style>
+      <a:lnRef idx="0">
+        <a:scrgbClr r="0" g="0" b="0"/>
+      </a:lnRef>
+      <a:fillRef idx="1">
+        <a:scrgbClr r="0" g="0" b="0"/>
+      </a:fillRef>
+      <a:effectRef idx="0">
+        <a:scrgbClr r="0" g="0" b="0"/>
+      </a:effectRef>
+      <a:fontRef idx="minor"/>
+    </dgm:style>
+  </dgm:styleLbl>
+  <dgm:styleLbl name="dkBgShp">
+    <dgm:scene3d>
+      <a:camera prst="orthographicFront"/>
+      <a:lightRig rig="threePt" dir="t"/>
+    </dgm:scene3d>
+    <dgm:sp3d/>
+    <dgm:txPr/>
+    <dgm:style>
+      <a:lnRef idx="0">
+        <a:scrgbClr r="0" g="0" b="0"/>
+      </a:lnRef>
+      <a:fillRef idx="1">
+        <a:scrgbClr r="0" g="0" b="0"/>
+      </a:fillRef>
+      <a:effectRef idx="0">
+        <a:scrgbClr r="0" g="0" b="0"/>
+      </a:effectRef>
+      <a:fontRef idx="minor"/>
+    </dgm:style>
+  </dgm:styleLbl>
+  <dgm:styleLbl name="trBgShp">
+    <dgm:scene3d>
+      <a:camera prst="orthographicFront"/>
+      <a:lightRig rig="threePt" dir="t"/>
+    </dgm:scene3d>
+    <dgm:sp3d/>
+    <dgm:txPr/>
+    <dgm:style>
+      <a:lnRef idx="0">
+        <a:scrgbClr r="0" g="0" b="0"/>
+      </a:lnRef>
+      <a:fillRef idx="1">
+        <a:scrgbClr r="0" g="0" b="0"/>
+      </a:fillRef>
+      <a:effectRef idx="0">
+        <a:scrgbClr r="0" g="0" b="0"/>
+      </a:effectRef>
+      <a:fontRef idx="minor"/>
+    </dgm:style>
+  </dgm:styleLbl>
+  <dgm:styleLbl name="fgShp">
+    <dgm:scene3d>
+      <a:camera prst="orthographicFront"/>
+      <a:lightRig rig="threePt" dir="t"/>
+    </dgm:scene3d>
+    <dgm:sp3d/>
+    <dgm:txPr/>
+    <dgm:style>
+      <a:lnRef idx="2">
+        <a:scrgbClr r="0" g="0" b="0"/>
+      </a:lnRef>
+      <a:fillRef idx="1">
+        <a:scrgbClr r="0" g="0" b="0"/>
+      </a:fillRef>
+      <a:effectRef idx="0">
+        <a:scrgbClr r="0" g="0" b="0"/>
+      </a:effectRef>
+      <a:fontRef idx="minor"/>
+    </dgm:style>
+  </dgm:styleLbl>
+  <dgm:styleLbl name="revTx">
+    <dgm:scene3d>
+      <a:camera prst="orthographicFront"/>
+      <a:lightRig rig="threePt" dir="t"/>
+    </dgm:scene3d>
+    <dgm:sp3d/>
+    <dgm:txPr/>
+    <dgm:style>
+      <a:lnRef idx="0">
+        <a:scrgbClr r="0" g="0" b="0"/>
+      </a:lnRef>
+      <a:fillRef idx="0">
+        <a:scrgbClr r="0" g="0" b="0"/>
+      </a:fillRef>
+      <a:effectRef idx="0">
+        <a:scrgbClr r="0" g="0" b="0"/>
+      </a:effectRef>
+      <a:fontRef idx="minor"/>
+    </dgm:style>
+  </dgm:styleLbl>
+</dgm:styleDef>
+</file>
+
 <file path=ppt/slideLayouts/slideLayout1.xml><?xml version="1.0" encoding="utf-8"?>
 <p:sldLayout xmlns:a="http://schemas.openxmlformats.org/drawingml/2006/main" xmlns:r="http://schemas.openxmlformats.org/officeDocument/2006/relationships" xmlns:p="http://schemas.openxmlformats.org/presentationml/2006/main" type="title" preserve="1">
   <p:cSld name="Title Slide">
@@ -5620,7 +8704,7 @@
           <a:p>
             <a:fld id="{68DC0FBD-75F1-5147-88B5-6B133F32CDCD}" type="datetimeFigureOut">
               <a:rPr lang="en-US" smtClean="0"/>
-              <a:t>9/27/20</a:t>
+              <a:t>10/6/20</a:t>
             </a:fld>
             <a:endParaRPr lang="en-US"/>
           </a:p>
@@ -5820,7 +8904,7 @@
           <a:p>
             <a:fld id="{68DC0FBD-75F1-5147-88B5-6B133F32CDCD}" type="datetimeFigureOut">
               <a:rPr lang="en-US" smtClean="0"/>
-              <a:t>9/27/20</a:t>
+              <a:t>10/6/20</a:t>
             </a:fld>
             <a:endParaRPr lang="en-US"/>
           </a:p>
@@ -6030,7 +9114,7 @@
           <a:p>
             <a:fld id="{68DC0FBD-75F1-5147-88B5-6B133F32CDCD}" type="datetimeFigureOut">
               <a:rPr lang="en-US" smtClean="0"/>
-              <a:t>9/27/20</a:t>
+              <a:t>10/6/20</a:t>
             </a:fld>
             <a:endParaRPr lang="en-US"/>
           </a:p>
@@ -6230,7 +9314,7 @@
           <a:p>
             <a:fld id="{68DC0FBD-75F1-5147-88B5-6B133F32CDCD}" type="datetimeFigureOut">
               <a:rPr lang="en-US" smtClean="0"/>
-              <a:t>9/27/20</a:t>
+              <a:t>10/6/20</a:t>
             </a:fld>
             <a:endParaRPr lang="en-US"/>
           </a:p>
@@ -6506,7 +9590,7 @@
           <a:p>
             <a:fld id="{68DC0FBD-75F1-5147-88B5-6B133F32CDCD}" type="datetimeFigureOut">
               <a:rPr lang="en-US" smtClean="0"/>
-              <a:t>9/27/20</a:t>
+              <a:t>10/6/20</a:t>
             </a:fld>
             <a:endParaRPr lang="en-US"/>
           </a:p>
@@ -6774,7 +9858,7 @@
           <a:p>
             <a:fld id="{68DC0FBD-75F1-5147-88B5-6B133F32CDCD}" type="datetimeFigureOut">
               <a:rPr lang="en-US" smtClean="0"/>
-              <a:t>9/27/20</a:t>
+              <a:t>10/6/20</a:t>
             </a:fld>
             <a:endParaRPr lang="en-US"/>
           </a:p>
@@ -7189,7 +10273,7 @@
           <a:p>
             <a:fld id="{68DC0FBD-75F1-5147-88B5-6B133F32CDCD}" type="datetimeFigureOut">
               <a:rPr lang="en-US" smtClean="0"/>
-              <a:t>9/27/20</a:t>
+              <a:t>10/6/20</a:t>
             </a:fld>
             <a:endParaRPr lang="en-US"/>
           </a:p>
@@ -7331,7 +10415,7 @@
           <a:p>
             <a:fld id="{68DC0FBD-75F1-5147-88B5-6B133F32CDCD}" type="datetimeFigureOut">
               <a:rPr lang="en-US" smtClean="0"/>
-              <a:t>9/27/20</a:t>
+              <a:t>10/6/20</a:t>
             </a:fld>
             <a:endParaRPr lang="en-US"/>
           </a:p>
@@ -7444,7 +10528,7 @@
           <a:p>
             <a:fld id="{68DC0FBD-75F1-5147-88B5-6B133F32CDCD}" type="datetimeFigureOut">
               <a:rPr lang="en-US" smtClean="0"/>
-              <a:t>9/27/20</a:t>
+              <a:t>10/6/20</a:t>
             </a:fld>
             <a:endParaRPr lang="en-US"/>
           </a:p>
@@ -7757,7 +10841,7 @@
           <a:p>
             <a:fld id="{68DC0FBD-75F1-5147-88B5-6B133F32CDCD}" type="datetimeFigureOut">
               <a:rPr lang="en-US" smtClean="0"/>
-              <a:t>9/27/20</a:t>
+              <a:t>10/6/20</a:t>
             </a:fld>
             <a:endParaRPr lang="en-US"/>
           </a:p>
@@ -8046,7 +11130,7 @@
           <a:p>
             <a:fld id="{68DC0FBD-75F1-5147-88B5-6B133F32CDCD}" type="datetimeFigureOut">
               <a:rPr lang="en-US" smtClean="0"/>
-              <a:t>9/27/20</a:t>
+              <a:t>10/6/20</a:t>
             </a:fld>
             <a:endParaRPr lang="en-US"/>
           </a:p>
@@ -8289,7 +11373,7 @@
           <a:p>
             <a:fld id="{68DC0FBD-75F1-5147-88B5-6B133F32CDCD}" type="datetimeFigureOut">
               <a:rPr lang="en-US" smtClean="0"/>
-              <a:t>9/27/20</a:t>
+              <a:t>10/6/20</a:t>
             </a:fld>
             <a:endParaRPr lang="en-US"/>
           </a:p>
@@ -8719,7 +11803,7 @@
           <p:cNvPr id="2" name="Title 1">
             <a:extLst>
               <a:ext uri="{FF2B5EF4-FFF2-40B4-BE49-F238E27FC236}">
-                <a16:creationId xmlns:a16="http://schemas.microsoft.com/office/drawing/2014/main" id="{D9F6C71E-36C6-5945-A7B8-AB97D635EC57}"/>
+                <a16:creationId xmlns:a16="http://schemas.microsoft.com/office/drawing/2014/main" id="{4291E808-3C54-AC4F-BA87-9E086D9EA740}"/>
               </a:ext>
             </a:extLst>
           </p:cNvPr>
@@ -8732,8 +11816,8 @@
         </p:nvSpPr>
         <p:spPr>
           <a:xfrm>
-            <a:off x="838200" y="2340430"/>
-            <a:ext cx="4245429" cy="2206364"/>
+            <a:off x="599435" y="3217991"/>
+            <a:ext cx="5667375" cy="1908902"/>
           </a:xfrm>
         </p:spPr>
         <p:txBody>
@@ -8744,21 +11828,18 @@
           <a:p>
             <a:r>
               <a:rPr lang="en-US"/>
-              <a:t>FABRIC </a:t>
+              <a:t>FABRIC TOPOLOGY GENERATOR</a:t>
             </a:r>
-            <a:r>
-              <a:rPr lang="en-US" dirty="0"/>
-              <a:t>TOPOLOGY GENERATOR</a:t>
-            </a:r>
+            <a:endParaRPr lang="en-US" dirty="0"/>
           </a:p>
         </p:txBody>
       </p:sp>
       <p:sp>
         <p:nvSpPr>
-          <p:cNvPr id="135" name="Freeform 5">
+          <p:cNvPr id="16" name="Freeform 7">
             <a:extLst>
               <a:ext uri="{FF2B5EF4-FFF2-40B4-BE49-F238E27FC236}">
-                <a16:creationId xmlns:a16="http://schemas.microsoft.com/office/drawing/2014/main" id="{AF1E5E62-9EB9-408E-AE53-A04A4C8110DE}"/>
+                <a16:creationId xmlns:a16="http://schemas.microsoft.com/office/drawing/2014/main" id="{111A83C6-3159-48A2-95E0-D9A872D3EF41}"/>
               </a:ext>
               <a:ext uri="{C183D7F6-B498-43B3-948B-1728B52AA6E4}">
                 <adec:decorative xmlns:adec="http://schemas.microsoft.com/office/drawing/2017/decorative" val="1"/>
@@ -8778,24 +11859,208 @@
         </p:nvSpPr>
         <p:spPr>
           <a:xfrm>
-            <a:off x="0" y="1"/>
-            <a:ext cx="5920619" cy="2130951"/>
+            <a:off x="0" y="0"/>
+            <a:ext cx="5920618" cy="2896258"/>
           </a:xfrm>
           <a:custGeom>
             <a:avLst/>
             <a:gdLst>
-              <a:gd name="connsiteX0" fmla="*/ 0 w 5920619"/>
-              <a:gd name="connsiteY0" fmla="*/ 0 h 2130951"/>
-              <a:gd name="connsiteX1" fmla="*/ 3191370 w 5920619"/>
-              <a:gd name="connsiteY1" fmla="*/ 0 h 2130951"/>
-              <a:gd name="connsiteX2" fmla="*/ 3346315 w 5920619"/>
-              <a:gd name="connsiteY2" fmla="*/ 0 h 2130951"/>
-              <a:gd name="connsiteX3" fmla="*/ 5920619 w 5920619"/>
-              <a:gd name="connsiteY3" fmla="*/ 0 h 2130951"/>
-              <a:gd name="connsiteX4" fmla="*/ 4936971 w 5920619"/>
-              <a:gd name="connsiteY4" fmla="*/ 2130951 h 2130951"/>
-              <a:gd name="connsiteX5" fmla="*/ 0 w 5920619"/>
-              <a:gd name="connsiteY5" fmla="*/ 2130951 h 2130951"/>
+              <a:gd name="connsiteX0" fmla="*/ 0 w 5920618"/>
+              <a:gd name="connsiteY0" fmla="*/ 0 h 2896258"/>
+              <a:gd name="connsiteX1" fmla="*/ 3191370 w 5920618"/>
+              <a:gd name="connsiteY1" fmla="*/ 0 h 2896258"/>
+              <a:gd name="connsiteX2" fmla="*/ 3346315 w 5920618"/>
+              <a:gd name="connsiteY2" fmla="*/ 0 h 2896258"/>
+              <a:gd name="connsiteX3" fmla="*/ 5920618 w 5920618"/>
+              <a:gd name="connsiteY3" fmla="*/ 0 h 2896258"/>
+              <a:gd name="connsiteX4" fmla="*/ 4583705 w 5920618"/>
+              <a:gd name="connsiteY4" fmla="*/ 2896258 h 2896258"/>
+              <a:gd name="connsiteX5" fmla="*/ 3346315 w 5920618"/>
+              <a:gd name="connsiteY5" fmla="*/ 2896258 h 2896258"/>
+              <a:gd name="connsiteX6" fmla="*/ 1854457 w 5920618"/>
+              <a:gd name="connsiteY6" fmla="*/ 2896258 h 2896258"/>
+              <a:gd name="connsiteX7" fmla="*/ 0 w 5920618"/>
+              <a:gd name="connsiteY7" fmla="*/ 2896258 h 2896258"/>
+            </a:gdLst>
+            <a:ahLst/>
+            <a:cxnLst>
+              <a:cxn ang="0">
+                <a:pos x="connsiteX0" y="connsiteY0"/>
+              </a:cxn>
+              <a:cxn ang="0">
+                <a:pos x="connsiteX1" y="connsiteY1"/>
+              </a:cxn>
+              <a:cxn ang="0">
+                <a:pos x="connsiteX2" y="connsiteY2"/>
+              </a:cxn>
+              <a:cxn ang="0">
+                <a:pos x="connsiteX3" y="connsiteY3"/>
+              </a:cxn>
+              <a:cxn ang="0">
+                <a:pos x="connsiteX4" y="connsiteY4"/>
+              </a:cxn>
+              <a:cxn ang="0">
+                <a:pos x="connsiteX5" y="connsiteY5"/>
+              </a:cxn>
+              <a:cxn ang="0">
+                <a:pos x="connsiteX6" y="connsiteY6"/>
+              </a:cxn>
+              <a:cxn ang="0">
+                <a:pos x="connsiteX7" y="connsiteY7"/>
+              </a:cxn>
+            </a:cxnLst>
+            <a:rect l="l" t="t" r="r" b="b"/>
+            <a:pathLst>
+              <a:path w="5920618" h="2896258">
+                <a:moveTo>
+                  <a:pt x="0" y="0"/>
+                </a:moveTo>
+                <a:lnTo>
+                  <a:pt x="3191370" y="0"/>
+                </a:lnTo>
+                <a:lnTo>
+                  <a:pt x="3346315" y="0"/>
+                </a:lnTo>
+                <a:lnTo>
+                  <a:pt x="5920618" y="0"/>
+                </a:lnTo>
+                <a:lnTo>
+                  <a:pt x="4583705" y="2896258"/>
+                </a:lnTo>
+                <a:lnTo>
+                  <a:pt x="3346315" y="2896258"/>
+                </a:lnTo>
+                <a:lnTo>
+                  <a:pt x="1854457" y="2896258"/>
+                </a:lnTo>
+                <a:lnTo>
+                  <a:pt x="0" y="2896258"/>
+                </a:lnTo>
+                <a:close/>
+              </a:path>
+            </a:pathLst>
+          </a:custGeom>
+          <a:solidFill>
+            <a:schemeClr val="accent4"/>
+          </a:solidFill>
+          <a:ln>
+            <a:noFill/>
+          </a:ln>
+        </p:spPr>
+        <p:style>
+          <a:lnRef idx="2">
+            <a:schemeClr val="accent1">
+              <a:shade val="50000"/>
+            </a:schemeClr>
+          </a:lnRef>
+          <a:fillRef idx="1">
+            <a:schemeClr val="accent1"/>
+          </a:fillRef>
+          <a:effectRef idx="0">
+            <a:schemeClr val="accent1"/>
+          </a:effectRef>
+          <a:fontRef idx="minor">
+            <a:schemeClr val="lt1"/>
+          </a:fontRef>
+        </p:style>
+        <p:txBody>
+          <a:bodyPr rtlCol="0" anchor="ctr"/>
+          <a:lstStyle/>
+          <a:p>
+            <a:pPr algn="ctr"/>
+            <a:endParaRPr lang="en-US"/>
+          </a:p>
+        </p:txBody>
+      </p:sp>
+      <p:pic>
+        <p:nvPicPr>
+          <p:cNvPr id="6" name="Picture 2">
+            <a:extLst>
+              <a:ext uri="{FF2B5EF4-FFF2-40B4-BE49-F238E27FC236}">
+                <a16:creationId xmlns:a16="http://schemas.microsoft.com/office/drawing/2014/main" id="{C57860BA-C1D1-0C46-978D-78A8D6FDC585}"/>
+              </a:ext>
+            </a:extLst>
+          </p:cNvPr>
+          <p:cNvPicPr>
+            <a:picLocks noChangeAspect="1" noChangeArrowheads="1"/>
+          </p:cNvPicPr>
+          <p:nvPr/>
+        </p:nvPicPr>
+        <p:blipFill>
+          <a:blip r:embed="rId2">
+            <a:extLst>
+              <a:ext uri="{28A0092B-C50C-407E-A947-70E740481C1C}">
+                <a14:useLocalDpi xmlns:a14="http://schemas.microsoft.com/office/drawing/2010/main" val="0"/>
+              </a:ext>
+            </a:extLst>
+          </a:blip>
+          <a:stretch>
+            <a:fillRect/>
+          </a:stretch>
+        </p:blipFill>
+        <p:spPr bwMode="auto">
+          <a:xfrm>
+            <a:off x="7030534" y="640080"/>
+            <a:ext cx="4381508" cy="4188823"/>
+          </a:xfrm>
+          <a:prstGeom prst="rect">
+            <a:avLst/>
+          </a:prstGeom>
+          <a:noFill/>
+          <a:extLst>
+            <a:ext uri="{909E8E84-426E-40DD-AFC4-6F175D3DCCD1}">
+              <a14:hiddenFill xmlns:a14="http://schemas.microsoft.com/office/drawing/2010/main">
+                <a:solidFill>
+                  <a:srgbClr val="FFFFFF"/>
+                </a:solidFill>
+              </a14:hiddenFill>
+            </a:ext>
+          </a:extLst>
+        </p:spPr>
+      </p:pic>
+      <p:sp>
+        <p:nvSpPr>
+          <p:cNvPr id="17" name="Freeform 5">
+            <a:extLst>
+              <a:ext uri="{FF2B5EF4-FFF2-40B4-BE49-F238E27FC236}">
+                <a16:creationId xmlns:a16="http://schemas.microsoft.com/office/drawing/2014/main" id="{00372701-83B9-478A-9B29-7A50C8310B9A}"/>
+              </a:ext>
+              <a:ext uri="{C183D7F6-B498-43B3-948B-1728B52AA6E4}">
+                <adec:decorative xmlns:adec="http://schemas.microsoft.com/office/drawing/2017/decorative" val="1"/>
+              </a:ext>
+            </a:extLst>
+          </p:cNvPr>
+          <p:cNvSpPr>
+            <a:spLocks noGrp="1" noRot="1" noChangeAspect="1" noMove="1" noResize="1" noEditPoints="1" noAdjustHandles="1" noChangeArrowheads="1" noChangeShapeType="1" noTextEdit="1"/>
+          </p:cNvSpPr>
+          <p:nvPr>
+            <p:extLst>
+              <p:ext uri="{386F3935-93C4-4BCD-93E2-E3B085C9AB24}">
+                <p16:designElem xmlns:p16="http://schemas.microsoft.com/office/powerpoint/2015/main" val="1"/>
+              </p:ext>
+            </p:extLst>
+          </p:nvPr>
+        </p:nvSpPr>
+        <p:spPr>
+          <a:xfrm>
+            <a:off x="0" y="5448626"/>
+            <a:ext cx="6738450" cy="1409374"/>
+          </a:xfrm>
+          <a:custGeom>
+            <a:avLst/>
+            <a:gdLst>
+              <a:gd name="connsiteX0" fmla="*/ 0 w 6738450"/>
+              <a:gd name="connsiteY0" fmla="*/ 0 h 1409374"/>
+              <a:gd name="connsiteX1" fmla="*/ 6738450 w 6738450"/>
+              <a:gd name="connsiteY1" fmla="*/ 0 h 1409374"/>
+              <a:gd name="connsiteX2" fmla="*/ 6085725 w 6738450"/>
+              <a:gd name="connsiteY2" fmla="*/ 1409374 h 1409374"/>
+              <a:gd name="connsiteX3" fmla="*/ 1524000 w 6738450"/>
+              <a:gd name="connsiteY3" fmla="*/ 1409374 h 1409374"/>
+              <a:gd name="connsiteX4" fmla="*/ 1200418 w 6738450"/>
+              <a:gd name="connsiteY4" fmla="*/ 1409374 h 1409374"/>
+              <a:gd name="connsiteX5" fmla="*/ 0 w 6738450"/>
+              <a:gd name="connsiteY5" fmla="*/ 1409374 h 1409374"/>
             </a:gdLst>
             <a:ahLst/>
             <a:cxnLst>
@@ -8820,24 +12085,134 @@
             </a:cxnLst>
             <a:rect l="l" t="t" r="r" b="b"/>
             <a:pathLst>
-              <a:path w="5920619" h="2130951">
+              <a:path w="6738450" h="1409374">
                 <a:moveTo>
                   <a:pt x="0" y="0"/>
                 </a:moveTo>
                 <a:lnTo>
-                  <a:pt x="3191370" y="0"/>
+                  <a:pt x="6738450" y="0"/>
                 </a:lnTo>
                 <a:lnTo>
-                  <a:pt x="3346315" y="0"/>
+                  <a:pt x="6085725" y="1409374"/>
                 </a:lnTo>
                 <a:lnTo>
-                  <a:pt x="5920619" y="0"/>
+                  <a:pt x="1524000" y="1409374"/>
                 </a:lnTo>
                 <a:lnTo>
-                  <a:pt x="4936971" y="2130951"/>
+                  <a:pt x="1200418" y="1409374"/>
                 </a:lnTo>
                 <a:lnTo>
-                  <a:pt x="0" y="2130951"/>
+                  <a:pt x="0" y="1409374"/>
+                </a:lnTo>
+                <a:close/>
+              </a:path>
+            </a:pathLst>
+          </a:custGeom>
+          <a:solidFill>
+            <a:srgbClr val="B2B2B2">
+              <a:alpha val="70000"/>
+            </a:srgbClr>
+          </a:solidFill>
+          <a:ln>
+            <a:noFill/>
+          </a:ln>
+        </p:spPr>
+        <p:style>
+          <a:lnRef idx="2">
+            <a:schemeClr val="accent1">
+              <a:shade val="50000"/>
+            </a:schemeClr>
+          </a:lnRef>
+          <a:fillRef idx="1">
+            <a:schemeClr val="accent1"/>
+          </a:fillRef>
+          <a:effectRef idx="0">
+            <a:schemeClr val="accent1"/>
+          </a:effectRef>
+          <a:fontRef idx="minor">
+            <a:schemeClr val="lt1"/>
+          </a:fontRef>
+        </p:style>
+        <p:txBody>
+          <a:bodyPr wrap="square" rtlCol="0" anchor="ctr">
+            <a:noAutofit/>
+          </a:bodyPr>
+          <a:lstStyle/>
+          <a:p>
+            <a:pPr algn="ctr"/>
+            <a:endParaRPr lang="en-US"/>
+          </a:p>
+        </p:txBody>
+      </p:sp>
+      <p:sp>
+        <p:nvSpPr>
+          <p:cNvPr id="15" name="Freeform 6">
+            <a:extLst>
+              <a:ext uri="{FF2B5EF4-FFF2-40B4-BE49-F238E27FC236}">
+                <a16:creationId xmlns:a16="http://schemas.microsoft.com/office/drawing/2014/main" id="{9EDA5044-3268-4753-AEE8-20199924E26D}"/>
+              </a:ext>
+              <a:ext uri="{C183D7F6-B498-43B3-948B-1728B52AA6E4}">
+                <adec:decorative xmlns:adec="http://schemas.microsoft.com/office/drawing/2017/decorative" val="1"/>
+              </a:ext>
+            </a:extLst>
+          </p:cNvPr>
+          <p:cNvSpPr>
+            <a:spLocks noGrp="1" noRot="1" noChangeAspect="1" noMove="1" noResize="1" noEditPoints="1" noAdjustHandles="1" noChangeArrowheads="1" noChangeShapeType="1" noTextEdit="1"/>
+          </p:cNvSpPr>
+          <p:nvPr>
+            <p:extLst>
+              <p:ext uri="{386F3935-93C4-4BCD-93E2-E3B085C9AB24}">
+                <p16:designElem xmlns:p16="http://schemas.microsoft.com/office/powerpoint/2015/main" val="1"/>
+              </p:ext>
+            </p:extLst>
+          </p:nvPr>
+        </p:nvSpPr>
+        <p:spPr>
+          <a:xfrm>
+            <a:off x="6266810" y="5448626"/>
+            <a:ext cx="5925190" cy="1409374"/>
+          </a:xfrm>
+          <a:custGeom>
+            <a:avLst/>
+            <a:gdLst>
+              <a:gd name="connsiteX0" fmla="*/ 652725 w 5925190"/>
+              <a:gd name="connsiteY0" fmla="*/ 0 h 1409374"/>
+              <a:gd name="connsiteX1" fmla="*/ 5925190 w 5925190"/>
+              <a:gd name="connsiteY1" fmla="*/ 0 h 1409374"/>
+              <a:gd name="connsiteX2" fmla="*/ 5925190 w 5925190"/>
+              <a:gd name="connsiteY2" fmla="*/ 1409374 h 1409374"/>
+              <a:gd name="connsiteX3" fmla="*/ 0 w 5925190"/>
+              <a:gd name="connsiteY3" fmla="*/ 1409374 h 1409374"/>
+            </a:gdLst>
+            <a:ahLst/>
+            <a:cxnLst>
+              <a:cxn ang="0">
+                <a:pos x="connsiteX0" y="connsiteY0"/>
+              </a:cxn>
+              <a:cxn ang="0">
+                <a:pos x="connsiteX1" y="connsiteY1"/>
+              </a:cxn>
+              <a:cxn ang="0">
+                <a:pos x="connsiteX2" y="connsiteY2"/>
+              </a:cxn>
+              <a:cxn ang="0">
+                <a:pos x="connsiteX3" y="connsiteY3"/>
+              </a:cxn>
+            </a:cxnLst>
+            <a:rect l="l" t="t" r="r" b="b"/>
+            <a:pathLst>
+              <a:path w="5925190" h="1409374">
+                <a:moveTo>
+                  <a:pt x="652725" y="0"/>
+                </a:moveTo>
+                <a:lnTo>
+                  <a:pt x="5925190" y="0"/>
+                </a:lnTo>
+                <a:lnTo>
+                  <a:pt x="5925190" y="1409374"/>
+                </a:lnTo>
+                <a:lnTo>
+                  <a:pt x="0" y="1409374"/>
                 </a:lnTo>
                 <a:close/>
               </a:path>
@@ -8877,294 +12252,10 @@
           </a:p>
         </p:txBody>
       </p:sp>
-      <p:pic>
-        <p:nvPicPr>
-          <p:cNvPr id="1026" name="Picture 2">
-            <a:extLst>
-              <a:ext uri="{FF2B5EF4-FFF2-40B4-BE49-F238E27FC236}">
-                <a16:creationId xmlns:a16="http://schemas.microsoft.com/office/drawing/2014/main" id="{2364C5A0-1E1F-3B4B-A454-5530310F94C0}"/>
-              </a:ext>
-            </a:extLst>
-          </p:cNvPr>
-          <p:cNvPicPr>
-            <a:picLocks noChangeAspect="1" noChangeArrowheads="1"/>
-          </p:cNvPicPr>
-          <p:nvPr/>
-        </p:nvPicPr>
-        <p:blipFill>
-          <a:blip r:embed="rId2">
-            <a:extLst>
-              <a:ext uri="{28A0092B-C50C-407E-A947-70E740481C1C}">
-                <a14:useLocalDpi xmlns:a14="http://schemas.microsoft.com/office/drawing/2010/main" val="0"/>
-              </a:ext>
-            </a:extLst>
-          </a:blip>
-          <a:stretch>
-            <a:fillRect/>
-          </a:stretch>
-        </p:blipFill>
-        <p:spPr bwMode="auto">
-          <a:xfrm>
-            <a:off x="7035153" y="633124"/>
-            <a:ext cx="3566729" cy="3409875"/>
-          </a:xfrm>
-          <a:prstGeom prst="rect">
-            <a:avLst/>
-          </a:prstGeom>
-          <a:noFill/>
-          <a:extLst>
-            <a:ext uri="{909E8E84-426E-40DD-AFC4-6F175D3DCCD1}">
-              <a14:hiddenFill xmlns:a14="http://schemas.microsoft.com/office/drawing/2010/main">
-                <a:solidFill>
-                  <a:srgbClr val="FFFFFF"/>
-                </a:solidFill>
-              </a14:hiddenFill>
-            </a:ext>
-          </a:extLst>
-        </p:spPr>
-      </p:pic>
-      <p:sp>
-        <p:nvSpPr>
-          <p:cNvPr id="137" name="Freeform 7">
-            <a:extLst>
-              <a:ext uri="{FF2B5EF4-FFF2-40B4-BE49-F238E27FC236}">
-                <a16:creationId xmlns:a16="http://schemas.microsoft.com/office/drawing/2014/main" id="{9C5704B2-7C5B-4738-AF0D-4A2756A69FA1}"/>
-              </a:ext>
-              <a:ext uri="{C183D7F6-B498-43B3-948B-1728B52AA6E4}">
-                <adec:decorative xmlns:adec="http://schemas.microsoft.com/office/drawing/2017/decorative" val="1"/>
-              </a:ext>
-            </a:extLst>
-          </p:cNvPr>
-          <p:cNvSpPr>
-            <a:spLocks noGrp="1" noRot="1" noChangeAspect="1" noMove="1" noResize="1" noEditPoints="1" noAdjustHandles="1" noChangeArrowheads="1" noChangeShapeType="1" noTextEdit="1"/>
-          </p:cNvSpPr>
-          <p:nvPr>
-            <p:extLst>
-              <p:ext uri="{386F3935-93C4-4BCD-93E2-E3B085C9AB24}">
-                <p16:designElem xmlns:p16="http://schemas.microsoft.com/office/powerpoint/2015/main" val="1"/>
-              </p:ext>
-            </p:extLst>
-          </p:nvPr>
-        </p:nvSpPr>
-        <p:spPr>
-          <a:xfrm>
-            <a:off x="6266810" y="4683319"/>
-            <a:ext cx="5925190" cy="2174681"/>
-          </a:xfrm>
-          <a:custGeom>
-            <a:avLst/>
-            <a:gdLst>
-              <a:gd name="connsiteX0" fmla="*/ 1007162 w 5925190"/>
-              <a:gd name="connsiteY0" fmla="*/ 0 h 2174681"/>
-              <a:gd name="connsiteX1" fmla="*/ 5925190 w 5925190"/>
-              <a:gd name="connsiteY1" fmla="*/ 0 h 2174681"/>
-              <a:gd name="connsiteX2" fmla="*/ 5925190 w 5925190"/>
-              <a:gd name="connsiteY2" fmla="*/ 2174681 h 2174681"/>
-              <a:gd name="connsiteX3" fmla="*/ 0 w 5925190"/>
-              <a:gd name="connsiteY3" fmla="*/ 2174681 h 2174681"/>
-            </a:gdLst>
-            <a:ahLst/>
-            <a:cxnLst>
-              <a:cxn ang="0">
-                <a:pos x="connsiteX0" y="connsiteY0"/>
-              </a:cxn>
-              <a:cxn ang="0">
-                <a:pos x="connsiteX1" y="connsiteY1"/>
-              </a:cxn>
-              <a:cxn ang="0">
-                <a:pos x="connsiteX2" y="connsiteY2"/>
-              </a:cxn>
-              <a:cxn ang="0">
-                <a:pos x="connsiteX3" y="connsiteY3"/>
-              </a:cxn>
-            </a:cxnLst>
-            <a:rect l="l" t="t" r="r" b="b"/>
-            <a:pathLst>
-              <a:path w="5925190" h="2174681">
-                <a:moveTo>
-                  <a:pt x="1007162" y="0"/>
-                </a:moveTo>
-                <a:lnTo>
-                  <a:pt x="5925190" y="0"/>
-                </a:lnTo>
-                <a:lnTo>
-                  <a:pt x="5925190" y="2174681"/>
-                </a:lnTo>
-                <a:lnTo>
-                  <a:pt x="0" y="2174681"/>
-                </a:lnTo>
-                <a:close/>
-              </a:path>
-            </a:pathLst>
-          </a:custGeom>
-          <a:solidFill>
-            <a:schemeClr val="accent4"/>
-          </a:solidFill>
-          <a:ln>
-            <a:noFill/>
-          </a:ln>
-        </p:spPr>
-        <p:style>
-          <a:lnRef idx="2">
-            <a:schemeClr val="accent1">
-              <a:shade val="50000"/>
-            </a:schemeClr>
-          </a:lnRef>
-          <a:fillRef idx="1">
-            <a:schemeClr val="accent1"/>
-          </a:fillRef>
-          <a:effectRef idx="0">
-            <a:schemeClr val="accent1"/>
-          </a:effectRef>
-          <a:fontRef idx="minor">
-            <a:schemeClr val="lt1"/>
-          </a:fontRef>
-        </p:style>
-        <p:txBody>
-          <a:bodyPr wrap="square" rtlCol="0" anchor="ctr">
-            <a:noAutofit/>
-          </a:bodyPr>
-          <a:lstStyle/>
-          <a:p>
-            <a:pPr algn="ctr"/>
-            <a:endParaRPr lang="en-US"/>
-          </a:p>
-        </p:txBody>
-      </p:sp>
-      <p:sp>
-        <p:nvSpPr>
-          <p:cNvPr id="139" name="Freeform 6">
-            <a:extLst>
-              <a:ext uri="{FF2B5EF4-FFF2-40B4-BE49-F238E27FC236}">
-                <a16:creationId xmlns:a16="http://schemas.microsoft.com/office/drawing/2014/main" id="{DFB36DC4-A410-4DF1-8453-1D85743F5E07}"/>
-              </a:ext>
-              <a:ext uri="{C183D7F6-B498-43B3-948B-1728B52AA6E4}">
-                <adec:decorative xmlns:adec="http://schemas.microsoft.com/office/drawing/2017/decorative" val="1"/>
-              </a:ext>
-            </a:extLst>
-          </p:cNvPr>
-          <p:cNvSpPr>
-            <a:spLocks noGrp="1" noRot="1" noChangeAspect="1" noMove="1" noResize="1" noEditPoints="1" noAdjustHandles="1" noChangeArrowheads="1" noChangeShapeType="1" noTextEdit="1"/>
-          </p:cNvSpPr>
-          <p:nvPr>
-            <p:extLst>
-              <p:ext uri="{386F3935-93C4-4BCD-93E2-E3B085C9AB24}">
-                <p16:designElem xmlns:p16="http://schemas.microsoft.com/office/powerpoint/2015/main" val="1"/>
-              </p:ext>
-            </p:extLst>
-          </p:nvPr>
-        </p:nvSpPr>
-        <p:spPr>
-          <a:xfrm>
-            <a:off x="1" y="4683319"/>
-            <a:ext cx="7092887" cy="2174681"/>
-          </a:xfrm>
-          <a:custGeom>
-            <a:avLst/>
-            <a:gdLst>
-              <a:gd name="connsiteX0" fmla="*/ 0 w 7092887"/>
-              <a:gd name="connsiteY0" fmla="*/ 0 h 2174681"/>
-              <a:gd name="connsiteX1" fmla="*/ 7092887 w 7092887"/>
-              <a:gd name="connsiteY1" fmla="*/ 0 h 2174681"/>
-              <a:gd name="connsiteX2" fmla="*/ 6085725 w 7092887"/>
-              <a:gd name="connsiteY2" fmla="*/ 2174681 h 2174681"/>
-              <a:gd name="connsiteX3" fmla="*/ 1524000 w 7092887"/>
-              <a:gd name="connsiteY3" fmla="*/ 2174681 h 2174681"/>
-              <a:gd name="connsiteX4" fmla="*/ 1200418 w 7092887"/>
-              <a:gd name="connsiteY4" fmla="*/ 2174681 h 2174681"/>
-              <a:gd name="connsiteX5" fmla="*/ 0 w 7092887"/>
-              <a:gd name="connsiteY5" fmla="*/ 2174681 h 2174681"/>
-            </a:gdLst>
-            <a:ahLst/>
-            <a:cxnLst>
-              <a:cxn ang="0">
-                <a:pos x="connsiteX0" y="connsiteY0"/>
-              </a:cxn>
-              <a:cxn ang="0">
-                <a:pos x="connsiteX1" y="connsiteY1"/>
-              </a:cxn>
-              <a:cxn ang="0">
-                <a:pos x="connsiteX2" y="connsiteY2"/>
-              </a:cxn>
-              <a:cxn ang="0">
-                <a:pos x="connsiteX3" y="connsiteY3"/>
-              </a:cxn>
-              <a:cxn ang="0">
-                <a:pos x="connsiteX4" y="connsiteY4"/>
-              </a:cxn>
-              <a:cxn ang="0">
-                <a:pos x="connsiteX5" y="connsiteY5"/>
-              </a:cxn>
-            </a:cxnLst>
-            <a:rect l="l" t="t" r="r" b="b"/>
-            <a:pathLst>
-              <a:path w="7092887" h="2174681">
-                <a:moveTo>
-                  <a:pt x="0" y="0"/>
-                </a:moveTo>
-                <a:lnTo>
-                  <a:pt x="7092887" y="0"/>
-                </a:lnTo>
-                <a:lnTo>
-                  <a:pt x="6085725" y="2174681"/>
-                </a:lnTo>
-                <a:lnTo>
-                  <a:pt x="1524000" y="2174681"/>
-                </a:lnTo>
-                <a:lnTo>
-                  <a:pt x="1200418" y="2174681"/>
-                </a:lnTo>
-                <a:lnTo>
-                  <a:pt x="0" y="2174681"/>
-                </a:lnTo>
-                <a:close/>
-              </a:path>
-            </a:pathLst>
-          </a:custGeom>
-          <a:solidFill>
-            <a:srgbClr val="B2B2B2">
-              <a:alpha val="70000"/>
-            </a:srgbClr>
-          </a:solidFill>
-          <a:ln>
-            <a:noFill/>
-          </a:ln>
-        </p:spPr>
-        <p:style>
-          <a:lnRef idx="2">
-            <a:schemeClr val="accent1">
-              <a:shade val="50000"/>
-            </a:schemeClr>
-          </a:lnRef>
-          <a:fillRef idx="1">
-            <a:schemeClr val="accent1"/>
-          </a:fillRef>
-          <a:effectRef idx="0">
-            <a:schemeClr val="accent1"/>
-          </a:effectRef>
-          <a:fontRef idx="minor">
-            <a:schemeClr val="lt1"/>
-          </a:fontRef>
-        </p:style>
-        <p:txBody>
-          <a:bodyPr wrap="square" rtlCol="0" anchor="ctr">
-            <a:noAutofit/>
-          </a:bodyPr>
-          <a:lstStyle/>
-          <a:p>
-            <a:pPr algn="ctr"/>
-            <a:endParaRPr lang="en-US">
-              <a:solidFill>
-                <a:srgbClr val="B2B2B2"/>
-              </a:solidFill>
-            </a:endParaRPr>
-          </a:p>
-        </p:txBody>
-      </p:sp>
     </p:spTree>
     <p:extLst>
       <p:ext uri="{BB962C8B-B14F-4D97-AF65-F5344CB8AC3E}">
-        <p14:creationId xmlns:p14="http://schemas.microsoft.com/office/powerpoint/2010/main" val="2781205749"/>
+        <p14:creationId xmlns:p14="http://schemas.microsoft.com/office/powerpoint/2010/main" val="3992257458"/>
       </p:ext>
     </p:extLst>
   </p:cSld>
@@ -9201,10 +12292,73 @@
       </p:grpSpPr>
       <p:sp>
         <p:nvSpPr>
+          <p:cNvPr id="9" name="Rectangle 8">
+            <a:extLst>
+              <a:ext uri="{FF2B5EF4-FFF2-40B4-BE49-F238E27FC236}">
+                <a16:creationId xmlns:a16="http://schemas.microsoft.com/office/drawing/2014/main" id="{07E773EB-1EC1-4E49-9DE2-E6F460497242}"/>
+              </a:ext>
+              <a:ext uri="{C183D7F6-B498-43B3-948B-1728B52AA6E4}">
+                <adec:decorative xmlns:adec="http://schemas.microsoft.com/office/drawing/2017/decorative" val="1"/>
+              </a:ext>
+            </a:extLst>
+          </p:cNvPr>
+          <p:cNvSpPr>
+            <a:spLocks noGrp="1" noRot="1" noChangeAspect="1" noMove="1" noResize="1" noEditPoints="1" noAdjustHandles="1" noChangeArrowheads="1" noChangeShapeType="1" noTextEdit="1"/>
+          </p:cNvSpPr>
+          <p:nvPr>
+            <p:extLst>
+              <p:ext uri="{386F3935-93C4-4BCD-93E2-E3B085C9AB24}">
+                <p16:designElem xmlns:p16="http://schemas.microsoft.com/office/powerpoint/2015/main" val="1"/>
+              </p:ext>
+            </p:extLst>
+          </p:nvPr>
+        </p:nvSpPr>
+        <p:spPr>
+          <a:xfrm>
+            <a:off x="0" y="-10391"/>
+            <a:ext cx="12192000" cy="1943099"/>
+          </a:xfrm>
+          <a:prstGeom prst="rect">
+            <a:avLst/>
+          </a:prstGeom>
+          <a:solidFill>
+            <a:schemeClr val="accent1"/>
+          </a:solidFill>
+          <a:ln>
+            <a:noFill/>
+          </a:ln>
+        </p:spPr>
+        <p:style>
+          <a:lnRef idx="2">
+            <a:schemeClr val="accent1">
+              <a:shade val="50000"/>
+            </a:schemeClr>
+          </a:lnRef>
+          <a:fillRef idx="1">
+            <a:schemeClr val="accent1"/>
+          </a:fillRef>
+          <a:effectRef idx="0">
+            <a:schemeClr val="accent1"/>
+          </a:effectRef>
+          <a:fontRef idx="minor">
+            <a:schemeClr val="lt1"/>
+          </a:fontRef>
+        </p:style>
+        <p:txBody>
+          <a:bodyPr rtlCol="0" anchor="ctr"/>
+          <a:lstStyle/>
+          <a:p>
+            <a:pPr algn="ctr"/>
+            <a:endParaRPr lang="en-US" dirty="0"/>
+          </a:p>
+        </p:txBody>
+      </p:sp>
+      <p:sp>
+        <p:nvSpPr>
           <p:cNvPr id="2" name="Title 1">
             <a:extLst>
               <a:ext uri="{FF2B5EF4-FFF2-40B4-BE49-F238E27FC236}">
-                <a16:creationId xmlns:a16="http://schemas.microsoft.com/office/drawing/2014/main" id="{4F09D22B-1CD7-7B40-9CFC-2F84B197C1E1}"/>
+                <a16:creationId xmlns:a16="http://schemas.microsoft.com/office/drawing/2014/main" id="{79CECF16-4217-064F-83C7-5BC6F47393FE}"/>
               </a:ext>
             </a:extLst>
           </p:cNvPr>
@@ -9217,43 +12371,8 @@
         </p:nvSpPr>
         <p:spPr>
           <a:xfrm>
-            <a:off x="4965430" y="629268"/>
-            <a:ext cx="6586491" cy="1286160"/>
-          </a:xfrm>
-        </p:spPr>
-        <p:txBody>
-          <a:bodyPr anchor="b">
-            <a:normAutofit/>
-          </a:bodyPr>
-          <a:lstStyle/>
-          <a:p>
-            <a:r>
-              <a:rPr lang="en-US" sz="4800" dirty="0"/>
-              <a:t>PROBLEM TO SOLVE</a:t>
-            </a:r>
-          </a:p>
-        </p:txBody>
-      </p:sp>
-      <p:sp>
-        <p:nvSpPr>
-          <p:cNvPr id="3" name="Content Placeholder 2">
-            <a:extLst>
-              <a:ext uri="{FF2B5EF4-FFF2-40B4-BE49-F238E27FC236}">
-                <a16:creationId xmlns:a16="http://schemas.microsoft.com/office/drawing/2014/main" id="{F9C8D432-B51E-A349-88DF-4824E8E80103}"/>
-              </a:ext>
-            </a:extLst>
-          </p:cNvPr>
-          <p:cNvSpPr>
-            <a:spLocks noGrp="1"/>
-          </p:cNvSpPr>
-          <p:nvPr>
-            <p:ph idx="1"/>
-          </p:nvPr>
-        </p:nvSpPr>
-        <p:spPr>
-          <a:xfrm>
-            <a:off x="4965431" y="2438400"/>
-            <a:ext cx="6586489" cy="3785419"/>
+            <a:off x="391378" y="320675"/>
+            <a:ext cx="11407487" cy="1325563"/>
           </a:xfrm>
         </p:spPr>
         <p:txBody>
@@ -9263,116 +12382,51 @@
           <a:lstStyle/>
           <a:p>
             <a:r>
-              <a:rPr lang="en-US" sz="2400" dirty="0"/>
-              <a:t>Prepare a quick Topology Diagram of your testbed to use in emails or chats.</a:t>
-            </a:r>
-          </a:p>
-          <a:p>
-            <a:endParaRPr lang="en-US" sz="2400" dirty="0"/>
-          </a:p>
-          <a:p>
-            <a:r>
-              <a:rPr lang="en-US" sz="2400" dirty="0"/>
-              <a:t>Share your Topology with your team while sharing setups.</a:t>
-            </a:r>
-          </a:p>
-          <a:p>
-            <a:endParaRPr lang="en-US" sz="2400" dirty="0"/>
-          </a:p>
-          <a:p>
-            <a:r>
-              <a:rPr lang="en-US" sz="2400" dirty="0"/>
-              <a:t>Attaching the Topology Diagrams in Bug Description for easy understanding of the Testbed.</a:t>
+              <a:rPr lang="en-US" sz="5400">
+                <a:solidFill>
+                  <a:schemeClr val="bg1"/>
+                </a:solidFill>
+              </a:rPr>
+              <a:t>PROBLEM TO SOLVE</a:t>
             </a:r>
           </a:p>
         </p:txBody>
       </p:sp>
-      <p:pic>
-        <p:nvPicPr>
-          <p:cNvPr id="5" name="Picture 4">
+      <p:graphicFrame>
+        <p:nvGraphicFramePr>
+          <p:cNvPr id="5" name="Content Placeholder 2">
             <a:extLst>
               <a:ext uri="{FF2B5EF4-FFF2-40B4-BE49-F238E27FC236}">
-                <a16:creationId xmlns:a16="http://schemas.microsoft.com/office/drawing/2014/main" id="{223E53A2-EFC1-4FFB-B7A2-096113B14270}"/>
+                <a16:creationId xmlns:a16="http://schemas.microsoft.com/office/drawing/2014/main" id="{BE9827FD-6479-4321-98B4-2D255BD07537}"/>
               </a:ext>
             </a:extLst>
           </p:cNvPr>
-          <p:cNvPicPr>
-            <a:picLocks noChangeAspect="1"/>
-          </p:cNvPicPr>
-          <p:nvPr/>
-        </p:nvPicPr>
-        <p:blipFill rotWithShape="1">
-          <a:blip r:embed="rId2"/>
-          <a:srcRect l="31791" r="30187"/>
-          <a:stretch/>
-        </p:blipFill>
-        <p:spPr>
-          <a:xfrm>
-            <a:off x="0" y="287089"/>
-            <a:ext cx="4635571" cy="6857990"/>
-          </a:xfrm>
-          <a:prstGeom prst="rect">
-            <a:avLst/>
-          </a:prstGeom>
-          <a:effectLst/>
-        </p:spPr>
-      </p:pic>
-      <p:cxnSp>
-        <p:nvCxnSpPr>
-          <p:cNvPr id="9" name="Straight Connector 8">
-            <a:extLst>
-              <a:ext uri="{FF2B5EF4-FFF2-40B4-BE49-F238E27FC236}">
-                <a16:creationId xmlns:a16="http://schemas.microsoft.com/office/drawing/2014/main" id="{A7F400EE-A8A5-48AF-B4D6-291B52C6F0B0}"/>
-              </a:ext>
-              <a:ext uri="{C183D7F6-B498-43B3-948B-1728B52AA6E4}">
-                <adec:decorative xmlns:adec="http://schemas.microsoft.com/office/drawing/2017/decorative" val="1"/>
-              </a:ext>
-            </a:extLst>
-          </p:cNvPr>
-          <p:cNvCxnSpPr>
-            <a:cxnSpLocks noGrp="1" noRot="1" noChangeAspect="1" noMove="1" noResize="1" noEditPoints="1" noAdjustHandles="1" noChangeArrowheads="1" noChangeShapeType="1"/>
-          </p:cNvCxnSpPr>
+          <p:cNvGraphicFramePr>
+            <a:graphicFrameLocks noGrp="1"/>
+          </p:cNvGraphicFramePr>
           <p:nvPr>
+            <p:ph idx="1"/>
             <p:extLst>
-              <p:ext uri="{386F3935-93C4-4BCD-93E2-E3B085C9AB24}">
-                <p16:designElem xmlns:p16="http://schemas.microsoft.com/office/powerpoint/2015/main" val="1"/>
+              <p:ext uri="{D42A27DB-BD31-4B8C-83A1-F6EECF244321}">
+                <p14:modId xmlns:p14="http://schemas.microsoft.com/office/powerpoint/2010/main" val="4083691433"/>
               </p:ext>
             </p:extLst>
           </p:nvPr>
-        </p:nvCxnSpPr>
-        <p:spPr>
-          <a:xfrm>
-            <a:off x="5080934" y="2115117"/>
-            <a:ext cx="6309360" cy="0"/>
-          </a:xfrm>
-          <a:prstGeom prst="line">
-            <a:avLst/>
-          </a:prstGeom>
-          <a:ln w="19050">
-            <a:solidFill>
-              <a:srgbClr val="A92211"/>
-            </a:solidFill>
-          </a:ln>
-        </p:spPr>
-        <p:style>
-          <a:lnRef idx="1">
-            <a:schemeClr val="accent1"/>
-          </a:lnRef>
-          <a:fillRef idx="0">
-            <a:schemeClr val="accent1"/>
-          </a:fillRef>
-          <a:effectRef idx="0">
-            <a:schemeClr val="accent1"/>
-          </a:effectRef>
-          <a:fontRef idx="minor">
-            <a:schemeClr val="tx1"/>
-          </a:fontRef>
-        </p:style>
-      </p:cxnSp>
+        </p:nvGraphicFramePr>
+        <p:xfrm>
+          <a:off x="391379" y="1976293"/>
+          <a:ext cx="11407487" cy="4351338"/>
+        </p:xfrm>
+        <a:graphic>
+          <a:graphicData uri="http://schemas.openxmlformats.org/drawingml/2006/diagram">
+            <dgm:relIds xmlns:dgm="http://schemas.openxmlformats.org/drawingml/2006/diagram" xmlns:r="http://schemas.openxmlformats.org/officeDocument/2006/relationships" r:dm="rId2" r:lo="rId3" r:qs="rId4" r:cs="rId5"/>
+          </a:graphicData>
+        </a:graphic>
+      </p:graphicFrame>
     </p:spTree>
     <p:extLst>
       <p:ext uri="{BB962C8B-B14F-4D97-AF65-F5344CB8AC3E}">
-        <p14:creationId xmlns:p14="http://schemas.microsoft.com/office/powerpoint/2010/main" val="2381915738"/>
+        <p14:creationId xmlns:p14="http://schemas.microsoft.com/office/powerpoint/2010/main" val="3364537247"/>
       </p:ext>
     </p:extLst>
   </p:cSld>
@@ -9409,45 +12463,10 @@
       </p:grpSpPr>
       <p:sp>
         <p:nvSpPr>
-          <p:cNvPr id="4" name="Title 3">
+          <p:cNvPr id="19" name="Freeform: Shape 8">
             <a:extLst>
               <a:ext uri="{FF2B5EF4-FFF2-40B4-BE49-F238E27FC236}">
-                <a16:creationId xmlns:a16="http://schemas.microsoft.com/office/drawing/2014/main" id="{26C9CE41-B119-4041-9A5E-01343312CB96}"/>
-              </a:ext>
-            </a:extLst>
-          </p:cNvPr>
-          <p:cNvSpPr>
-            <a:spLocks noGrp="1"/>
-          </p:cNvSpPr>
-          <p:nvPr>
-            <p:ph type="title"/>
-          </p:nvPr>
-        </p:nvSpPr>
-        <p:spPr>
-          <a:xfrm>
-            <a:off x="396573" y="320675"/>
-            <a:ext cx="11407487" cy="1325563"/>
-          </a:xfrm>
-        </p:spPr>
-        <p:txBody>
-          <a:bodyPr>
-            <a:normAutofit/>
-          </a:bodyPr>
-          <a:lstStyle/>
-          <a:p>
-            <a:r>
-              <a:rPr lang="en-US" sz="5400" dirty="0"/>
-              <a:t>TECH STACK USED</a:t>
-            </a:r>
-          </a:p>
-        </p:txBody>
-      </p:sp>
-      <p:sp>
-        <p:nvSpPr>
-          <p:cNvPr id="12" name="Rectangle 11">
-            <a:extLst>
-              <a:ext uri="{FF2B5EF4-FFF2-40B4-BE49-F238E27FC236}">
-                <a16:creationId xmlns:a16="http://schemas.microsoft.com/office/drawing/2014/main" id="{37E32B78-23DD-4E77-8B9C-7779E3BF20C2}"/>
+                <a16:creationId xmlns:a16="http://schemas.microsoft.com/office/drawing/2014/main" id="{42285737-90EE-47DC-AC80-8AE156B11969}"/>
               </a:ext>
               <a:ext uri="{C183D7F6-B498-43B3-948B-1728B52AA6E4}">
                 <adec:decorative xmlns:adec="http://schemas.microsoft.com/office/drawing/2017/decorative" val="1"/>
@@ -9466,350 +12485,33 @@
           </p:nvPr>
         </p:nvSpPr>
         <p:spPr>
-          <a:xfrm>
-            <a:off x="0" y="0"/>
-            <a:ext cx="126124" cy="6858000"/>
-          </a:xfrm>
-          <a:prstGeom prst="rect">
-            <a:avLst/>
-          </a:prstGeom>
-          <a:solidFill>
-            <a:srgbClr val="4472C4"/>
-          </a:solidFill>
-          <a:ln w="12700" cap="flat" cmpd="sng" algn="ctr">
-            <a:noFill/>
-            <a:prstDash val="solid"/>
-            <a:miter lim="800000"/>
-          </a:ln>
-          <a:effectLst/>
-        </p:spPr>
-        <p:txBody>
-          <a:bodyPr rtlCol="0" anchor="ctr"/>
-          <a:lstStyle/>
-          <a:p>
-            <a:pPr marL="0" marR="0" lvl="0" indent="0" algn="ctr" defTabSz="914400" eaLnBrk="1" fontAlgn="auto" latinLnBrk="0" hangingPunct="1">
-              <a:lnSpc>
-                <a:spcPct val="100000"/>
-              </a:lnSpc>
-              <a:spcBef>
-                <a:spcPts val="0"/>
-              </a:spcBef>
-              <a:spcAft>
-                <a:spcPts val="0"/>
-              </a:spcAft>
-              <a:buClrTx/>
-              <a:buSzTx/>
-              <a:buFontTx/>
-              <a:buNone/>
-              <a:tabLst/>
-              <a:defRPr/>
-            </a:pPr>
-            <a:endParaRPr kumimoji="0" lang="en-US" sz="1800" b="0" i="0" u="none" strike="noStrike" kern="0" cap="none" spc="0" normalizeH="0" baseline="0" noProof="0">
-              <a:ln>
-                <a:noFill/>
-              </a:ln>
-              <a:solidFill>
-                <a:prstClr val="white"/>
-              </a:solidFill>
-              <a:effectLst/>
-              <a:uLnTx/>
-              <a:uFillTx/>
-              <a:latin typeface="Calibri" panose="020F0502020204030204"/>
-              <a:ea typeface="+mn-ea"/>
-              <a:cs typeface="+mn-cs"/>
-            </a:endParaRPr>
-          </a:p>
-        </p:txBody>
-      </p:sp>
-      <p:graphicFrame>
-        <p:nvGraphicFramePr>
-          <p:cNvPr id="8" name="Content Placeholder 5">
-            <a:extLst>
-              <a:ext uri="{FF2B5EF4-FFF2-40B4-BE49-F238E27FC236}">
-                <a16:creationId xmlns:a16="http://schemas.microsoft.com/office/drawing/2014/main" id="{549B3FAE-CAD9-44AD-9172-BA6569492A04}"/>
-              </a:ext>
-            </a:extLst>
-          </p:cNvPr>
-          <p:cNvGraphicFramePr>
-            <a:graphicFrameLocks noGrp="1"/>
-          </p:cNvGraphicFramePr>
-          <p:nvPr>
-            <p:ph idx="1"/>
-            <p:extLst>
-              <p:ext uri="{D42A27DB-BD31-4B8C-83A1-F6EECF244321}">
-                <p14:modId xmlns:p14="http://schemas.microsoft.com/office/powerpoint/2010/main" val="3996017039"/>
-              </p:ext>
-            </p:extLst>
-          </p:nvPr>
-        </p:nvGraphicFramePr>
-        <p:xfrm>
-          <a:off x="396574" y="1825625"/>
-          <a:ext cx="11407487" cy="4351338"/>
-        </p:xfrm>
-        <a:graphic>
-          <a:graphicData uri="http://schemas.openxmlformats.org/drawingml/2006/diagram">
-            <dgm:relIds xmlns:dgm="http://schemas.openxmlformats.org/drawingml/2006/diagram" xmlns:r="http://schemas.openxmlformats.org/officeDocument/2006/relationships" r:dm="rId2" r:lo="rId3" r:qs="rId4" r:cs="rId5"/>
-          </a:graphicData>
-        </a:graphic>
-      </p:graphicFrame>
-    </p:spTree>
-    <p:extLst>
-      <p:ext uri="{BB962C8B-B14F-4D97-AF65-F5344CB8AC3E}">
-        <p14:creationId xmlns:p14="http://schemas.microsoft.com/office/powerpoint/2010/main" val="3588760638"/>
-      </p:ext>
-    </p:extLst>
-  </p:cSld>
-  <p:clrMapOvr>
-    <a:masterClrMapping/>
-  </p:clrMapOvr>
-</p:sld>
-</file>
-
-<file path=ppt/slides/slide4.xml><?xml version="1.0" encoding="utf-8"?>
-<p:sld xmlns:a="http://schemas.openxmlformats.org/drawingml/2006/main" xmlns:r="http://schemas.openxmlformats.org/officeDocument/2006/relationships" xmlns:p="http://schemas.openxmlformats.org/presentationml/2006/main">
-  <p:cSld>
-    <p:bg>
-      <p:bgPr>
-        <a:solidFill>
-          <a:schemeClr val="bg1"/>
-        </a:solidFill>
-        <a:effectLst/>
-      </p:bgPr>
-    </p:bg>
-    <p:spTree>
-      <p:nvGrpSpPr>
-        <p:cNvPr id="1" name=""/>
-        <p:cNvGrpSpPr/>
-        <p:nvPr/>
-      </p:nvGrpSpPr>
-      <p:grpSpPr>
-        <a:xfrm>
-          <a:off x="0" y="0"/>
-          <a:ext cx="0" cy="0"/>
-          <a:chOff x="0" y="0"/>
-          <a:chExt cx="0" cy="0"/>
-        </a:xfrm>
-      </p:grpSpPr>
-      <p:sp>
-        <p:nvSpPr>
-          <p:cNvPr id="2" name="Title 1">
-            <a:extLst>
-              <a:ext uri="{FF2B5EF4-FFF2-40B4-BE49-F238E27FC236}">
-                <a16:creationId xmlns:a16="http://schemas.microsoft.com/office/drawing/2014/main" id="{D6556202-712F-DF41-A32F-760F485D2258}"/>
-              </a:ext>
-            </a:extLst>
-          </p:cNvPr>
-          <p:cNvSpPr>
-            <a:spLocks noGrp="1"/>
-          </p:cNvSpPr>
-          <p:nvPr>
-            <p:ph type="title"/>
-          </p:nvPr>
-        </p:nvSpPr>
-        <p:spPr>
-          <a:xfrm>
-            <a:off x="1653363" y="365760"/>
-            <a:ext cx="9367203" cy="1188720"/>
-          </a:xfrm>
-        </p:spPr>
-        <p:txBody>
-          <a:bodyPr>
-            <a:normAutofit/>
-          </a:bodyPr>
-          <a:lstStyle/>
-          <a:p>
-            <a:r>
-              <a:rPr lang="en-US" sz="4800" dirty="0"/>
-              <a:t>DOWNLOADING ANACONDA</a:t>
-            </a:r>
-          </a:p>
-        </p:txBody>
-      </p:sp>
-      <p:sp>
-        <p:nvSpPr>
-          <p:cNvPr id="8" name="Freeform: Shape 7">
-            <a:extLst>
-              <a:ext uri="{FF2B5EF4-FFF2-40B4-BE49-F238E27FC236}">
-                <a16:creationId xmlns:a16="http://schemas.microsoft.com/office/drawing/2014/main" id="{7CB4857B-ED7C-444D-9F04-2F885114A1C2}"/>
-              </a:ext>
-              <a:ext uri="{C183D7F6-B498-43B3-948B-1728B52AA6E4}">
-                <adec:decorative xmlns:adec="http://schemas.microsoft.com/office/drawing/2017/decorative" val="1"/>
-              </a:ext>
-            </a:extLst>
-          </p:cNvPr>
-          <p:cNvSpPr>
-            <a:spLocks noGrp="1" noRot="1" noChangeAspect="1" noMove="1" noResize="1" noEditPoints="1" noAdjustHandles="1" noChangeArrowheads="1" noChangeShapeType="1" noTextEdit="1"/>
-          </p:cNvSpPr>
-          <p:nvPr>
-            <p:extLst>
-              <p:ext uri="{386F3935-93C4-4BCD-93E2-E3B085C9AB24}">
-                <p16:designElem xmlns:p16="http://schemas.microsoft.com/office/powerpoint/2015/main" val="1"/>
-              </p:ext>
-            </p:extLst>
-          </p:nvPr>
-        </p:nvSpPr>
-        <p:spPr>
-          <a:xfrm>
-            <a:off x="1" y="0"/>
-            <a:ext cx="1764099" cy="1558212"/>
+          <a:xfrm flipV="1">
+            <a:off x="-1" y="-1"/>
+            <a:ext cx="4403709" cy="6858001"/>
           </a:xfrm>
           <a:custGeom>
             <a:avLst/>
             <a:gdLst>
-              <a:gd name="connsiteX0" fmla="*/ 0 w 1764099"/>
-              <a:gd name="connsiteY0" fmla="*/ 0 h 1558212"/>
-              <a:gd name="connsiteX1" fmla="*/ 1764099 w 1764099"/>
-              <a:gd name="connsiteY1" fmla="*/ 0 h 1558212"/>
-              <a:gd name="connsiteX2" fmla="*/ 1042087 w 1764099"/>
-              <a:gd name="connsiteY2" fmla="*/ 1558212 h 1558212"/>
-              <a:gd name="connsiteX3" fmla="*/ 0 w 1764099"/>
-              <a:gd name="connsiteY3" fmla="*/ 1558212 h 1558212"/>
-            </a:gdLst>
-            <a:ahLst/>
-            <a:cxnLst>
-              <a:cxn ang="0">
-                <a:pos x="connsiteX0" y="connsiteY0"/>
-              </a:cxn>
-              <a:cxn ang="0">
-                <a:pos x="connsiteX1" y="connsiteY1"/>
-              </a:cxn>
-              <a:cxn ang="0">
-                <a:pos x="connsiteX2" y="connsiteY2"/>
-              </a:cxn>
-              <a:cxn ang="0">
-                <a:pos x="connsiteX3" y="connsiteY3"/>
-              </a:cxn>
-            </a:cxnLst>
-            <a:rect l="l" t="t" r="r" b="b"/>
-            <a:pathLst>
-              <a:path w="1764099" h="1558212">
-                <a:moveTo>
-                  <a:pt x="0" y="0"/>
-                </a:moveTo>
-                <a:lnTo>
-                  <a:pt x="1764099" y="0"/>
-                </a:lnTo>
-                <a:lnTo>
-                  <a:pt x="1042087" y="1558212"/>
-                </a:lnTo>
-                <a:lnTo>
-                  <a:pt x="0" y="1558212"/>
-                </a:lnTo>
-                <a:close/>
-              </a:path>
-            </a:pathLst>
-          </a:custGeom>
-          <a:solidFill>
-            <a:schemeClr val="accent4"/>
-          </a:solidFill>
-          <a:ln>
-            <a:noFill/>
-          </a:ln>
-        </p:spPr>
-        <p:style>
-          <a:lnRef idx="2">
-            <a:schemeClr val="accent1">
-              <a:shade val="50000"/>
-            </a:schemeClr>
-          </a:lnRef>
-          <a:fillRef idx="1">
-            <a:schemeClr val="accent1"/>
-          </a:fillRef>
-          <a:effectRef idx="0">
-            <a:schemeClr val="accent1"/>
-          </a:effectRef>
-          <a:fontRef idx="minor">
-            <a:schemeClr val="lt1"/>
-          </a:fontRef>
-        </p:style>
-        <p:txBody>
-          <a:bodyPr wrap="square" rtlCol="0" anchor="ctr">
-            <a:noAutofit/>
-          </a:bodyPr>
-          <a:lstStyle/>
-          <a:p>
-            <a:pPr algn="ctr"/>
-            <a:endParaRPr lang="en-US"/>
-          </a:p>
-        </p:txBody>
-      </p:sp>
-      <p:sp>
-        <p:nvSpPr>
-          <p:cNvPr id="10" name="Freeform: Shape 9">
-            <a:extLst>
-              <a:ext uri="{FF2B5EF4-FFF2-40B4-BE49-F238E27FC236}">
-                <a16:creationId xmlns:a16="http://schemas.microsoft.com/office/drawing/2014/main" id="{D18046FB-44EA-4FD8-A585-EA09A319B2D0}"/>
-              </a:ext>
-              <a:ext uri="{C183D7F6-B498-43B3-948B-1728B52AA6E4}">
-                <adec:decorative xmlns:adec="http://schemas.microsoft.com/office/drawing/2017/decorative" val="1"/>
-              </a:ext>
-            </a:extLst>
-          </p:cNvPr>
-          <p:cNvSpPr>
-            <a:spLocks noGrp="1" noRot="1" noChangeAspect="1" noMove="1" noResize="1" noEditPoints="1" noAdjustHandles="1" noChangeArrowheads="1" noChangeShapeType="1" noTextEdit="1"/>
-          </p:cNvSpPr>
-          <p:nvPr>
-            <p:extLst>
-              <p:ext uri="{386F3935-93C4-4BCD-93E2-E3B085C9AB24}">
-                <p16:designElem xmlns:p16="http://schemas.microsoft.com/office/powerpoint/2015/main" val="1"/>
-              </p:ext>
-            </p:extLst>
-          </p:nvPr>
-        </p:nvSpPr>
-        <p:spPr>
-          <a:xfrm>
-            <a:off x="1" y="1691640"/>
-            <a:ext cx="12191999" cy="5166360"/>
-          </a:xfrm>
-          <a:custGeom>
-            <a:avLst/>
-            <a:gdLst>
-              <a:gd name="connsiteX0" fmla="*/ 0 w 12191999"/>
-              <a:gd name="connsiteY0" fmla="*/ 0 h 5166360"/>
-              <a:gd name="connsiteX1" fmla="*/ 1822388 w 12191999"/>
-              <a:gd name="connsiteY1" fmla="*/ 0 h 5166360"/>
-              <a:gd name="connsiteX2" fmla="*/ 6468290 w 12191999"/>
-              <a:gd name="connsiteY2" fmla="*/ 0 h 5166360"/>
-              <a:gd name="connsiteX3" fmla="*/ 7796394 w 12191999"/>
-              <a:gd name="connsiteY3" fmla="*/ 0 h 5166360"/>
-              <a:gd name="connsiteX4" fmla="*/ 8376834 w 12191999"/>
-              <a:gd name="connsiteY4" fmla="*/ 0 h 5166360"/>
-              <a:gd name="connsiteX5" fmla="*/ 9704938 w 12191999"/>
-              <a:gd name="connsiteY5" fmla="*/ 0 h 5166360"/>
-              <a:gd name="connsiteX6" fmla="*/ 9704938 w 12191999"/>
-              <a:gd name="connsiteY6" fmla="*/ 2 h 5166360"/>
-              <a:gd name="connsiteX7" fmla="*/ 10283456 w 12191999"/>
-              <a:gd name="connsiteY7" fmla="*/ 2 h 5166360"/>
-              <a:gd name="connsiteX8" fmla="*/ 10863897 w 12191999"/>
-              <a:gd name="connsiteY8" fmla="*/ 2 h 5166360"/>
-              <a:gd name="connsiteX9" fmla="*/ 12191999 w 12191999"/>
-              <a:gd name="connsiteY9" fmla="*/ 2 h 5166360"/>
-              <a:gd name="connsiteX10" fmla="*/ 12191999 w 12191999"/>
-              <a:gd name="connsiteY10" fmla="*/ 5166360 h 5166360"/>
-              <a:gd name="connsiteX11" fmla="*/ 0 w 12191999"/>
-              <a:gd name="connsiteY11" fmla="*/ 5166360 h 5166360"/>
-              <a:gd name="connsiteX12" fmla="*/ 0 w 12191999"/>
-              <a:gd name="connsiteY12" fmla="*/ 2604436 h 5166360"/>
-              <a:gd name="connsiteX13" fmla="*/ 862341 w 12191999"/>
-              <a:gd name="connsiteY13" fmla="*/ 743371 h 5166360"/>
-              <a:gd name="connsiteX14" fmla="*/ 0 w 12191999"/>
-              <a:gd name="connsiteY14" fmla="*/ 743371 h 5166360"/>
-              <a:gd name="connsiteX15" fmla="*/ 0 w 12191999"/>
-              <a:gd name="connsiteY15" fmla="*/ 742508 h 5166360"/>
-              <a:gd name="connsiteX16" fmla="*/ 92826 w 12191999"/>
-              <a:gd name="connsiteY16" fmla="*/ 742508 h 5166360"/>
-              <a:gd name="connsiteX17" fmla="*/ 406486 w 12191999"/>
-              <a:gd name="connsiteY17" fmla="*/ 742508 h 5166360"/>
-              <a:gd name="connsiteX18" fmla="*/ 406486 w 12191999"/>
-              <a:gd name="connsiteY18" fmla="*/ 742507 h 5166360"/>
-              <a:gd name="connsiteX19" fmla="*/ 862741 w 12191999"/>
-              <a:gd name="connsiteY19" fmla="*/ 742507 h 5166360"/>
-              <a:gd name="connsiteX20" fmla="*/ 1206388 w 12191999"/>
-              <a:gd name="connsiteY20" fmla="*/ 864 h 5166360"/>
-              <a:gd name="connsiteX21" fmla="*/ 748500 w 12191999"/>
-              <a:gd name="connsiteY21" fmla="*/ 864 h 5166360"/>
-              <a:gd name="connsiteX22" fmla="*/ 0 w 12191999"/>
-              <a:gd name="connsiteY22" fmla="*/ 864 h 5166360"/>
+              <a:gd name="connsiteX0" fmla="*/ 3223890 w 4403709"/>
+              <a:gd name="connsiteY0" fmla="*/ 6858001 h 6858001"/>
+              <a:gd name="connsiteX1" fmla="*/ 4101908 w 4403709"/>
+              <a:gd name="connsiteY1" fmla="*/ 6858001 h 6858001"/>
+              <a:gd name="connsiteX2" fmla="*/ 3254950 w 4403709"/>
+              <a:gd name="connsiteY2" fmla="*/ 1599356 h 6858001"/>
+              <a:gd name="connsiteX3" fmla="*/ 3254950 w 4403709"/>
+              <a:gd name="connsiteY3" fmla="*/ 1594062 h 6858001"/>
+              <a:gd name="connsiteX4" fmla="*/ 4403709 w 4403709"/>
+              <a:gd name="connsiteY4" fmla="*/ 0 h 6858001"/>
+              <a:gd name="connsiteX5" fmla="*/ 3254950 w 4403709"/>
+              <a:gd name="connsiteY5" fmla="*/ 0 h 6858001"/>
+              <a:gd name="connsiteX6" fmla="*/ 2903520 w 4403709"/>
+              <a:gd name="connsiteY6" fmla="*/ 0 h 6858001"/>
+              <a:gd name="connsiteX7" fmla="*/ 0 w 4403709"/>
+              <a:gd name="connsiteY7" fmla="*/ 0 h 6858001"/>
+              <a:gd name="connsiteX8" fmla="*/ 0 w 4403709"/>
+              <a:gd name="connsiteY8" fmla="*/ 6858000 h 6858001"/>
+              <a:gd name="connsiteX9" fmla="*/ 3223890 w 4403709"/>
+              <a:gd name="connsiteY9" fmla="*/ 6858000 h 6858001"/>
             </a:gdLst>
             <a:ahLst/>
             <a:cxnLst>
@@ -9843,127 +12545,44 @@
               <a:cxn ang="0">
                 <a:pos x="connsiteX9" y="connsiteY9"/>
               </a:cxn>
-              <a:cxn ang="0">
-                <a:pos x="connsiteX10" y="connsiteY10"/>
-              </a:cxn>
-              <a:cxn ang="0">
-                <a:pos x="connsiteX11" y="connsiteY11"/>
-              </a:cxn>
-              <a:cxn ang="0">
-                <a:pos x="connsiteX12" y="connsiteY12"/>
-              </a:cxn>
-              <a:cxn ang="0">
-                <a:pos x="connsiteX13" y="connsiteY13"/>
-              </a:cxn>
-              <a:cxn ang="0">
-                <a:pos x="connsiteX14" y="connsiteY14"/>
-              </a:cxn>
-              <a:cxn ang="0">
-                <a:pos x="connsiteX15" y="connsiteY15"/>
-              </a:cxn>
-              <a:cxn ang="0">
-                <a:pos x="connsiteX16" y="connsiteY16"/>
-              </a:cxn>
-              <a:cxn ang="0">
-                <a:pos x="connsiteX17" y="connsiteY17"/>
-              </a:cxn>
-              <a:cxn ang="0">
-                <a:pos x="connsiteX18" y="connsiteY18"/>
-              </a:cxn>
-              <a:cxn ang="0">
-                <a:pos x="connsiteX19" y="connsiteY19"/>
-              </a:cxn>
-              <a:cxn ang="0">
-                <a:pos x="connsiteX20" y="connsiteY20"/>
-              </a:cxn>
-              <a:cxn ang="0">
-                <a:pos x="connsiteX21" y="connsiteY21"/>
-              </a:cxn>
-              <a:cxn ang="0">
-                <a:pos x="connsiteX22" y="connsiteY22"/>
-              </a:cxn>
             </a:cxnLst>
             <a:rect l="l" t="t" r="r" b="b"/>
             <a:pathLst>
-              <a:path w="12191999" h="5166360">
+              <a:path w="4403709" h="6858001">
                 <a:moveTo>
-                  <a:pt x="0" y="0"/>
+                  <a:pt x="3223890" y="6858001"/>
                 </a:moveTo>
                 <a:lnTo>
-                  <a:pt x="1822388" y="0"/>
+                  <a:pt x="4101908" y="6858001"/>
                 </a:lnTo>
                 <a:lnTo>
-                  <a:pt x="6468290" y="0"/>
+                  <a:pt x="3254950" y="1599356"/>
                 </a:lnTo>
                 <a:lnTo>
-                  <a:pt x="7796394" y="0"/>
+                  <a:pt x="3254950" y="1594062"/>
                 </a:lnTo>
                 <a:lnTo>
-                  <a:pt x="8376834" y="0"/>
+                  <a:pt x="4403709" y="0"/>
                 </a:lnTo>
                 <a:lnTo>
-                  <a:pt x="9704938" y="0"/>
+                  <a:pt x="3254950" y="0"/>
                 </a:lnTo>
                 <a:lnTo>
-                  <a:pt x="9704938" y="2"/>
+                  <a:pt x="2903520" y="0"/>
                 </a:lnTo>
                 <a:lnTo>
-                  <a:pt x="10283456" y="2"/>
+                  <a:pt x="0" y="0"/>
                 </a:lnTo>
                 <a:lnTo>
-                  <a:pt x="10863897" y="2"/>
+                  <a:pt x="0" y="6858000"/>
                 </a:lnTo>
                 <a:lnTo>
-                  <a:pt x="12191999" y="2"/>
-                </a:lnTo>
-                <a:lnTo>
-                  <a:pt x="12191999" y="5166360"/>
-                </a:lnTo>
-                <a:lnTo>
-                  <a:pt x="0" y="5166360"/>
-                </a:lnTo>
-                <a:lnTo>
-                  <a:pt x="0" y="2604436"/>
-                </a:lnTo>
-                <a:lnTo>
-                  <a:pt x="862341" y="743371"/>
-                </a:lnTo>
-                <a:lnTo>
-                  <a:pt x="0" y="743371"/>
-                </a:lnTo>
-                <a:lnTo>
-                  <a:pt x="0" y="742508"/>
-                </a:lnTo>
-                <a:lnTo>
-                  <a:pt x="92826" y="742508"/>
-                </a:lnTo>
-                <a:lnTo>
-                  <a:pt x="406486" y="742508"/>
-                </a:lnTo>
-                <a:lnTo>
-                  <a:pt x="406486" y="742507"/>
-                </a:lnTo>
-                <a:lnTo>
-                  <a:pt x="862741" y="742507"/>
-                </a:lnTo>
-                <a:lnTo>
-                  <a:pt x="1206388" y="864"/>
-                </a:lnTo>
-                <a:lnTo>
-                  <a:pt x="748500" y="864"/>
-                </a:lnTo>
-                <a:lnTo>
-                  <a:pt x="0" y="864"/>
+                  <a:pt x="3223890" y="6858000"/>
                 </a:lnTo>
                 <a:close/>
               </a:path>
             </a:pathLst>
           </a:custGeom>
-          <a:solidFill>
-            <a:srgbClr val="A6A6A6">
-              <a:alpha val="49804"/>
-            </a:srgbClr>
-          </a:solidFill>
           <a:ln>
             <a:noFill/>
           </a:ln>
@@ -9974,275 +12593,8 @@
               <a:shade val="50000"/>
             </a:schemeClr>
           </a:lnRef>
-          <a:fillRef idx="1">
-            <a:schemeClr val="accent1"/>
-          </a:fillRef>
-          <a:effectRef idx="0">
-            <a:schemeClr val="accent1"/>
-          </a:effectRef>
-          <a:fontRef idx="minor">
-            <a:schemeClr val="lt1"/>
-          </a:fontRef>
-        </p:style>
-        <p:txBody>
-          <a:bodyPr wrap="square" rtlCol="0" anchor="ctr">
-            <a:noAutofit/>
-          </a:bodyPr>
-          <a:lstStyle/>
-          <a:p>
-            <a:pPr algn="ctr"/>
-            <a:endParaRPr lang="en-US"/>
-          </a:p>
-        </p:txBody>
-      </p:sp>
-      <p:sp>
-        <p:nvSpPr>
-          <p:cNvPr id="12" name="Freeform: Shape 11">
-            <a:extLst>
-              <a:ext uri="{FF2B5EF4-FFF2-40B4-BE49-F238E27FC236}">
-                <a16:creationId xmlns:a16="http://schemas.microsoft.com/office/drawing/2014/main" id="{479F5F2B-8B58-4140-AE6A-51F6C67B18D9}"/>
-              </a:ext>
-              <a:ext uri="{C183D7F6-B498-43B3-948B-1728B52AA6E4}">
-                <adec:decorative xmlns:adec="http://schemas.microsoft.com/office/drawing/2017/decorative" val="1"/>
-              </a:ext>
-            </a:extLst>
-          </p:cNvPr>
-          <p:cNvSpPr>
-            <a:spLocks noGrp="1" noRot="1" noChangeAspect="1" noMove="1" noResize="1" noEditPoints="1" noAdjustHandles="1" noChangeArrowheads="1" noChangeShapeType="1" noTextEdit="1"/>
-          </p:cNvSpPr>
-          <p:nvPr>
-            <p:extLst>
-              <p:ext uri="{386F3935-93C4-4BCD-93E2-E3B085C9AB24}">
-                <p16:designElem xmlns:p16="http://schemas.microsoft.com/office/powerpoint/2015/main" val="1"/>
-              </p:ext>
-            </p:extLst>
-          </p:nvPr>
-        </p:nvSpPr>
-        <p:spPr>
-          <a:xfrm>
-            <a:off x="0" y="1691641"/>
-            <a:ext cx="971654" cy="2096979"/>
-          </a:xfrm>
-          <a:custGeom>
-            <a:avLst/>
-            <a:gdLst>
-              <a:gd name="connsiteX0" fmla="*/ 0 w 971654"/>
-              <a:gd name="connsiteY0" fmla="*/ 0 h 2096979"/>
-              <a:gd name="connsiteX1" fmla="*/ 971654 w 971654"/>
-              <a:gd name="connsiteY1" fmla="*/ 0 h 2096979"/>
-              <a:gd name="connsiteX2" fmla="*/ 0 w 971654"/>
-              <a:gd name="connsiteY2" fmla="*/ 2096979 h 2096979"/>
-            </a:gdLst>
-            <a:ahLst/>
-            <a:cxnLst>
-              <a:cxn ang="0">
-                <a:pos x="connsiteX0" y="connsiteY0"/>
-              </a:cxn>
-              <a:cxn ang="0">
-                <a:pos x="connsiteX1" y="connsiteY1"/>
-              </a:cxn>
-              <a:cxn ang="0">
-                <a:pos x="connsiteX2" y="connsiteY2"/>
-              </a:cxn>
-            </a:cxnLst>
-            <a:rect l="l" t="t" r="r" b="b"/>
-            <a:pathLst>
-              <a:path w="971654" h="2096979">
-                <a:moveTo>
-                  <a:pt x="0" y="0"/>
-                </a:moveTo>
-                <a:lnTo>
-                  <a:pt x="971654" y="0"/>
-                </a:lnTo>
-                <a:lnTo>
-                  <a:pt x="0" y="2096979"/>
-                </a:lnTo>
-                <a:close/>
-              </a:path>
-            </a:pathLst>
-          </a:custGeom>
-          <a:solidFill>
-            <a:srgbClr val="404040"/>
-          </a:solidFill>
-          <a:ln>
-            <a:noFill/>
-          </a:ln>
-        </p:spPr>
-        <p:style>
-          <a:lnRef idx="2">
-            <a:schemeClr val="accent1">
-              <a:shade val="50000"/>
-            </a:schemeClr>
-          </a:lnRef>
-          <a:fillRef idx="1">
-            <a:schemeClr val="accent1"/>
-          </a:fillRef>
-          <a:effectRef idx="0">
-            <a:schemeClr val="accent1"/>
-          </a:effectRef>
-          <a:fontRef idx="minor">
-            <a:schemeClr val="lt1"/>
-          </a:fontRef>
-        </p:style>
-        <p:txBody>
-          <a:bodyPr wrap="square" rtlCol="0" anchor="ctr">
-            <a:noAutofit/>
-          </a:bodyPr>
-          <a:lstStyle/>
-          <a:p>
-            <a:pPr algn="ctr"/>
-            <a:endParaRPr lang="en-US"/>
-          </a:p>
-        </p:txBody>
-      </p:sp>
-      <p:sp>
-        <p:nvSpPr>
-          <p:cNvPr id="3" name="Content Placeholder 2">
-            <a:extLst>
-              <a:ext uri="{FF2B5EF4-FFF2-40B4-BE49-F238E27FC236}">
-                <a16:creationId xmlns:a16="http://schemas.microsoft.com/office/drawing/2014/main" id="{1E6ED239-77B0-E943-9F5A-CB50AA5137D2}"/>
-              </a:ext>
-            </a:extLst>
-          </p:cNvPr>
-          <p:cNvSpPr>
-            <a:spLocks noGrp="1"/>
-          </p:cNvSpPr>
-          <p:nvPr>
-            <p:ph idx="1"/>
-          </p:nvPr>
-        </p:nvSpPr>
-        <p:spPr>
-          <a:xfrm>
-            <a:off x="1653363" y="2176272"/>
-            <a:ext cx="9367204" cy="4041648"/>
-          </a:xfrm>
-        </p:spPr>
-        <p:txBody>
-          <a:bodyPr anchor="t">
-            <a:normAutofit/>
-          </a:bodyPr>
-          <a:lstStyle/>
-          <a:p>
-            <a:r>
-              <a:rPr lang="en-US" dirty="0"/>
-              <a:t>Go to link : </a:t>
-            </a:r>
-            <a:r>
-              <a:rPr lang="en-US" dirty="0">
-                <a:hlinkClick r:id="rId2"/>
-              </a:rPr>
-              <a:t>https://www.anaconda.com/products/individual</a:t>
-            </a:r>
-            <a:endParaRPr lang="en-US" dirty="0"/>
-          </a:p>
-          <a:p>
-            <a:endParaRPr lang="en-US" dirty="0"/>
-          </a:p>
-          <a:p>
-            <a:r>
-              <a:rPr lang="en-US" dirty="0"/>
-              <a:t>Download 64-Bit Graphical Installer based on your OS.</a:t>
-            </a:r>
-          </a:p>
-          <a:p>
-            <a:endParaRPr lang="en-US" dirty="0"/>
-          </a:p>
-          <a:p>
-            <a:r>
-              <a:rPr lang="en-US" dirty="0"/>
-              <a:t>It will come with the latest version of Python.</a:t>
-            </a:r>
-          </a:p>
-          <a:p>
-            <a:pPr lvl="1"/>
-            <a:endParaRPr lang="en-US" dirty="0"/>
-          </a:p>
-        </p:txBody>
-      </p:sp>
-    </p:spTree>
-    <p:extLst>
-      <p:ext uri="{BB962C8B-B14F-4D97-AF65-F5344CB8AC3E}">
-        <p14:creationId xmlns:p14="http://schemas.microsoft.com/office/powerpoint/2010/main" val="2847126230"/>
-      </p:ext>
-    </p:extLst>
-  </p:cSld>
-  <p:clrMapOvr>
-    <a:masterClrMapping/>
-  </p:clrMapOvr>
-</p:sld>
-</file>
-
-<file path=ppt/slides/slide5.xml><?xml version="1.0" encoding="utf-8"?>
-<p:sld xmlns:a="http://schemas.openxmlformats.org/drawingml/2006/main" xmlns:r="http://schemas.openxmlformats.org/officeDocument/2006/relationships" xmlns:p="http://schemas.openxmlformats.org/presentationml/2006/main">
-  <p:cSld>
-    <p:bg>
-      <p:bgPr>
-        <a:solidFill>
-          <a:schemeClr val="bg1"/>
-        </a:solidFill>
-        <a:effectLst/>
-      </p:bgPr>
-    </p:bg>
-    <p:spTree>
-      <p:nvGrpSpPr>
-        <p:cNvPr id="1" name=""/>
-        <p:cNvGrpSpPr/>
-        <p:nvPr/>
-      </p:nvGrpSpPr>
-      <p:grpSpPr>
-        <a:xfrm>
-          <a:off x="0" y="0"/>
-          <a:ext cx="0" cy="0"/>
-          <a:chOff x="0" y="0"/>
-          <a:chExt cx="0" cy="0"/>
-        </a:xfrm>
-      </p:grpSpPr>
-      <p:sp>
-        <p:nvSpPr>
-          <p:cNvPr id="10" name="Rectangle 9">
-            <a:extLst>
-              <a:ext uri="{FF2B5EF4-FFF2-40B4-BE49-F238E27FC236}">
-                <a16:creationId xmlns:a16="http://schemas.microsoft.com/office/drawing/2014/main" id="{81AEB8A9-B768-4E30-BA55-D919E6687343}"/>
-              </a:ext>
-              <a:ext uri="{C183D7F6-B498-43B3-948B-1728B52AA6E4}">
-                <adec:decorative xmlns:adec="http://schemas.microsoft.com/office/drawing/2017/decorative" val="1"/>
-              </a:ext>
-            </a:extLst>
-          </p:cNvPr>
-          <p:cNvSpPr>
-            <a:spLocks noGrp="1" noRot="1" noChangeAspect="1" noMove="1" noResize="1" noEditPoints="1" noAdjustHandles="1" noChangeArrowheads="1" noChangeShapeType="1" noTextEdit="1"/>
-          </p:cNvSpPr>
-          <p:nvPr>
-            <p:extLst>
-              <p:ext uri="{386F3935-93C4-4BCD-93E2-E3B085C9AB24}">
-                <p16:designElem xmlns:p16="http://schemas.microsoft.com/office/powerpoint/2015/main" val="1"/>
-              </p:ext>
-            </p:extLst>
-          </p:nvPr>
-        </p:nvSpPr>
-        <p:spPr>
-          <a:xfrm>
-            <a:off x="-10001" y="-2"/>
-            <a:ext cx="4069936" cy="6858002"/>
-          </a:xfrm>
-          <a:prstGeom prst="rect">
-            <a:avLst/>
-          </a:prstGeom>
-          <a:solidFill>
-            <a:schemeClr val="accent1"/>
-          </a:solidFill>
-          <a:ln>
-            <a:noFill/>
-          </a:ln>
-        </p:spPr>
-        <p:style>
-          <a:lnRef idx="2">
-            <a:schemeClr val="accent1">
-              <a:shade val="50000"/>
-            </a:schemeClr>
-          </a:lnRef>
-          <a:fillRef idx="1">
-            <a:schemeClr val="accent1"/>
+          <a:fillRef idx="1002">
+            <a:schemeClr val="dk1"/>
           </a:fillRef>
           <a:effectRef idx="0">
             <a:schemeClr val="accent1"/>
@@ -10255,7 +12607,7 @@
           <a:bodyPr rtlCol="0" anchor="ctr"/>
           <a:lstStyle/>
           <a:p>
-            <a:pPr marL="0" marR="0" lvl="0" indent="0" algn="ctr" defTabSz="914400" rtl="0" eaLnBrk="1" fontAlgn="auto" latinLnBrk="0" hangingPunct="1">
+            <a:pPr marL="0" marR="0" lvl="0" indent="0" algn="ctr" defTabSz="457200" rtl="0" eaLnBrk="1" fontAlgn="auto" latinLnBrk="0" hangingPunct="1">
               <a:lnSpc>
                 <a:spcPct val="100000"/>
               </a:lnSpc>
@@ -10277,7 +12629,7 @@
                 <a:noFill/>
               </a:ln>
               <a:solidFill>
-                <a:prstClr val="white"/>
+                <a:prstClr val="black"/>
               </a:solidFill>
               <a:effectLst/>
               <a:uLnTx/>
@@ -10289,12 +12641,426 @@
           </a:p>
         </p:txBody>
       </p:sp>
+      <p:grpSp>
+        <p:nvGrpSpPr>
+          <p:cNvPr id="20" name="Group 10">
+            <a:extLst>
+              <a:ext uri="{FF2B5EF4-FFF2-40B4-BE49-F238E27FC236}">
+                <a16:creationId xmlns:a16="http://schemas.microsoft.com/office/drawing/2014/main" id="{B57BDC17-F1B3-455F-BBF1-680AA1F25C06}"/>
+              </a:ext>
+              <a:ext uri="{C183D7F6-B498-43B3-948B-1728B52AA6E4}">
+                <adec:decorative xmlns:adec="http://schemas.microsoft.com/office/drawing/2017/decorative" val="1"/>
+              </a:ext>
+            </a:extLst>
+          </p:cNvPr>
+          <p:cNvGrpSpPr>
+            <a:grpSpLocks noGrp="1" noUngrp="1" noRot="1" noChangeAspect="1" noMove="1" noResize="1"/>
+          </p:cNvGrpSpPr>
+          <p:nvPr>
+            <p:extLst>
+              <p:ext uri="{386F3935-93C4-4BCD-93E2-E3B085C9AB24}">
+                <p16:designElem xmlns:p16="http://schemas.microsoft.com/office/powerpoint/2015/main" val="1"/>
+              </p:ext>
+            </p:extLst>
+          </p:nvPr>
+        </p:nvGrpSpPr>
+        <p:grpSpPr>
+          <a:xfrm>
+            <a:off x="3315292" y="0"/>
+            <a:ext cx="2436813" cy="6858001"/>
+            <a:chOff x="1320800" y="0"/>
+            <a:chExt cx="2436813" cy="6858001"/>
+          </a:xfrm>
+        </p:grpSpPr>
+        <p:sp>
+          <p:nvSpPr>
+            <p:cNvPr id="12" name="Freeform 6">
+              <a:extLst>
+                <a:ext uri="{FF2B5EF4-FFF2-40B4-BE49-F238E27FC236}">
+                  <a16:creationId xmlns:a16="http://schemas.microsoft.com/office/drawing/2014/main" id="{64E2FA9A-FEF7-4501-B0EB-5E45EDD2177A}"/>
+                </a:ext>
+                <a:ext uri="{C183D7F6-B498-43B3-948B-1728B52AA6E4}">
+                  <adec:decorative xmlns:adec="http://schemas.microsoft.com/office/drawing/2017/decorative" val="1"/>
+                </a:ext>
+              </a:extLst>
+            </p:cNvPr>
+            <p:cNvSpPr/>
+            <p:nvPr>
+              <p:extLst>
+                <p:ext uri="{386F3935-93C4-4BCD-93E2-E3B085C9AB24}">
+                  <p16:designElem xmlns:p16="http://schemas.microsoft.com/office/powerpoint/2015/main" val="1"/>
+                </p:ext>
+              </p:extLst>
+            </p:nvPr>
+          </p:nvSpPr>
+          <p:spPr bwMode="auto">
+            <a:xfrm>
+              <a:off x="1627188" y="0"/>
+              <a:ext cx="1122363" cy="5329238"/>
+            </a:xfrm>
+            <a:custGeom>
+              <a:avLst/>
+              <a:gdLst/>
+              <a:ahLst/>
+              <a:cxnLst/>
+              <a:rect l="0" t="0" r="r" b="b"/>
+              <a:pathLst>
+                <a:path w="707" h="3357">
+                  <a:moveTo>
+                    <a:pt x="0" y="3330"/>
+                  </a:moveTo>
+                  <a:lnTo>
+                    <a:pt x="156" y="3357"/>
+                  </a:lnTo>
+                  <a:lnTo>
+                    <a:pt x="707" y="0"/>
+                  </a:lnTo>
+                  <a:lnTo>
+                    <a:pt x="547" y="0"/>
+                  </a:lnTo>
+                  <a:lnTo>
+                    <a:pt x="0" y="3330"/>
+                  </a:lnTo>
+                  <a:close/>
+                </a:path>
+              </a:pathLst>
+            </a:custGeom>
+            <a:solidFill>
+              <a:schemeClr val="accent1"/>
+            </a:solidFill>
+            <a:ln>
+              <a:noFill/>
+            </a:ln>
+          </p:spPr>
+        </p:sp>
+        <p:sp>
+          <p:nvSpPr>
+            <p:cNvPr id="13" name="Freeform 7">
+              <a:extLst>
+                <a:ext uri="{FF2B5EF4-FFF2-40B4-BE49-F238E27FC236}">
+                  <a16:creationId xmlns:a16="http://schemas.microsoft.com/office/drawing/2014/main" id="{BC38192B-B4CB-47D4-A3B1-10010247F158}"/>
+                </a:ext>
+                <a:ext uri="{C183D7F6-B498-43B3-948B-1728B52AA6E4}">
+                  <adec:decorative xmlns:adec="http://schemas.microsoft.com/office/drawing/2017/decorative" val="1"/>
+                </a:ext>
+              </a:extLst>
+            </p:cNvPr>
+            <p:cNvSpPr/>
+            <p:nvPr>
+              <p:extLst>
+                <p:ext uri="{386F3935-93C4-4BCD-93E2-E3B085C9AB24}">
+                  <p16:designElem xmlns:p16="http://schemas.microsoft.com/office/powerpoint/2015/main" val="1"/>
+                </p:ext>
+              </p:extLst>
+            </p:nvPr>
+          </p:nvSpPr>
+          <p:spPr bwMode="auto">
+            <a:xfrm>
+              <a:off x="1320800" y="0"/>
+              <a:ext cx="1117600" cy="5276850"/>
+            </a:xfrm>
+            <a:custGeom>
+              <a:avLst/>
+              <a:gdLst/>
+              <a:ahLst/>
+              <a:cxnLst/>
+              <a:rect l="0" t="0" r="r" b="b"/>
+              <a:pathLst>
+                <a:path w="704" h="3324">
+                  <a:moveTo>
+                    <a:pt x="704" y="0"/>
+                  </a:moveTo>
+                  <a:lnTo>
+                    <a:pt x="545" y="0"/>
+                  </a:lnTo>
+                  <a:lnTo>
+                    <a:pt x="0" y="3300"/>
+                  </a:lnTo>
+                  <a:lnTo>
+                    <a:pt x="157" y="3324"/>
+                  </a:lnTo>
+                  <a:lnTo>
+                    <a:pt x="704" y="0"/>
+                  </a:lnTo>
+                  <a:close/>
+                </a:path>
+              </a:pathLst>
+            </a:custGeom>
+            <a:solidFill>
+              <a:srgbClr val="595959"/>
+            </a:solidFill>
+            <a:ln>
+              <a:noFill/>
+            </a:ln>
+          </p:spPr>
+        </p:sp>
+        <p:sp>
+          <p:nvSpPr>
+            <p:cNvPr id="14" name="Freeform 8">
+              <a:extLst>
+                <a:ext uri="{FF2B5EF4-FFF2-40B4-BE49-F238E27FC236}">
+                  <a16:creationId xmlns:a16="http://schemas.microsoft.com/office/drawing/2014/main" id="{96330E33-E171-4B0F-82B5-AF7230399B5C}"/>
+                </a:ext>
+                <a:ext uri="{C183D7F6-B498-43B3-948B-1728B52AA6E4}">
+                  <adec:decorative xmlns:adec="http://schemas.microsoft.com/office/drawing/2017/decorative" val="1"/>
+                </a:ext>
+              </a:extLst>
+            </p:cNvPr>
+            <p:cNvSpPr/>
+            <p:nvPr>
+              <p:extLst>
+                <p:ext uri="{386F3935-93C4-4BCD-93E2-E3B085C9AB24}">
+                  <p16:designElem xmlns:p16="http://schemas.microsoft.com/office/powerpoint/2015/main" val="1"/>
+                </p:ext>
+              </p:extLst>
+            </p:nvPr>
+          </p:nvSpPr>
+          <p:spPr bwMode="auto">
+            <a:xfrm>
+              <a:off x="1320800" y="5238750"/>
+              <a:ext cx="1228725" cy="1619250"/>
+            </a:xfrm>
+            <a:custGeom>
+              <a:avLst/>
+              <a:gdLst/>
+              <a:ahLst/>
+              <a:cxnLst/>
+              <a:rect l="0" t="0" r="r" b="b"/>
+              <a:pathLst>
+                <a:path w="774" h="1020">
+                  <a:moveTo>
+                    <a:pt x="0" y="0"/>
+                  </a:moveTo>
+                  <a:lnTo>
+                    <a:pt x="740" y="1020"/>
+                  </a:lnTo>
+                  <a:lnTo>
+                    <a:pt x="774" y="1020"/>
+                  </a:lnTo>
+                  <a:lnTo>
+                    <a:pt x="0" y="0"/>
+                  </a:lnTo>
+                  <a:close/>
+                </a:path>
+              </a:pathLst>
+            </a:custGeom>
+            <a:solidFill>
+              <a:srgbClr val="262626"/>
+            </a:solidFill>
+            <a:ln>
+              <a:noFill/>
+            </a:ln>
+          </p:spPr>
+        </p:sp>
+        <p:sp>
+          <p:nvSpPr>
+            <p:cNvPr id="15" name="Freeform 9">
+              <a:extLst>
+                <a:ext uri="{FF2B5EF4-FFF2-40B4-BE49-F238E27FC236}">
+                  <a16:creationId xmlns:a16="http://schemas.microsoft.com/office/drawing/2014/main" id="{332B1723-69BF-42D7-B757-0FA059E15256}"/>
+                </a:ext>
+                <a:ext uri="{C183D7F6-B498-43B3-948B-1728B52AA6E4}">
+                  <adec:decorative xmlns:adec="http://schemas.microsoft.com/office/drawing/2017/decorative" val="1"/>
+                </a:ext>
+              </a:extLst>
+            </p:cNvPr>
+            <p:cNvSpPr/>
+            <p:nvPr>
+              <p:extLst>
+                <p:ext uri="{386F3935-93C4-4BCD-93E2-E3B085C9AB24}">
+                  <p16:designElem xmlns:p16="http://schemas.microsoft.com/office/powerpoint/2015/main" val="1"/>
+                </p:ext>
+              </p:extLst>
+            </p:nvPr>
+          </p:nvSpPr>
+          <p:spPr bwMode="auto">
+            <a:xfrm>
+              <a:off x="1627188" y="5291138"/>
+              <a:ext cx="1495425" cy="1566863"/>
+            </a:xfrm>
+            <a:custGeom>
+              <a:avLst/>
+              <a:gdLst/>
+              <a:ahLst/>
+              <a:cxnLst/>
+              <a:rect l="0" t="0" r="r" b="b"/>
+              <a:pathLst>
+                <a:path w="942" h="987">
+                  <a:moveTo>
+                    <a:pt x="0" y="0"/>
+                  </a:moveTo>
+                  <a:lnTo>
+                    <a:pt x="909" y="987"/>
+                  </a:lnTo>
+                  <a:lnTo>
+                    <a:pt x="942" y="987"/>
+                  </a:lnTo>
+                  <a:lnTo>
+                    <a:pt x="0" y="0"/>
+                  </a:lnTo>
+                  <a:close/>
+                </a:path>
+              </a:pathLst>
+            </a:custGeom>
+            <a:solidFill>
+              <a:schemeClr val="accent1">
+                <a:lumMod val="50000"/>
+              </a:schemeClr>
+            </a:solidFill>
+            <a:ln>
+              <a:noFill/>
+            </a:ln>
+          </p:spPr>
+        </p:sp>
+        <p:sp>
+          <p:nvSpPr>
+            <p:cNvPr id="16" name="Freeform 10">
+              <a:extLst>
+                <a:ext uri="{FF2B5EF4-FFF2-40B4-BE49-F238E27FC236}">
+                  <a16:creationId xmlns:a16="http://schemas.microsoft.com/office/drawing/2014/main" id="{F115D62D-1E96-48D1-A78D-D370A0BFB9B5}"/>
+                </a:ext>
+                <a:ext uri="{C183D7F6-B498-43B3-948B-1728B52AA6E4}">
+                  <adec:decorative xmlns:adec="http://schemas.microsoft.com/office/drawing/2017/decorative" val="1"/>
+                </a:ext>
+              </a:extLst>
+            </p:cNvPr>
+            <p:cNvSpPr/>
+            <p:nvPr>
+              <p:extLst>
+                <p:ext uri="{386F3935-93C4-4BCD-93E2-E3B085C9AB24}">
+                  <p16:designElem xmlns:p16="http://schemas.microsoft.com/office/powerpoint/2015/main" val="1"/>
+                </p:ext>
+              </p:extLst>
+            </p:nvPr>
+          </p:nvSpPr>
+          <p:spPr bwMode="auto">
+            <a:xfrm>
+              <a:off x="1627188" y="5286375"/>
+              <a:ext cx="2130425" cy="1571625"/>
+            </a:xfrm>
+            <a:custGeom>
+              <a:avLst/>
+              <a:gdLst/>
+              <a:ahLst/>
+              <a:cxnLst/>
+              <a:rect l="0" t="0" r="r" b="b"/>
+              <a:pathLst>
+                <a:path w="1342" h="990">
+                  <a:moveTo>
+                    <a:pt x="0" y="3"/>
+                  </a:moveTo>
+                  <a:lnTo>
+                    <a:pt x="942" y="990"/>
+                  </a:lnTo>
+                  <a:lnTo>
+                    <a:pt x="1342" y="990"/>
+                  </a:lnTo>
+                  <a:lnTo>
+                    <a:pt x="156" y="27"/>
+                  </a:lnTo>
+                  <a:lnTo>
+                    <a:pt x="0" y="0"/>
+                  </a:lnTo>
+                  <a:lnTo>
+                    <a:pt x="0" y="3"/>
+                  </a:lnTo>
+                  <a:close/>
+                </a:path>
+              </a:pathLst>
+            </a:custGeom>
+            <a:solidFill>
+              <a:schemeClr val="accent1">
+                <a:lumMod val="75000"/>
+              </a:schemeClr>
+            </a:solidFill>
+            <a:ln>
+              <a:noFill/>
+            </a:ln>
+          </p:spPr>
+        </p:sp>
+        <p:sp>
+          <p:nvSpPr>
+            <p:cNvPr id="17" name="Freeform 11">
+              <a:extLst>
+                <a:ext uri="{FF2B5EF4-FFF2-40B4-BE49-F238E27FC236}">
+                  <a16:creationId xmlns:a16="http://schemas.microsoft.com/office/drawing/2014/main" id="{91C2876A-169D-4822-A766-C00578C88B4B}"/>
+                </a:ext>
+                <a:ext uri="{C183D7F6-B498-43B3-948B-1728B52AA6E4}">
+                  <adec:decorative xmlns:adec="http://schemas.microsoft.com/office/drawing/2017/decorative" val="1"/>
+                </a:ext>
+              </a:extLst>
+            </p:cNvPr>
+            <p:cNvSpPr/>
+            <p:nvPr>
+              <p:extLst>
+                <p:ext uri="{386F3935-93C4-4BCD-93E2-E3B085C9AB24}">
+                  <p16:designElem xmlns:p16="http://schemas.microsoft.com/office/powerpoint/2015/main" val="1"/>
+                </p:ext>
+              </p:extLst>
+            </p:nvPr>
+          </p:nvSpPr>
+          <p:spPr bwMode="auto">
+            <a:xfrm>
+              <a:off x="1320800" y="5238750"/>
+              <a:ext cx="1695450" cy="1619250"/>
+            </a:xfrm>
+            <a:custGeom>
+              <a:avLst/>
+              <a:gdLst/>
+              <a:ahLst/>
+              <a:cxnLst/>
+              <a:rect l="0" t="0" r="r" b="b"/>
+              <a:pathLst>
+                <a:path w="1068" h="1020">
+                  <a:moveTo>
+                    <a:pt x="1068" y="1020"/>
+                  </a:moveTo>
+                  <a:lnTo>
+                    <a:pt x="184" y="60"/>
+                  </a:lnTo>
+                  <a:lnTo>
+                    <a:pt x="154" y="27"/>
+                  </a:lnTo>
+                  <a:lnTo>
+                    <a:pt x="157" y="27"/>
+                  </a:lnTo>
+                  <a:lnTo>
+                    <a:pt x="157" y="24"/>
+                  </a:lnTo>
+                  <a:lnTo>
+                    <a:pt x="154" y="24"/>
+                  </a:lnTo>
+                  <a:lnTo>
+                    <a:pt x="0" y="0"/>
+                  </a:lnTo>
+                  <a:lnTo>
+                    <a:pt x="0" y="0"/>
+                  </a:lnTo>
+                  <a:lnTo>
+                    <a:pt x="774" y="1020"/>
+                  </a:lnTo>
+                  <a:lnTo>
+                    <a:pt x="1068" y="1020"/>
+                  </a:lnTo>
+                  <a:close/>
+                </a:path>
+              </a:pathLst>
+            </a:custGeom>
+            <a:solidFill>
+              <a:srgbClr val="404040"/>
+            </a:solidFill>
+            <a:ln>
+              <a:noFill/>
+            </a:ln>
+          </p:spPr>
+        </p:sp>
+      </p:grpSp>
       <p:sp>
         <p:nvSpPr>
           <p:cNvPr id="2" name="Title 1">
             <a:extLst>
               <a:ext uri="{FF2B5EF4-FFF2-40B4-BE49-F238E27FC236}">
-                <a16:creationId xmlns:a16="http://schemas.microsoft.com/office/drawing/2014/main" id="{51CCA6A2-3044-E048-B8AB-8A024DA3AAE0}"/>
+                <a16:creationId xmlns:a16="http://schemas.microsoft.com/office/drawing/2014/main" id="{782AF6CF-672E-9941-85B5-DCF6BB10F480}"/>
               </a:ext>
             </a:extLst>
           </p:cNvPr>
@@ -10307,131 +13073,62 @@
         </p:nvSpPr>
         <p:spPr>
           <a:xfrm>
-            <a:off x="643467" y="640080"/>
-            <a:ext cx="3096427" cy="5613236"/>
+            <a:off x="535020" y="685800"/>
+            <a:ext cx="2780271" cy="5105400"/>
           </a:xfrm>
         </p:spPr>
         <p:txBody>
-          <a:bodyPr anchor="ctr">
+          <a:bodyPr>
             <a:normAutofit/>
           </a:bodyPr>
           <a:lstStyle/>
           <a:p>
             <a:r>
-              <a:rPr lang="en-US">
+              <a:rPr lang="en-US" sz="4000">
                 <a:solidFill>
                   <a:srgbClr val="FFFFFF"/>
                 </a:solidFill>
               </a:rPr>
-              <a:t>WORKING WITH GITHUB</a:t>
+              <a:t>TECH STACK USED</a:t>
             </a:r>
           </a:p>
         </p:txBody>
       </p:sp>
-      <p:sp>
-        <p:nvSpPr>
-          <p:cNvPr id="3" name="Content Placeholder 2">
+      <p:graphicFrame>
+        <p:nvGraphicFramePr>
+          <p:cNvPr id="21" name="Content Placeholder 2">
             <a:extLst>
               <a:ext uri="{FF2B5EF4-FFF2-40B4-BE49-F238E27FC236}">
-                <a16:creationId xmlns:a16="http://schemas.microsoft.com/office/drawing/2014/main" id="{D71D3D5B-9753-1346-A7D9-E95966D35728}"/>
+                <a16:creationId xmlns:a16="http://schemas.microsoft.com/office/drawing/2014/main" id="{BBF1ACB2-F58E-4C3B-98E7-730AC72D1028}"/>
               </a:ext>
             </a:extLst>
           </p:cNvPr>
-          <p:cNvSpPr>
-            <a:spLocks noGrp="1"/>
-          </p:cNvSpPr>
+          <p:cNvGraphicFramePr>
+            <a:graphicFrameLocks noGrp="1"/>
+          </p:cNvGraphicFramePr>
           <p:nvPr>
             <p:ph idx="1"/>
+            <p:extLst>
+              <p:ext uri="{D42A27DB-BD31-4B8C-83A1-F6EECF244321}">
+                <p14:modId xmlns:p14="http://schemas.microsoft.com/office/powerpoint/2010/main" val="3719695701"/>
+              </p:ext>
+            </p:extLst>
           </p:nvPr>
-        </p:nvSpPr>
-        <p:spPr>
-          <a:xfrm>
-            <a:off x="4699818" y="640082"/>
-            <a:ext cx="6848715" cy="2484884"/>
-          </a:xfrm>
-        </p:spPr>
-        <p:txBody>
-          <a:bodyPr anchor="ctr">
-            <a:normAutofit/>
-          </a:bodyPr>
-          <a:lstStyle/>
-          <a:p>
-            <a:r>
-              <a:rPr lang="en-US" sz="2000" dirty="0"/>
-              <a:t>Download GitHub Desktop for better experience.</a:t>
-            </a:r>
-          </a:p>
-          <a:p>
-            <a:pPr lvl="1"/>
-            <a:r>
-              <a:rPr lang="en-US" sz="2000" dirty="0">
-                <a:hlinkClick r:id="rId2"/>
-              </a:rPr>
-              <a:t>https://desktop.github.com/</a:t>
-            </a:r>
-            <a:endParaRPr lang="en-US" sz="2000" dirty="0"/>
-          </a:p>
-          <a:p>
-            <a:r>
-              <a:rPr lang="en-US" sz="2000" dirty="0"/>
-              <a:t>Visit the link given below :</a:t>
-            </a:r>
-          </a:p>
-          <a:p>
-            <a:pPr lvl="1"/>
-            <a:r>
-              <a:rPr lang="en-US" sz="2000" dirty="0">
-                <a:hlinkClick r:id="rId3"/>
-              </a:rPr>
-              <a:t>https://github.com/umangnangal/Topology_Generator.git</a:t>
-            </a:r>
-            <a:endParaRPr lang="en-US" sz="2000" dirty="0"/>
-          </a:p>
-          <a:p>
-            <a:r>
-              <a:rPr lang="en-US" sz="2000" dirty="0"/>
-              <a:t>Use the ‘Open with GitHub Desktop’ option</a:t>
-            </a:r>
-          </a:p>
-          <a:p>
-            <a:endParaRPr lang="en-US" sz="2000" dirty="0"/>
-          </a:p>
-        </p:txBody>
-      </p:sp>
-      <p:pic>
-        <p:nvPicPr>
-          <p:cNvPr id="5" name="Picture 4">
-            <a:extLst>
-              <a:ext uri="{FF2B5EF4-FFF2-40B4-BE49-F238E27FC236}">
-                <a16:creationId xmlns:a16="http://schemas.microsoft.com/office/drawing/2014/main" id="{3C58F591-DA2F-284C-AC91-DDF0A76267CF}"/>
-              </a:ext>
-            </a:extLst>
-          </p:cNvPr>
-          <p:cNvPicPr>
-            <a:picLocks noChangeAspect="1"/>
-          </p:cNvPicPr>
-          <p:nvPr/>
-        </p:nvPicPr>
-        <p:blipFill>
-          <a:blip r:embed="rId4"/>
-          <a:stretch>
-            <a:fillRect/>
-          </a:stretch>
-        </p:blipFill>
-        <p:spPr>
-          <a:xfrm>
-            <a:off x="4699818" y="2971800"/>
-            <a:ext cx="7434864" cy="3170425"/>
-          </a:xfrm>
-          <a:prstGeom prst="rect">
-            <a:avLst/>
-          </a:prstGeom>
-        </p:spPr>
-      </p:pic>
+        </p:nvGraphicFramePr>
+        <p:xfrm>
+          <a:off x="5010150" y="685800"/>
+          <a:ext cx="6492875" cy="5105400"/>
+        </p:xfrm>
+        <a:graphic>
+          <a:graphicData uri="http://schemas.openxmlformats.org/drawingml/2006/diagram">
+            <dgm:relIds xmlns:dgm="http://schemas.openxmlformats.org/drawingml/2006/diagram" xmlns:r="http://schemas.openxmlformats.org/officeDocument/2006/relationships" r:dm="rId2" r:lo="rId3" r:qs="rId4" r:cs="rId5"/>
+          </a:graphicData>
+        </a:graphic>
+      </p:graphicFrame>
     </p:spTree>
     <p:extLst>
       <p:ext uri="{BB962C8B-B14F-4D97-AF65-F5344CB8AC3E}">
-        <p14:creationId xmlns:p14="http://schemas.microsoft.com/office/powerpoint/2010/main" val="2897259347"/>
+        <p14:creationId xmlns:p14="http://schemas.microsoft.com/office/powerpoint/2010/main" val="2391739000"/>
       </p:ext>
     </p:extLst>
   </p:cSld>
@@ -10441,7 +13138,7 @@
 </p:sld>
 </file>
 
-<file path=ppt/slides/slide6.xml><?xml version="1.0" encoding="utf-8"?>
+<file path=ppt/slides/slide4.xml><?xml version="1.0" encoding="utf-8"?>
 <p:sld xmlns:a="http://schemas.openxmlformats.org/drawingml/2006/main" xmlns:r="http://schemas.openxmlformats.org/officeDocument/2006/relationships" xmlns:p="http://schemas.openxmlformats.org/presentationml/2006/main">
   <p:cSld>
     <p:bg>
@@ -10496,7 +13193,7 @@
           <a:p>
             <a:r>
               <a:rPr lang="en-US" sz="4800" dirty="0"/>
-              <a:t>USING ANACONDA</a:t>
+              <a:t>WORKING WITH ANACONDA</a:t>
             </a:r>
           </a:p>
         </p:txBody>
@@ -10829,7 +13526,349 @@
 </p:sld>
 </file>
 
-<file path=ppt/slides/slide7.xml><?xml version="1.0" encoding="utf-8"?>
+<file path=ppt/slides/slide5.xml><?xml version="1.0" encoding="utf-8"?>
+<p:sld xmlns:a="http://schemas.openxmlformats.org/drawingml/2006/main" xmlns:r="http://schemas.openxmlformats.org/officeDocument/2006/relationships" xmlns:p="http://schemas.openxmlformats.org/presentationml/2006/main">
+  <p:cSld>
+    <p:bg>
+      <p:bgPr>
+        <a:solidFill>
+          <a:schemeClr val="bg1"/>
+        </a:solidFill>
+        <a:effectLst/>
+      </p:bgPr>
+    </p:bg>
+    <p:spTree>
+      <p:nvGrpSpPr>
+        <p:cNvPr id="1" name=""/>
+        <p:cNvGrpSpPr/>
+        <p:nvPr/>
+      </p:nvGrpSpPr>
+      <p:grpSpPr>
+        <a:xfrm>
+          <a:off x="0" y="0"/>
+          <a:ext cx="0" cy="0"/>
+          <a:chOff x="0" y="0"/>
+          <a:chExt cx="0" cy="0"/>
+        </a:xfrm>
+      </p:grpSpPr>
+      <p:sp>
+        <p:nvSpPr>
+          <p:cNvPr id="2" name="Title 1">
+            <a:extLst>
+              <a:ext uri="{FF2B5EF4-FFF2-40B4-BE49-F238E27FC236}">
+                <a16:creationId xmlns:a16="http://schemas.microsoft.com/office/drawing/2014/main" id="{4B66C287-447E-8640-BAB6-DBD2CB58ED48}"/>
+              </a:ext>
+            </a:extLst>
+          </p:cNvPr>
+          <p:cNvSpPr>
+            <a:spLocks noGrp="1"/>
+          </p:cNvSpPr>
+          <p:nvPr>
+            <p:ph type="title"/>
+          </p:nvPr>
+        </p:nvSpPr>
+        <p:spPr>
+          <a:xfrm>
+            <a:off x="1136428" y="627564"/>
+            <a:ext cx="7474172" cy="1325563"/>
+          </a:xfrm>
+        </p:spPr>
+        <p:txBody>
+          <a:bodyPr>
+            <a:normAutofit/>
+          </a:bodyPr>
+          <a:lstStyle/>
+          <a:p>
+            <a:r>
+              <a:rPr lang="en-US" dirty="0"/>
+              <a:t>WORKING WITH GITHUB</a:t>
+            </a:r>
+          </a:p>
+        </p:txBody>
+      </p:sp>
+      <p:sp>
+        <p:nvSpPr>
+          <p:cNvPr id="3" name="Content Placeholder 2">
+            <a:extLst>
+              <a:ext uri="{FF2B5EF4-FFF2-40B4-BE49-F238E27FC236}">
+                <a16:creationId xmlns:a16="http://schemas.microsoft.com/office/drawing/2014/main" id="{28AF6F3A-D457-1148-9B6C-7CE5F136E832}"/>
+              </a:ext>
+            </a:extLst>
+          </p:cNvPr>
+          <p:cNvSpPr>
+            <a:spLocks noGrp="1"/>
+          </p:cNvSpPr>
+          <p:nvPr>
+            <p:ph idx="1"/>
+          </p:nvPr>
+        </p:nvSpPr>
+        <p:spPr>
+          <a:xfrm>
+            <a:off x="1136427" y="1745211"/>
+            <a:ext cx="6467867" cy="2140173"/>
+          </a:xfrm>
+        </p:spPr>
+        <p:txBody>
+          <a:bodyPr anchor="ctr">
+            <a:normAutofit/>
+          </a:bodyPr>
+          <a:lstStyle/>
+          <a:p>
+            <a:r>
+              <a:rPr lang="en-US" sz="1800" dirty="0"/>
+              <a:t>Download GitHub Desktop for better experience.</a:t>
+            </a:r>
+          </a:p>
+          <a:p>
+            <a:pPr lvl="1"/>
+            <a:r>
+              <a:rPr lang="en-US" sz="1800" dirty="0">
+                <a:hlinkClick r:id="rId2"/>
+              </a:rPr>
+              <a:t>https://desktop.github.com/</a:t>
+            </a:r>
+            <a:endParaRPr lang="en-US" sz="1800" dirty="0"/>
+          </a:p>
+          <a:p>
+            <a:r>
+              <a:rPr lang="en-US" sz="1800" dirty="0"/>
+              <a:t>Visit the link given below :</a:t>
+            </a:r>
+          </a:p>
+          <a:p>
+            <a:pPr lvl="1"/>
+            <a:r>
+              <a:rPr lang="en-US" sz="1800" dirty="0">
+                <a:hlinkClick r:id="rId3"/>
+              </a:rPr>
+              <a:t>https://github.com/umangnangal/Topology_Generator.git</a:t>
+            </a:r>
+            <a:endParaRPr lang="en-US" sz="1800" dirty="0"/>
+          </a:p>
+          <a:p>
+            <a:r>
+              <a:rPr lang="en-US" sz="1800" dirty="0"/>
+              <a:t>Use the ‘Open with GitHub Desktop’ option</a:t>
+            </a:r>
+          </a:p>
+        </p:txBody>
+      </p:sp>
+      <p:sp>
+        <p:nvSpPr>
+          <p:cNvPr id="71" name="Rectangle 70">
+            <a:extLst>
+              <a:ext uri="{FF2B5EF4-FFF2-40B4-BE49-F238E27FC236}">
+                <a16:creationId xmlns:a16="http://schemas.microsoft.com/office/drawing/2014/main" id="{59A309A7-1751-4ABE-A3C1-EEC40366AD89}"/>
+              </a:ext>
+              <a:ext uri="{C183D7F6-B498-43B3-948B-1728B52AA6E4}">
+                <adec:decorative xmlns:adec="http://schemas.microsoft.com/office/drawing/2017/decorative" val="1"/>
+              </a:ext>
+            </a:extLst>
+          </p:cNvPr>
+          <p:cNvSpPr>
+            <a:spLocks noGrp="1" noRot="1" noChangeAspect="1" noMove="1" noResize="1" noEditPoints="1" noAdjustHandles="1" noChangeArrowheads="1" noChangeShapeType="1" noTextEdit="1"/>
+          </p:cNvSpPr>
+          <p:nvPr>
+            <p:extLst>
+              <p:ext uri="{386F3935-93C4-4BCD-93E2-E3B085C9AB24}">
+                <p16:designElem xmlns:p16="http://schemas.microsoft.com/office/powerpoint/2015/main" val="1"/>
+              </p:ext>
+            </p:extLst>
+          </p:nvPr>
+        </p:nvSpPr>
+        <p:spPr>
+          <a:xfrm>
+            <a:off x="10088880" y="0"/>
+            <a:ext cx="2103120" cy="6858000"/>
+          </a:xfrm>
+          <a:prstGeom prst="rect">
+            <a:avLst/>
+          </a:prstGeom>
+          <a:ln>
+            <a:noFill/>
+          </a:ln>
+        </p:spPr>
+        <p:style>
+          <a:lnRef idx="2">
+            <a:schemeClr val="accent1">
+              <a:shade val="50000"/>
+            </a:schemeClr>
+          </a:lnRef>
+          <a:fillRef idx="1">
+            <a:schemeClr val="accent1"/>
+          </a:fillRef>
+          <a:effectRef idx="0">
+            <a:schemeClr val="accent1"/>
+          </a:effectRef>
+          <a:fontRef idx="minor">
+            <a:schemeClr val="lt1"/>
+          </a:fontRef>
+        </p:style>
+        <p:txBody>
+          <a:bodyPr rtlCol="0" anchor="ctr"/>
+          <a:lstStyle/>
+          <a:p>
+            <a:pPr algn="ctr"/>
+            <a:endParaRPr lang="en-US"/>
+          </a:p>
+        </p:txBody>
+      </p:sp>
+      <p:sp>
+        <p:nvSpPr>
+          <p:cNvPr id="73" name="Oval 72">
+            <a:extLst>
+              <a:ext uri="{FF2B5EF4-FFF2-40B4-BE49-F238E27FC236}">
+                <a16:creationId xmlns:a16="http://schemas.microsoft.com/office/drawing/2014/main" id="{967D8EB6-EAE1-4F9C-B398-83321E287204}"/>
+              </a:ext>
+              <a:ext uri="{C183D7F6-B498-43B3-948B-1728B52AA6E4}">
+                <adec:decorative xmlns:adec="http://schemas.microsoft.com/office/drawing/2017/decorative" val="1"/>
+              </a:ext>
+            </a:extLst>
+          </p:cNvPr>
+          <p:cNvSpPr>
+            <a:spLocks noGrp="1" noRot="1" noChangeAspect="1" noMove="1" noResize="1" noEditPoints="1" noAdjustHandles="1" noChangeArrowheads="1" noChangeShapeType="1" noTextEdit="1"/>
+          </p:cNvSpPr>
+          <p:nvPr>
+            <p:extLst>
+              <p:ext uri="{386F3935-93C4-4BCD-93E2-E3B085C9AB24}">
+                <p16:designElem xmlns:p16="http://schemas.microsoft.com/office/powerpoint/2015/main" val="1"/>
+              </p:ext>
+            </p:extLst>
+          </p:nvPr>
+        </p:nvSpPr>
+        <p:spPr>
+          <a:xfrm>
+            <a:off x="8915400" y="2358913"/>
+            <a:ext cx="2140172" cy="2140172"/>
+          </a:xfrm>
+          <a:prstGeom prst="ellipse">
+            <a:avLst/>
+          </a:prstGeom>
+          <a:solidFill>
+            <a:srgbClr val="FFFFFF"/>
+          </a:solidFill>
+          <a:ln w="22225">
+            <a:solidFill>
+              <a:srgbClr val="4FCA55"/>
+            </a:solidFill>
+          </a:ln>
+        </p:spPr>
+        <p:style>
+          <a:lnRef idx="2">
+            <a:schemeClr val="accent1">
+              <a:shade val="50000"/>
+            </a:schemeClr>
+          </a:lnRef>
+          <a:fillRef idx="1">
+            <a:schemeClr val="accent1"/>
+          </a:fillRef>
+          <a:effectRef idx="0">
+            <a:schemeClr val="accent1"/>
+          </a:effectRef>
+          <a:fontRef idx="minor">
+            <a:schemeClr val="lt1"/>
+          </a:fontRef>
+        </p:style>
+        <p:txBody>
+          <a:bodyPr rtlCol="0" anchor="ctr"/>
+          <a:lstStyle/>
+          <a:p>
+            <a:pPr algn="ctr"/>
+            <a:endParaRPr lang="en-US"/>
+          </a:p>
+        </p:txBody>
+      </p:sp>
+      <p:pic>
+        <p:nvPicPr>
+          <p:cNvPr id="9" name="Picture 2" descr="GitHub Logos and Usage · GitHub">
+            <a:extLst>
+              <a:ext uri="{FF2B5EF4-FFF2-40B4-BE49-F238E27FC236}">
+                <a16:creationId xmlns:a16="http://schemas.microsoft.com/office/drawing/2014/main" id="{261CEA56-0781-BE4B-A434-550CA10B5EAC}"/>
+              </a:ext>
+            </a:extLst>
+          </p:cNvPr>
+          <p:cNvPicPr>
+            <a:picLocks noChangeAspect="1" noChangeArrowheads="1"/>
+          </p:cNvPicPr>
+          <p:nvPr/>
+        </p:nvPicPr>
+        <p:blipFill>
+          <a:blip r:embed="rId4">
+            <a:extLst>
+              <a:ext uri="{28A0092B-C50C-407E-A947-70E740481C1C}">
+                <a14:useLocalDpi xmlns:a14="http://schemas.microsoft.com/office/drawing/2010/main" val="0"/>
+              </a:ext>
+            </a:extLst>
+          </a:blip>
+          <a:srcRect/>
+          <a:stretch>
+            <a:fillRect/>
+          </a:stretch>
+        </p:blipFill>
+        <p:spPr bwMode="auto">
+          <a:xfrm>
+            <a:off x="9250023" y="2693536"/>
+            <a:ext cx="1470926" cy="1470926"/>
+          </a:xfrm>
+          <a:prstGeom prst="rect">
+            <a:avLst/>
+          </a:prstGeom>
+          <a:noFill/>
+          <a:extLst>
+            <a:ext uri="{909E8E84-426E-40DD-AFC4-6F175D3DCCD1}">
+              <a14:hiddenFill xmlns:a14="http://schemas.microsoft.com/office/drawing/2010/main">
+                <a:solidFill>
+                  <a:srgbClr val="FFFFFF"/>
+                </a:solidFill>
+              </a14:hiddenFill>
+            </a:ext>
+          </a:extLst>
+        </p:spPr>
+      </p:pic>
+      <p:pic>
+        <p:nvPicPr>
+          <p:cNvPr id="10" name="Picture 9">
+            <a:extLst>
+              <a:ext uri="{FF2B5EF4-FFF2-40B4-BE49-F238E27FC236}">
+                <a16:creationId xmlns:a16="http://schemas.microsoft.com/office/drawing/2014/main" id="{C15F5C70-5975-B04C-A8BE-E58712A19004}"/>
+              </a:ext>
+            </a:extLst>
+          </p:cNvPr>
+          <p:cNvPicPr>
+            <a:picLocks noChangeAspect="1"/>
+          </p:cNvPicPr>
+          <p:nvPr/>
+        </p:nvPicPr>
+        <p:blipFill>
+          <a:blip r:embed="rId5"/>
+          <a:stretch>
+            <a:fillRect/>
+          </a:stretch>
+        </p:blipFill>
+        <p:spPr>
+          <a:xfrm>
+            <a:off x="1585775" y="4042702"/>
+            <a:ext cx="5569172" cy="2374843"/>
+          </a:xfrm>
+          <a:prstGeom prst="rect">
+            <a:avLst/>
+          </a:prstGeom>
+        </p:spPr>
+      </p:pic>
+    </p:spTree>
+    <p:extLst>
+      <p:ext uri="{BB962C8B-B14F-4D97-AF65-F5344CB8AC3E}">
+        <p14:creationId xmlns:p14="http://schemas.microsoft.com/office/powerpoint/2010/main" val="1694020396"/>
+      </p:ext>
+    </p:extLst>
+  </p:cSld>
+  <p:clrMapOvr>
+    <a:masterClrMapping/>
+  </p:clrMapOvr>
+</p:sld>
+</file>
+
+<file path=ppt/slides/slide6.xml><?xml version="1.0" encoding="utf-8"?>
 <p:sld xmlns:a="http://schemas.openxmlformats.org/drawingml/2006/main" xmlns:r="http://schemas.openxmlformats.org/officeDocument/2006/relationships" xmlns:p="http://schemas.openxmlformats.org/presentationml/2006/main">
   <p:cSld>
     <p:bg>
@@ -11135,7 +14174,7 @@
 </p:sld>
 </file>
 
-<file path=ppt/slides/slide8.xml><?xml version="1.0" encoding="utf-8"?>
+<file path=ppt/slides/slide7.xml><?xml version="1.0" encoding="utf-8"?>
 <p:sld xmlns:a="http://schemas.openxmlformats.org/drawingml/2006/main" xmlns:r="http://schemas.openxmlformats.org/officeDocument/2006/relationships" xmlns:p="http://schemas.openxmlformats.org/presentationml/2006/main">
   <p:cSld>
     <p:bg>
@@ -11318,7 +14357,7 @@
 </p:sld>
 </file>
 
-<file path=ppt/slides/slide9.xml><?xml version="1.0" encoding="utf-8"?>
+<file path=ppt/slides/slide8.xml><?xml version="1.0" encoding="utf-8"?>
 <p:sld xmlns:a="http://schemas.openxmlformats.org/drawingml/2006/main" xmlns:r="http://schemas.openxmlformats.org/officeDocument/2006/relationships" xmlns:p="http://schemas.openxmlformats.org/presentationml/2006/main">
   <p:cSld>
     <p:bg>
